--- a/Documentation/Final Presentaion/Presentation.pptx
+++ b/Documentation/Final Presentaion/Presentation.pptx
@@ -2,30 +2,33 @@
 <file path=ppt/presentation.xml><?xml version="1.0" encoding="utf-8"?>
 <p:presentation xmlns:a="http://schemas.openxmlformats.org/drawingml/2006/main" xmlns:r="http://schemas.openxmlformats.org/officeDocument/2006/relationships" xmlns:p="http://schemas.openxmlformats.org/presentationml/2006/main" saveSubsetFonts="1">
   <p:sldMasterIdLst>
-    <p:sldMasterId id="2147483744" r:id="rId1"/>
+    <p:sldMasterId id="2147483870" r:id="rId1"/>
   </p:sldMasterIdLst>
   <p:notesMasterIdLst>
-    <p:notesMasterId r:id="rId20"/>
+    <p:notesMasterId r:id="rId23"/>
   </p:notesMasterIdLst>
   <p:sldIdLst>
     <p:sldId id="260" r:id="rId2"/>
     <p:sldId id="261" r:id="rId3"/>
-    <p:sldId id="268" r:id="rId4"/>
-    <p:sldId id="262" r:id="rId5"/>
-    <p:sldId id="264" r:id="rId6"/>
-    <p:sldId id="273" r:id="rId7"/>
-    <p:sldId id="275" r:id="rId8"/>
-    <p:sldId id="274" r:id="rId9"/>
-    <p:sldId id="265" r:id="rId10"/>
-    <p:sldId id="272" r:id="rId11"/>
-    <p:sldId id="276" r:id="rId12"/>
-    <p:sldId id="277" r:id="rId13"/>
-    <p:sldId id="267" r:id="rId14"/>
-    <p:sldId id="269" r:id="rId15"/>
-    <p:sldId id="278" r:id="rId16"/>
-    <p:sldId id="279" r:id="rId17"/>
-    <p:sldId id="270" r:id="rId18"/>
-    <p:sldId id="271" r:id="rId19"/>
+    <p:sldId id="262" r:id="rId4"/>
+    <p:sldId id="280" r:id="rId5"/>
+    <p:sldId id="281" r:id="rId6"/>
+    <p:sldId id="282" r:id="rId7"/>
+    <p:sldId id="264" r:id="rId8"/>
+    <p:sldId id="268" r:id="rId9"/>
+    <p:sldId id="273" r:id="rId10"/>
+    <p:sldId id="275" r:id="rId11"/>
+    <p:sldId id="274" r:id="rId12"/>
+    <p:sldId id="265" r:id="rId13"/>
+    <p:sldId id="272" r:id="rId14"/>
+    <p:sldId id="276" r:id="rId15"/>
+    <p:sldId id="277" r:id="rId16"/>
+    <p:sldId id="267" r:id="rId17"/>
+    <p:sldId id="269" r:id="rId18"/>
+    <p:sldId id="278" r:id="rId19"/>
+    <p:sldId id="279" r:id="rId20"/>
+    <p:sldId id="270" r:id="rId21"/>
+    <p:sldId id="271" r:id="rId22"/>
   </p:sldIdLst>
   <p:sldSz cx="9144000" cy="6858000" type="screen4x3"/>
   <p:notesSz cx="6858000" cy="9144000"/>
@@ -225,7 +228,7 @@
           <a:p>
             <a:fld id="{1DC38890-7B21-4576-9379-964DB0DBE7A3}" type="datetimeFigureOut">
               <a:rPr lang="en-IE" smtClean="0"/>
-              <a:t>09/08/2017</a:t>
+              <a:t>18/08/2017</a:t>
             </a:fld>
             <a:endParaRPr lang="en-IE"/>
           </a:p>
@@ -676,7 +679,7 @@
           <a:p>
             <a:fld id="{792754D0-D688-4E49-8FF3-F8D4FDC3B676}" type="datetimeFigureOut">
               <a:rPr lang="en-IE" smtClean="0"/>
-              <a:t>09/08/2017</a:t>
+              <a:t>18/08/2017</a:t>
             </a:fld>
             <a:endParaRPr lang="en-IE"/>
           </a:p>
@@ -727,7 +730,7 @@
     </p:spTree>
     <p:extLst>
       <p:ext uri="{BB962C8B-B14F-4D97-AF65-F5344CB8AC3E}">
-        <p14:creationId xmlns:p14="http://schemas.microsoft.com/office/powerpoint/2010/main" val="34219349"/>
+        <p14:creationId xmlns:p14="http://schemas.microsoft.com/office/powerpoint/2010/main" val="1876105117"/>
       </p:ext>
     </p:extLst>
   </p:cSld>
@@ -951,7 +954,7 @@
           <a:p>
             <a:fld id="{792754D0-D688-4E49-8FF3-F8D4FDC3B676}" type="datetimeFigureOut">
               <a:rPr lang="en-IE" smtClean="0"/>
-              <a:t>09/08/2017</a:t>
+              <a:t>18/08/2017</a:t>
             </a:fld>
             <a:endParaRPr lang="en-IE"/>
           </a:p>
@@ -1002,7 +1005,7 @@
     </p:spTree>
     <p:extLst>
       <p:ext uri="{BB962C8B-B14F-4D97-AF65-F5344CB8AC3E}">
-        <p14:creationId xmlns:p14="http://schemas.microsoft.com/office/powerpoint/2010/main" val="1687425367"/>
+        <p14:creationId xmlns:p14="http://schemas.microsoft.com/office/powerpoint/2010/main" val="2039630077"/>
       </p:ext>
     </p:extLst>
   </p:cSld>
@@ -1145,7 +1148,7 @@
           <a:p>
             <a:fld id="{792754D0-D688-4E49-8FF3-F8D4FDC3B676}" type="datetimeFigureOut">
               <a:rPr lang="en-IE" smtClean="0"/>
-              <a:t>09/08/2017</a:t>
+              <a:t>18/08/2017</a:t>
             </a:fld>
             <a:endParaRPr lang="en-IE"/>
           </a:p>
@@ -1196,7 +1199,7 @@
     </p:spTree>
     <p:extLst>
       <p:ext uri="{BB962C8B-B14F-4D97-AF65-F5344CB8AC3E}">
-        <p14:creationId xmlns:p14="http://schemas.microsoft.com/office/powerpoint/2010/main" val="889100887"/>
+        <p14:creationId xmlns:p14="http://schemas.microsoft.com/office/powerpoint/2010/main" val="1928730725"/>
       </p:ext>
     </p:extLst>
   </p:cSld>
@@ -1413,7 +1416,7 @@
           <a:p>
             <a:fld id="{792754D0-D688-4E49-8FF3-F8D4FDC3B676}" type="datetimeFigureOut">
               <a:rPr lang="en-IE" smtClean="0"/>
-              <a:t>09/08/2017</a:t>
+              <a:t>18/08/2017</a:t>
             </a:fld>
             <a:endParaRPr lang="en-IE"/>
           </a:p>
@@ -1552,7 +1555,7 @@
     </p:spTree>
     <p:extLst>
       <p:ext uri="{BB962C8B-B14F-4D97-AF65-F5344CB8AC3E}">
-        <p14:creationId xmlns:p14="http://schemas.microsoft.com/office/powerpoint/2010/main" val="927391983"/>
+        <p14:creationId xmlns:p14="http://schemas.microsoft.com/office/powerpoint/2010/main" val="2059127257"/>
       </p:ext>
     </p:extLst>
   </p:cSld>
@@ -1745,7 +1748,7 @@
           <a:p>
             <a:fld id="{792754D0-D688-4E49-8FF3-F8D4FDC3B676}" type="datetimeFigureOut">
               <a:rPr lang="en-IE" smtClean="0"/>
-              <a:t>09/08/2017</a:t>
+              <a:t>18/08/2017</a:t>
             </a:fld>
             <a:endParaRPr lang="en-IE"/>
           </a:p>
@@ -1796,7 +1799,7 @@
     </p:spTree>
     <p:extLst>
       <p:ext uri="{BB962C8B-B14F-4D97-AF65-F5344CB8AC3E}">
-        <p14:creationId xmlns:p14="http://schemas.microsoft.com/office/powerpoint/2010/main" val="240748355"/>
+        <p14:creationId xmlns:p14="http://schemas.microsoft.com/office/powerpoint/2010/main" val="1052836994"/>
       </p:ext>
     </p:extLst>
   </p:cSld>
@@ -2355,7 +2358,7 @@
           <a:p>
             <a:fld id="{792754D0-D688-4E49-8FF3-F8D4FDC3B676}" type="datetimeFigureOut">
               <a:rPr lang="en-IE" smtClean="0"/>
-              <a:t>09/08/2017</a:t>
+              <a:t>18/08/2017</a:t>
             </a:fld>
             <a:endParaRPr lang="en-IE"/>
           </a:p>
@@ -2406,7 +2409,7 @@
     </p:spTree>
     <p:extLst>
       <p:ext uri="{BB962C8B-B14F-4D97-AF65-F5344CB8AC3E}">
-        <p14:creationId xmlns:p14="http://schemas.microsoft.com/office/powerpoint/2010/main" val="398411537"/>
+        <p14:creationId xmlns:p14="http://schemas.microsoft.com/office/powerpoint/2010/main" val="1913590525"/>
       </p:ext>
     </p:extLst>
   </p:cSld>
@@ -3202,7 +3205,7 @@
           <a:p>
             <a:fld id="{792754D0-D688-4E49-8FF3-F8D4FDC3B676}" type="datetimeFigureOut">
               <a:rPr lang="en-IE" smtClean="0"/>
-              <a:t>09/08/2017</a:t>
+              <a:t>18/08/2017</a:t>
             </a:fld>
             <a:endParaRPr lang="en-IE"/>
           </a:p>
@@ -3253,7 +3256,7 @@
     </p:spTree>
     <p:extLst>
       <p:ext uri="{BB962C8B-B14F-4D97-AF65-F5344CB8AC3E}">
-        <p14:creationId xmlns:p14="http://schemas.microsoft.com/office/powerpoint/2010/main" val="248691013"/>
+        <p14:creationId xmlns:p14="http://schemas.microsoft.com/office/powerpoint/2010/main" val="1000856203"/>
       </p:ext>
     </p:extLst>
   </p:cSld>
@@ -3372,7 +3375,7 @@
           <a:p>
             <a:fld id="{792754D0-D688-4E49-8FF3-F8D4FDC3B676}" type="datetimeFigureOut">
               <a:rPr lang="en-IE" smtClean="0"/>
-              <a:t>09/08/2017</a:t>
+              <a:t>18/08/2017</a:t>
             </a:fld>
             <a:endParaRPr lang="en-IE"/>
           </a:p>
@@ -3423,7 +3426,7 @@
     </p:spTree>
     <p:extLst>
       <p:ext uri="{BB962C8B-B14F-4D97-AF65-F5344CB8AC3E}">
-        <p14:creationId xmlns:p14="http://schemas.microsoft.com/office/powerpoint/2010/main" val="746678429"/>
+        <p14:creationId xmlns:p14="http://schemas.microsoft.com/office/powerpoint/2010/main" val="150796870"/>
       </p:ext>
     </p:extLst>
   </p:cSld>
@@ -3552,7 +3555,7 @@
           <a:p>
             <a:fld id="{792754D0-D688-4E49-8FF3-F8D4FDC3B676}" type="datetimeFigureOut">
               <a:rPr lang="en-IE" smtClean="0"/>
-              <a:t>09/08/2017</a:t>
+              <a:t>18/08/2017</a:t>
             </a:fld>
             <a:endParaRPr lang="en-IE"/>
           </a:p>
@@ -3603,7 +3606,7 @@
     </p:spTree>
     <p:extLst>
       <p:ext uri="{BB962C8B-B14F-4D97-AF65-F5344CB8AC3E}">
-        <p14:creationId xmlns:p14="http://schemas.microsoft.com/office/powerpoint/2010/main" val="1677406782"/>
+        <p14:creationId xmlns:p14="http://schemas.microsoft.com/office/powerpoint/2010/main" val="412290630"/>
       </p:ext>
     </p:extLst>
   </p:cSld>
@@ -3722,7 +3725,7 @@
           <a:p>
             <a:fld id="{792754D0-D688-4E49-8FF3-F8D4FDC3B676}" type="datetimeFigureOut">
               <a:rPr lang="en-IE" smtClean="0"/>
-              <a:t>09/08/2017</a:t>
+              <a:t>18/08/2017</a:t>
             </a:fld>
             <a:endParaRPr lang="en-IE"/>
           </a:p>
@@ -3773,7 +3776,7 @@
     </p:spTree>
     <p:extLst>
       <p:ext uri="{BB962C8B-B14F-4D97-AF65-F5344CB8AC3E}">
-        <p14:creationId xmlns:p14="http://schemas.microsoft.com/office/powerpoint/2010/main" val="1746464894"/>
+        <p14:creationId xmlns:p14="http://schemas.microsoft.com/office/powerpoint/2010/main" val="196312518"/>
       </p:ext>
     </p:extLst>
   </p:cSld>
@@ -3966,7 +3969,7 @@
           <a:p>
             <a:fld id="{792754D0-D688-4E49-8FF3-F8D4FDC3B676}" type="datetimeFigureOut">
               <a:rPr lang="en-IE" smtClean="0"/>
-              <a:t>09/08/2017</a:t>
+              <a:t>18/08/2017</a:t>
             </a:fld>
             <a:endParaRPr lang="en-IE"/>
           </a:p>
@@ -4017,7 +4020,7 @@
     </p:spTree>
     <p:extLst>
       <p:ext uri="{BB962C8B-B14F-4D97-AF65-F5344CB8AC3E}">
-        <p14:creationId xmlns:p14="http://schemas.microsoft.com/office/powerpoint/2010/main" val="1028986262"/>
+        <p14:creationId xmlns:p14="http://schemas.microsoft.com/office/powerpoint/2010/main" val="889608234"/>
       </p:ext>
     </p:extLst>
   </p:cSld>
@@ -4258,7 +4261,7 @@
           <a:p>
             <a:fld id="{792754D0-D688-4E49-8FF3-F8D4FDC3B676}" type="datetimeFigureOut">
               <a:rPr lang="en-IE" smtClean="0"/>
-              <a:t>09/08/2017</a:t>
+              <a:t>18/08/2017</a:t>
             </a:fld>
             <a:endParaRPr lang="en-IE"/>
           </a:p>
@@ -4309,7 +4312,7 @@
     </p:spTree>
     <p:extLst>
       <p:ext uri="{BB962C8B-B14F-4D97-AF65-F5344CB8AC3E}">
-        <p14:creationId xmlns:p14="http://schemas.microsoft.com/office/powerpoint/2010/main" val="486296143"/>
+        <p14:creationId xmlns:p14="http://schemas.microsoft.com/office/powerpoint/2010/main" val="864438424"/>
       </p:ext>
     </p:extLst>
   </p:cSld>
@@ -4696,7 +4699,7 @@
           <a:p>
             <a:fld id="{792754D0-D688-4E49-8FF3-F8D4FDC3B676}" type="datetimeFigureOut">
               <a:rPr lang="en-IE" smtClean="0"/>
-              <a:t>09/08/2017</a:t>
+              <a:t>18/08/2017</a:t>
             </a:fld>
             <a:endParaRPr lang="en-IE"/>
           </a:p>
@@ -4747,7 +4750,7 @@
     </p:spTree>
     <p:extLst>
       <p:ext uri="{BB962C8B-B14F-4D97-AF65-F5344CB8AC3E}">
-        <p14:creationId xmlns:p14="http://schemas.microsoft.com/office/powerpoint/2010/main" val="2003998566"/>
+        <p14:creationId xmlns:p14="http://schemas.microsoft.com/office/powerpoint/2010/main" val="889720213"/>
       </p:ext>
     </p:extLst>
   </p:cSld>
@@ -4814,7 +4817,7 @@
           <a:p>
             <a:fld id="{792754D0-D688-4E49-8FF3-F8D4FDC3B676}" type="datetimeFigureOut">
               <a:rPr lang="en-IE" smtClean="0"/>
-              <a:t>09/08/2017</a:t>
+              <a:t>18/08/2017</a:t>
             </a:fld>
             <a:endParaRPr lang="en-IE"/>
           </a:p>
@@ -4865,7 +4868,7 @@
     </p:spTree>
     <p:extLst>
       <p:ext uri="{BB962C8B-B14F-4D97-AF65-F5344CB8AC3E}">
-        <p14:creationId xmlns:p14="http://schemas.microsoft.com/office/powerpoint/2010/main" val="70379214"/>
+        <p14:creationId xmlns:p14="http://schemas.microsoft.com/office/powerpoint/2010/main" val="598985830"/>
       </p:ext>
     </p:extLst>
   </p:cSld>
@@ -4909,7 +4912,7 @@
           <a:p>
             <a:fld id="{792754D0-D688-4E49-8FF3-F8D4FDC3B676}" type="datetimeFigureOut">
               <a:rPr lang="en-IE" smtClean="0"/>
-              <a:t>09/08/2017</a:t>
+              <a:t>18/08/2017</a:t>
             </a:fld>
             <a:endParaRPr lang="en-IE"/>
           </a:p>
@@ -4960,7 +4963,7 @@
     </p:spTree>
     <p:extLst>
       <p:ext uri="{BB962C8B-B14F-4D97-AF65-F5344CB8AC3E}">
-        <p14:creationId xmlns:p14="http://schemas.microsoft.com/office/powerpoint/2010/main" val="1747443848"/>
+        <p14:creationId xmlns:p14="http://schemas.microsoft.com/office/powerpoint/2010/main" val="1898991321"/>
       </p:ext>
     </p:extLst>
   </p:cSld>
@@ -5188,7 +5191,7 @@
           <a:p>
             <a:fld id="{792754D0-D688-4E49-8FF3-F8D4FDC3B676}" type="datetimeFigureOut">
               <a:rPr lang="en-IE" smtClean="0"/>
-              <a:t>09/08/2017</a:t>
+              <a:t>18/08/2017</a:t>
             </a:fld>
             <a:endParaRPr lang="en-IE"/>
           </a:p>
@@ -5239,7 +5242,7 @@
     </p:spTree>
     <p:extLst>
       <p:ext uri="{BB962C8B-B14F-4D97-AF65-F5344CB8AC3E}">
-        <p14:creationId xmlns:p14="http://schemas.microsoft.com/office/powerpoint/2010/main" val="302396964"/>
+        <p14:creationId xmlns:p14="http://schemas.microsoft.com/office/powerpoint/2010/main" val="445170333"/>
       </p:ext>
     </p:extLst>
   </p:cSld>
@@ -5463,7 +5466,7 @@
           <a:p>
             <a:fld id="{792754D0-D688-4E49-8FF3-F8D4FDC3B676}" type="datetimeFigureOut">
               <a:rPr lang="en-IE" smtClean="0"/>
-              <a:t>09/08/2017</a:t>
+              <a:t>18/08/2017</a:t>
             </a:fld>
             <a:endParaRPr lang="en-IE"/>
           </a:p>
@@ -5514,7 +5517,7 @@
     </p:spTree>
     <p:extLst>
       <p:ext uri="{BB962C8B-B14F-4D97-AF65-F5344CB8AC3E}">
-        <p14:creationId xmlns:p14="http://schemas.microsoft.com/office/powerpoint/2010/main" val="1439465146"/>
+        <p14:creationId xmlns:p14="http://schemas.microsoft.com/office/powerpoint/2010/main" val="144760583"/>
       </p:ext>
     </p:extLst>
   </p:cSld>
@@ -6028,7 +6031,7 @@
           <a:p>
             <a:fld id="{792754D0-D688-4E49-8FF3-F8D4FDC3B676}" type="datetimeFigureOut">
               <a:rPr lang="en-IE" smtClean="0"/>
-              <a:t>09/08/2017</a:t>
+              <a:t>18/08/2017</a:t>
             </a:fld>
             <a:endParaRPr lang="en-IE"/>
           </a:p>
@@ -6116,29 +6119,29 @@
     </p:spTree>
     <p:extLst>
       <p:ext uri="{BB962C8B-B14F-4D97-AF65-F5344CB8AC3E}">
-        <p14:creationId xmlns:p14="http://schemas.microsoft.com/office/powerpoint/2010/main" val="1468243518"/>
+        <p14:creationId xmlns:p14="http://schemas.microsoft.com/office/powerpoint/2010/main" val="1926931011"/>
       </p:ext>
     </p:extLst>
   </p:cSld>
   <p:clrMap bg1="dk1" tx1="lt1" bg2="dk2" tx2="lt2" accent1="accent1" accent2="accent2" accent3="accent3" accent4="accent4" accent5="accent5" accent6="accent6" hlink="hlink" folHlink="folHlink"/>
   <p:sldLayoutIdLst>
-    <p:sldLayoutId id="2147483745" r:id="rId1"/>
-    <p:sldLayoutId id="2147483746" r:id="rId2"/>
-    <p:sldLayoutId id="2147483747" r:id="rId3"/>
-    <p:sldLayoutId id="2147483748" r:id="rId4"/>
-    <p:sldLayoutId id="2147483749" r:id="rId5"/>
-    <p:sldLayoutId id="2147483750" r:id="rId6"/>
-    <p:sldLayoutId id="2147483751" r:id="rId7"/>
-    <p:sldLayoutId id="2147483752" r:id="rId8"/>
-    <p:sldLayoutId id="2147483753" r:id="rId9"/>
-    <p:sldLayoutId id="2147483754" r:id="rId10"/>
-    <p:sldLayoutId id="2147483755" r:id="rId11"/>
-    <p:sldLayoutId id="2147483756" r:id="rId12"/>
-    <p:sldLayoutId id="2147483757" r:id="rId13"/>
-    <p:sldLayoutId id="2147483758" r:id="rId14"/>
-    <p:sldLayoutId id="2147483759" r:id="rId15"/>
-    <p:sldLayoutId id="2147483760" r:id="rId16"/>
-    <p:sldLayoutId id="2147483761" r:id="rId17"/>
+    <p:sldLayoutId id="2147483871" r:id="rId1"/>
+    <p:sldLayoutId id="2147483872" r:id="rId2"/>
+    <p:sldLayoutId id="2147483873" r:id="rId3"/>
+    <p:sldLayoutId id="2147483874" r:id="rId4"/>
+    <p:sldLayoutId id="2147483875" r:id="rId5"/>
+    <p:sldLayoutId id="2147483876" r:id="rId6"/>
+    <p:sldLayoutId id="2147483877" r:id="rId7"/>
+    <p:sldLayoutId id="2147483878" r:id="rId8"/>
+    <p:sldLayoutId id="2147483879" r:id="rId9"/>
+    <p:sldLayoutId id="2147483880" r:id="rId10"/>
+    <p:sldLayoutId id="2147483881" r:id="rId11"/>
+    <p:sldLayoutId id="2147483882" r:id="rId12"/>
+    <p:sldLayoutId id="2147483883" r:id="rId13"/>
+    <p:sldLayoutId id="2147483884" r:id="rId14"/>
+    <p:sldLayoutId id="2147483885" r:id="rId15"/>
+    <p:sldLayoutId id="2147483886" r:id="rId16"/>
+    <p:sldLayoutId id="2147483887" r:id="rId17"/>
   </p:sldLayoutIdLst>
   <p:txStyles>
     <p:titleStyle>
@@ -6590,15 +6593,7 @@
           <a:p>
             <a:r>
               <a:rPr lang="en-IE" altLang="en-US" sz="3200" dirty="0" smtClean="0"/>
-              <a:t>Navjot </a:t>
-            </a:r>
-            <a:r>
-              <a:rPr lang="en-IE" altLang="en-US" sz="3200" dirty="0" smtClean="0"/>
-              <a:t>Singh </a:t>
-            </a:r>
-            <a:r>
-              <a:rPr lang="en-IE" altLang="en-US" sz="3200" dirty="0" smtClean="0"/>
-              <a:t>Virk</a:t>
+              <a:t>Navjot Singh Virk</a:t>
             </a:r>
             <a:endParaRPr lang="en-US" altLang="en-US" sz="3200" dirty="0"/>
           </a:p>
@@ -6817,11 +6812,7 @@
           <a:p>
             <a:r>
               <a:rPr lang="en-US" altLang="en-US" sz="2800" dirty="0" smtClean="0"/>
-              <a:t>24</a:t>
-            </a:r>
-            <a:r>
-              <a:rPr lang="en-US" altLang="en-US" sz="2800" dirty="0" smtClean="0"/>
-              <a:t>/August/2017</a:t>
+              <a:t>24/August/2017</a:t>
             </a:r>
             <a:endParaRPr lang="en-US" altLang="en-US" sz="2800" dirty="0"/>
           </a:p>
@@ -7034,10 +7025,33 @@
             <p:ph type="title"/>
           </p:nvPr>
         </p:nvSpPr>
-        <p:spPr>
-          <a:xfrm>
-            <a:off x="483974" y="836712"/>
-            <a:ext cx="7055380" cy="1400530"/>
+        <p:spPr/>
+        <p:txBody>
+          <a:bodyPr/>
+          <a:lstStyle/>
+          <a:p>
+            <a:r>
+              <a:rPr lang="en-US" dirty="0" smtClean="0"/>
+              <a:t>System </a:t>
+            </a:r>
+            <a:endParaRPr lang="en-US" dirty="0"/>
+          </a:p>
+        </p:txBody>
+      </p:sp>
+      <p:sp>
+        <p:nvSpPr>
+          <p:cNvPr id="3" name="Content Placeholder 2"/>
+          <p:cNvSpPr>
+            <a:spLocks noGrp="1"/>
+          </p:cNvSpPr>
+          <p:nvPr>
+            <p:ph idx="1"/>
+          </p:nvPr>
+        </p:nvSpPr>
+        <p:spPr>
+          <a:xfrm>
+            <a:off x="828436" y="1412776"/>
+            <a:ext cx="6711654" cy="4195481"/>
           </a:xfrm>
         </p:spPr>
         <p:txBody>
@@ -7049,166 +7063,51 @@
                 <a:latin typeface="Arial" panose="020B0604020202020204" pitchFamily="34" charset="0"/>
                 <a:cs typeface="Arial" panose="020B0604020202020204" pitchFamily="34" charset="0"/>
               </a:rPr>
-              <a:t>Main Requirements</a:t>
-            </a:r>
-            <a:r>
-              <a:rPr lang="en-IE" altLang="en-US" dirty="0">
-                <a:latin typeface="Arial" panose="020B0604020202020204" pitchFamily="34" charset="0"/>
-                <a:cs typeface="Arial" panose="020B0604020202020204" pitchFamily="34" charset="0"/>
-              </a:rPr>
-              <a:t/>
-            </a:r>
-            <a:br>
-              <a:rPr lang="en-IE" altLang="en-US" dirty="0">
-                <a:latin typeface="Arial" panose="020B0604020202020204" pitchFamily="34" charset="0"/>
-                <a:cs typeface="Arial" panose="020B0604020202020204" pitchFamily="34" charset="0"/>
-              </a:rPr>
-            </a:br>
+              <a:t>Architecture</a:t>
+            </a:r>
+          </a:p>
+          <a:p>
+            <a:pPr marL="0" indent="0">
+              <a:buNone/>
+            </a:pPr>
             <a:endParaRPr lang="en-US" dirty="0"/>
           </a:p>
         </p:txBody>
       </p:sp>
-      <p:sp>
-        <p:nvSpPr>
-          <p:cNvPr id="3" name="Content Placeholder 2"/>
-          <p:cNvSpPr>
-            <a:spLocks noGrp="1"/>
-          </p:cNvSpPr>
-          <p:nvPr>
-            <p:ph idx="1"/>
-          </p:nvPr>
-        </p:nvSpPr>
-        <p:spPr>
-          <a:xfrm>
-            <a:off x="795732" y="2272698"/>
-            <a:ext cx="6711654" cy="4195481"/>
-          </a:xfrm>
-        </p:spPr>
-        <p:txBody>
-          <a:bodyPr/>
-          <a:lstStyle/>
-          <a:p>
-            <a:pPr marL="342900" lvl="1" indent="-342900"/>
-            <a:r>
-              <a:rPr lang="en-IE" altLang="en-US" sz="2400" dirty="0" smtClean="0">
-                <a:latin typeface="Arial" panose="020B0604020202020204" pitchFamily="34" charset="0"/>
-                <a:cs typeface="Arial" panose="020B0604020202020204" pitchFamily="34" charset="0"/>
-              </a:rPr>
-              <a:t>System</a:t>
-            </a:r>
-          </a:p>
-          <a:p>
-            <a:pPr marL="0" lvl="1" indent="0">
-              <a:buNone/>
-            </a:pPr>
-            <a:r>
-              <a:rPr lang="en-IE" altLang="en-US" sz="2400" dirty="0" smtClean="0">
-                <a:latin typeface="Arial" panose="020B0604020202020204" pitchFamily="34" charset="0"/>
-                <a:cs typeface="Arial" panose="020B0604020202020204" pitchFamily="34" charset="0"/>
-              </a:rPr>
-              <a:t>Client </a:t>
-            </a:r>
-            <a:r>
-              <a:rPr lang="mr-IN" altLang="en-US" sz="2400" dirty="0" smtClean="0">
-                <a:latin typeface="Arial" panose="020B0604020202020204" pitchFamily="34" charset="0"/>
-                <a:cs typeface="Arial" panose="020B0604020202020204" pitchFamily="34" charset="0"/>
-              </a:rPr>
-              <a:t>–</a:t>
-            </a:r>
-            <a:r>
-              <a:rPr lang="en-IE" altLang="en-US" sz="2400" dirty="0" smtClean="0">
-                <a:latin typeface="Arial" panose="020B0604020202020204" pitchFamily="34" charset="0"/>
-                <a:cs typeface="Arial" panose="020B0604020202020204" pitchFamily="34" charset="0"/>
-              </a:rPr>
-              <a:t> iOS 9+ iOS Devices</a:t>
-            </a:r>
-          </a:p>
-          <a:p>
-            <a:pPr marL="0" lvl="1" indent="0">
-              <a:buNone/>
-            </a:pPr>
-            <a:r>
-              <a:rPr lang="en-IE" altLang="en-US" sz="2400" dirty="0" smtClean="0">
-                <a:latin typeface="Arial" panose="020B0604020202020204" pitchFamily="34" charset="0"/>
-                <a:cs typeface="Arial" panose="020B0604020202020204" pitchFamily="34" charset="0"/>
-              </a:rPr>
-              <a:t>Internet Connection, GPS</a:t>
-            </a:r>
-          </a:p>
-          <a:p>
-            <a:pPr marL="0" lvl="1" indent="0">
-              <a:buNone/>
-            </a:pPr>
-            <a:endParaRPr lang="en-IE" altLang="en-US" sz="2400" dirty="0">
-              <a:latin typeface="Arial" panose="020B0604020202020204" pitchFamily="34" charset="0"/>
-              <a:cs typeface="Arial" panose="020B0604020202020204" pitchFamily="34" charset="0"/>
-            </a:endParaRPr>
-          </a:p>
-          <a:p>
-            <a:pPr marL="0" lvl="1" indent="0">
-              <a:buNone/>
-            </a:pPr>
-            <a:r>
-              <a:rPr lang="en-IE" altLang="en-US" sz="2400" dirty="0" smtClean="0">
-                <a:latin typeface="Arial" panose="020B0604020202020204" pitchFamily="34" charset="0"/>
-                <a:cs typeface="Arial" panose="020B0604020202020204" pitchFamily="34" charset="0"/>
-              </a:rPr>
-              <a:t>Backend </a:t>
-            </a:r>
-            <a:r>
-              <a:rPr lang="mr-IN" altLang="en-US" sz="2400" dirty="0" smtClean="0">
-                <a:latin typeface="Arial" panose="020B0604020202020204" pitchFamily="34" charset="0"/>
-                <a:cs typeface="Arial" panose="020B0604020202020204" pitchFamily="34" charset="0"/>
-              </a:rPr>
-              <a:t>–</a:t>
-            </a:r>
-            <a:r>
-              <a:rPr lang="en-IE" altLang="en-US" sz="2400" dirty="0" smtClean="0">
-                <a:latin typeface="Arial" panose="020B0604020202020204" pitchFamily="34" charset="0"/>
-                <a:cs typeface="Arial" panose="020B0604020202020204" pitchFamily="34" charset="0"/>
-              </a:rPr>
-              <a:t> SAP HANA with </a:t>
-            </a:r>
-            <a:r>
-              <a:rPr lang="en-IE" altLang="en-US" dirty="0">
-                <a:latin typeface="Arial" panose="020B0604020202020204" pitchFamily="34" charset="0"/>
-                <a:cs typeface="Arial" panose="020B0604020202020204" pitchFamily="34" charset="0"/>
-              </a:rPr>
-              <a:t>Geo Spatial </a:t>
-            </a:r>
-            <a:r>
-              <a:rPr lang="en-IE" altLang="en-US" dirty="0" smtClean="0">
-                <a:latin typeface="Arial" panose="020B0604020202020204" pitchFamily="34" charset="0"/>
-                <a:cs typeface="Arial" panose="020B0604020202020204" pitchFamily="34" charset="0"/>
-              </a:rPr>
-              <a:t>Data Support</a:t>
-            </a:r>
-          </a:p>
-          <a:p>
-            <a:pPr marL="0" lvl="1" indent="0">
-              <a:buNone/>
-            </a:pPr>
-            <a:endParaRPr lang="en-US" altLang="en-US" dirty="0">
-              <a:latin typeface="Arial" panose="020B0604020202020204" pitchFamily="34" charset="0"/>
-              <a:cs typeface="Arial" panose="020B0604020202020204" pitchFamily="34" charset="0"/>
-            </a:endParaRPr>
-          </a:p>
-          <a:p>
-            <a:pPr marL="0" lvl="1" indent="0">
-              <a:buNone/>
-            </a:pPr>
-            <a:r>
-              <a:rPr lang="en-US" dirty="0" smtClean="0"/>
-              <a:t> </a:t>
-            </a:r>
-            <a:endParaRPr lang="en-US" dirty="0"/>
-          </a:p>
-        </p:txBody>
-      </p:sp>
+      <p:pic>
+        <p:nvPicPr>
+          <p:cNvPr id="4" name="Picture 3"/>
+          <p:cNvPicPr>
+            <a:picLocks noChangeAspect="1"/>
+          </p:cNvPicPr>
+          <p:nvPr/>
+        </p:nvPicPr>
+        <p:blipFill>
+          <a:blip r:embed="rId2">
+            <a:extLst>
+              <a:ext uri="{28A0092B-C50C-407E-A947-70E740481C1C}">
+                <a14:useLocalDpi xmlns:a14="http://schemas.microsoft.com/office/drawing/2010/main" val="0"/>
+              </a:ext>
+            </a:extLst>
+          </a:blip>
+          <a:stretch>
+            <a:fillRect/>
+          </a:stretch>
+        </p:blipFill>
+        <p:spPr>
+          <a:xfrm>
+            <a:off x="1187624" y="1916832"/>
+            <a:ext cx="5309220" cy="4147082"/>
+          </a:xfrm>
+          <a:prstGeom prst="rect">
+            <a:avLst/>
+          </a:prstGeom>
+        </p:spPr>
+      </p:pic>
     </p:spTree>
     <p:extLst>
       <p:ext uri="{BB962C8B-B14F-4D97-AF65-F5344CB8AC3E}">
-        <p14:creationId xmlns:p14="http://schemas.microsoft.com/office/powerpoint/2010/main" val="60140354"/>
+        <p14:creationId xmlns:p14="http://schemas.microsoft.com/office/powerpoint/2010/main" val="1174290069"/>
       </p:ext>
     </p:extLst>
   </p:cSld>
@@ -7259,7 +7158,7 @@
           <a:p>
             <a:r>
               <a:rPr lang="en-US" dirty="0" smtClean="0"/>
-              <a:t>Main Requirements</a:t>
+              <a:t>System</a:t>
             </a:r>
             <a:endParaRPr lang="en-US" dirty="0"/>
           </a:p>
@@ -7275,117 +7174,145 @@
             <p:ph idx="1"/>
           </p:nvPr>
         </p:nvSpPr>
-        <p:spPr>
-          <a:xfrm>
-            <a:off x="395536" y="1340768"/>
-            <a:ext cx="6711654" cy="4195481"/>
-          </a:xfrm>
-        </p:spPr>
+        <p:spPr/>
         <p:txBody>
           <a:bodyPr/>
           <a:lstStyle/>
           <a:p>
-            <a:pPr marL="342900" lvl="1" indent="-342900"/>
-            <a:r>
-              <a:rPr lang="en-IE" altLang="en-US" sz="2400" dirty="0" smtClean="0">
+            <a:r>
+              <a:rPr lang="en-IE" altLang="en-US" dirty="0">
                 <a:latin typeface="Arial" panose="020B0604020202020204" pitchFamily="34" charset="0"/>
                 <a:cs typeface="Arial" panose="020B0604020202020204" pitchFamily="34" charset="0"/>
               </a:rPr>
-              <a:t>Data</a:t>
-            </a:r>
-          </a:p>
-          <a:p>
-            <a:pPr marL="0" lvl="1" indent="0">
-              <a:buNone/>
-            </a:pPr>
-            <a:r>
-              <a:rPr lang="en-IE" altLang="en-US" sz="2400" dirty="0" smtClean="0">
+              <a:t>Main </a:t>
+            </a:r>
+            <a:r>
+              <a:rPr lang="en-IE" altLang="en-US" dirty="0" smtClean="0">
                 <a:latin typeface="Arial" panose="020B0604020202020204" pitchFamily="34" charset="0"/>
                 <a:cs typeface="Arial" panose="020B0604020202020204" pitchFamily="34" charset="0"/>
               </a:rPr>
-              <a:t>Building and Room information including co-ordinates (Geo Spatial Data </a:t>
-            </a:r>
-            <a:r>
-              <a:rPr lang="mr-IN" altLang="en-US" sz="2400" dirty="0" smtClean="0">
+              <a:t>algorithms</a:t>
+            </a:r>
+            <a:endParaRPr lang="en-IE" altLang="en-US" dirty="0">
+              <a:latin typeface="Arial" panose="020B0604020202020204" pitchFamily="34" charset="0"/>
+              <a:cs typeface="Arial" panose="020B0604020202020204" pitchFamily="34" charset="0"/>
+            </a:endParaRPr>
+          </a:p>
+          <a:p>
+            <a:pPr>
+              <a:buFont typeface="Arial" charset="0"/>
+              <a:buChar char="•"/>
+            </a:pPr>
+            <a:r>
+              <a:rPr lang="en-IE" altLang="en-US" dirty="0">
                 <a:latin typeface="Arial" panose="020B0604020202020204" pitchFamily="34" charset="0"/>
                 <a:cs typeface="Arial" panose="020B0604020202020204" pitchFamily="34" charset="0"/>
               </a:rPr>
-              <a:t>–</a:t>
-            </a:r>
-            <a:r>
-              <a:rPr lang="en-IE" altLang="en-US" sz="2400" dirty="0" smtClean="0">
+              <a:t>Room </a:t>
+            </a:r>
+            <a:r>
+              <a:rPr lang="en-IE" altLang="en-US" dirty="0" smtClean="0">
                 <a:latin typeface="Arial" panose="020B0604020202020204" pitchFamily="34" charset="0"/>
                 <a:cs typeface="Arial" panose="020B0604020202020204" pitchFamily="34" charset="0"/>
               </a:rPr>
-              <a:t> Polygons &amp; Points)</a:t>
-            </a:r>
-          </a:p>
-          <a:p>
-            <a:pPr marL="0" lvl="1" indent="0">
-              <a:buNone/>
+              <a:t>Booking</a:t>
+            </a:r>
+          </a:p>
+          <a:p>
+            <a:pPr>
+              <a:buFont typeface="Arial" charset="0"/>
+              <a:buChar char="•"/>
             </a:pPr>
-            <a:endParaRPr lang="en-IE" altLang="en-US" sz="2400" dirty="0">
+            <a:r>
+              <a:rPr lang="en-IE" altLang="en-US" dirty="0" smtClean="0">
+                <a:latin typeface="Arial" panose="020B0604020202020204" pitchFamily="34" charset="0"/>
+                <a:cs typeface="Arial" panose="020B0604020202020204" pitchFamily="34" charset="0"/>
+              </a:rPr>
+              <a:t>Maze Algorithm</a:t>
+            </a:r>
+          </a:p>
+          <a:p>
+            <a:pPr>
+              <a:buFont typeface="Arial" charset="0"/>
+              <a:buChar char="•"/>
+            </a:pPr>
+            <a:r>
+              <a:rPr lang="en-IE" altLang="en-US" dirty="0" smtClean="0">
+                <a:latin typeface="Arial" panose="020B0604020202020204" pitchFamily="34" charset="0"/>
+                <a:cs typeface="Arial" panose="020B0604020202020204" pitchFamily="34" charset="0"/>
+              </a:rPr>
+              <a:t>Parsing JSON</a:t>
+            </a:r>
+          </a:p>
+          <a:p>
+            <a:pPr>
+              <a:buFont typeface="Arial" charset="0"/>
+              <a:buChar char="•"/>
+            </a:pPr>
+            <a:r>
+              <a:rPr lang="en-IE" altLang="en-US" dirty="0" smtClean="0">
+                <a:latin typeface="Arial" panose="020B0604020202020204" pitchFamily="34" charset="0"/>
+                <a:cs typeface="Arial" panose="020B0604020202020204" pitchFamily="34" charset="0"/>
+              </a:rPr>
+              <a:t>Gallery </a:t>
+            </a:r>
+            <a:r>
+              <a:rPr lang="en-IE" altLang="en-US" dirty="0">
+                <a:latin typeface="Arial" panose="020B0604020202020204" pitchFamily="34" charset="0"/>
+                <a:cs typeface="Arial" panose="020B0604020202020204" pitchFamily="34" charset="0"/>
+              </a:rPr>
+              <a:t>Image Upload</a:t>
+            </a:r>
+          </a:p>
+          <a:p>
+            <a:pPr>
+              <a:buFont typeface="Arial" charset="0"/>
+              <a:buChar char="•"/>
+            </a:pPr>
+            <a:r>
+              <a:rPr lang="en-IE" altLang="en-US" dirty="0" smtClean="0">
+                <a:latin typeface="Arial" panose="020B0604020202020204" pitchFamily="34" charset="0"/>
+                <a:cs typeface="Arial" panose="020B0604020202020204" pitchFamily="34" charset="0"/>
+              </a:rPr>
+              <a:t>Navigation</a:t>
+            </a:r>
+          </a:p>
+          <a:p>
+            <a:pPr>
+              <a:buFont typeface="Arial" charset="0"/>
+              <a:buChar char="•"/>
+            </a:pPr>
+            <a:r>
+              <a:rPr lang="en-IE" altLang="en-US" dirty="0" smtClean="0">
+                <a:latin typeface="Arial" panose="020B0604020202020204" pitchFamily="34" charset="0"/>
+                <a:cs typeface="Arial" panose="020B0604020202020204" pitchFamily="34" charset="0"/>
+              </a:rPr>
+              <a:t>Geo-Location </a:t>
+            </a:r>
+            <a:r>
+              <a:rPr lang="en-IE" altLang="en-US" dirty="0">
+                <a:latin typeface="Arial" panose="020B0604020202020204" pitchFamily="34" charset="0"/>
+                <a:cs typeface="Arial" panose="020B0604020202020204" pitchFamily="34" charset="0"/>
+              </a:rPr>
+              <a:t>Notifications</a:t>
+            </a:r>
+            <a:endParaRPr lang="en-US" altLang="en-US" dirty="0">
               <a:latin typeface="Arial" panose="020B0604020202020204" pitchFamily="34" charset="0"/>
               <a:cs typeface="Arial" panose="020B0604020202020204" pitchFamily="34" charset="0"/>
             </a:endParaRPr>
           </a:p>
           <a:p>
-            <a:pPr marL="0" lvl="1" indent="0">
-              <a:buNone/>
-            </a:pPr>
-            <a:endParaRPr lang="en-IE" altLang="en-US" sz="2400" dirty="0" smtClean="0">
-              <a:latin typeface="Arial" panose="020B0604020202020204" pitchFamily="34" charset="0"/>
-              <a:cs typeface="Arial" panose="020B0604020202020204" pitchFamily="34" charset="0"/>
-            </a:endParaRPr>
-          </a:p>
-          <a:p>
-            <a:pPr marL="0" lvl="1" indent="0">
-              <a:buNone/>
-            </a:pPr>
-            <a:endParaRPr lang="en-IE" altLang="en-US" sz="2400" dirty="0">
-              <a:latin typeface="Arial" panose="020B0604020202020204" pitchFamily="34" charset="0"/>
-              <a:cs typeface="Arial" panose="020B0604020202020204" pitchFamily="34" charset="0"/>
-            </a:endParaRPr>
-          </a:p>
-          <a:p>
             <a:endParaRPr lang="en-US" dirty="0"/>
           </a:p>
-        </p:txBody>
-      </p:sp>
-      <p:pic>
-        <p:nvPicPr>
-          <p:cNvPr id="4" name="Picture 3"/>
-          <p:cNvPicPr>
-            <a:picLocks noChangeAspect="1"/>
-          </p:cNvPicPr>
-          <p:nvPr/>
-        </p:nvPicPr>
-        <p:blipFill>
-          <a:blip r:embed="rId2">
-            <a:extLst>
-              <a:ext uri="{28A0092B-C50C-407E-A947-70E740481C1C}">
-                <a14:useLocalDpi xmlns:a14="http://schemas.microsoft.com/office/drawing/2010/main" val="0"/>
-              </a:ext>
-            </a:extLst>
-          </a:blip>
-          <a:stretch>
-            <a:fillRect/>
-          </a:stretch>
-        </p:blipFill>
-        <p:spPr>
-          <a:xfrm>
-            <a:off x="1707040" y="2723890"/>
-            <a:ext cx="4881184" cy="3663078"/>
-          </a:xfrm>
-          <a:prstGeom prst="rect">
-            <a:avLst/>
-          </a:prstGeom>
-        </p:spPr>
-      </p:pic>
+          <a:p>
+            <a:endParaRPr lang="en-US" dirty="0"/>
+          </a:p>
+        </p:txBody>
+      </p:sp>
     </p:spTree>
     <p:extLst>
       <p:ext uri="{BB962C8B-B14F-4D97-AF65-F5344CB8AC3E}">
-        <p14:creationId xmlns:p14="http://schemas.microsoft.com/office/powerpoint/2010/main" val="1421471710"/>
+        <p14:creationId xmlns:p14="http://schemas.microsoft.com/office/powerpoint/2010/main" val="1375427775"/>
       </p:ext>
     </p:extLst>
   </p:cSld>
@@ -7419,105 +7346,187 @@
           <a:chExt cx="0" cy="0"/>
         </a:xfrm>
       </p:grpSpPr>
-      <p:pic>
-        <p:nvPicPr>
-          <p:cNvPr id="4" name="Content Placeholder 3"/>
-          <p:cNvPicPr>
-            <a:picLocks noGrp="1" noChangeAspect="1"/>
-          </p:cNvPicPr>
+      <p:sp>
+        <p:nvSpPr>
+          <p:cNvPr id="8194" name="Rectangle 2"/>
+          <p:cNvSpPr>
+            <a:spLocks noGrp="1" noChangeArrowheads="1"/>
+          </p:cNvSpPr>
+          <p:nvPr>
+            <p:ph type="title"/>
+          </p:nvPr>
+        </p:nvSpPr>
+        <p:spPr>
+          <a:xfrm>
+            <a:off x="827584" y="836712"/>
+            <a:ext cx="7024744" cy="757888"/>
+          </a:xfrm>
+        </p:spPr>
+        <p:txBody>
+          <a:bodyPr/>
+          <a:lstStyle/>
+          <a:p>
+            <a:r>
+              <a:rPr lang="en-IE" altLang="en-US" dirty="0"/>
+              <a:t>Design</a:t>
+            </a:r>
+            <a:endParaRPr lang="en-US" altLang="en-US" dirty="0"/>
+          </a:p>
+        </p:txBody>
+      </p:sp>
+      <p:sp>
+        <p:nvSpPr>
+          <p:cNvPr id="8195" name="Rectangle 3"/>
+          <p:cNvSpPr>
+            <a:spLocks noGrp="1" noChangeArrowheads="1"/>
+          </p:cNvSpPr>
           <p:nvPr>
             <p:ph idx="1"/>
           </p:nvPr>
-        </p:nvPicPr>
-        <p:blipFill>
-          <a:blip r:embed="rId2">
-            <a:extLst>
-              <a:ext uri="{28A0092B-C50C-407E-A947-70E740481C1C}">
-                <a14:useLocalDpi xmlns:a14="http://schemas.microsoft.com/office/drawing/2010/main" val="0"/>
-              </a:ext>
-            </a:extLst>
-          </a:blip>
-          <a:stretch>
-            <a:fillRect/>
-          </a:stretch>
-        </p:blipFill>
-        <p:spPr>
-          <a:xfrm>
-            <a:off x="0" y="0"/>
-            <a:ext cx="5508104" cy="6858000"/>
-          </a:xfrm>
-        </p:spPr>
-      </p:pic>
-      <p:sp>
-        <p:nvSpPr>
-          <p:cNvPr id="5" name="TextBox 4"/>
-          <p:cNvSpPr txBox="1"/>
-          <p:nvPr/>
-        </p:nvSpPr>
-        <p:spPr>
-          <a:xfrm>
-            <a:off x="5724128" y="2204864"/>
-            <a:ext cx="3397084" cy="1477328"/>
-          </a:xfrm>
-          <a:prstGeom prst="rect">
-            <a:avLst/>
-          </a:prstGeom>
-          <a:noFill/>
-        </p:spPr>
-        <p:txBody>
-          <a:bodyPr wrap="none" rtlCol="0">
-            <a:spAutoFit/>
+        </p:nvSpPr>
+        <p:spPr>
+          <a:xfrm>
+            <a:off x="951297" y="1412776"/>
+            <a:ext cx="6777317" cy="4608512"/>
+          </a:xfrm>
+        </p:spPr>
+        <p:txBody>
+          <a:bodyPr>
+            <a:normAutofit/>
           </a:bodyPr>
           <a:lstStyle/>
           <a:p>
-            <a:r>
-              <a:rPr lang="en-US" dirty="0" smtClean="0"/>
-              <a:t>Parsed JSON Data Sample</a:t>
-            </a:r>
-          </a:p>
-          <a:p>
-            <a:r>
-              <a:rPr lang="en-US" dirty="0"/>
-              <a:t>r</a:t>
-            </a:r>
-            <a:r>
-              <a:rPr lang="en-US" dirty="0" smtClean="0"/>
-              <a:t>eturned by the Web Service</a:t>
-            </a:r>
-          </a:p>
-          <a:p>
-            <a:r>
-              <a:rPr lang="en-US" dirty="0"/>
-              <a:t>t</a:t>
-            </a:r>
-            <a:r>
-              <a:rPr lang="en-US" dirty="0" smtClean="0"/>
-              <a:t>hrough http request that will</a:t>
-            </a:r>
-          </a:p>
-          <a:p>
-            <a:r>
-              <a:rPr lang="en-US" dirty="0"/>
-              <a:t>b</a:t>
-            </a:r>
-            <a:r>
-              <a:rPr lang="en-US" dirty="0" smtClean="0"/>
-              <a:t>e consumed by the client </a:t>
-            </a:r>
-          </a:p>
-          <a:p>
-            <a:r>
-              <a:rPr lang="en-US" dirty="0" smtClean="0"/>
-              <a:t>Application.</a:t>
-            </a:r>
-            <a:endParaRPr lang="en-US" dirty="0"/>
+            <a:endParaRPr lang="en-IE" altLang="en-US" dirty="0" smtClean="0"/>
+          </a:p>
+          <a:p>
+            <a:r>
+              <a:rPr lang="en-IE" altLang="en-US" dirty="0" smtClean="0">
+                <a:latin typeface="Arial" panose="020B0604020202020204" pitchFamily="34" charset="0"/>
+                <a:cs typeface="Arial" panose="020B0604020202020204" pitchFamily="34" charset="0"/>
+              </a:rPr>
+              <a:t>Overview of the main requirements</a:t>
+            </a:r>
+          </a:p>
+          <a:p>
+            <a:pPr lvl="1"/>
+            <a:r>
+              <a:rPr lang="en-IE" altLang="en-US" sz="2400" dirty="0" smtClean="0">
+                <a:latin typeface="Arial" panose="020B0604020202020204" pitchFamily="34" charset="0"/>
+                <a:cs typeface="Arial" panose="020B0604020202020204" pitchFamily="34" charset="0"/>
+              </a:rPr>
+              <a:t>Functional</a:t>
+            </a:r>
+          </a:p>
+          <a:p>
+            <a:pPr lvl="1">
+              <a:buFont typeface="Arial" charset="0"/>
+              <a:buChar char="•"/>
+            </a:pPr>
+            <a:r>
+              <a:rPr lang="en-IE" altLang="en-US" sz="2400" dirty="0" smtClean="0">
+                <a:latin typeface="Arial" panose="020B0604020202020204" pitchFamily="34" charset="0"/>
+                <a:cs typeface="Arial" panose="020B0604020202020204" pitchFamily="34" charset="0"/>
+              </a:rPr>
+              <a:t>Easy to Use GUI</a:t>
+            </a:r>
+          </a:p>
+          <a:p>
+            <a:pPr lvl="1">
+              <a:buFont typeface="Arial" charset="0"/>
+              <a:buChar char="•"/>
+            </a:pPr>
+            <a:r>
+              <a:rPr lang="en-IE" altLang="en-US" sz="2400" dirty="0" smtClean="0">
+                <a:latin typeface="Arial" panose="020B0604020202020204" pitchFamily="34" charset="0"/>
+                <a:cs typeface="Arial" panose="020B0604020202020204" pitchFamily="34" charset="0"/>
+              </a:rPr>
+              <a:t>List and Find (Search)</a:t>
+            </a:r>
+          </a:p>
+          <a:p>
+            <a:pPr lvl="1">
+              <a:buFont typeface="Arial" charset="0"/>
+              <a:buChar char="•"/>
+            </a:pPr>
+            <a:r>
+              <a:rPr lang="en-IE" altLang="en-US" sz="2400" dirty="0" smtClean="0">
+                <a:latin typeface="Arial" panose="020B0604020202020204" pitchFamily="34" charset="0"/>
+                <a:cs typeface="Arial" panose="020B0604020202020204" pitchFamily="34" charset="0"/>
+              </a:rPr>
+              <a:t>Map / Navigation</a:t>
+            </a:r>
+          </a:p>
+          <a:p>
+            <a:pPr lvl="1">
+              <a:buFont typeface="Arial" charset="0"/>
+              <a:buChar char="•"/>
+            </a:pPr>
+            <a:r>
+              <a:rPr lang="en-IE" altLang="en-US" sz="2400" dirty="0" smtClean="0">
+                <a:latin typeface="Arial" panose="020B0604020202020204" pitchFamily="34" charset="0"/>
+                <a:cs typeface="Arial" panose="020B0604020202020204" pitchFamily="34" charset="0"/>
+              </a:rPr>
+              <a:t>Geo Location Notification </a:t>
+            </a:r>
+          </a:p>
+          <a:p>
+            <a:pPr lvl="1">
+              <a:buFont typeface="Arial" charset="0"/>
+              <a:buChar char="•"/>
+            </a:pPr>
+            <a:r>
+              <a:rPr lang="en-IE" altLang="en-US" sz="2400" dirty="0" smtClean="0">
+                <a:latin typeface="Arial" panose="020B0604020202020204" pitchFamily="34" charset="0"/>
+                <a:cs typeface="Arial" panose="020B0604020202020204" pitchFamily="34" charset="0"/>
+              </a:rPr>
+              <a:t>Booking System</a:t>
+            </a:r>
+          </a:p>
+          <a:p>
+            <a:pPr lvl="1">
+              <a:buFont typeface="Arial" charset="0"/>
+              <a:buChar char="•"/>
+            </a:pPr>
+            <a:r>
+              <a:rPr lang="en-IE" altLang="en-US" sz="2400" dirty="0" smtClean="0">
+                <a:latin typeface="Arial" panose="020B0604020202020204" pitchFamily="34" charset="0"/>
+                <a:cs typeface="Arial" panose="020B0604020202020204" pitchFamily="34" charset="0"/>
+              </a:rPr>
+              <a:t>Review</a:t>
+            </a:r>
+          </a:p>
+          <a:p>
+            <a:pPr lvl="1">
+              <a:buFont typeface="Arial" charset="0"/>
+              <a:buChar char="•"/>
+            </a:pPr>
+            <a:endParaRPr lang="en-IE" altLang="en-US" sz="2400" dirty="0" smtClean="0">
+              <a:latin typeface="Arial" panose="020B0604020202020204" pitchFamily="34" charset="0"/>
+              <a:cs typeface="Arial" panose="020B0604020202020204" pitchFamily="34" charset="0"/>
+            </a:endParaRPr>
+          </a:p>
+          <a:p>
+            <a:pPr marL="457200" lvl="1" indent="0">
+              <a:buNone/>
+            </a:pPr>
+            <a:endParaRPr lang="en-IE" altLang="en-US" sz="2400" dirty="0" smtClean="0">
+              <a:latin typeface="Arial" panose="020B0604020202020204" pitchFamily="34" charset="0"/>
+              <a:cs typeface="Arial" panose="020B0604020202020204" pitchFamily="34" charset="0"/>
+            </a:endParaRPr>
+          </a:p>
+          <a:p>
+            <a:pPr lvl="1"/>
+            <a:endParaRPr lang="en-IE" altLang="en-US" sz="2400" dirty="0" smtClean="0">
+              <a:latin typeface="Arial" panose="020B0604020202020204" pitchFamily="34" charset="0"/>
+              <a:cs typeface="Arial" panose="020B0604020202020204" pitchFamily="34" charset="0"/>
+            </a:endParaRPr>
           </a:p>
         </p:txBody>
       </p:sp>
     </p:spTree>
     <p:extLst>
       <p:ext uri="{BB962C8B-B14F-4D97-AF65-F5344CB8AC3E}">
-        <p14:creationId xmlns:p14="http://schemas.microsoft.com/office/powerpoint/2010/main" val="1010694753"/>
+        <p14:creationId xmlns:p14="http://schemas.microsoft.com/office/powerpoint/2010/main" val="777930366"/>
       </p:ext>
     </p:extLst>
   </p:cSld>
@@ -7553,9 +7562,9 @@
       </p:grpSpPr>
       <p:sp>
         <p:nvSpPr>
-          <p:cNvPr id="14338" name="Rectangle 2"/>
-          <p:cNvSpPr>
-            <a:spLocks noGrp="1" noChangeArrowheads="1"/>
+          <p:cNvPr id="2" name="Title 1"/>
+          <p:cNvSpPr>
+            <a:spLocks noGrp="1"/>
           </p:cNvSpPr>
           <p:nvPr>
             <p:ph type="title"/>
@@ -7563,139 +7572,179 @@
         </p:nvSpPr>
         <p:spPr>
           <a:xfrm>
-            <a:off x="827584" y="836712"/>
-            <a:ext cx="7024744" cy="757888"/>
+            <a:off x="483974" y="836712"/>
+            <a:ext cx="7055380" cy="1400530"/>
           </a:xfrm>
         </p:spPr>
         <p:txBody>
           <a:bodyPr/>
           <a:lstStyle/>
-          <a:p>
-            <a:r>
-              <a:rPr lang="en-IE" altLang="en-US" dirty="0"/>
-              <a:t>Evaluation</a:t>
-            </a:r>
-            <a:endParaRPr lang="en-US" altLang="en-US" dirty="0"/>
-          </a:p>
-        </p:txBody>
-      </p:sp>
-      <p:sp>
-        <p:nvSpPr>
-          <p:cNvPr id="14339" name="Rectangle 3"/>
-          <p:cNvSpPr>
-            <a:spLocks noGrp="1" noChangeArrowheads="1"/>
-          </p:cNvSpPr>
-          <p:nvPr>
-            <p:ph idx="1"/>
-          </p:nvPr>
-        </p:nvSpPr>
-        <p:spPr/>
-        <p:txBody>
-          <a:bodyPr/>
-          <a:lstStyle/>
-          <a:p>
-            <a:endParaRPr lang="en-IE" altLang="en-US" dirty="0" smtClean="0"/>
-          </a:p>
           <a:p>
             <a:r>
               <a:rPr lang="en-IE" altLang="en-US" dirty="0" smtClean="0">
                 <a:latin typeface="Arial" panose="020B0604020202020204" pitchFamily="34" charset="0"/>
                 <a:cs typeface="Arial" panose="020B0604020202020204" pitchFamily="34" charset="0"/>
               </a:rPr>
-              <a:t>How will </a:t>
+              <a:t>Main Requirements</a:t>
             </a:r>
             <a:r>
               <a:rPr lang="en-IE" altLang="en-US" dirty="0">
                 <a:latin typeface="Arial" panose="020B0604020202020204" pitchFamily="34" charset="0"/>
                 <a:cs typeface="Arial" panose="020B0604020202020204" pitchFamily="34" charset="0"/>
               </a:rPr>
-              <a:t>you evaluate the system</a:t>
+              <a:t/>
+            </a:r>
+            <a:br>
+              <a:rPr lang="en-IE" altLang="en-US" dirty="0">
+                <a:latin typeface="Arial" panose="020B0604020202020204" pitchFamily="34" charset="0"/>
+                <a:cs typeface="Arial" panose="020B0604020202020204" pitchFamily="34" charset="0"/>
+              </a:rPr>
+            </a:br>
+            <a:endParaRPr lang="en-US" dirty="0"/>
+          </a:p>
+        </p:txBody>
+      </p:sp>
+      <p:sp>
+        <p:nvSpPr>
+          <p:cNvPr id="3" name="Content Placeholder 2"/>
+          <p:cNvSpPr>
+            <a:spLocks noGrp="1"/>
+          </p:cNvSpPr>
+          <p:nvPr>
+            <p:ph idx="1"/>
+          </p:nvPr>
+        </p:nvSpPr>
+        <p:spPr>
+          <a:xfrm>
+            <a:off x="795732" y="2272698"/>
+            <a:ext cx="6711654" cy="4195481"/>
+          </a:xfrm>
+        </p:spPr>
+        <p:txBody>
+          <a:bodyPr/>
+          <a:lstStyle/>
+          <a:p>
+            <a:pPr marL="342900" lvl="1" indent="-342900"/>
+            <a:r>
+              <a:rPr lang="en-IE" altLang="en-US" sz="2400" dirty="0" smtClean="0">
+                <a:latin typeface="Arial" panose="020B0604020202020204" pitchFamily="34" charset="0"/>
+                <a:cs typeface="Arial" panose="020B0604020202020204" pitchFamily="34" charset="0"/>
+              </a:rPr>
+              <a:t>System</a:t>
+            </a:r>
+          </a:p>
+          <a:p>
+            <a:pPr marL="0" lvl="1" indent="0">
+              <a:buNone/>
+            </a:pPr>
+            <a:r>
+              <a:rPr lang="en-IE" altLang="en-US" sz="2400" dirty="0" smtClean="0">
+                <a:latin typeface="Arial" panose="020B0604020202020204" pitchFamily="34" charset="0"/>
+                <a:cs typeface="Arial" panose="020B0604020202020204" pitchFamily="34" charset="0"/>
+              </a:rPr>
+              <a:t>Client </a:t>
+            </a:r>
+            <a:r>
+              <a:rPr lang="mr-IN" altLang="en-US" sz="2400" dirty="0" smtClean="0">
+                <a:latin typeface="Arial" panose="020B0604020202020204" pitchFamily="34" charset="0"/>
+                <a:cs typeface="Arial" panose="020B0604020202020204" pitchFamily="34" charset="0"/>
+              </a:rPr>
+              <a:t>–</a:t>
+            </a:r>
+            <a:r>
+              <a:rPr lang="en-IE" altLang="en-US" sz="2400" dirty="0" smtClean="0">
+                <a:latin typeface="Arial" panose="020B0604020202020204" pitchFamily="34" charset="0"/>
+                <a:cs typeface="Arial" panose="020B0604020202020204" pitchFamily="34" charset="0"/>
+              </a:rPr>
+              <a:t> iOS 9+ iOS Devices</a:t>
+            </a:r>
+          </a:p>
+          <a:p>
+            <a:pPr marL="0" lvl="1" indent="0">
+              <a:buNone/>
+            </a:pPr>
+            <a:r>
+              <a:rPr lang="en-IE" altLang="en-US" sz="2400" dirty="0" smtClean="0">
+                <a:latin typeface="Arial" panose="020B0604020202020204" pitchFamily="34" charset="0"/>
+                <a:cs typeface="Arial" panose="020B0604020202020204" pitchFamily="34" charset="0"/>
+              </a:rPr>
+              <a:t>Internet Connection, GPS</a:t>
+            </a:r>
+          </a:p>
+          <a:p>
+            <a:pPr marL="0" lvl="1" indent="0">
+              <a:buNone/>
+            </a:pPr>
+            <a:endParaRPr lang="en-IE" altLang="en-US" sz="2400" dirty="0">
+              <a:latin typeface="Arial" panose="020B0604020202020204" pitchFamily="34" charset="0"/>
+              <a:cs typeface="Arial" panose="020B0604020202020204" pitchFamily="34" charset="0"/>
+            </a:endParaRPr>
+          </a:p>
+          <a:p>
+            <a:pPr marL="0" lvl="1" indent="0">
+              <a:buNone/>
+            </a:pPr>
+            <a:r>
+              <a:rPr lang="en-IE" altLang="en-US" sz="2400" dirty="0" smtClean="0">
+                <a:latin typeface="Arial" panose="020B0604020202020204" pitchFamily="34" charset="0"/>
+                <a:cs typeface="Arial" panose="020B0604020202020204" pitchFamily="34" charset="0"/>
+              </a:rPr>
+              <a:t>Backend </a:t>
+            </a:r>
+            <a:r>
+              <a:rPr lang="mr-IN" altLang="en-US" sz="2400" dirty="0" smtClean="0">
+                <a:latin typeface="Arial" panose="020B0604020202020204" pitchFamily="34" charset="0"/>
+                <a:cs typeface="Arial" panose="020B0604020202020204" pitchFamily="34" charset="0"/>
+              </a:rPr>
+              <a:t>–</a:t>
+            </a:r>
+            <a:r>
+              <a:rPr lang="en-IE" altLang="en-US" sz="2400" dirty="0" smtClean="0">
+                <a:latin typeface="Arial" panose="020B0604020202020204" pitchFamily="34" charset="0"/>
+                <a:cs typeface="Arial" panose="020B0604020202020204" pitchFamily="34" charset="0"/>
+              </a:rPr>
+              <a:t> SAP HANA with </a:t>
+            </a:r>
+            <a:r>
+              <a:rPr lang="en-IE" altLang="en-US" dirty="0">
+                <a:latin typeface="Arial" panose="020B0604020202020204" pitchFamily="34" charset="0"/>
+                <a:cs typeface="Arial" panose="020B0604020202020204" pitchFamily="34" charset="0"/>
+              </a:rPr>
+              <a:t>Geo Spatial </a:t>
             </a:r>
             <a:r>
               <a:rPr lang="en-IE" altLang="en-US" dirty="0" smtClean="0">
                 <a:latin typeface="Arial" panose="020B0604020202020204" pitchFamily="34" charset="0"/>
                 <a:cs typeface="Arial" panose="020B0604020202020204" pitchFamily="34" charset="0"/>
               </a:rPr>
-              <a:t>?</a:t>
-            </a:r>
-          </a:p>
-          <a:p>
-            <a:pPr marL="0" indent="0">
+              <a:t>Data Support</a:t>
+            </a:r>
+          </a:p>
+          <a:p>
+            <a:pPr marL="0" lvl="1" indent="0">
               <a:buNone/>
             </a:pPr>
-            <a:r>
-              <a:rPr lang="en-IE" altLang="en-US" dirty="0" smtClean="0">
-                <a:latin typeface="Arial" panose="020B0604020202020204" pitchFamily="34" charset="0"/>
-                <a:cs typeface="Arial" panose="020B0604020202020204" pitchFamily="34" charset="0"/>
-              </a:rPr>
-              <a:t>     The system will go through </a:t>
-            </a:r>
-            <a:r>
-              <a:rPr lang="mr-IN" altLang="en-US" dirty="0" smtClean="0">
-                <a:latin typeface="Arial" panose="020B0604020202020204" pitchFamily="34" charset="0"/>
-                <a:cs typeface="Arial" panose="020B0604020202020204" pitchFamily="34" charset="0"/>
-              </a:rPr>
-              <a:t>–</a:t>
-            </a:r>
-            <a:endParaRPr lang="en-IE" altLang="en-US" dirty="0" smtClean="0">
+            <a:endParaRPr lang="en-US" altLang="en-US" dirty="0">
               <a:latin typeface="Arial" panose="020B0604020202020204" pitchFamily="34" charset="0"/>
               <a:cs typeface="Arial" panose="020B0604020202020204" pitchFamily="34" charset="0"/>
             </a:endParaRPr>
           </a:p>
           <a:p>
-            <a:pPr>
-              <a:buFont typeface="Arial" charset="0"/>
-              <a:buChar char="•"/>
+            <a:pPr marL="0" lvl="1" indent="0">
+              <a:buNone/>
             </a:pPr>
             <a:r>
-              <a:rPr lang="en-IE" altLang="en-US" dirty="0" smtClean="0">
-                <a:latin typeface="Arial" panose="020B0604020202020204" pitchFamily="34" charset="0"/>
-                <a:cs typeface="Arial" panose="020B0604020202020204" pitchFamily="34" charset="0"/>
-              </a:rPr>
-              <a:t>Subjective Evaluation</a:t>
-            </a:r>
-          </a:p>
-          <a:p>
-            <a:pPr>
-              <a:buFont typeface="Arial" charset="0"/>
-              <a:buChar char="•"/>
-            </a:pPr>
-            <a:r>
-              <a:rPr lang="en-IE" altLang="en-US" dirty="0" smtClean="0">
-                <a:latin typeface="Arial" panose="020B0604020202020204" pitchFamily="34" charset="0"/>
-                <a:cs typeface="Arial" panose="020B0604020202020204" pitchFamily="34" charset="0"/>
-              </a:rPr>
-              <a:t>Unit Testing</a:t>
-            </a:r>
-          </a:p>
-          <a:p>
-            <a:pPr>
-              <a:buFont typeface="Arial" charset="0"/>
-              <a:buChar char="•"/>
-            </a:pPr>
-            <a:r>
-              <a:rPr lang="en-IE" altLang="en-US" dirty="0" smtClean="0">
-                <a:latin typeface="Arial" panose="020B0604020202020204" pitchFamily="34" charset="0"/>
-                <a:cs typeface="Arial" panose="020B0604020202020204" pitchFamily="34" charset="0"/>
-              </a:rPr>
-              <a:t>System Testing</a:t>
-            </a:r>
-          </a:p>
-          <a:p>
-            <a:pPr marL="0" indent="0">
-              <a:buNone/>
-            </a:pPr>
-            <a:endParaRPr lang="en-IE" altLang="en-US" dirty="0">
-              <a:latin typeface="Arial" panose="020B0604020202020204" pitchFamily="34" charset="0"/>
-              <a:cs typeface="Arial" panose="020B0604020202020204" pitchFamily="34" charset="0"/>
-            </a:endParaRPr>
+              <a:rPr lang="en-US" dirty="0" smtClean="0"/>
+              <a:t> </a:t>
+            </a:r>
+            <a:endParaRPr lang="en-US" dirty="0"/>
           </a:p>
         </p:txBody>
       </p:sp>
     </p:spTree>
     <p:extLst>
       <p:ext uri="{BB962C8B-B14F-4D97-AF65-F5344CB8AC3E}">
-        <p14:creationId xmlns:p14="http://schemas.microsoft.com/office/powerpoint/2010/main" val="3929260058"/>
+        <p14:creationId xmlns:p14="http://schemas.microsoft.com/office/powerpoint/2010/main" val="60140354"/>
       </p:ext>
     </p:extLst>
   </p:cSld>
@@ -7731,6 +7780,493 @@
       </p:grpSpPr>
       <p:sp>
         <p:nvSpPr>
+          <p:cNvPr id="2" name="Title 1"/>
+          <p:cNvSpPr>
+            <a:spLocks noGrp="1"/>
+          </p:cNvSpPr>
+          <p:nvPr>
+            <p:ph type="title"/>
+          </p:nvPr>
+        </p:nvSpPr>
+        <p:spPr/>
+        <p:txBody>
+          <a:bodyPr/>
+          <a:lstStyle/>
+          <a:p>
+            <a:r>
+              <a:rPr lang="en-US" dirty="0" smtClean="0"/>
+              <a:t>Main Requirements</a:t>
+            </a:r>
+            <a:endParaRPr lang="en-US" dirty="0"/>
+          </a:p>
+        </p:txBody>
+      </p:sp>
+      <p:sp>
+        <p:nvSpPr>
+          <p:cNvPr id="3" name="Content Placeholder 2"/>
+          <p:cNvSpPr>
+            <a:spLocks noGrp="1"/>
+          </p:cNvSpPr>
+          <p:nvPr>
+            <p:ph idx="1"/>
+          </p:nvPr>
+        </p:nvSpPr>
+        <p:spPr>
+          <a:xfrm>
+            <a:off x="395536" y="1340768"/>
+            <a:ext cx="6711654" cy="4195481"/>
+          </a:xfrm>
+        </p:spPr>
+        <p:txBody>
+          <a:bodyPr/>
+          <a:lstStyle/>
+          <a:p>
+            <a:pPr marL="342900" lvl="1" indent="-342900"/>
+            <a:r>
+              <a:rPr lang="en-IE" altLang="en-US" sz="2400" dirty="0" smtClean="0">
+                <a:latin typeface="Arial" panose="020B0604020202020204" pitchFamily="34" charset="0"/>
+                <a:cs typeface="Arial" panose="020B0604020202020204" pitchFamily="34" charset="0"/>
+              </a:rPr>
+              <a:t>Data</a:t>
+            </a:r>
+          </a:p>
+          <a:p>
+            <a:pPr marL="0" lvl="1" indent="0">
+              <a:buNone/>
+            </a:pPr>
+            <a:r>
+              <a:rPr lang="en-IE" altLang="en-US" sz="2400" dirty="0" smtClean="0">
+                <a:latin typeface="Arial" panose="020B0604020202020204" pitchFamily="34" charset="0"/>
+                <a:cs typeface="Arial" panose="020B0604020202020204" pitchFamily="34" charset="0"/>
+              </a:rPr>
+              <a:t>Building and Room information including co-ordinates (Geo Spatial Data </a:t>
+            </a:r>
+            <a:r>
+              <a:rPr lang="mr-IN" altLang="en-US" sz="2400" dirty="0" smtClean="0">
+                <a:latin typeface="Arial" panose="020B0604020202020204" pitchFamily="34" charset="0"/>
+                <a:cs typeface="Arial" panose="020B0604020202020204" pitchFamily="34" charset="0"/>
+              </a:rPr>
+              <a:t>–</a:t>
+            </a:r>
+            <a:r>
+              <a:rPr lang="en-IE" altLang="en-US" sz="2400" dirty="0" smtClean="0">
+                <a:latin typeface="Arial" panose="020B0604020202020204" pitchFamily="34" charset="0"/>
+                <a:cs typeface="Arial" panose="020B0604020202020204" pitchFamily="34" charset="0"/>
+              </a:rPr>
+              <a:t> Polygons &amp; Points)</a:t>
+            </a:r>
+          </a:p>
+          <a:p>
+            <a:pPr marL="0" lvl="1" indent="0">
+              <a:buNone/>
+            </a:pPr>
+            <a:endParaRPr lang="en-IE" altLang="en-US" sz="2400" dirty="0">
+              <a:latin typeface="Arial" panose="020B0604020202020204" pitchFamily="34" charset="0"/>
+              <a:cs typeface="Arial" panose="020B0604020202020204" pitchFamily="34" charset="0"/>
+            </a:endParaRPr>
+          </a:p>
+          <a:p>
+            <a:pPr marL="0" lvl="1" indent="0">
+              <a:buNone/>
+            </a:pPr>
+            <a:endParaRPr lang="en-IE" altLang="en-US" sz="2400" dirty="0" smtClean="0">
+              <a:latin typeface="Arial" panose="020B0604020202020204" pitchFamily="34" charset="0"/>
+              <a:cs typeface="Arial" panose="020B0604020202020204" pitchFamily="34" charset="0"/>
+            </a:endParaRPr>
+          </a:p>
+          <a:p>
+            <a:pPr marL="0" lvl="1" indent="0">
+              <a:buNone/>
+            </a:pPr>
+            <a:endParaRPr lang="en-IE" altLang="en-US" sz="2400" dirty="0">
+              <a:latin typeface="Arial" panose="020B0604020202020204" pitchFamily="34" charset="0"/>
+              <a:cs typeface="Arial" panose="020B0604020202020204" pitchFamily="34" charset="0"/>
+            </a:endParaRPr>
+          </a:p>
+          <a:p>
+            <a:endParaRPr lang="en-US" dirty="0"/>
+          </a:p>
+        </p:txBody>
+      </p:sp>
+      <p:pic>
+        <p:nvPicPr>
+          <p:cNvPr id="4" name="Picture 3"/>
+          <p:cNvPicPr>
+            <a:picLocks noChangeAspect="1"/>
+          </p:cNvPicPr>
+          <p:nvPr/>
+        </p:nvPicPr>
+        <p:blipFill>
+          <a:blip r:embed="rId2">
+            <a:extLst>
+              <a:ext uri="{28A0092B-C50C-407E-A947-70E740481C1C}">
+                <a14:useLocalDpi xmlns:a14="http://schemas.microsoft.com/office/drawing/2010/main" val="0"/>
+              </a:ext>
+            </a:extLst>
+          </a:blip>
+          <a:stretch>
+            <a:fillRect/>
+          </a:stretch>
+        </p:blipFill>
+        <p:spPr>
+          <a:xfrm>
+            <a:off x="1707040" y="2723890"/>
+            <a:ext cx="4881184" cy="3663078"/>
+          </a:xfrm>
+          <a:prstGeom prst="rect">
+            <a:avLst/>
+          </a:prstGeom>
+        </p:spPr>
+      </p:pic>
+    </p:spTree>
+    <p:extLst>
+      <p:ext uri="{BB962C8B-B14F-4D97-AF65-F5344CB8AC3E}">
+        <p14:creationId xmlns:p14="http://schemas.microsoft.com/office/powerpoint/2010/main" val="1421471710"/>
+      </p:ext>
+    </p:extLst>
+  </p:cSld>
+  <p:clrMapOvr>
+    <a:masterClrMapping/>
+  </p:clrMapOvr>
+  <p:timing>
+    <p:tnLst>
+      <p:par>
+        <p:cTn id="1" dur="indefinite" restart="never" nodeType="tmRoot"/>
+      </p:par>
+    </p:tnLst>
+  </p:timing>
+</p:sld>
+</file>
+
+<file path=ppt/slides/slide15.xml><?xml version="1.0" encoding="utf-8"?>
+<p:sld xmlns:a="http://schemas.openxmlformats.org/drawingml/2006/main" xmlns:r="http://schemas.openxmlformats.org/officeDocument/2006/relationships" xmlns:p="http://schemas.openxmlformats.org/presentationml/2006/main">
+  <p:cSld>
+    <p:spTree>
+      <p:nvGrpSpPr>
+        <p:cNvPr id="1" name=""/>
+        <p:cNvGrpSpPr/>
+        <p:nvPr/>
+      </p:nvGrpSpPr>
+      <p:grpSpPr>
+        <a:xfrm>
+          <a:off x="0" y="0"/>
+          <a:ext cx="0" cy="0"/>
+          <a:chOff x="0" y="0"/>
+          <a:chExt cx="0" cy="0"/>
+        </a:xfrm>
+      </p:grpSpPr>
+      <p:pic>
+        <p:nvPicPr>
+          <p:cNvPr id="4" name="Content Placeholder 3"/>
+          <p:cNvPicPr>
+            <a:picLocks noGrp="1" noChangeAspect="1"/>
+          </p:cNvPicPr>
+          <p:nvPr>
+            <p:ph idx="1"/>
+          </p:nvPr>
+        </p:nvPicPr>
+        <p:blipFill>
+          <a:blip r:embed="rId2">
+            <a:extLst>
+              <a:ext uri="{28A0092B-C50C-407E-A947-70E740481C1C}">
+                <a14:useLocalDpi xmlns:a14="http://schemas.microsoft.com/office/drawing/2010/main" val="0"/>
+              </a:ext>
+            </a:extLst>
+          </a:blip>
+          <a:stretch>
+            <a:fillRect/>
+          </a:stretch>
+        </p:blipFill>
+        <p:spPr>
+          <a:xfrm>
+            <a:off x="0" y="0"/>
+            <a:ext cx="5508104" cy="6858000"/>
+          </a:xfrm>
+        </p:spPr>
+      </p:pic>
+      <p:sp>
+        <p:nvSpPr>
+          <p:cNvPr id="5" name="TextBox 4"/>
+          <p:cNvSpPr txBox="1"/>
+          <p:nvPr/>
+        </p:nvSpPr>
+        <p:spPr>
+          <a:xfrm>
+            <a:off x="5724128" y="2204864"/>
+            <a:ext cx="3397084" cy="1477328"/>
+          </a:xfrm>
+          <a:prstGeom prst="rect">
+            <a:avLst/>
+          </a:prstGeom>
+          <a:noFill/>
+        </p:spPr>
+        <p:txBody>
+          <a:bodyPr wrap="none" rtlCol="0">
+            <a:spAutoFit/>
+          </a:bodyPr>
+          <a:lstStyle/>
+          <a:p>
+            <a:r>
+              <a:rPr lang="en-US" dirty="0" smtClean="0"/>
+              <a:t>Parsed JSON Data Sample</a:t>
+            </a:r>
+          </a:p>
+          <a:p>
+            <a:r>
+              <a:rPr lang="en-US" dirty="0"/>
+              <a:t>r</a:t>
+            </a:r>
+            <a:r>
+              <a:rPr lang="en-US" dirty="0" smtClean="0"/>
+              <a:t>eturned by the Web Service</a:t>
+            </a:r>
+          </a:p>
+          <a:p>
+            <a:r>
+              <a:rPr lang="en-US" dirty="0"/>
+              <a:t>t</a:t>
+            </a:r>
+            <a:r>
+              <a:rPr lang="en-US" dirty="0" smtClean="0"/>
+              <a:t>hrough http request that will</a:t>
+            </a:r>
+          </a:p>
+          <a:p>
+            <a:r>
+              <a:rPr lang="en-US" dirty="0"/>
+              <a:t>b</a:t>
+            </a:r>
+            <a:r>
+              <a:rPr lang="en-US" dirty="0" smtClean="0"/>
+              <a:t>e consumed by the client </a:t>
+            </a:r>
+          </a:p>
+          <a:p>
+            <a:r>
+              <a:rPr lang="en-US" dirty="0" smtClean="0"/>
+              <a:t>Application.</a:t>
+            </a:r>
+            <a:endParaRPr lang="en-US" dirty="0"/>
+          </a:p>
+        </p:txBody>
+      </p:sp>
+    </p:spTree>
+    <p:extLst>
+      <p:ext uri="{BB962C8B-B14F-4D97-AF65-F5344CB8AC3E}">
+        <p14:creationId xmlns:p14="http://schemas.microsoft.com/office/powerpoint/2010/main" val="1010694753"/>
+      </p:ext>
+    </p:extLst>
+  </p:cSld>
+  <p:clrMapOvr>
+    <a:masterClrMapping/>
+  </p:clrMapOvr>
+  <p:timing>
+    <p:tnLst>
+      <p:par>
+        <p:cTn id="1" dur="indefinite" restart="never" nodeType="tmRoot"/>
+      </p:par>
+    </p:tnLst>
+  </p:timing>
+</p:sld>
+</file>
+
+<file path=ppt/slides/slide16.xml><?xml version="1.0" encoding="utf-8"?>
+<p:sld xmlns:a="http://schemas.openxmlformats.org/drawingml/2006/main" xmlns:r="http://schemas.openxmlformats.org/officeDocument/2006/relationships" xmlns:p="http://schemas.openxmlformats.org/presentationml/2006/main">
+  <p:cSld>
+    <p:spTree>
+      <p:nvGrpSpPr>
+        <p:cNvPr id="1" name=""/>
+        <p:cNvGrpSpPr/>
+        <p:nvPr/>
+      </p:nvGrpSpPr>
+      <p:grpSpPr>
+        <a:xfrm>
+          <a:off x="0" y="0"/>
+          <a:ext cx="0" cy="0"/>
+          <a:chOff x="0" y="0"/>
+          <a:chExt cx="0" cy="0"/>
+        </a:xfrm>
+      </p:grpSpPr>
+      <p:sp>
+        <p:nvSpPr>
+          <p:cNvPr id="14338" name="Rectangle 2"/>
+          <p:cNvSpPr>
+            <a:spLocks noGrp="1" noChangeArrowheads="1"/>
+          </p:cNvSpPr>
+          <p:nvPr>
+            <p:ph type="title"/>
+          </p:nvPr>
+        </p:nvSpPr>
+        <p:spPr>
+          <a:xfrm>
+            <a:off x="827584" y="836712"/>
+            <a:ext cx="7024744" cy="757888"/>
+          </a:xfrm>
+        </p:spPr>
+        <p:txBody>
+          <a:bodyPr/>
+          <a:lstStyle/>
+          <a:p>
+            <a:r>
+              <a:rPr lang="en-IE" altLang="en-US" dirty="0"/>
+              <a:t>Evaluation</a:t>
+            </a:r>
+            <a:endParaRPr lang="en-US" altLang="en-US" dirty="0"/>
+          </a:p>
+        </p:txBody>
+      </p:sp>
+      <p:sp>
+        <p:nvSpPr>
+          <p:cNvPr id="14339" name="Rectangle 3"/>
+          <p:cNvSpPr>
+            <a:spLocks noGrp="1" noChangeArrowheads="1"/>
+          </p:cNvSpPr>
+          <p:nvPr>
+            <p:ph idx="1"/>
+          </p:nvPr>
+        </p:nvSpPr>
+        <p:spPr/>
+        <p:txBody>
+          <a:bodyPr/>
+          <a:lstStyle/>
+          <a:p>
+            <a:endParaRPr lang="en-IE" altLang="en-US" dirty="0" smtClean="0"/>
+          </a:p>
+          <a:p>
+            <a:r>
+              <a:rPr lang="en-IE" altLang="en-US" dirty="0" smtClean="0">
+                <a:latin typeface="Arial" panose="020B0604020202020204" pitchFamily="34" charset="0"/>
+                <a:cs typeface="Arial" panose="020B0604020202020204" pitchFamily="34" charset="0"/>
+              </a:rPr>
+              <a:t>How will </a:t>
+            </a:r>
+            <a:r>
+              <a:rPr lang="en-IE" altLang="en-US" dirty="0">
+                <a:latin typeface="Arial" panose="020B0604020202020204" pitchFamily="34" charset="0"/>
+                <a:cs typeface="Arial" panose="020B0604020202020204" pitchFamily="34" charset="0"/>
+              </a:rPr>
+              <a:t>you evaluate the system</a:t>
+            </a:r>
+            <a:r>
+              <a:rPr lang="en-IE" altLang="en-US" dirty="0" smtClean="0">
+                <a:latin typeface="Arial" panose="020B0604020202020204" pitchFamily="34" charset="0"/>
+                <a:cs typeface="Arial" panose="020B0604020202020204" pitchFamily="34" charset="0"/>
+              </a:rPr>
+              <a:t>?</a:t>
+            </a:r>
+          </a:p>
+          <a:p>
+            <a:pPr marL="0" indent="0">
+              <a:buNone/>
+            </a:pPr>
+            <a:r>
+              <a:rPr lang="en-IE" altLang="en-US" dirty="0" smtClean="0">
+                <a:latin typeface="Arial" panose="020B0604020202020204" pitchFamily="34" charset="0"/>
+                <a:cs typeface="Arial" panose="020B0604020202020204" pitchFamily="34" charset="0"/>
+              </a:rPr>
+              <a:t>     The system will go through </a:t>
+            </a:r>
+            <a:r>
+              <a:rPr lang="mr-IN" altLang="en-US" dirty="0" smtClean="0">
+                <a:latin typeface="Arial" panose="020B0604020202020204" pitchFamily="34" charset="0"/>
+                <a:cs typeface="Arial" panose="020B0604020202020204" pitchFamily="34" charset="0"/>
+              </a:rPr>
+              <a:t>–</a:t>
+            </a:r>
+            <a:endParaRPr lang="en-IE" altLang="en-US" dirty="0" smtClean="0">
+              <a:latin typeface="Arial" panose="020B0604020202020204" pitchFamily="34" charset="0"/>
+              <a:cs typeface="Arial" panose="020B0604020202020204" pitchFamily="34" charset="0"/>
+            </a:endParaRPr>
+          </a:p>
+          <a:p>
+            <a:pPr>
+              <a:buFont typeface="Arial" charset="0"/>
+              <a:buChar char="•"/>
+            </a:pPr>
+            <a:r>
+              <a:rPr lang="en-IE" altLang="en-US" dirty="0" smtClean="0">
+                <a:latin typeface="Arial" panose="020B0604020202020204" pitchFamily="34" charset="0"/>
+                <a:cs typeface="Arial" panose="020B0604020202020204" pitchFamily="34" charset="0"/>
+              </a:rPr>
+              <a:t>Subjective Evaluation</a:t>
+            </a:r>
+          </a:p>
+          <a:p>
+            <a:pPr>
+              <a:buFont typeface="Arial" charset="0"/>
+              <a:buChar char="•"/>
+            </a:pPr>
+            <a:r>
+              <a:rPr lang="en-IE" altLang="en-US" dirty="0" smtClean="0">
+                <a:latin typeface="Arial" panose="020B0604020202020204" pitchFamily="34" charset="0"/>
+                <a:cs typeface="Arial" panose="020B0604020202020204" pitchFamily="34" charset="0"/>
+              </a:rPr>
+              <a:t>Unit Testing</a:t>
+            </a:r>
+          </a:p>
+          <a:p>
+            <a:pPr>
+              <a:buFont typeface="Arial" charset="0"/>
+              <a:buChar char="•"/>
+            </a:pPr>
+            <a:r>
+              <a:rPr lang="en-IE" altLang="en-US" dirty="0" smtClean="0">
+                <a:latin typeface="Arial" panose="020B0604020202020204" pitchFamily="34" charset="0"/>
+                <a:cs typeface="Arial" panose="020B0604020202020204" pitchFamily="34" charset="0"/>
+              </a:rPr>
+              <a:t>System Testing</a:t>
+            </a:r>
+          </a:p>
+          <a:p>
+            <a:pPr marL="0" indent="0">
+              <a:buNone/>
+            </a:pPr>
+            <a:endParaRPr lang="en-IE" altLang="en-US" dirty="0">
+              <a:latin typeface="Arial" panose="020B0604020202020204" pitchFamily="34" charset="0"/>
+              <a:cs typeface="Arial" panose="020B0604020202020204" pitchFamily="34" charset="0"/>
+            </a:endParaRPr>
+          </a:p>
+        </p:txBody>
+      </p:sp>
+    </p:spTree>
+    <p:extLst>
+      <p:ext uri="{BB962C8B-B14F-4D97-AF65-F5344CB8AC3E}">
+        <p14:creationId xmlns:p14="http://schemas.microsoft.com/office/powerpoint/2010/main" val="3929260058"/>
+      </p:ext>
+    </p:extLst>
+  </p:cSld>
+  <p:clrMapOvr>
+    <a:masterClrMapping/>
+  </p:clrMapOvr>
+  <p:timing>
+    <p:tnLst>
+      <p:par>
+        <p:cTn id="1" dur="indefinite" restart="never" nodeType="tmRoot"/>
+      </p:par>
+    </p:tnLst>
+  </p:timing>
+</p:sld>
+</file>
+
+<file path=ppt/slides/slide17.xml><?xml version="1.0" encoding="utf-8"?>
+<p:sld xmlns:a="http://schemas.openxmlformats.org/drawingml/2006/main" xmlns:r="http://schemas.openxmlformats.org/officeDocument/2006/relationships" xmlns:p="http://schemas.openxmlformats.org/presentationml/2006/main">
+  <p:cSld>
+    <p:spTree>
+      <p:nvGrpSpPr>
+        <p:cNvPr id="1" name=""/>
+        <p:cNvGrpSpPr/>
+        <p:nvPr/>
+      </p:nvGrpSpPr>
+      <p:grpSpPr>
+        <a:xfrm>
+          <a:off x="0" y="0"/>
+          <a:ext cx="0" cy="0"/>
+          <a:chOff x="0" y="0"/>
+          <a:chExt cx="0" cy="0"/>
+        </a:xfrm>
+      </p:grpSpPr>
+      <p:sp>
+        <p:nvSpPr>
           <p:cNvPr id="10242" name="Rectangle 2"/>
           <p:cNvSpPr>
             <a:spLocks noGrp="1" noChangeArrowheads="1"/>
@@ -7983,7 +8519,7 @@
 </p:sld>
 </file>
 
-<file path=ppt/slides/slide15.xml><?xml version="1.0" encoding="utf-8"?>
+<file path=ppt/slides/slide18.xml><?xml version="1.0" encoding="utf-8"?>
 <p:sld xmlns:a="http://schemas.openxmlformats.org/drawingml/2006/main" xmlns:r="http://schemas.openxmlformats.org/officeDocument/2006/relationships" xmlns:p="http://schemas.openxmlformats.org/presentationml/2006/main">
   <p:cSld>
     <p:spTree>
@@ -8199,7 +8735,7 @@
 </p:sld>
 </file>
 
-<file path=ppt/slides/slide16.xml><?xml version="1.0" encoding="utf-8"?>
+<file path=ppt/slides/slide19.xml><?xml version="1.0" encoding="utf-8"?>
 <p:sld xmlns:a="http://schemas.openxmlformats.org/drawingml/2006/main" xmlns:r="http://schemas.openxmlformats.org/officeDocument/2006/relationships" xmlns:p="http://schemas.openxmlformats.org/presentationml/2006/main">
   <p:cSld>
     <p:spTree>
@@ -8330,7 +8866,271 @@
 </p:sld>
 </file>
 
-<file path=ppt/slides/slide17.xml><?xml version="1.0" encoding="utf-8"?>
+<file path=ppt/slides/slide2.xml><?xml version="1.0" encoding="utf-8"?>
+<p:sld xmlns:a="http://schemas.openxmlformats.org/drawingml/2006/main" xmlns:r="http://schemas.openxmlformats.org/officeDocument/2006/relationships" xmlns:p="http://schemas.openxmlformats.org/presentationml/2006/main">
+  <p:cSld>
+    <p:spTree>
+      <p:nvGrpSpPr>
+        <p:cNvPr id="1" name=""/>
+        <p:cNvGrpSpPr/>
+        <p:nvPr/>
+      </p:nvGrpSpPr>
+      <p:grpSpPr>
+        <a:xfrm>
+          <a:off x="0" y="0"/>
+          <a:ext cx="0" cy="0"/>
+          <a:chOff x="0" y="0"/>
+          <a:chExt cx="0" cy="0"/>
+        </a:xfrm>
+      </p:grpSpPr>
+      <p:sp>
+        <p:nvSpPr>
+          <p:cNvPr id="5122" name="Rectangle 2"/>
+          <p:cNvSpPr>
+            <a:spLocks noGrp="1" noChangeArrowheads="1"/>
+          </p:cNvSpPr>
+          <p:nvPr>
+            <p:ph type="title"/>
+          </p:nvPr>
+        </p:nvSpPr>
+        <p:spPr>
+          <a:xfrm>
+            <a:off x="375493" y="568645"/>
+            <a:ext cx="7024744" cy="685880"/>
+          </a:xfrm>
+        </p:spPr>
+        <p:txBody>
+          <a:bodyPr>
+            <a:normAutofit fontScale="90000"/>
+          </a:bodyPr>
+          <a:lstStyle/>
+          <a:p>
+            <a:r>
+              <a:rPr lang="en-IE" altLang="en-US" dirty="0"/>
+              <a:t>Introduction</a:t>
+            </a:r>
+            <a:endParaRPr lang="en-US" altLang="en-US" dirty="0"/>
+          </a:p>
+        </p:txBody>
+      </p:sp>
+      <p:sp>
+        <p:nvSpPr>
+          <p:cNvPr id="5123" name="Rectangle 3"/>
+          <p:cNvSpPr>
+            <a:spLocks noGrp="1" noChangeArrowheads="1"/>
+          </p:cNvSpPr>
+          <p:nvPr>
+            <p:ph idx="1"/>
+          </p:nvPr>
+        </p:nvSpPr>
+        <p:spPr>
+          <a:xfrm>
+            <a:off x="2987825" y="1883712"/>
+            <a:ext cx="5760640" cy="4497615"/>
+          </a:xfrm>
+        </p:spPr>
+        <p:txBody>
+          <a:bodyPr>
+            <a:normAutofit fontScale="85000" lnSpcReduction="10000"/>
+          </a:bodyPr>
+          <a:lstStyle/>
+          <a:p>
+            <a:pPr marL="68580" indent="0">
+              <a:buNone/>
+            </a:pPr>
+            <a:endParaRPr lang="en-IE" altLang="en-US" dirty="0" smtClean="0">
+              <a:cs typeface="Arial" panose="020B0604020202020204" pitchFamily="34" charset="0"/>
+            </a:endParaRPr>
+          </a:p>
+          <a:p>
+            <a:r>
+              <a:rPr lang="en-IE" altLang="en-US" dirty="0" smtClean="0">
+                <a:cs typeface="Arial" panose="020B0604020202020204" pitchFamily="34" charset="0"/>
+              </a:rPr>
+              <a:t>Project Context</a:t>
+            </a:r>
+          </a:p>
+          <a:p>
+            <a:pPr marL="68580" indent="0">
+              <a:buNone/>
+            </a:pPr>
+            <a:r>
+              <a:rPr lang="en-IE" altLang="en-US" dirty="0" smtClean="0">
+                <a:cs typeface="Arial" panose="020B0604020202020204" pitchFamily="34" charset="0"/>
+              </a:rPr>
+              <a:t>A room assistant application that allows the user to book rooms, navigate, see the building and the meeting room on the map, look at room gallery and upload images and review rooms .</a:t>
+            </a:r>
+            <a:endParaRPr lang="en-IE" altLang="en-US" dirty="0">
+              <a:cs typeface="Arial" panose="020B0604020202020204" pitchFamily="34" charset="0"/>
+            </a:endParaRPr>
+          </a:p>
+          <a:p>
+            <a:r>
+              <a:rPr lang="en-IE" altLang="en-US" dirty="0" smtClean="0">
+                <a:cs typeface="Arial" panose="020B0604020202020204" pitchFamily="34" charset="0"/>
+              </a:rPr>
+              <a:t>Customers</a:t>
+            </a:r>
+          </a:p>
+          <a:p>
+            <a:pPr marL="68580" indent="0">
+              <a:buNone/>
+            </a:pPr>
+            <a:r>
+              <a:rPr lang="en-IE" altLang="en-US" dirty="0" smtClean="0">
+                <a:cs typeface="Arial" panose="020B0604020202020204" pitchFamily="34" charset="0"/>
+              </a:rPr>
+              <a:t>The project has high potential and big corporate companies and </a:t>
+            </a:r>
+            <a:r>
+              <a:rPr lang="en-IE" altLang="en-US" dirty="0">
+                <a:cs typeface="Arial" panose="020B0604020202020204" pitchFamily="34" charset="0"/>
+              </a:rPr>
+              <a:t>educational </a:t>
+            </a:r>
+            <a:r>
+              <a:rPr lang="en-IE" altLang="en-US" dirty="0" smtClean="0">
+                <a:cs typeface="Arial" panose="020B0604020202020204" pitchFamily="34" charset="0"/>
+              </a:rPr>
+              <a:t>Institutions are its primary customers</a:t>
+            </a:r>
+            <a:endParaRPr lang="en-IE" altLang="en-US" dirty="0">
+              <a:cs typeface="Arial" panose="020B0604020202020204" pitchFamily="34" charset="0"/>
+            </a:endParaRPr>
+          </a:p>
+          <a:p>
+            <a:r>
+              <a:rPr lang="en-IE" altLang="en-US" dirty="0">
+                <a:cs typeface="Arial" panose="020B0604020202020204" pitchFamily="34" charset="0"/>
+              </a:rPr>
+              <a:t>Which problem did </a:t>
+            </a:r>
+            <a:r>
+              <a:rPr lang="en-IE" altLang="en-US" dirty="0" smtClean="0">
+                <a:cs typeface="Arial" panose="020B0604020202020204" pitchFamily="34" charset="0"/>
+              </a:rPr>
+              <a:t>you </a:t>
+            </a:r>
+            <a:r>
+              <a:rPr lang="en-IE" altLang="en-US" dirty="0">
+                <a:cs typeface="Arial" panose="020B0604020202020204" pitchFamily="34" charset="0"/>
+              </a:rPr>
+              <a:t>approach</a:t>
+            </a:r>
+            <a:r>
+              <a:rPr lang="en-IE" altLang="en-US" dirty="0" smtClean="0">
+                <a:cs typeface="Arial" panose="020B0604020202020204" pitchFamily="34" charset="0"/>
+              </a:rPr>
+              <a:t>?</a:t>
+            </a:r>
+          </a:p>
+          <a:p>
+            <a:pPr marL="68580" indent="0">
+              <a:buNone/>
+            </a:pPr>
+            <a:r>
+              <a:rPr lang="en-IE" altLang="en-US" dirty="0" smtClean="0">
+                <a:cs typeface="Arial" panose="020B0604020202020204" pitchFamily="34" charset="0"/>
+              </a:rPr>
+              <a:t>Finding the meeting room within buildings is hard and the app gives the functionality to find and book rooms on the same time in the same </a:t>
+            </a:r>
+            <a:r>
+              <a:rPr lang="en-IE" altLang="en-US" dirty="0" smtClean="0">
+                <a:cs typeface="Arial" panose="020B0604020202020204" pitchFamily="34" charset="0"/>
+              </a:rPr>
+              <a:t>application and also have other features alongside.</a:t>
+            </a:r>
+            <a:endParaRPr lang="en-US" altLang="en-US" dirty="0">
+              <a:cs typeface="Arial" panose="020B0604020202020204" pitchFamily="34" charset="0"/>
+            </a:endParaRPr>
+          </a:p>
+        </p:txBody>
+      </p:sp>
+      <p:pic>
+        <p:nvPicPr>
+          <p:cNvPr id="5" name="Picture 4"/>
+          <p:cNvPicPr>
+            <a:picLocks noChangeAspect="1"/>
+          </p:cNvPicPr>
+          <p:nvPr/>
+        </p:nvPicPr>
+        <p:blipFill>
+          <a:blip r:embed="rId2">
+            <a:extLst>
+              <a:ext uri="{28A0092B-C50C-407E-A947-70E740481C1C}">
+                <a14:useLocalDpi xmlns:a14="http://schemas.microsoft.com/office/drawing/2010/main" val="0"/>
+              </a:ext>
+            </a:extLst>
+          </a:blip>
+          <a:stretch>
+            <a:fillRect/>
+          </a:stretch>
+        </p:blipFill>
+        <p:spPr>
+          <a:xfrm>
+            <a:off x="467544" y="2816735"/>
+            <a:ext cx="2310420" cy="2310420"/>
+          </a:xfrm>
+          <a:prstGeom prst="rect">
+            <a:avLst/>
+          </a:prstGeom>
+        </p:spPr>
+      </p:pic>
+      <p:sp>
+        <p:nvSpPr>
+          <p:cNvPr id="2" name="TextBox 1"/>
+          <p:cNvSpPr txBox="1"/>
+          <p:nvPr/>
+        </p:nvSpPr>
+        <p:spPr>
+          <a:xfrm>
+            <a:off x="375493" y="1258852"/>
+            <a:ext cx="7992888" cy="861774"/>
+          </a:xfrm>
+          <a:prstGeom prst="rect">
+            <a:avLst/>
+          </a:prstGeom>
+          <a:noFill/>
+        </p:spPr>
+        <p:txBody>
+          <a:bodyPr wrap="square" rtlCol="0">
+            <a:spAutoFit/>
+          </a:bodyPr>
+          <a:lstStyle/>
+          <a:p>
+            <a:r>
+              <a:rPr lang="en-IE" altLang="en-US" sz="3200" dirty="0">
+                <a:cs typeface="Arial" panose="020B0604020202020204" pitchFamily="34" charset="0"/>
+              </a:rPr>
+              <a:t>MeetingRoom Pro (Find, Review, Book)</a:t>
+            </a:r>
+          </a:p>
+          <a:p>
+            <a:endParaRPr lang="en-US" dirty="0"/>
+          </a:p>
+        </p:txBody>
+      </p:sp>
+    </p:spTree>
+    <p:extLst>
+      <p:ext uri="{BB962C8B-B14F-4D97-AF65-F5344CB8AC3E}">
+        <p14:creationId xmlns:p14="http://schemas.microsoft.com/office/powerpoint/2010/main" val="3582902192"/>
+      </p:ext>
+    </p:extLst>
+  </p:cSld>
+  <p:clrMapOvr>
+    <a:masterClrMapping/>
+  </p:clrMapOvr>
+  <p:timing>
+    <p:tnLst>
+      <p:par>
+        <p:cTn id="1" dur="indefinite" restart="never" nodeType="tmRoot"/>
+      </p:par>
+    </p:tnLst>
+  </p:timing>
+</p:sld>
+</file>
+
+<file path=ppt/slides/slide20.xml><?xml version="1.0" encoding="utf-8"?>
 <p:sld xmlns:a="http://schemas.openxmlformats.org/drawingml/2006/main" xmlns:r="http://schemas.openxmlformats.org/officeDocument/2006/relationships" xmlns:p="http://schemas.openxmlformats.org/presentationml/2006/main">
   <p:cSld>
     <p:spTree>
@@ -8450,7 +9250,7 @@
 </p:sld>
 </file>
 
-<file path=ppt/slides/slide18.xml><?xml version="1.0" encoding="utf-8"?>
+<file path=ppt/slides/slide21.xml><?xml version="1.0" encoding="utf-8"?>
 <p:sld xmlns:a="http://schemas.openxmlformats.org/drawingml/2006/main" xmlns:r="http://schemas.openxmlformats.org/officeDocument/2006/relationships" xmlns:p="http://schemas.openxmlformats.org/presentationml/2006/main">
   <p:cSld>
     <p:spTree>
@@ -8557,227 +9357,6 @@
     <p:extLst>
       <p:ext uri="{BB962C8B-B14F-4D97-AF65-F5344CB8AC3E}">
         <p14:creationId xmlns:p14="http://schemas.microsoft.com/office/powerpoint/2010/main" val="1701398424"/>
-      </p:ext>
-    </p:extLst>
-  </p:cSld>
-  <p:clrMapOvr>
-    <a:masterClrMapping/>
-  </p:clrMapOvr>
-  <p:timing>
-    <p:tnLst>
-      <p:par>
-        <p:cTn id="1" dur="indefinite" restart="never" nodeType="tmRoot"/>
-      </p:par>
-    </p:tnLst>
-  </p:timing>
-</p:sld>
-</file>
-
-<file path=ppt/slides/slide2.xml><?xml version="1.0" encoding="utf-8"?>
-<p:sld xmlns:a="http://schemas.openxmlformats.org/drawingml/2006/main" xmlns:r="http://schemas.openxmlformats.org/officeDocument/2006/relationships" xmlns:p="http://schemas.openxmlformats.org/presentationml/2006/main">
-  <p:cSld>
-    <p:spTree>
-      <p:nvGrpSpPr>
-        <p:cNvPr id="1" name=""/>
-        <p:cNvGrpSpPr/>
-        <p:nvPr/>
-      </p:nvGrpSpPr>
-      <p:grpSpPr>
-        <a:xfrm>
-          <a:off x="0" y="0"/>
-          <a:ext cx="0" cy="0"/>
-          <a:chOff x="0" y="0"/>
-          <a:chExt cx="0" cy="0"/>
-        </a:xfrm>
-      </p:grpSpPr>
-      <p:sp>
-        <p:nvSpPr>
-          <p:cNvPr id="5122" name="Rectangle 2"/>
-          <p:cNvSpPr>
-            <a:spLocks noGrp="1" noChangeArrowheads="1"/>
-          </p:cNvSpPr>
-          <p:nvPr>
-            <p:ph type="title"/>
-          </p:nvPr>
-        </p:nvSpPr>
-        <p:spPr>
-          <a:xfrm>
-            <a:off x="827584" y="764704"/>
-            <a:ext cx="7024744" cy="685880"/>
-          </a:xfrm>
-        </p:spPr>
-        <p:txBody>
-          <a:bodyPr>
-            <a:normAutofit fontScale="90000"/>
-          </a:bodyPr>
-          <a:lstStyle/>
-          <a:p>
-            <a:r>
-              <a:rPr lang="en-IE" altLang="en-US" dirty="0"/>
-              <a:t>Introduction</a:t>
-            </a:r>
-            <a:endParaRPr lang="en-US" altLang="en-US" dirty="0"/>
-          </a:p>
-        </p:txBody>
-      </p:sp>
-      <p:sp>
-        <p:nvSpPr>
-          <p:cNvPr id="5123" name="Rectangle 3"/>
-          <p:cNvSpPr>
-            <a:spLocks noGrp="1" noChangeArrowheads="1"/>
-          </p:cNvSpPr>
-          <p:nvPr>
-            <p:ph idx="1"/>
-          </p:nvPr>
-        </p:nvSpPr>
-        <p:spPr>
-          <a:xfrm>
-            <a:off x="971600" y="1772816"/>
-            <a:ext cx="6777317" cy="4176464"/>
-          </a:xfrm>
-        </p:spPr>
-        <p:txBody>
-          <a:bodyPr>
-            <a:normAutofit fontScale="85000" lnSpcReduction="10000"/>
-          </a:bodyPr>
-          <a:lstStyle/>
-          <a:p>
-            <a:pPr marL="68580" indent="0">
-              <a:buNone/>
-            </a:pPr>
-            <a:r>
-              <a:rPr lang="en-IE" altLang="en-US" dirty="0" smtClean="0">
-                <a:latin typeface="Arial" panose="020B0604020202020204" pitchFamily="34" charset="0"/>
-                <a:cs typeface="Arial" panose="020B0604020202020204" pitchFamily="34" charset="0"/>
-              </a:rPr>
-              <a:t>MeetingRoom Pro (Find, Review, Book)</a:t>
-            </a:r>
-          </a:p>
-          <a:p>
-            <a:pPr marL="68580" indent="0">
-              <a:buNone/>
-            </a:pPr>
-            <a:endParaRPr lang="en-IE" altLang="en-US" dirty="0" smtClean="0">
-              <a:latin typeface="Arial" panose="020B0604020202020204" pitchFamily="34" charset="0"/>
-              <a:cs typeface="Arial" panose="020B0604020202020204" pitchFamily="34" charset="0"/>
-            </a:endParaRPr>
-          </a:p>
-          <a:p>
-            <a:r>
-              <a:rPr lang="en-IE" altLang="en-US" dirty="0" smtClean="0">
-                <a:latin typeface="Arial" panose="020B0604020202020204" pitchFamily="34" charset="0"/>
-                <a:cs typeface="Arial" panose="020B0604020202020204" pitchFamily="34" charset="0"/>
-              </a:rPr>
-              <a:t>Project Context</a:t>
-            </a:r>
-          </a:p>
-          <a:p>
-            <a:pPr marL="68580" indent="0">
-              <a:buNone/>
-            </a:pPr>
-            <a:r>
-              <a:rPr lang="en-IE" altLang="en-US" dirty="0" smtClean="0">
-                <a:latin typeface="Arial" panose="020B0604020202020204" pitchFamily="34" charset="0"/>
-                <a:cs typeface="Arial" panose="020B0604020202020204" pitchFamily="34" charset="0"/>
-              </a:rPr>
-              <a:t>A room assistant application that allows the user to book rooms, navigate, see the building and the meeting room on the map, look at room gallery and upload images and review rooms .</a:t>
-            </a:r>
-            <a:endParaRPr lang="en-IE" altLang="en-US" dirty="0">
-              <a:latin typeface="Arial" panose="020B0604020202020204" pitchFamily="34" charset="0"/>
-              <a:cs typeface="Arial" panose="020B0604020202020204" pitchFamily="34" charset="0"/>
-            </a:endParaRPr>
-          </a:p>
-          <a:p>
-            <a:r>
-              <a:rPr lang="en-IE" altLang="en-US" dirty="0" smtClean="0">
-                <a:latin typeface="Arial" panose="020B0604020202020204" pitchFamily="34" charset="0"/>
-                <a:cs typeface="Arial" panose="020B0604020202020204" pitchFamily="34" charset="0"/>
-              </a:rPr>
-              <a:t>Customers</a:t>
-            </a:r>
-          </a:p>
-          <a:p>
-            <a:pPr marL="68580" indent="0">
-              <a:buNone/>
-            </a:pPr>
-            <a:r>
-              <a:rPr lang="en-IE" altLang="en-US" dirty="0" smtClean="0">
-                <a:latin typeface="Arial" panose="020B0604020202020204" pitchFamily="34" charset="0"/>
-                <a:cs typeface="Arial" panose="020B0604020202020204" pitchFamily="34" charset="0"/>
-              </a:rPr>
-              <a:t>The project has high potential and big corporate companies and </a:t>
-            </a:r>
-            <a:r>
-              <a:rPr lang="en-IE" altLang="en-US" dirty="0">
-                <a:latin typeface="Arial" panose="020B0604020202020204" pitchFamily="34" charset="0"/>
-                <a:cs typeface="Arial" panose="020B0604020202020204" pitchFamily="34" charset="0"/>
-              </a:rPr>
-              <a:t>educational </a:t>
-            </a:r>
-            <a:r>
-              <a:rPr lang="en-IE" altLang="en-US" dirty="0" smtClean="0">
-                <a:latin typeface="Arial" panose="020B0604020202020204" pitchFamily="34" charset="0"/>
-                <a:cs typeface="Arial" panose="020B0604020202020204" pitchFamily="34" charset="0"/>
-              </a:rPr>
-              <a:t>Institutions are its primary customers</a:t>
-            </a:r>
-            <a:endParaRPr lang="en-IE" altLang="en-US" dirty="0">
-              <a:latin typeface="Arial" panose="020B0604020202020204" pitchFamily="34" charset="0"/>
-              <a:cs typeface="Arial" panose="020B0604020202020204" pitchFamily="34" charset="0"/>
-            </a:endParaRPr>
-          </a:p>
-          <a:p>
-            <a:r>
-              <a:rPr lang="en-IE" altLang="en-US" dirty="0">
-                <a:latin typeface="Arial" panose="020B0604020202020204" pitchFamily="34" charset="0"/>
-                <a:cs typeface="Arial" panose="020B0604020202020204" pitchFamily="34" charset="0"/>
-              </a:rPr>
-              <a:t>Which problem did </a:t>
-            </a:r>
-            <a:r>
-              <a:rPr lang="en-IE" altLang="en-US" dirty="0" smtClean="0">
-                <a:latin typeface="Arial" panose="020B0604020202020204" pitchFamily="34" charset="0"/>
-                <a:cs typeface="Arial" panose="020B0604020202020204" pitchFamily="34" charset="0"/>
-              </a:rPr>
-              <a:t>you </a:t>
-            </a:r>
-            <a:r>
-              <a:rPr lang="en-IE" altLang="en-US" dirty="0">
-                <a:latin typeface="Arial" panose="020B0604020202020204" pitchFamily="34" charset="0"/>
-                <a:cs typeface="Arial" panose="020B0604020202020204" pitchFamily="34" charset="0"/>
-              </a:rPr>
-              <a:t>approach</a:t>
-            </a:r>
-            <a:r>
-              <a:rPr lang="en-IE" altLang="en-US" dirty="0" smtClean="0">
-                <a:latin typeface="Arial" panose="020B0604020202020204" pitchFamily="34" charset="0"/>
-                <a:cs typeface="Arial" panose="020B0604020202020204" pitchFamily="34" charset="0"/>
-              </a:rPr>
-              <a:t>?</a:t>
-            </a:r>
-          </a:p>
-          <a:p>
-            <a:pPr marL="68580" indent="0">
-              <a:buNone/>
-            </a:pPr>
-            <a:r>
-              <a:rPr lang="en-IE" altLang="en-US" dirty="0" smtClean="0">
-                <a:latin typeface="Arial" panose="020B0604020202020204" pitchFamily="34" charset="0"/>
-                <a:cs typeface="Arial" panose="020B0604020202020204" pitchFamily="34" charset="0"/>
-              </a:rPr>
-              <a:t>Finding the meeting room within buildings is hard and the app gives the functionality to find and book rooms on the same time in the same application.</a:t>
-            </a:r>
-            <a:endParaRPr lang="en-US" altLang="en-US" dirty="0">
-              <a:latin typeface="Arial" panose="020B0604020202020204" pitchFamily="34" charset="0"/>
-              <a:cs typeface="Arial" panose="020B0604020202020204" pitchFamily="34" charset="0"/>
-            </a:endParaRPr>
-          </a:p>
-        </p:txBody>
-      </p:sp>
-    </p:spTree>
-    <p:extLst>
-      <p:ext uri="{BB962C8B-B14F-4D97-AF65-F5344CB8AC3E}">
-        <p14:creationId xmlns:p14="http://schemas.microsoft.com/office/powerpoint/2010/main" val="3582902192"/>
       </p:ext>
     </p:extLst>
   </p:cSld>
@@ -8813,7 +9392,7 @@
       </p:grpSpPr>
       <p:sp>
         <p:nvSpPr>
-          <p:cNvPr id="15362" name="Rectangle 2"/>
+          <p:cNvPr id="17410" name="Rectangle 2"/>
           <p:cNvSpPr>
             <a:spLocks noGrp="1" noChangeArrowheads="1"/>
           </p:cNvSpPr>
@@ -8823,17 +9402,19 @@
         </p:nvSpPr>
         <p:spPr>
           <a:xfrm>
-            <a:off x="899592" y="908720"/>
-            <a:ext cx="7024744" cy="757888"/>
-          </a:xfrm>
-        </p:spPr>
-        <p:txBody>
-          <a:bodyPr/>
-          <a:lstStyle/>
-          <a:p>
-            <a:r>
-              <a:rPr lang="en-IE" altLang="en-US" dirty="0"/>
-              <a:t>Discussions</a:t>
+            <a:off x="395536" y="908720"/>
+            <a:ext cx="7024744" cy="685880"/>
+          </a:xfrm>
+        </p:spPr>
+        <p:txBody>
+          <a:bodyPr>
+            <a:normAutofit fontScale="90000"/>
+          </a:bodyPr>
+          <a:lstStyle/>
+          <a:p>
+            <a:r>
+              <a:rPr lang="en-IE" altLang="en-US" dirty="0" smtClean="0"/>
+              <a:t>Project Goals</a:t>
             </a:r>
             <a:endParaRPr lang="en-US" altLang="en-US" dirty="0"/>
           </a:p>
@@ -8841,7 +9422,7 @@
       </p:sp>
       <p:sp>
         <p:nvSpPr>
-          <p:cNvPr id="15363" name="Rectangle 3"/>
+          <p:cNvPr id="17411" name="Rectangle 3"/>
           <p:cNvSpPr>
             <a:spLocks noGrp="1" noChangeArrowheads="1"/>
           </p:cNvSpPr>
@@ -8851,29 +9432,84 @@
         </p:nvSpPr>
         <p:spPr>
           <a:xfrm>
-            <a:off x="1023305" y="2204864"/>
-            <a:ext cx="6777317" cy="3508977"/>
+            <a:off x="3419872" y="1988840"/>
+            <a:ext cx="5472608" cy="3508977"/>
           </a:xfrm>
         </p:spPr>
         <p:txBody>
           <a:bodyPr>
-            <a:normAutofit/>
+            <a:normAutofit lnSpcReduction="10000"/>
           </a:bodyPr>
           <a:lstStyle/>
           <a:p>
             <a:r>
               <a:rPr lang="en-IE" altLang="en-US" dirty="0">
-                <a:latin typeface="Arial" panose="020B0604020202020204" pitchFamily="34" charset="0"/>
                 <a:cs typeface="Arial" panose="020B0604020202020204" pitchFamily="34" charset="0"/>
               </a:rPr>
-              <a:t>Advantages, D</a:t>
+              <a:t>How </a:t>
             </a:r>
             <a:r>
               <a:rPr lang="en-IE" altLang="en-US" dirty="0" smtClean="0">
-                <a:latin typeface="Arial" panose="020B0604020202020204" pitchFamily="34" charset="0"/>
                 <a:cs typeface="Arial" panose="020B0604020202020204" pitchFamily="34" charset="0"/>
               </a:rPr>
-              <a:t>isadvantages?</a:t>
+              <a:t>will </a:t>
+            </a:r>
+            <a:r>
+              <a:rPr lang="en-IE" altLang="en-US" dirty="0">
+                <a:cs typeface="Arial" panose="020B0604020202020204" pitchFamily="34" charset="0"/>
+              </a:rPr>
+              <a:t>you solve the problem and </a:t>
+            </a:r>
+            <a:r>
+              <a:rPr lang="en-IE" altLang="en-US" dirty="0" smtClean="0">
+                <a:cs typeface="Arial" panose="020B0604020202020204" pitchFamily="34" charset="0"/>
+              </a:rPr>
+              <a:t>What are you </a:t>
+            </a:r>
+            <a:r>
+              <a:rPr lang="en-IE" altLang="en-US" dirty="0">
+                <a:cs typeface="Arial" panose="020B0604020202020204" pitchFamily="34" charset="0"/>
+              </a:rPr>
+              <a:t>trying to achieve</a:t>
+            </a:r>
+            <a:r>
+              <a:rPr lang="en-IE" altLang="en-US" dirty="0" smtClean="0">
+                <a:cs typeface="Arial" panose="020B0604020202020204" pitchFamily="34" charset="0"/>
+              </a:rPr>
+              <a:t>?</a:t>
+            </a:r>
+          </a:p>
+          <a:p>
+            <a:pPr marL="0" indent="0">
+              <a:buNone/>
+            </a:pPr>
+            <a:r>
+              <a:rPr lang="en-IE" altLang="en-US" dirty="0" smtClean="0">
+                <a:cs typeface="Arial" panose="020B0604020202020204" pitchFamily="34" charset="0"/>
+              </a:rPr>
+              <a:t>Finding meeting rooms is a tough in huge buildings.</a:t>
+            </a:r>
+          </a:p>
+          <a:p>
+            <a:pPr marL="0" indent="0">
+              <a:buNone/>
+            </a:pPr>
+            <a:r>
+              <a:rPr lang="en-IE" altLang="en-US" dirty="0" smtClean="0">
+                <a:cs typeface="Arial" panose="020B0604020202020204" pitchFamily="34" charset="0"/>
+              </a:rPr>
+              <a:t>Solution:</a:t>
+            </a:r>
+          </a:p>
+          <a:p>
+            <a:pPr marL="0" indent="0">
+              <a:buNone/>
+            </a:pPr>
+            <a:r>
+              <a:rPr lang="en-IE" altLang="en-US" dirty="0" smtClean="0">
+                <a:cs typeface="Arial" panose="020B0604020202020204" pitchFamily="34" charset="0"/>
+              </a:rPr>
+              <a:t>By developing an easy to use iOS application. Which will allow its users to find, book, review rooms along with much more additional functionality to enhance the experience.</a:t>
             </a:r>
           </a:p>
           <a:p>
@@ -8886,56 +9522,47 @@
             </a:endParaRPr>
           </a:p>
           <a:p>
-            <a:r>
-              <a:rPr lang="en-IE" altLang="en-US" dirty="0">
-                <a:latin typeface="Arial" panose="020B0604020202020204" pitchFamily="34" charset="0"/>
-                <a:cs typeface="Arial" panose="020B0604020202020204" pitchFamily="34" charset="0"/>
-              </a:rPr>
-              <a:t>Opportunities and L</a:t>
-            </a:r>
-            <a:r>
-              <a:rPr lang="en-IE" altLang="en-US" dirty="0" smtClean="0">
-                <a:latin typeface="Arial" panose="020B0604020202020204" pitchFamily="34" charset="0"/>
-                <a:cs typeface="Arial" panose="020B0604020202020204" pitchFamily="34" charset="0"/>
-              </a:rPr>
-              <a:t>imits?</a:t>
-            </a:r>
-          </a:p>
-          <a:p>
             <a:pPr marL="0" indent="0">
               <a:buNone/>
             </a:pPr>
-            <a:endParaRPr lang="en-IE" altLang="en-US" dirty="0">
-              <a:latin typeface="Arial" panose="020B0604020202020204" pitchFamily="34" charset="0"/>
-              <a:cs typeface="Arial" panose="020B0604020202020204" pitchFamily="34" charset="0"/>
-            </a:endParaRPr>
-          </a:p>
-          <a:p>
-            <a:r>
-              <a:rPr lang="en-IE" altLang="en-US" dirty="0">
-                <a:latin typeface="Arial" panose="020B0604020202020204" pitchFamily="34" charset="0"/>
-                <a:cs typeface="Arial" panose="020B0604020202020204" pitchFamily="34" charset="0"/>
-              </a:rPr>
-              <a:t>Future P</a:t>
-            </a:r>
-            <a:r>
-              <a:rPr lang="en-IE" altLang="en-US" dirty="0" smtClean="0">
-                <a:latin typeface="Arial" panose="020B0604020202020204" pitchFamily="34" charset="0"/>
-                <a:cs typeface="Arial" panose="020B0604020202020204" pitchFamily="34" charset="0"/>
-              </a:rPr>
-              <a:t>erspectives?</a:t>
-            </a:r>
-            <a:endParaRPr lang="en-US" altLang="en-US" dirty="0">
-              <a:latin typeface="Arial" panose="020B0604020202020204" pitchFamily="34" charset="0"/>
-              <a:cs typeface="Arial" panose="020B0604020202020204" pitchFamily="34" charset="0"/>
-            </a:endParaRPr>
-          </a:p>
-        </p:txBody>
-      </p:sp>
+            <a:endParaRPr lang="en-US" altLang="en-US" dirty="0"/>
+          </a:p>
+        </p:txBody>
+      </p:sp>
+      <p:pic>
+        <p:nvPicPr>
+          <p:cNvPr id="4" name="Picture 3"/>
+          <p:cNvPicPr>
+            <a:picLocks noChangeAspect="1"/>
+          </p:cNvPicPr>
+          <p:nvPr/>
+        </p:nvPicPr>
+        <p:blipFill>
+          <a:blip r:embed="rId2">
+            <a:extLst>
+              <a:ext uri="{28A0092B-C50C-407E-A947-70E740481C1C}">
+                <a14:useLocalDpi xmlns:a14="http://schemas.microsoft.com/office/drawing/2010/main" val="0"/>
+              </a:ext>
+            </a:extLst>
+          </a:blip>
+          <a:stretch>
+            <a:fillRect/>
+          </a:stretch>
+        </p:blipFill>
+        <p:spPr>
+          <a:xfrm>
+            <a:off x="611560" y="2492896"/>
+            <a:ext cx="2310420" cy="2310420"/>
+          </a:xfrm>
+          <a:prstGeom prst="rect">
+            <a:avLst/>
+          </a:prstGeom>
+        </p:spPr>
+      </p:pic>
     </p:spTree>
     <p:extLst>
       <p:ext uri="{BB962C8B-B14F-4D97-AF65-F5344CB8AC3E}">
-        <p14:creationId xmlns:p14="http://schemas.microsoft.com/office/powerpoint/2010/main" val="119886107"/>
+        <p14:creationId xmlns:p14="http://schemas.microsoft.com/office/powerpoint/2010/main" val="927409708"/>
       </p:ext>
     </p:extLst>
   </p:cSld>
@@ -8971,9 +9598,9 @@
       </p:grpSpPr>
       <p:sp>
         <p:nvSpPr>
-          <p:cNvPr id="17410" name="Rectangle 2"/>
-          <p:cNvSpPr>
-            <a:spLocks noGrp="1" noChangeArrowheads="1"/>
+          <p:cNvPr id="2" name="Title 1"/>
+          <p:cNvSpPr>
+            <a:spLocks noGrp="1"/>
           </p:cNvSpPr>
           <p:nvPr>
             <p:ph type="title"/>
@@ -8981,144 +9608,273 @@
         </p:nvSpPr>
         <p:spPr>
           <a:xfrm>
-            <a:off x="899592" y="692696"/>
-            <a:ext cx="7024744" cy="685880"/>
-          </a:xfrm>
-        </p:spPr>
-        <p:txBody>
-          <a:bodyPr>
-            <a:normAutofit fontScale="90000"/>
+            <a:off x="3255901" y="488615"/>
+            <a:ext cx="5188664" cy="1400530"/>
+          </a:xfrm>
+        </p:spPr>
+        <p:txBody>
+          <a:bodyPr/>
+          <a:lstStyle/>
+          <a:p>
+            <a:r>
+              <a:rPr lang="en-US" dirty="0" smtClean="0"/>
+              <a:t>App Features Summary</a:t>
+            </a:r>
+            <a:endParaRPr lang="en-US" dirty="0"/>
+          </a:p>
+        </p:txBody>
+      </p:sp>
+      <p:pic>
+        <p:nvPicPr>
+          <p:cNvPr id="4" name="Picture 3"/>
+          <p:cNvPicPr>
+            <a:picLocks noChangeAspect="1"/>
+          </p:cNvPicPr>
+          <p:nvPr/>
+        </p:nvPicPr>
+        <p:blipFill>
+          <a:blip r:embed="rId2">
+            <a:extLst>
+              <a:ext uri="{28A0092B-C50C-407E-A947-70E740481C1C}">
+                <a14:useLocalDpi xmlns:a14="http://schemas.microsoft.com/office/drawing/2010/main" val="0"/>
+              </a:ext>
+            </a:extLst>
+          </a:blip>
+          <a:stretch>
+            <a:fillRect/>
+          </a:stretch>
+        </p:blipFill>
+        <p:spPr>
+          <a:xfrm>
+            <a:off x="1264198" y="2870162"/>
+            <a:ext cx="1944216" cy="1944216"/>
+          </a:xfrm>
+          <a:prstGeom prst="rect">
+            <a:avLst/>
+          </a:prstGeom>
+          <a:ln>
+            <a:noFill/>
+          </a:ln>
+          <a:effectLst>
+            <a:outerShdw blurRad="292100" dist="139700" dir="2700000" algn="tl" rotWithShape="0">
+              <a:srgbClr val="333333">
+                <a:alpha val="65000"/>
+              </a:srgbClr>
+            </a:outerShdw>
+          </a:effectLst>
+        </p:spPr>
+      </p:pic>
+      <p:pic>
+        <p:nvPicPr>
+          <p:cNvPr id="7" name="Picture 6"/>
+          <p:cNvPicPr>
+            <a:picLocks noChangeAspect="1"/>
+          </p:cNvPicPr>
+          <p:nvPr/>
+        </p:nvPicPr>
+        <p:blipFill>
+          <a:blip r:embed="rId3">
+            <a:extLst>
+              <a:ext uri="{28A0092B-C50C-407E-A947-70E740481C1C}">
+                <a14:useLocalDpi xmlns:a14="http://schemas.microsoft.com/office/drawing/2010/main" val="0"/>
+              </a:ext>
+            </a:extLst>
+          </a:blip>
+          <a:stretch>
+            <a:fillRect/>
+          </a:stretch>
+        </p:blipFill>
+        <p:spPr>
+          <a:xfrm>
+            <a:off x="5455782" y="2870162"/>
+            <a:ext cx="1944216" cy="1944216"/>
+          </a:xfrm>
+          <a:prstGeom prst="rect">
+            <a:avLst/>
+          </a:prstGeom>
+        </p:spPr>
+      </p:pic>
+      <p:sp>
+        <p:nvSpPr>
+          <p:cNvPr id="9" name="TextBox 8"/>
+          <p:cNvSpPr txBox="1"/>
+          <p:nvPr/>
+        </p:nvSpPr>
+        <p:spPr>
+          <a:xfrm>
+            <a:off x="1230262" y="2292282"/>
+            <a:ext cx="1343638" cy="369332"/>
+          </a:xfrm>
+          <a:prstGeom prst="rect">
+            <a:avLst/>
+          </a:prstGeom>
+          <a:noFill/>
+        </p:spPr>
+        <p:txBody>
+          <a:bodyPr wrap="none" rtlCol="0">
+            <a:spAutoFit/>
           </a:bodyPr>
           <a:lstStyle/>
           <a:p>
             <a:r>
-              <a:rPr lang="en-IE" altLang="en-US" dirty="0"/>
-              <a:t>Goals</a:t>
-            </a:r>
-            <a:endParaRPr lang="en-US" altLang="en-US" dirty="0"/>
-          </a:p>
-        </p:txBody>
-      </p:sp>
-      <p:sp>
-        <p:nvSpPr>
-          <p:cNvPr id="17411" name="Rectangle 3"/>
-          <p:cNvSpPr>
-            <a:spLocks noGrp="1" noChangeArrowheads="1"/>
-          </p:cNvSpPr>
-          <p:nvPr>
-            <p:ph idx="1"/>
-          </p:nvPr>
-        </p:nvSpPr>
-        <p:spPr>
-          <a:xfrm>
-            <a:off x="1147019" y="1988840"/>
-            <a:ext cx="6777317" cy="3508977"/>
-          </a:xfrm>
-        </p:spPr>
-        <p:txBody>
-          <a:bodyPr/>
-          <a:lstStyle/>
-          <a:p>
-            <a:r>
-              <a:rPr lang="en-IE" altLang="en-US" dirty="0">
-                <a:latin typeface="Arial" panose="020B0604020202020204" pitchFamily="34" charset="0"/>
-                <a:cs typeface="Arial" panose="020B0604020202020204" pitchFamily="34" charset="0"/>
-              </a:rPr>
-              <a:t>How </a:t>
-            </a:r>
-            <a:r>
-              <a:rPr lang="en-IE" altLang="en-US" dirty="0" smtClean="0">
-                <a:latin typeface="Arial" panose="020B0604020202020204" pitchFamily="34" charset="0"/>
-                <a:cs typeface="Arial" panose="020B0604020202020204" pitchFamily="34" charset="0"/>
-              </a:rPr>
-              <a:t>will </a:t>
-            </a:r>
-            <a:r>
-              <a:rPr lang="en-IE" altLang="en-US" dirty="0">
-                <a:latin typeface="Arial" panose="020B0604020202020204" pitchFamily="34" charset="0"/>
-                <a:cs typeface="Arial" panose="020B0604020202020204" pitchFamily="34" charset="0"/>
-              </a:rPr>
-              <a:t>you solve the problem and </a:t>
-            </a:r>
-            <a:r>
-              <a:rPr lang="en-IE" altLang="en-US" dirty="0" smtClean="0">
-                <a:latin typeface="Arial" panose="020B0604020202020204" pitchFamily="34" charset="0"/>
-                <a:cs typeface="Arial" panose="020B0604020202020204" pitchFamily="34" charset="0"/>
-              </a:rPr>
-              <a:t>What are you </a:t>
-            </a:r>
-            <a:r>
-              <a:rPr lang="en-IE" altLang="en-US" dirty="0">
-                <a:latin typeface="Arial" panose="020B0604020202020204" pitchFamily="34" charset="0"/>
-                <a:cs typeface="Arial" panose="020B0604020202020204" pitchFamily="34" charset="0"/>
-              </a:rPr>
-              <a:t>trying to achieve</a:t>
-            </a:r>
-            <a:r>
-              <a:rPr lang="en-IE" altLang="en-US" dirty="0" smtClean="0">
-                <a:latin typeface="Arial" panose="020B0604020202020204" pitchFamily="34" charset="0"/>
-                <a:cs typeface="Arial" panose="020B0604020202020204" pitchFamily="34" charset="0"/>
-              </a:rPr>
-              <a:t>?</a:t>
-            </a:r>
-          </a:p>
-          <a:p>
-            <a:pPr marL="0" indent="0">
-              <a:buNone/>
-            </a:pPr>
-            <a:r>
-              <a:rPr lang="en-IE" altLang="en-US" dirty="0" smtClean="0">
-                <a:latin typeface="Arial" panose="020B0604020202020204" pitchFamily="34" charset="0"/>
-                <a:cs typeface="Arial" panose="020B0604020202020204" pitchFamily="34" charset="0"/>
-              </a:rPr>
-              <a:t>Finding meeting rooms is a tough in huge buildings.</a:t>
-            </a:r>
-          </a:p>
-          <a:p>
-            <a:pPr marL="0" indent="0">
-              <a:buNone/>
-            </a:pPr>
-            <a:r>
-              <a:rPr lang="en-IE" altLang="en-US" dirty="0" smtClean="0">
-                <a:latin typeface="Arial" panose="020B0604020202020204" pitchFamily="34" charset="0"/>
-                <a:cs typeface="Arial" panose="020B0604020202020204" pitchFamily="34" charset="0"/>
-              </a:rPr>
-              <a:t>Solution:</a:t>
-            </a:r>
-          </a:p>
-          <a:p>
-            <a:pPr marL="0" indent="0">
-              <a:buNone/>
-            </a:pPr>
-            <a:r>
-              <a:rPr lang="en-IE" altLang="en-US" dirty="0" smtClean="0">
-                <a:latin typeface="Arial" panose="020B0604020202020204" pitchFamily="34" charset="0"/>
-                <a:cs typeface="Arial" panose="020B0604020202020204" pitchFamily="34" charset="0"/>
-              </a:rPr>
-              <a:t>By developing an easy to use iOS application. Which will allow its users to find, book, review rooms along with much more additional functionality to enhance the experience.</a:t>
-            </a:r>
-          </a:p>
-          <a:p>
-            <a:pPr marL="0" indent="0">
-              <a:buNone/>
-            </a:pPr>
-            <a:endParaRPr lang="en-IE" altLang="en-US" dirty="0">
-              <a:latin typeface="Arial" panose="020B0604020202020204" pitchFamily="34" charset="0"/>
-              <a:cs typeface="Arial" panose="020B0604020202020204" pitchFamily="34" charset="0"/>
-            </a:endParaRPr>
-          </a:p>
-          <a:p>
-            <a:pPr marL="0" indent="0">
-              <a:buNone/>
-            </a:pPr>
-            <a:endParaRPr lang="en-US" altLang="en-US" dirty="0"/>
-          </a:p>
-        </p:txBody>
-      </p:sp>
+              <a:rPr lang="en-US" b="1" dirty="0" smtClean="0"/>
+              <a:t>FEATURE 1:</a:t>
+            </a:r>
+            <a:endParaRPr lang="en-US" b="1" dirty="0"/>
+          </a:p>
+        </p:txBody>
+      </p:sp>
+      <p:sp>
+        <p:nvSpPr>
+          <p:cNvPr id="10" name="TextBox 9"/>
+          <p:cNvSpPr txBox="1"/>
+          <p:nvPr/>
+        </p:nvSpPr>
+        <p:spPr>
+          <a:xfrm>
+            <a:off x="4427984" y="5301208"/>
+            <a:ext cx="3999813" cy="923330"/>
+          </a:xfrm>
+          <a:prstGeom prst="rect">
+            <a:avLst/>
+          </a:prstGeom>
+          <a:noFill/>
+        </p:spPr>
+        <p:txBody>
+          <a:bodyPr wrap="none" rtlCol="0">
+            <a:spAutoFit/>
+          </a:bodyPr>
+          <a:lstStyle/>
+          <a:p>
+            <a:pPr algn="ctr"/>
+            <a:r>
+              <a:rPr lang="en-US" b="1" dirty="0" smtClean="0"/>
+              <a:t>View List of Available Buildings</a:t>
+            </a:r>
+          </a:p>
+          <a:p>
+            <a:pPr algn="ctr"/>
+            <a:r>
+              <a:rPr lang="en-US" b="1" dirty="0" smtClean="0"/>
+              <a:t>And rooms available in them</a:t>
+            </a:r>
+          </a:p>
+          <a:p>
+            <a:pPr algn="ctr"/>
+            <a:r>
+              <a:rPr lang="en-US" b="1" dirty="0" smtClean="0"/>
+              <a:t>with relevant hints and information</a:t>
+            </a:r>
+            <a:endParaRPr lang="en-US" b="1" dirty="0"/>
+          </a:p>
+        </p:txBody>
+      </p:sp>
+      <p:sp>
+        <p:nvSpPr>
+          <p:cNvPr id="11" name="TextBox 10"/>
+          <p:cNvSpPr txBox="1"/>
+          <p:nvPr/>
+        </p:nvSpPr>
+        <p:spPr>
+          <a:xfrm>
+            <a:off x="1230262" y="5301208"/>
+            <a:ext cx="2012089" cy="923330"/>
+          </a:xfrm>
+          <a:prstGeom prst="rect">
+            <a:avLst/>
+          </a:prstGeom>
+          <a:noFill/>
+        </p:spPr>
+        <p:txBody>
+          <a:bodyPr wrap="none" rtlCol="0">
+            <a:spAutoFit/>
+          </a:bodyPr>
+          <a:lstStyle/>
+          <a:p>
+            <a:r>
+              <a:rPr lang="en-US" b="1" dirty="0" smtClean="0"/>
+              <a:t>Search Buildings</a:t>
+            </a:r>
+          </a:p>
+          <a:p>
+            <a:r>
+              <a:rPr lang="en-US" b="1" dirty="0" smtClean="0"/>
+              <a:t>         And</a:t>
+            </a:r>
+          </a:p>
+          <a:p>
+            <a:r>
+              <a:rPr lang="en-US" b="1" dirty="0" smtClean="0"/>
+              <a:t>Meeting Rooms</a:t>
+            </a:r>
+            <a:endParaRPr lang="en-US" b="1" dirty="0"/>
+          </a:p>
+        </p:txBody>
+      </p:sp>
+      <p:sp>
+        <p:nvSpPr>
+          <p:cNvPr id="12" name="TextBox 11"/>
+          <p:cNvSpPr txBox="1"/>
+          <p:nvPr/>
+        </p:nvSpPr>
+        <p:spPr>
+          <a:xfrm>
+            <a:off x="5455782" y="2292282"/>
+            <a:ext cx="1343638" cy="369332"/>
+          </a:xfrm>
+          <a:prstGeom prst="rect">
+            <a:avLst/>
+          </a:prstGeom>
+          <a:noFill/>
+        </p:spPr>
+        <p:txBody>
+          <a:bodyPr wrap="none" rtlCol="0">
+            <a:spAutoFit/>
+          </a:bodyPr>
+          <a:lstStyle/>
+          <a:p>
+            <a:r>
+              <a:rPr lang="en-US" b="1" dirty="0" smtClean="0"/>
+              <a:t>FEATURE 2:</a:t>
+            </a:r>
+            <a:endParaRPr lang="en-US" b="1" dirty="0"/>
+          </a:p>
+        </p:txBody>
+      </p:sp>
+      <p:pic>
+        <p:nvPicPr>
+          <p:cNvPr id="15" name="Picture 14"/>
+          <p:cNvPicPr>
+            <a:picLocks noChangeAspect="1"/>
+          </p:cNvPicPr>
+          <p:nvPr/>
+        </p:nvPicPr>
+        <p:blipFill>
+          <a:blip r:embed="rId4">
+            <a:extLst>
+              <a:ext uri="{28A0092B-C50C-407E-A947-70E740481C1C}">
+                <a14:useLocalDpi xmlns:a14="http://schemas.microsoft.com/office/drawing/2010/main" val="0"/>
+              </a:ext>
+            </a:extLst>
+          </a:blip>
+          <a:stretch>
+            <a:fillRect/>
+          </a:stretch>
+        </p:blipFill>
+        <p:spPr>
+          <a:xfrm>
+            <a:off x="1230262" y="376022"/>
+            <a:ext cx="1513123" cy="1513123"/>
+          </a:xfrm>
+          <a:prstGeom prst="rect">
+            <a:avLst/>
+          </a:prstGeom>
+        </p:spPr>
+      </p:pic>
     </p:spTree>
     <p:extLst>
       <p:ext uri="{BB962C8B-B14F-4D97-AF65-F5344CB8AC3E}">
-        <p14:creationId xmlns:p14="http://schemas.microsoft.com/office/powerpoint/2010/main" val="927409708"/>
+        <p14:creationId xmlns:p14="http://schemas.microsoft.com/office/powerpoint/2010/main" val="1015730069"/>
       </p:ext>
     </p:extLst>
   </p:cSld>
@@ -9154,180 +9910,29 @@
       </p:grpSpPr>
       <p:sp>
         <p:nvSpPr>
-          <p:cNvPr id="7170" name="Rectangle 2"/>
-          <p:cNvSpPr>
-            <a:spLocks noGrp="1" noChangeArrowheads="1"/>
+          <p:cNvPr id="2" name="Title 1"/>
+          <p:cNvSpPr>
+            <a:spLocks noGrp="1"/>
           </p:cNvSpPr>
           <p:nvPr>
             <p:ph type="title"/>
           </p:nvPr>
         </p:nvSpPr>
-        <p:spPr>
-          <a:xfrm>
-            <a:off x="899592" y="764704"/>
-            <a:ext cx="7024744" cy="685880"/>
-          </a:xfrm>
-        </p:spPr>
-        <p:txBody>
-          <a:bodyPr>
-            <a:normAutofit fontScale="90000"/>
-          </a:bodyPr>
-          <a:lstStyle/>
-          <a:p>
-            <a:r>
-              <a:rPr lang="en-IE" altLang="en-US" dirty="0"/>
-              <a:t>System</a:t>
-            </a:r>
-            <a:endParaRPr lang="en-US" altLang="en-US" dirty="0"/>
-          </a:p>
-        </p:txBody>
-      </p:sp>
-      <p:sp>
-        <p:nvSpPr>
-          <p:cNvPr id="7171" name="Rectangle 3"/>
-          <p:cNvSpPr>
-            <a:spLocks noGrp="1" noChangeArrowheads="1"/>
-          </p:cNvSpPr>
-          <p:nvPr>
-            <p:ph idx="1"/>
-          </p:nvPr>
-        </p:nvSpPr>
-        <p:spPr>
-          <a:xfrm>
-            <a:off x="899592" y="1628800"/>
-            <a:ext cx="6777317" cy="4176464"/>
-          </a:xfrm>
-        </p:spPr>
+        <p:spPr/>
         <p:txBody>
           <a:bodyPr/>
           <a:lstStyle/>
           <a:p>
             <a:r>
-              <a:rPr lang="en-IE" altLang="en-US" dirty="0" smtClean="0">
-                <a:latin typeface="Arial" panose="020B0604020202020204" pitchFamily="34" charset="0"/>
-                <a:cs typeface="Arial" panose="020B0604020202020204" pitchFamily="34" charset="0"/>
-              </a:rPr>
-              <a:t>Description</a:t>
-            </a:r>
-          </a:p>
-          <a:p>
-            <a:pPr marL="0" indent="0">
-              <a:buNone/>
-            </a:pPr>
-            <a:r>
-              <a:rPr lang="en-IE" altLang="en-US" dirty="0" smtClean="0">
-                <a:latin typeface="Arial" panose="020B0604020202020204" pitchFamily="34" charset="0"/>
-                <a:cs typeface="Arial" panose="020B0604020202020204" pitchFamily="34" charset="0"/>
-              </a:rPr>
-              <a:t>Client </a:t>
-            </a:r>
-            <a:r>
-              <a:rPr lang="mr-IN" altLang="en-US" dirty="0" smtClean="0">
-                <a:latin typeface="Arial" panose="020B0604020202020204" pitchFamily="34" charset="0"/>
-                <a:cs typeface="Arial" panose="020B0604020202020204" pitchFamily="34" charset="0"/>
-              </a:rPr>
-              <a:t>–</a:t>
-            </a:r>
-            <a:r>
-              <a:rPr lang="en-IE" altLang="en-US" dirty="0" smtClean="0">
-                <a:latin typeface="Arial" panose="020B0604020202020204" pitchFamily="34" charset="0"/>
-                <a:cs typeface="Arial" panose="020B0604020202020204" pitchFamily="34" charset="0"/>
-              </a:rPr>
-              <a:t> iOS Application built with Swift 3 using Xcode IDE.</a:t>
-            </a:r>
-          </a:p>
-          <a:p>
-            <a:pPr marL="0" indent="0">
-              <a:buNone/>
-            </a:pPr>
-            <a:endParaRPr lang="en-IE" altLang="en-US" dirty="0">
-              <a:latin typeface="Arial" panose="020B0604020202020204" pitchFamily="34" charset="0"/>
-              <a:cs typeface="Arial" panose="020B0604020202020204" pitchFamily="34" charset="0"/>
-            </a:endParaRPr>
-          </a:p>
-          <a:p>
-            <a:pPr marL="0" indent="0">
-              <a:buNone/>
-            </a:pPr>
-            <a:endParaRPr lang="en-IE" altLang="en-US" dirty="0">
-              <a:latin typeface="Arial" panose="020B0604020202020204" pitchFamily="34" charset="0"/>
-              <a:cs typeface="Arial" panose="020B0604020202020204" pitchFamily="34" charset="0"/>
-            </a:endParaRPr>
-          </a:p>
-          <a:p>
-            <a:pPr marL="0" indent="0">
-              <a:buNone/>
-            </a:pPr>
-            <a:endParaRPr lang="en-IE" altLang="en-US" dirty="0">
-              <a:latin typeface="Arial" panose="020B0604020202020204" pitchFamily="34" charset="0"/>
-              <a:cs typeface="Arial" panose="020B0604020202020204" pitchFamily="34" charset="0"/>
-            </a:endParaRPr>
-          </a:p>
-          <a:p>
-            <a:pPr marL="0" indent="0">
-              <a:buNone/>
-            </a:pPr>
-            <a:endParaRPr lang="en-IE" altLang="en-US" dirty="0">
-              <a:latin typeface="Arial" panose="020B0604020202020204" pitchFamily="34" charset="0"/>
-              <a:cs typeface="Arial" panose="020B0604020202020204" pitchFamily="34" charset="0"/>
-            </a:endParaRPr>
-          </a:p>
-          <a:p>
-            <a:pPr marL="0" indent="0">
-              <a:buNone/>
-            </a:pPr>
-            <a:r>
-              <a:rPr lang="en-IE" altLang="en-US" dirty="0" smtClean="0">
-                <a:latin typeface="Arial" panose="020B0604020202020204" pitchFamily="34" charset="0"/>
-                <a:cs typeface="Arial" panose="020B0604020202020204" pitchFamily="34" charset="0"/>
-              </a:rPr>
-              <a:t>Backend </a:t>
-            </a:r>
-            <a:r>
-              <a:rPr lang="mr-IN" altLang="en-US" dirty="0">
-                <a:latin typeface="Arial" panose="020B0604020202020204" pitchFamily="34" charset="0"/>
-                <a:cs typeface="Arial" panose="020B0604020202020204" pitchFamily="34" charset="0"/>
-              </a:rPr>
-              <a:t>–</a:t>
-            </a:r>
-            <a:r>
-              <a:rPr lang="en-IE" altLang="en-US" dirty="0">
-                <a:latin typeface="Arial" panose="020B0604020202020204" pitchFamily="34" charset="0"/>
-                <a:cs typeface="Arial" panose="020B0604020202020204" pitchFamily="34" charset="0"/>
-              </a:rPr>
-              <a:t> </a:t>
-            </a:r>
-            <a:r>
-              <a:rPr lang="en-IE" altLang="en-US" dirty="0" smtClean="0">
-                <a:latin typeface="Arial" panose="020B0604020202020204" pitchFamily="34" charset="0"/>
-                <a:cs typeface="Arial" panose="020B0604020202020204" pitchFamily="34" charset="0"/>
-              </a:rPr>
-              <a:t>SQL (SAP HANA), Using SAP XS Engine build XSJS (JavaScript) based web service.</a:t>
-            </a:r>
-          </a:p>
-          <a:p>
-            <a:pPr marL="0" indent="0">
-              <a:buNone/>
-            </a:pPr>
-            <a:endParaRPr lang="en-IE" altLang="en-US" dirty="0" smtClean="0">
-              <a:latin typeface="Arial" panose="020B0604020202020204" pitchFamily="34" charset="0"/>
-              <a:cs typeface="Arial" panose="020B0604020202020204" pitchFamily="34" charset="0"/>
-            </a:endParaRPr>
-          </a:p>
-          <a:p>
-            <a:pPr marL="0" indent="0">
-              <a:buNone/>
-            </a:pPr>
-            <a:endParaRPr lang="en-IE" altLang="en-US" dirty="0">
-              <a:latin typeface="Arial" panose="020B0604020202020204" pitchFamily="34" charset="0"/>
-              <a:cs typeface="Arial" panose="020B0604020202020204" pitchFamily="34" charset="0"/>
-            </a:endParaRPr>
+              <a:rPr lang="en-US" dirty="0"/>
+              <a:t>App Features Summary</a:t>
+            </a:r>
           </a:p>
         </p:txBody>
       </p:sp>
       <p:pic>
         <p:nvPicPr>
-          <p:cNvPr id="2" name="Picture 1"/>
+          <p:cNvPr id="3" name="Picture 2"/>
           <p:cNvPicPr>
             <a:picLocks noChangeAspect="1"/>
           </p:cNvPicPr>
@@ -9347,8 +9952,8 @@
         </p:blipFill>
         <p:spPr>
           <a:xfrm>
-            <a:off x="1403648" y="2708920"/>
-            <a:ext cx="1296144" cy="1296144"/>
+            <a:off x="899592" y="4268148"/>
+            <a:ext cx="2297832" cy="2297832"/>
           </a:xfrm>
           <a:prstGeom prst="rect">
             <a:avLst/>
@@ -9377,8 +9982,8 @@
         </p:blipFill>
         <p:spPr>
           <a:xfrm>
-            <a:off x="3428560" y="2708919"/>
-            <a:ext cx="1251451" cy="1251451"/>
+            <a:off x="5113233" y="4453914"/>
+            <a:ext cx="1962554" cy="1947101"/>
           </a:xfrm>
           <a:prstGeom prst="rect">
             <a:avLst/>
@@ -9387,7 +9992,7 @@
       </p:pic>
       <p:pic>
         <p:nvPicPr>
-          <p:cNvPr id="5" name="Picture 4"/>
+          <p:cNvPr id="7" name="Picture 6"/>
           <p:cNvPicPr>
             <a:picLocks noChangeAspect="1"/>
           </p:cNvPicPr>
@@ -9407,8 +10012,8 @@
         </p:blipFill>
         <p:spPr>
           <a:xfrm>
-            <a:off x="1547664" y="5068153"/>
-            <a:ext cx="1095890" cy="1095890"/>
+            <a:off x="899592" y="1639785"/>
+            <a:ext cx="2365567" cy="2365567"/>
           </a:xfrm>
           <a:prstGeom prst="rect">
             <a:avLst/>
@@ -9417,7 +10022,7 @@
       </p:pic>
       <p:pic>
         <p:nvPicPr>
-          <p:cNvPr id="6" name="Picture 5"/>
+          <p:cNvPr id="8" name="Picture 7"/>
           <p:cNvPicPr>
             <a:picLocks noChangeAspect="1"/>
           </p:cNvPicPr>
@@ -9437,136 +10042,8 @@
         </p:blipFill>
         <p:spPr>
           <a:xfrm>
-            <a:off x="6322826" y="4809454"/>
-            <a:ext cx="2511376" cy="1298852"/>
-          </a:xfrm>
-          <a:prstGeom prst="rect">
-            <a:avLst/>
-          </a:prstGeom>
-        </p:spPr>
-      </p:pic>
-      <p:pic>
-        <p:nvPicPr>
-          <p:cNvPr id="7" name="Picture 6"/>
-          <p:cNvPicPr>
-            <a:picLocks noChangeAspect="1"/>
-          </p:cNvPicPr>
-          <p:nvPr/>
-        </p:nvPicPr>
-        <p:blipFill>
-          <a:blip r:embed="rId6">
-            <a:extLst>
-              <a:ext uri="{28A0092B-C50C-407E-A947-70E740481C1C}">
-                <a14:useLocalDpi xmlns:a14="http://schemas.microsoft.com/office/drawing/2010/main" val="0"/>
-              </a:ext>
-            </a:extLst>
-          </a:blip>
-          <a:stretch>
-            <a:fillRect/>
-          </a:stretch>
-        </p:blipFill>
-        <p:spPr>
-          <a:xfrm>
-            <a:off x="3099573" y="5271523"/>
-            <a:ext cx="1640751" cy="836783"/>
-          </a:xfrm>
-          <a:prstGeom prst="rect">
-            <a:avLst/>
-          </a:prstGeom>
-        </p:spPr>
-      </p:pic>
-      <p:sp>
-        <p:nvSpPr>
-          <p:cNvPr id="8" name="TextBox 7"/>
-          <p:cNvSpPr txBox="1"/>
-          <p:nvPr/>
-        </p:nvSpPr>
-        <p:spPr>
-          <a:xfrm>
-            <a:off x="4190271" y="5543654"/>
-            <a:ext cx="1861407" cy="523220"/>
-          </a:xfrm>
-          <a:prstGeom prst="rect">
-            <a:avLst/>
-          </a:prstGeom>
-          <a:noFill/>
-        </p:spPr>
-        <p:txBody>
-          <a:bodyPr wrap="none" rtlCol="0">
-            <a:spAutoFit/>
-          </a:bodyPr>
-          <a:lstStyle/>
-          <a:p>
-            <a:r>
-              <a:rPr lang="en-US" sz="2800" dirty="0" smtClean="0">
-                <a:solidFill>
-                  <a:srgbClr val="FFC000"/>
-                </a:solidFill>
-              </a:rPr>
-              <a:t>XS Engine</a:t>
-            </a:r>
-            <a:endParaRPr lang="en-US" sz="2800" dirty="0">
-              <a:solidFill>
-                <a:srgbClr val="FFC000"/>
-              </a:solidFill>
-            </a:endParaRPr>
-          </a:p>
-        </p:txBody>
-      </p:sp>
-      <p:pic>
-        <p:nvPicPr>
-          <p:cNvPr id="9" name="Picture 8"/>
-          <p:cNvPicPr>
-            <a:picLocks noChangeAspect="1"/>
-          </p:cNvPicPr>
-          <p:nvPr/>
-        </p:nvPicPr>
-        <p:blipFill>
-          <a:blip r:embed="rId7">
-            <a:extLst>
-              <a:ext uri="{28A0092B-C50C-407E-A947-70E740481C1C}">
-                <a14:useLocalDpi xmlns:a14="http://schemas.microsoft.com/office/drawing/2010/main" val="0"/>
-              </a:ext>
-            </a:extLst>
-          </a:blip>
-          <a:stretch>
-            <a:fillRect/>
-          </a:stretch>
-        </p:blipFill>
-        <p:spPr>
-          <a:xfrm>
-            <a:off x="5228760" y="2708919"/>
-            <a:ext cx="1249508" cy="1249508"/>
-          </a:xfrm>
-          <a:prstGeom prst="rect">
-            <a:avLst/>
-          </a:prstGeom>
-        </p:spPr>
-      </p:pic>
-      <p:pic>
-        <p:nvPicPr>
-          <p:cNvPr id="10" name="Picture 9"/>
-          <p:cNvPicPr>
-            <a:picLocks noChangeAspect="1"/>
-          </p:cNvPicPr>
-          <p:nvPr/>
-        </p:nvPicPr>
-        <p:blipFill>
-          <a:blip r:embed="rId8">
-            <a:extLst>
-              <a:ext uri="{28A0092B-C50C-407E-A947-70E740481C1C}">
-                <a14:useLocalDpi xmlns:a14="http://schemas.microsoft.com/office/drawing/2010/main" val="0"/>
-              </a:ext>
-            </a:extLst>
-          </a:blip>
-          <a:stretch>
-            <a:fillRect/>
-          </a:stretch>
-        </p:blipFill>
-        <p:spPr>
-          <a:xfrm>
-            <a:off x="6876256" y="2708919"/>
-            <a:ext cx="1172051" cy="1172051"/>
+            <a:off x="4648930" y="1376988"/>
+            <a:ext cx="2891160" cy="2891160"/>
           </a:xfrm>
           <a:prstGeom prst="rect">
             <a:avLst/>
@@ -9576,7 +10053,7 @@
     </p:spTree>
     <p:extLst>
       <p:ext uri="{BB962C8B-B14F-4D97-AF65-F5344CB8AC3E}">
-        <p14:creationId xmlns:p14="http://schemas.microsoft.com/office/powerpoint/2010/main" val="1597258432"/>
+        <p14:creationId xmlns:p14="http://schemas.microsoft.com/office/powerpoint/2010/main" val="535569574"/>
       </p:ext>
     </p:extLst>
   </p:cSld>
@@ -9627,63 +10104,15 @@
           <a:p>
             <a:r>
               <a:rPr lang="en-US" dirty="0" smtClean="0"/>
-              <a:t>System</a:t>
+              <a:t>List of Features</a:t>
             </a:r>
             <a:endParaRPr lang="en-US" dirty="0"/>
-          </a:p>
-        </p:txBody>
-      </p:sp>
-      <p:sp>
-        <p:nvSpPr>
-          <p:cNvPr id="3" name="Content Placeholder 2"/>
-          <p:cNvSpPr>
-            <a:spLocks noGrp="1"/>
-          </p:cNvSpPr>
-          <p:nvPr>
-            <p:ph idx="1"/>
-          </p:nvPr>
-        </p:nvSpPr>
-        <p:spPr>
-          <a:xfrm>
-            <a:off x="820374" y="1484784"/>
-            <a:ext cx="6711654" cy="4195481"/>
-          </a:xfrm>
-        </p:spPr>
-        <p:txBody>
-          <a:bodyPr/>
-          <a:lstStyle/>
-          <a:p>
-            <a:r>
-              <a:rPr lang="en-IE" altLang="en-US" dirty="0" smtClean="0">
-                <a:latin typeface="Arial" panose="020B0604020202020204" pitchFamily="34" charset="0"/>
-                <a:cs typeface="Arial" panose="020B0604020202020204" pitchFamily="34" charset="0"/>
-              </a:rPr>
-              <a:t>Architecture (SAP XS Engine)</a:t>
-            </a:r>
-          </a:p>
-          <a:p>
-            <a:pPr marL="0" indent="0">
-              <a:buNone/>
-            </a:pPr>
-            <a:endParaRPr lang="en-IE" altLang="en-US" dirty="0">
-              <a:latin typeface="Arial" panose="020B0604020202020204" pitchFamily="34" charset="0"/>
-              <a:cs typeface="Arial" panose="020B0604020202020204" pitchFamily="34" charset="0"/>
-            </a:endParaRPr>
-          </a:p>
-          <a:p>
-            <a:pPr marL="0" indent="0">
-              <a:buNone/>
-            </a:pPr>
-            <a:endParaRPr lang="en-IE" altLang="en-US" dirty="0">
-              <a:latin typeface="Arial" panose="020B0604020202020204" pitchFamily="34" charset="0"/>
-              <a:cs typeface="Arial" panose="020B0604020202020204" pitchFamily="34" charset="0"/>
-            </a:endParaRPr>
           </a:p>
         </p:txBody>
       </p:sp>
       <p:pic>
         <p:nvPicPr>
-          <p:cNvPr id="4" name="Picture 3"/>
+          <p:cNvPr id="3" name="Picture 2"/>
           <p:cNvPicPr>
             <a:picLocks noChangeAspect="1"/>
           </p:cNvPicPr>
@@ -9703,18 +10132,548 @@
         </p:blipFill>
         <p:spPr>
           <a:xfrm>
-            <a:off x="881718" y="2132856"/>
-            <a:ext cx="6658372" cy="3810971"/>
+            <a:off x="661583" y="1833777"/>
+            <a:ext cx="1361139" cy="1361139"/>
           </a:xfrm>
           <a:prstGeom prst="rect">
             <a:avLst/>
           </a:prstGeom>
+          <a:ln>
+            <a:noFill/>
+          </a:ln>
+          <a:effectLst>
+            <a:outerShdw blurRad="292100" dist="139700" dir="2700000" algn="tl" rotWithShape="0">
+              <a:srgbClr val="333333">
+                <a:alpha val="65000"/>
+              </a:srgbClr>
+            </a:outerShdw>
+          </a:effectLst>
         </p:spPr>
       </p:pic>
+      <p:pic>
+        <p:nvPicPr>
+          <p:cNvPr id="4" name="Picture 3"/>
+          <p:cNvPicPr>
+            <a:picLocks noChangeAspect="1"/>
+          </p:cNvPicPr>
+          <p:nvPr/>
+        </p:nvPicPr>
+        <p:blipFill>
+          <a:blip r:embed="rId3">
+            <a:extLst>
+              <a:ext uri="{28A0092B-C50C-407E-A947-70E740481C1C}">
+                <a14:useLocalDpi xmlns:a14="http://schemas.microsoft.com/office/drawing/2010/main" val="0"/>
+              </a:ext>
+            </a:extLst>
+          </a:blip>
+          <a:stretch>
+            <a:fillRect/>
+          </a:stretch>
+        </p:blipFill>
+        <p:spPr>
+          <a:xfrm>
+            <a:off x="2983946" y="1833777"/>
+            <a:ext cx="1361139" cy="1361139"/>
+          </a:xfrm>
+          <a:prstGeom prst="rect">
+            <a:avLst/>
+          </a:prstGeom>
+        </p:spPr>
+      </p:pic>
+      <p:pic>
+        <p:nvPicPr>
+          <p:cNvPr id="5" name="Picture 4"/>
+          <p:cNvPicPr>
+            <a:picLocks noChangeAspect="1"/>
+          </p:cNvPicPr>
+          <p:nvPr/>
+        </p:nvPicPr>
+        <p:blipFill>
+          <a:blip r:embed="rId4">
+            <a:extLst>
+              <a:ext uri="{28A0092B-C50C-407E-A947-70E740481C1C}">
+                <a14:useLocalDpi xmlns:a14="http://schemas.microsoft.com/office/drawing/2010/main" val="0"/>
+              </a:ext>
+            </a:extLst>
+          </a:blip>
+          <a:stretch>
+            <a:fillRect/>
+          </a:stretch>
+        </p:blipFill>
+        <p:spPr>
+          <a:xfrm>
+            <a:off x="5048040" y="1651602"/>
+            <a:ext cx="1537484" cy="1537484"/>
+          </a:xfrm>
+          <a:prstGeom prst="rect">
+            <a:avLst/>
+          </a:prstGeom>
+        </p:spPr>
+      </p:pic>
+      <p:pic>
+        <p:nvPicPr>
+          <p:cNvPr id="6" name="Picture 5"/>
+          <p:cNvPicPr>
+            <a:picLocks noChangeAspect="1"/>
+          </p:cNvPicPr>
+          <p:nvPr/>
+        </p:nvPicPr>
+        <p:blipFill>
+          <a:blip r:embed="rId5">
+            <a:extLst>
+              <a:ext uri="{28A0092B-C50C-407E-A947-70E740481C1C}">
+                <a14:useLocalDpi xmlns:a14="http://schemas.microsoft.com/office/drawing/2010/main" val="0"/>
+              </a:ext>
+            </a:extLst>
+          </a:blip>
+          <a:stretch>
+            <a:fillRect/>
+          </a:stretch>
+        </p:blipFill>
+        <p:spPr>
+          <a:xfrm>
+            <a:off x="5348319" y="216057"/>
+            <a:ext cx="936926" cy="936926"/>
+          </a:xfrm>
+          <a:prstGeom prst="rect">
+            <a:avLst/>
+          </a:prstGeom>
+        </p:spPr>
+      </p:pic>
+      <p:pic>
+        <p:nvPicPr>
+          <p:cNvPr id="7" name="Picture 6"/>
+          <p:cNvPicPr>
+            <a:picLocks noChangeAspect="1"/>
+          </p:cNvPicPr>
+          <p:nvPr/>
+        </p:nvPicPr>
+        <p:blipFill>
+          <a:blip r:embed="rId6">
+            <a:extLst>
+              <a:ext uri="{28A0092B-C50C-407E-A947-70E740481C1C}">
+                <a14:useLocalDpi xmlns:a14="http://schemas.microsoft.com/office/drawing/2010/main" val="0"/>
+              </a:ext>
+            </a:extLst>
+          </a:blip>
+          <a:stretch>
+            <a:fillRect/>
+          </a:stretch>
+        </p:blipFill>
+        <p:spPr>
+          <a:xfrm>
+            <a:off x="653906" y="4260109"/>
+            <a:ext cx="1522910" cy="1522910"/>
+          </a:xfrm>
+          <a:prstGeom prst="rect">
+            <a:avLst/>
+          </a:prstGeom>
+        </p:spPr>
+      </p:pic>
+      <p:pic>
+        <p:nvPicPr>
+          <p:cNvPr id="8" name="Picture 7"/>
+          <p:cNvPicPr>
+            <a:picLocks noChangeAspect="1"/>
+          </p:cNvPicPr>
+          <p:nvPr/>
+        </p:nvPicPr>
+        <p:blipFill>
+          <a:blip r:embed="rId7">
+            <a:extLst>
+              <a:ext uri="{28A0092B-C50C-407E-A947-70E740481C1C}">
+                <a14:useLocalDpi xmlns:a14="http://schemas.microsoft.com/office/drawing/2010/main" val="0"/>
+              </a:ext>
+            </a:extLst>
+          </a:blip>
+          <a:stretch>
+            <a:fillRect/>
+          </a:stretch>
+        </p:blipFill>
+        <p:spPr>
+          <a:xfrm>
+            <a:off x="2959988" y="4334468"/>
+            <a:ext cx="1385097" cy="1374191"/>
+          </a:xfrm>
+          <a:prstGeom prst="rect">
+            <a:avLst/>
+          </a:prstGeom>
+        </p:spPr>
+      </p:pic>
+      <p:pic>
+        <p:nvPicPr>
+          <p:cNvPr id="11" name="Picture 10"/>
+          <p:cNvPicPr>
+            <a:picLocks noChangeAspect="1"/>
+          </p:cNvPicPr>
+          <p:nvPr/>
+        </p:nvPicPr>
+        <p:blipFill>
+          <a:blip r:embed="rId8">
+            <a:extLst>
+              <a:ext uri="{28A0092B-C50C-407E-A947-70E740481C1C}">
+                <a14:useLocalDpi xmlns:a14="http://schemas.microsoft.com/office/drawing/2010/main" val="0"/>
+              </a:ext>
+            </a:extLst>
+          </a:blip>
+          <a:stretch>
+            <a:fillRect/>
+          </a:stretch>
+        </p:blipFill>
+        <p:spPr>
+          <a:xfrm>
+            <a:off x="5002801" y="4208385"/>
+            <a:ext cx="1665183" cy="1695649"/>
+          </a:xfrm>
+          <a:prstGeom prst="rect">
+            <a:avLst/>
+          </a:prstGeom>
+        </p:spPr>
+      </p:pic>
+      <p:pic>
+        <p:nvPicPr>
+          <p:cNvPr id="14" name="Picture 13"/>
+          <p:cNvPicPr>
+            <a:picLocks noChangeAspect="1"/>
+          </p:cNvPicPr>
+          <p:nvPr/>
+        </p:nvPicPr>
+        <p:blipFill>
+          <a:blip r:embed="rId9">
+            <a:extLst>
+              <a:ext uri="{28A0092B-C50C-407E-A947-70E740481C1C}">
+                <a14:useLocalDpi xmlns:a14="http://schemas.microsoft.com/office/drawing/2010/main" val="0"/>
+              </a:ext>
+            </a:extLst>
+          </a:blip>
+          <a:stretch>
+            <a:fillRect/>
+          </a:stretch>
+        </p:blipFill>
+        <p:spPr>
+          <a:xfrm>
+            <a:off x="7226945" y="4231305"/>
+            <a:ext cx="1448499" cy="1448499"/>
+          </a:xfrm>
+          <a:prstGeom prst="rect">
+            <a:avLst/>
+          </a:prstGeom>
+        </p:spPr>
+      </p:pic>
+      <p:sp>
+        <p:nvSpPr>
+          <p:cNvPr id="15" name="TextBox 14"/>
+          <p:cNvSpPr txBox="1"/>
+          <p:nvPr/>
+        </p:nvSpPr>
+        <p:spPr>
+          <a:xfrm>
+            <a:off x="787006" y="3446980"/>
+            <a:ext cx="1079142" cy="369332"/>
+          </a:xfrm>
+          <a:prstGeom prst="rect">
+            <a:avLst/>
+          </a:prstGeom>
+          <a:noFill/>
+        </p:spPr>
+        <p:txBody>
+          <a:bodyPr wrap="none" rtlCol="0">
+            <a:spAutoFit/>
+          </a:bodyPr>
+          <a:lstStyle/>
+          <a:p>
+            <a:r>
+              <a:rPr lang="en-US" dirty="0" smtClean="0"/>
+              <a:t>SEARCH</a:t>
+            </a:r>
+            <a:endParaRPr lang="en-US" dirty="0"/>
+          </a:p>
+        </p:txBody>
+      </p:sp>
+      <p:sp>
+        <p:nvSpPr>
+          <p:cNvPr id="16" name="TextBox 15"/>
+          <p:cNvSpPr txBox="1"/>
+          <p:nvPr/>
+        </p:nvSpPr>
+        <p:spPr>
+          <a:xfrm>
+            <a:off x="2863318" y="3443071"/>
+            <a:ext cx="1709122" cy="369332"/>
+          </a:xfrm>
+          <a:prstGeom prst="rect">
+            <a:avLst/>
+          </a:prstGeom>
+          <a:noFill/>
+        </p:spPr>
+        <p:txBody>
+          <a:bodyPr wrap="none" rtlCol="0">
+            <a:spAutoFit/>
+          </a:bodyPr>
+          <a:lstStyle/>
+          <a:p>
+            <a:r>
+              <a:rPr lang="en-US" dirty="0" smtClean="0"/>
+              <a:t>LIST AND FIND</a:t>
+            </a:r>
+            <a:endParaRPr lang="en-US" dirty="0"/>
+          </a:p>
+        </p:txBody>
+      </p:sp>
+      <p:sp>
+        <p:nvSpPr>
+          <p:cNvPr id="17" name="TextBox 16"/>
+          <p:cNvSpPr txBox="1"/>
+          <p:nvPr/>
+        </p:nvSpPr>
+        <p:spPr>
+          <a:xfrm>
+            <a:off x="5486107" y="3450326"/>
+            <a:ext cx="704039" cy="369332"/>
+          </a:xfrm>
+          <a:prstGeom prst="rect">
+            <a:avLst/>
+          </a:prstGeom>
+          <a:noFill/>
+        </p:spPr>
+        <p:txBody>
+          <a:bodyPr wrap="none" rtlCol="0">
+            <a:spAutoFit/>
+          </a:bodyPr>
+          <a:lstStyle/>
+          <a:p>
+            <a:r>
+              <a:rPr lang="en-US" dirty="0" smtClean="0"/>
+              <a:t>MAP</a:t>
+            </a:r>
+            <a:endParaRPr lang="en-US" dirty="0"/>
+          </a:p>
+        </p:txBody>
+      </p:sp>
+      <p:sp>
+        <p:nvSpPr>
+          <p:cNvPr id="18" name="TextBox 17"/>
+          <p:cNvSpPr txBox="1"/>
+          <p:nvPr/>
+        </p:nvSpPr>
+        <p:spPr>
+          <a:xfrm>
+            <a:off x="6291928" y="406543"/>
+            <a:ext cx="1024639" cy="646331"/>
+          </a:xfrm>
+          <a:prstGeom prst="rect">
+            <a:avLst/>
+          </a:prstGeom>
+          <a:noFill/>
+        </p:spPr>
+        <p:txBody>
+          <a:bodyPr wrap="none" rtlCol="0">
+            <a:spAutoFit/>
+          </a:bodyPr>
+          <a:lstStyle/>
+          <a:p>
+            <a:r>
+              <a:rPr lang="en-US" dirty="0" smtClean="0"/>
+              <a:t>ROOM </a:t>
+            </a:r>
+          </a:p>
+          <a:p>
+            <a:r>
+              <a:rPr lang="en-US" dirty="0" smtClean="0"/>
+              <a:t>DETAILS</a:t>
+            </a:r>
+            <a:endParaRPr lang="en-US" dirty="0"/>
+          </a:p>
+        </p:txBody>
+      </p:sp>
+      <p:sp>
+        <p:nvSpPr>
+          <p:cNvPr id="19" name="TextBox 18"/>
+          <p:cNvSpPr txBox="1"/>
+          <p:nvPr/>
+        </p:nvSpPr>
+        <p:spPr>
+          <a:xfrm>
+            <a:off x="802581" y="6021288"/>
+            <a:ext cx="1172116" cy="369332"/>
+          </a:xfrm>
+          <a:prstGeom prst="rect">
+            <a:avLst/>
+          </a:prstGeom>
+          <a:noFill/>
+        </p:spPr>
+        <p:txBody>
+          <a:bodyPr wrap="none" rtlCol="0">
+            <a:spAutoFit/>
+          </a:bodyPr>
+          <a:lstStyle/>
+          <a:p>
+            <a:r>
+              <a:rPr lang="en-US" dirty="0" smtClean="0"/>
+              <a:t>GALLERY</a:t>
+            </a:r>
+            <a:endParaRPr lang="en-US" dirty="0"/>
+          </a:p>
+        </p:txBody>
+      </p:sp>
+      <p:sp>
+        <p:nvSpPr>
+          <p:cNvPr id="20" name="TextBox 19"/>
+          <p:cNvSpPr txBox="1"/>
+          <p:nvPr/>
+        </p:nvSpPr>
+        <p:spPr>
+          <a:xfrm>
+            <a:off x="2675301" y="6021288"/>
+            <a:ext cx="1978427" cy="369332"/>
+          </a:xfrm>
+          <a:prstGeom prst="rect">
+            <a:avLst/>
+          </a:prstGeom>
+          <a:noFill/>
+        </p:spPr>
+        <p:txBody>
+          <a:bodyPr wrap="none" rtlCol="0">
+            <a:spAutoFit/>
+          </a:bodyPr>
+          <a:lstStyle/>
+          <a:p>
+            <a:r>
+              <a:rPr lang="en-US" dirty="0" smtClean="0"/>
+              <a:t>PHOTO UPLOAD</a:t>
+            </a:r>
+            <a:endParaRPr lang="en-US" dirty="0"/>
+          </a:p>
+        </p:txBody>
+      </p:sp>
+      <p:sp>
+        <p:nvSpPr>
+          <p:cNvPr id="21" name="TextBox 20"/>
+          <p:cNvSpPr txBox="1"/>
+          <p:nvPr/>
+        </p:nvSpPr>
+        <p:spPr>
+          <a:xfrm>
+            <a:off x="5002801" y="6015771"/>
+            <a:ext cx="1670650" cy="369332"/>
+          </a:xfrm>
+          <a:prstGeom prst="rect">
+            <a:avLst/>
+          </a:prstGeom>
+          <a:noFill/>
+        </p:spPr>
+        <p:txBody>
+          <a:bodyPr wrap="none" rtlCol="0">
+            <a:spAutoFit/>
+          </a:bodyPr>
+          <a:lstStyle/>
+          <a:p>
+            <a:r>
+              <a:rPr lang="en-US" dirty="0" smtClean="0"/>
+              <a:t>BOOK ROOM</a:t>
+            </a:r>
+            <a:endParaRPr lang="en-US" dirty="0"/>
+          </a:p>
+        </p:txBody>
+      </p:sp>
+      <p:sp>
+        <p:nvSpPr>
+          <p:cNvPr id="22" name="TextBox 21"/>
+          <p:cNvSpPr txBox="1"/>
+          <p:nvPr/>
+        </p:nvSpPr>
+        <p:spPr>
+          <a:xfrm>
+            <a:off x="6804248" y="6015771"/>
+            <a:ext cx="1951175" cy="369332"/>
+          </a:xfrm>
+          <a:prstGeom prst="rect">
+            <a:avLst/>
+          </a:prstGeom>
+          <a:noFill/>
+        </p:spPr>
+        <p:txBody>
+          <a:bodyPr wrap="none" rtlCol="0">
+            <a:spAutoFit/>
+          </a:bodyPr>
+          <a:lstStyle/>
+          <a:p>
+            <a:r>
+              <a:rPr lang="en-US" dirty="0" smtClean="0"/>
+              <a:t>    </a:t>
+            </a:r>
+            <a:r>
+              <a:rPr lang="en-US" smtClean="0"/>
+              <a:t>MY MEETINGS</a:t>
+            </a:r>
+            <a:endParaRPr lang="en-US" dirty="0"/>
+          </a:p>
+        </p:txBody>
+      </p:sp>
+      <p:pic>
+        <p:nvPicPr>
+          <p:cNvPr id="23" name="Picture 22"/>
+          <p:cNvPicPr>
+            <a:picLocks noChangeAspect="1"/>
+          </p:cNvPicPr>
+          <p:nvPr/>
+        </p:nvPicPr>
+        <p:blipFill>
+          <a:blip r:embed="rId10">
+            <a:extLst>
+              <a:ext uri="{28A0092B-C50C-407E-A947-70E740481C1C}">
+                <a14:useLocalDpi xmlns:a14="http://schemas.microsoft.com/office/drawing/2010/main" val="0"/>
+              </a:ext>
+            </a:extLst>
+          </a:blip>
+          <a:stretch>
+            <a:fillRect/>
+          </a:stretch>
+        </p:blipFill>
+        <p:spPr>
+          <a:xfrm>
+            <a:off x="7226945" y="1651603"/>
+            <a:ext cx="1543314" cy="1543314"/>
+          </a:xfrm>
+          <a:prstGeom prst="rect">
+            <a:avLst/>
+          </a:prstGeom>
+        </p:spPr>
+      </p:pic>
+      <p:sp>
+        <p:nvSpPr>
+          <p:cNvPr id="24" name="TextBox 23"/>
+          <p:cNvSpPr txBox="1"/>
+          <p:nvPr/>
+        </p:nvSpPr>
+        <p:spPr>
+          <a:xfrm>
+            <a:off x="7442876" y="3443071"/>
+            <a:ext cx="1122423" cy="369332"/>
+          </a:xfrm>
+          <a:prstGeom prst="rect">
+            <a:avLst/>
+          </a:prstGeom>
+          <a:noFill/>
+        </p:spPr>
+        <p:txBody>
+          <a:bodyPr wrap="none" rtlCol="0">
+            <a:spAutoFit/>
+          </a:bodyPr>
+          <a:lstStyle/>
+          <a:p>
+            <a:r>
+              <a:rPr lang="en-US" dirty="0" smtClean="0"/>
+              <a:t>REVIEWS</a:t>
+            </a:r>
+            <a:endParaRPr lang="en-US" dirty="0"/>
+          </a:p>
+        </p:txBody>
+      </p:sp>
     </p:spTree>
     <p:extLst>
       <p:ext uri="{BB962C8B-B14F-4D97-AF65-F5344CB8AC3E}">
-        <p14:creationId xmlns:p14="http://schemas.microsoft.com/office/powerpoint/2010/main" val="69957573"/>
+        <p14:creationId xmlns:p14="http://schemas.microsoft.com/office/powerpoint/2010/main" val="4965240"/>
       </p:ext>
     </p:extLst>
   </p:cSld>
@@ -9750,66 +10709,147 @@
       </p:grpSpPr>
       <p:sp>
         <p:nvSpPr>
-          <p:cNvPr id="2" name="Title 1"/>
-          <p:cNvSpPr>
-            <a:spLocks noGrp="1"/>
+          <p:cNvPr id="7170" name="Rectangle 2"/>
+          <p:cNvSpPr>
+            <a:spLocks noGrp="1" noChangeArrowheads="1"/>
           </p:cNvSpPr>
           <p:nvPr>
             <p:ph type="title"/>
           </p:nvPr>
         </p:nvSpPr>
-        <p:spPr/>
+        <p:spPr>
+          <a:xfrm>
+            <a:off x="877578" y="322216"/>
+            <a:ext cx="7024744" cy="685880"/>
+          </a:xfrm>
+        </p:spPr>
+        <p:txBody>
+          <a:bodyPr>
+            <a:normAutofit fontScale="90000"/>
+          </a:bodyPr>
+          <a:lstStyle/>
+          <a:p>
+            <a:r>
+              <a:rPr lang="en-IE" altLang="en-US" dirty="0"/>
+              <a:t>System</a:t>
+            </a:r>
+            <a:endParaRPr lang="en-US" altLang="en-US" dirty="0"/>
+          </a:p>
+        </p:txBody>
+      </p:sp>
+      <p:sp>
+        <p:nvSpPr>
+          <p:cNvPr id="7171" name="Rectangle 3"/>
+          <p:cNvSpPr>
+            <a:spLocks noGrp="1" noChangeArrowheads="1"/>
+          </p:cNvSpPr>
+          <p:nvPr>
+            <p:ph idx="1"/>
+          </p:nvPr>
+        </p:nvSpPr>
+        <p:spPr>
+          <a:xfrm>
+            <a:off x="877578" y="1043705"/>
+            <a:ext cx="6777317" cy="4176464"/>
+          </a:xfrm>
+        </p:spPr>
         <p:txBody>
           <a:bodyPr/>
           <a:lstStyle/>
           <a:p>
             <a:r>
-              <a:rPr lang="en-US" dirty="0" smtClean="0"/>
-              <a:t>System </a:t>
-            </a:r>
-            <a:endParaRPr lang="en-US" dirty="0"/>
-          </a:p>
-        </p:txBody>
-      </p:sp>
-      <p:sp>
-        <p:nvSpPr>
-          <p:cNvPr id="3" name="Content Placeholder 2"/>
-          <p:cNvSpPr>
-            <a:spLocks noGrp="1"/>
-          </p:cNvSpPr>
-          <p:nvPr>
-            <p:ph idx="1"/>
-          </p:nvPr>
-        </p:nvSpPr>
-        <p:spPr>
-          <a:xfrm>
-            <a:off x="828436" y="1412776"/>
-            <a:ext cx="6711654" cy="4195481"/>
-          </a:xfrm>
-        </p:spPr>
-        <p:txBody>
-          <a:bodyPr/>
-          <a:lstStyle/>
-          <a:p>
-            <a:r>
               <a:rPr lang="en-IE" altLang="en-US" dirty="0" smtClean="0">
-                <a:latin typeface="Arial" panose="020B0604020202020204" pitchFamily="34" charset="0"/>
+                <a:latin typeface="+mn-lt"/>
                 <a:cs typeface="Arial" panose="020B0604020202020204" pitchFamily="34" charset="0"/>
               </a:rPr>
-              <a:t>Architecture</a:t>
+              <a:t>Description</a:t>
             </a:r>
           </a:p>
           <a:p>
             <a:pPr marL="0" indent="0">
               <a:buNone/>
             </a:pPr>
-            <a:endParaRPr lang="en-US" dirty="0"/>
+            <a:r>
+              <a:rPr lang="en-IE" altLang="en-US" dirty="0" smtClean="0">
+                <a:latin typeface="+mn-lt"/>
+                <a:cs typeface="Arial" panose="020B0604020202020204" pitchFamily="34" charset="0"/>
+              </a:rPr>
+              <a:t>Client </a:t>
+            </a:r>
+            <a:r>
+              <a:rPr lang="mr-IN" altLang="en-US" dirty="0" smtClean="0">
+                <a:latin typeface="+mn-lt"/>
+                <a:cs typeface="Arial" panose="020B0604020202020204" pitchFamily="34" charset="0"/>
+              </a:rPr>
+              <a:t>–</a:t>
+            </a:r>
+            <a:r>
+              <a:rPr lang="en-IE" altLang="en-US" dirty="0" smtClean="0">
+                <a:latin typeface="+mn-lt"/>
+                <a:cs typeface="Arial" panose="020B0604020202020204" pitchFamily="34" charset="0"/>
+              </a:rPr>
+              <a:t> iOS Application built with Swift 3 using Xcode IDE.</a:t>
+            </a:r>
+          </a:p>
+          <a:p>
+            <a:pPr marL="0" indent="0">
+              <a:buNone/>
+            </a:pPr>
+            <a:endParaRPr lang="en-IE" altLang="en-US" dirty="0">
+              <a:latin typeface="Arial" panose="020B0604020202020204" pitchFamily="34" charset="0"/>
+              <a:cs typeface="Arial" panose="020B0604020202020204" pitchFamily="34" charset="0"/>
+            </a:endParaRPr>
+          </a:p>
+          <a:p>
+            <a:pPr marL="0" indent="0">
+              <a:buNone/>
+            </a:pPr>
+            <a:endParaRPr lang="en-IE" altLang="en-US" dirty="0">
+              <a:latin typeface="Arial" panose="020B0604020202020204" pitchFamily="34" charset="0"/>
+              <a:cs typeface="Arial" panose="020B0604020202020204" pitchFamily="34" charset="0"/>
+            </a:endParaRPr>
+          </a:p>
+          <a:p>
+            <a:pPr marL="0" indent="0">
+              <a:buNone/>
+            </a:pPr>
+            <a:endParaRPr lang="en-IE" altLang="en-US" dirty="0">
+              <a:latin typeface="Arial" panose="020B0604020202020204" pitchFamily="34" charset="0"/>
+              <a:cs typeface="Arial" panose="020B0604020202020204" pitchFamily="34" charset="0"/>
+            </a:endParaRPr>
+          </a:p>
+          <a:p>
+            <a:pPr marL="0" indent="0">
+              <a:buNone/>
+            </a:pPr>
+            <a:endParaRPr lang="en-IE" altLang="en-US" dirty="0">
+              <a:latin typeface="Arial" panose="020B0604020202020204" pitchFamily="34" charset="0"/>
+              <a:cs typeface="Arial" panose="020B0604020202020204" pitchFamily="34" charset="0"/>
+            </a:endParaRPr>
+          </a:p>
+          <a:p>
+            <a:pPr marL="0" indent="0">
+              <a:buNone/>
+            </a:pPr>
+            <a:endParaRPr lang="en-IE" altLang="en-US" dirty="0" smtClean="0">
+              <a:latin typeface="Arial" panose="020B0604020202020204" pitchFamily="34" charset="0"/>
+              <a:cs typeface="Arial" panose="020B0604020202020204" pitchFamily="34" charset="0"/>
+            </a:endParaRPr>
+          </a:p>
+          <a:p>
+            <a:pPr marL="0" indent="0">
+              <a:buNone/>
+            </a:pPr>
+            <a:endParaRPr lang="en-IE" altLang="en-US" dirty="0">
+              <a:latin typeface="Arial" panose="020B0604020202020204" pitchFamily="34" charset="0"/>
+              <a:cs typeface="Arial" panose="020B0604020202020204" pitchFamily="34" charset="0"/>
+            </a:endParaRPr>
           </a:p>
         </p:txBody>
       </p:sp>
       <p:pic>
         <p:nvPicPr>
-          <p:cNvPr id="4" name="Picture 3"/>
+          <p:cNvPr id="2" name="Picture 1"/>
           <p:cNvPicPr>
             <a:picLocks noChangeAspect="1"/>
           </p:cNvPicPr>
@@ -9829,18 +10869,347 @@
         </p:blipFill>
         <p:spPr>
           <a:xfrm>
-            <a:off x="1187624" y="1916832"/>
-            <a:ext cx="5309220" cy="4147082"/>
+            <a:off x="1221766" y="2215519"/>
+            <a:ext cx="1768480" cy="1768480"/>
           </a:xfrm>
           <a:prstGeom prst="rect">
             <a:avLst/>
           </a:prstGeom>
         </p:spPr>
       </p:pic>
+      <p:pic>
+        <p:nvPicPr>
+          <p:cNvPr id="10" name="Picture 9"/>
+          <p:cNvPicPr>
+            <a:picLocks noChangeAspect="1"/>
+          </p:cNvPicPr>
+          <p:nvPr/>
+        </p:nvPicPr>
+        <p:blipFill>
+          <a:blip r:embed="rId3">
+            <a:extLst>
+              <a:ext uri="{28A0092B-C50C-407E-A947-70E740481C1C}">
+                <a14:useLocalDpi xmlns:a14="http://schemas.microsoft.com/office/drawing/2010/main" val="0"/>
+              </a:ext>
+            </a:extLst>
+          </a:blip>
+          <a:stretch>
+            <a:fillRect/>
+          </a:stretch>
+        </p:blipFill>
+        <p:spPr>
+          <a:xfrm>
+            <a:off x="1273622" y="4675362"/>
+            <a:ext cx="1488047" cy="1488047"/>
+          </a:xfrm>
+          <a:prstGeom prst="rect">
+            <a:avLst/>
+          </a:prstGeom>
+        </p:spPr>
+      </p:pic>
+      <p:pic>
+        <p:nvPicPr>
+          <p:cNvPr id="3" name="Picture 2"/>
+          <p:cNvPicPr>
+            <a:picLocks noChangeAspect="1"/>
+          </p:cNvPicPr>
+          <p:nvPr/>
+        </p:nvPicPr>
+        <p:blipFill>
+          <a:blip r:embed="rId4">
+            <a:extLst>
+              <a:ext uri="{28A0092B-C50C-407E-A947-70E740481C1C}">
+                <a14:useLocalDpi xmlns:a14="http://schemas.microsoft.com/office/drawing/2010/main" val="0"/>
+              </a:ext>
+            </a:extLst>
+          </a:blip>
+          <a:stretch>
+            <a:fillRect/>
+          </a:stretch>
+        </p:blipFill>
+        <p:spPr>
+          <a:xfrm>
+            <a:off x="3304352" y="2215519"/>
+            <a:ext cx="2440124" cy="1734034"/>
+          </a:xfrm>
+          <a:prstGeom prst="rect">
+            <a:avLst/>
+          </a:prstGeom>
+        </p:spPr>
+      </p:pic>
+      <p:pic>
+        <p:nvPicPr>
+          <p:cNvPr id="12" name="Picture 11"/>
+          <p:cNvPicPr>
+            <a:picLocks noChangeAspect="1"/>
+          </p:cNvPicPr>
+          <p:nvPr/>
+        </p:nvPicPr>
+        <p:blipFill>
+          <a:blip r:embed="rId5">
+            <a:extLst>
+              <a:ext uri="{28A0092B-C50C-407E-A947-70E740481C1C}">
+                <a14:useLocalDpi xmlns:a14="http://schemas.microsoft.com/office/drawing/2010/main" val="0"/>
+              </a:ext>
+            </a:extLst>
+          </a:blip>
+          <a:stretch>
+            <a:fillRect/>
+          </a:stretch>
+        </p:blipFill>
+        <p:spPr>
+          <a:xfrm>
+            <a:off x="6234111" y="2229162"/>
+            <a:ext cx="1894119" cy="1645600"/>
+          </a:xfrm>
+          <a:prstGeom prst="rect">
+            <a:avLst/>
+          </a:prstGeom>
+        </p:spPr>
+      </p:pic>
+      <p:sp>
+        <p:nvSpPr>
+          <p:cNvPr id="13" name="TextBox 12"/>
+          <p:cNvSpPr txBox="1"/>
+          <p:nvPr/>
+        </p:nvSpPr>
+        <p:spPr>
+          <a:xfrm>
+            <a:off x="1518950" y="3987943"/>
+            <a:ext cx="1008609" cy="369332"/>
+          </a:xfrm>
+          <a:prstGeom prst="rect">
+            <a:avLst/>
+          </a:prstGeom>
+          <a:noFill/>
+        </p:spPr>
+        <p:txBody>
+          <a:bodyPr wrap="none" rtlCol="0">
+            <a:spAutoFit/>
+          </a:bodyPr>
+          <a:lstStyle/>
+          <a:p>
+            <a:r>
+              <a:rPr lang="en-US" dirty="0" smtClean="0"/>
+              <a:t>XCODE</a:t>
+            </a:r>
+            <a:endParaRPr lang="en-US" dirty="0"/>
+          </a:p>
+        </p:txBody>
+      </p:sp>
+      <p:sp>
+        <p:nvSpPr>
+          <p:cNvPr id="16" name="TextBox 15"/>
+          <p:cNvSpPr txBox="1"/>
+          <p:nvPr/>
+        </p:nvSpPr>
+        <p:spPr>
+          <a:xfrm>
+            <a:off x="4036139" y="3983999"/>
+            <a:ext cx="976549" cy="369332"/>
+          </a:xfrm>
+          <a:prstGeom prst="rect">
+            <a:avLst/>
+          </a:prstGeom>
+          <a:noFill/>
+        </p:spPr>
+        <p:txBody>
+          <a:bodyPr wrap="none" rtlCol="0">
+            <a:spAutoFit/>
+          </a:bodyPr>
+          <a:lstStyle/>
+          <a:p>
+            <a:r>
+              <a:rPr lang="en-US" dirty="0" smtClean="0"/>
+              <a:t>SWIFT 3</a:t>
+            </a:r>
+            <a:endParaRPr lang="en-US" dirty="0"/>
+          </a:p>
+        </p:txBody>
+      </p:sp>
+      <p:sp>
+        <p:nvSpPr>
+          <p:cNvPr id="17" name="TextBox 16"/>
+          <p:cNvSpPr txBox="1"/>
+          <p:nvPr/>
+        </p:nvSpPr>
+        <p:spPr>
+          <a:xfrm>
+            <a:off x="6790677" y="3983999"/>
+            <a:ext cx="780983" cy="369332"/>
+          </a:xfrm>
+          <a:prstGeom prst="rect">
+            <a:avLst/>
+          </a:prstGeom>
+          <a:noFill/>
+        </p:spPr>
+        <p:txBody>
+          <a:bodyPr wrap="none" rtlCol="0">
+            <a:spAutoFit/>
+          </a:bodyPr>
+          <a:lstStyle/>
+          <a:p>
+            <a:r>
+              <a:rPr lang="en-US" dirty="0" smtClean="0"/>
+              <a:t>JSON</a:t>
+            </a:r>
+            <a:endParaRPr lang="en-US" dirty="0"/>
+          </a:p>
+        </p:txBody>
+      </p:sp>
+      <p:sp>
+        <p:nvSpPr>
+          <p:cNvPr id="18" name="TextBox 17"/>
+          <p:cNvSpPr txBox="1"/>
+          <p:nvPr/>
+        </p:nvSpPr>
+        <p:spPr>
+          <a:xfrm>
+            <a:off x="1518950" y="6307433"/>
+            <a:ext cx="997389" cy="369332"/>
+          </a:xfrm>
+          <a:prstGeom prst="rect">
+            <a:avLst/>
+          </a:prstGeom>
+          <a:noFill/>
+        </p:spPr>
+        <p:txBody>
+          <a:bodyPr wrap="none" rtlCol="0">
+            <a:spAutoFit/>
+          </a:bodyPr>
+          <a:lstStyle/>
+          <a:p>
+            <a:r>
+              <a:rPr lang="en-US" dirty="0" smtClean="0"/>
+              <a:t>MAPKIT</a:t>
+            </a:r>
+            <a:endParaRPr lang="en-US" dirty="0"/>
+          </a:p>
+        </p:txBody>
+      </p:sp>
+      <p:pic>
+        <p:nvPicPr>
+          <p:cNvPr id="14" name="Picture 13"/>
+          <p:cNvPicPr>
+            <a:picLocks noChangeAspect="1"/>
+          </p:cNvPicPr>
+          <p:nvPr/>
+        </p:nvPicPr>
+        <p:blipFill>
+          <a:blip r:embed="rId6">
+            <a:extLst>
+              <a:ext uri="{28A0092B-C50C-407E-A947-70E740481C1C}">
+                <a14:useLocalDpi xmlns:a14="http://schemas.microsoft.com/office/drawing/2010/main" val="0"/>
+              </a:ext>
+            </a:extLst>
+          </a:blip>
+          <a:stretch>
+            <a:fillRect/>
+          </a:stretch>
+        </p:blipFill>
+        <p:spPr>
+          <a:xfrm>
+            <a:off x="3788656" y="4675363"/>
+            <a:ext cx="1530841" cy="1488046"/>
+          </a:xfrm>
+          <a:prstGeom prst="rect">
+            <a:avLst/>
+          </a:prstGeom>
+        </p:spPr>
+      </p:pic>
+      <p:sp>
+        <p:nvSpPr>
+          <p:cNvPr id="20" name="TextBox 19"/>
+          <p:cNvSpPr txBox="1"/>
+          <p:nvPr/>
+        </p:nvSpPr>
+        <p:spPr>
+          <a:xfrm>
+            <a:off x="3676271" y="6307433"/>
+            <a:ext cx="1755609" cy="369332"/>
+          </a:xfrm>
+          <a:prstGeom prst="rect">
+            <a:avLst/>
+          </a:prstGeom>
+          <a:noFill/>
+        </p:spPr>
+        <p:txBody>
+          <a:bodyPr wrap="none" rtlCol="0">
+            <a:spAutoFit/>
+          </a:bodyPr>
+          <a:lstStyle/>
+          <a:p>
+            <a:r>
+              <a:rPr lang="en-US" dirty="0" smtClean="0"/>
+              <a:t>COCOAPODS</a:t>
+            </a:r>
+          </a:p>
+        </p:txBody>
+      </p:sp>
+      <p:pic>
+        <p:nvPicPr>
+          <p:cNvPr id="15" name="Picture 14"/>
+          <p:cNvPicPr>
+            <a:picLocks noChangeAspect="1"/>
+          </p:cNvPicPr>
+          <p:nvPr/>
+        </p:nvPicPr>
+        <p:blipFill>
+          <a:blip r:embed="rId7">
+            <a:extLst>
+              <a:ext uri="{28A0092B-C50C-407E-A947-70E740481C1C}">
+                <a14:useLocalDpi xmlns:a14="http://schemas.microsoft.com/office/drawing/2010/main" val="0"/>
+              </a:ext>
+            </a:extLst>
+          </a:blip>
+          <a:stretch>
+            <a:fillRect/>
+          </a:stretch>
+        </p:blipFill>
+        <p:spPr>
+          <a:xfrm>
+            <a:off x="5921503" y="4535653"/>
+            <a:ext cx="2519333" cy="1679555"/>
+          </a:xfrm>
+          <a:prstGeom prst="rect">
+            <a:avLst/>
+          </a:prstGeom>
+        </p:spPr>
+      </p:pic>
+      <p:sp>
+        <p:nvSpPr>
+          <p:cNvPr id="22" name="TextBox 21"/>
+          <p:cNvSpPr txBox="1"/>
+          <p:nvPr/>
+        </p:nvSpPr>
+        <p:spPr>
+          <a:xfrm>
+            <a:off x="6234111" y="6307433"/>
+            <a:ext cx="2089033" cy="369332"/>
+          </a:xfrm>
+          <a:prstGeom prst="rect">
+            <a:avLst/>
+          </a:prstGeom>
+          <a:noFill/>
+        </p:spPr>
+        <p:txBody>
+          <a:bodyPr wrap="none" rtlCol="0">
+            <a:spAutoFit/>
+          </a:bodyPr>
+          <a:lstStyle/>
+          <a:p>
+            <a:r>
+              <a:rPr lang="en-US" dirty="0" smtClean="0"/>
+              <a:t>CORE LOCATION</a:t>
+            </a:r>
+            <a:endParaRPr lang="en-US" dirty="0"/>
+          </a:p>
+        </p:txBody>
+      </p:sp>
     </p:spTree>
     <p:extLst>
       <p:ext uri="{BB962C8B-B14F-4D97-AF65-F5344CB8AC3E}">
-        <p14:creationId xmlns:p14="http://schemas.microsoft.com/office/powerpoint/2010/main" val="1174290069"/>
+        <p14:creationId xmlns:p14="http://schemas.microsoft.com/office/powerpoint/2010/main" val="1597258432"/>
       </p:ext>
     </p:extLst>
   </p:cSld>
@@ -9876,40 +11245,52 @@
       </p:grpSpPr>
       <p:sp>
         <p:nvSpPr>
-          <p:cNvPr id="2" name="Title 1"/>
-          <p:cNvSpPr>
-            <a:spLocks noGrp="1"/>
+          <p:cNvPr id="15362" name="Rectangle 2"/>
+          <p:cNvSpPr>
+            <a:spLocks noGrp="1" noChangeArrowheads="1"/>
           </p:cNvSpPr>
           <p:nvPr>
             <p:ph type="title"/>
           </p:nvPr>
         </p:nvSpPr>
-        <p:spPr/>
+        <p:spPr>
+          <a:xfrm>
+            <a:off x="899592" y="908720"/>
+            <a:ext cx="7024744" cy="757888"/>
+          </a:xfrm>
+        </p:spPr>
         <p:txBody>
           <a:bodyPr/>
           <a:lstStyle/>
           <a:p>
             <a:r>
-              <a:rPr lang="en-US" dirty="0" smtClean="0"/>
-              <a:t>System</a:t>
-            </a:r>
-            <a:endParaRPr lang="en-US" dirty="0"/>
-          </a:p>
-        </p:txBody>
-      </p:sp>
-      <p:sp>
-        <p:nvSpPr>
-          <p:cNvPr id="3" name="Content Placeholder 2"/>
-          <p:cNvSpPr>
-            <a:spLocks noGrp="1"/>
+              <a:rPr lang="en-IE" altLang="en-US" dirty="0"/>
+              <a:t>Discussions</a:t>
+            </a:r>
+            <a:endParaRPr lang="en-US" altLang="en-US" dirty="0"/>
+          </a:p>
+        </p:txBody>
+      </p:sp>
+      <p:sp>
+        <p:nvSpPr>
+          <p:cNvPr id="15363" name="Rectangle 3"/>
+          <p:cNvSpPr>
+            <a:spLocks noGrp="1" noChangeArrowheads="1"/>
           </p:cNvSpPr>
           <p:nvPr>
             <p:ph idx="1"/>
           </p:nvPr>
         </p:nvSpPr>
-        <p:spPr/>
-        <p:txBody>
-          <a:bodyPr/>
+        <p:spPr>
+          <a:xfrm>
+            <a:off x="1023305" y="2204864"/>
+            <a:ext cx="6777317" cy="3508977"/>
+          </a:xfrm>
+        </p:spPr>
+        <p:txBody>
+          <a:bodyPr>
+            <a:normAutofit/>
+          </a:bodyPr>
           <a:lstStyle/>
           <a:p>
             <a:r>
@@ -9917,135 +11298,76 @@
                 <a:latin typeface="Arial" panose="020B0604020202020204" pitchFamily="34" charset="0"/>
                 <a:cs typeface="Arial" panose="020B0604020202020204" pitchFamily="34" charset="0"/>
               </a:rPr>
-              <a:t>Main </a:t>
+              <a:t>Advantages, D</a:t>
             </a:r>
             <a:r>
               <a:rPr lang="en-IE" altLang="en-US" dirty="0" smtClean="0">
                 <a:latin typeface="Arial" panose="020B0604020202020204" pitchFamily="34" charset="0"/>
                 <a:cs typeface="Arial" panose="020B0604020202020204" pitchFamily="34" charset="0"/>
               </a:rPr>
-              <a:t>algorithms</a:t>
-            </a:r>
+              <a:t>isadvantages?</a:t>
+            </a:r>
+          </a:p>
+          <a:p>
+            <a:pPr marL="0" indent="0">
+              <a:buNone/>
+            </a:pPr>
             <a:endParaRPr lang="en-IE" altLang="en-US" dirty="0">
               <a:latin typeface="Arial" panose="020B0604020202020204" pitchFamily="34" charset="0"/>
               <a:cs typeface="Arial" panose="020B0604020202020204" pitchFamily="34" charset="0"/>
             </a:endParaRPr>
           </a:p>
           <a:p>
-            <a:pPr>
-              <a:buFont typeface="Arial" charset="0"/>
-              <a:buChar char="•"/>
-            </a:pPr>
             <a:r>
               <a:rPr lang="en-IE" altLang="en-US" dirty="0">
                 <a:latin typeface="Arial" panose="020B0604020202020204" pitchFamily="34" charset="0"/>
                 <a:cs typeface="Arial" panose="020B0604020202020204" pitchFamily="34" charset="0"/>
               </a:rPr>
-              <a:t>Room </a:t>
+              <a:t>Opportunities and L</a:t>
             </a:r>
             <a:r>
               <a:rPr lang="en-IE" altLang="en-US" dirty="0" smtClean="0">
                 <a:latin typeface="Arial" panose="020B0604020202020204" pitchFamily="34" charset="0"/>
                 <a:cs typeface="Arial" panose="020B0604020202020204" pitchFamily="34" charset="0"/>
               </a:rPr>
-              <a:t>Booking</a:t>
-            </a:r>
-          </a:p>
-          <a:p>
-            <a:pPr>
-              <a:buFont typeface="Arial" charset="0"/>
-              <a:buChar char="•"/>
+              <a:t>imits?</a:t>
+            </a:r>
+          </a:p>
+          <a:p>
+            <a:pPr marL="0" indent="0">
+              <a:buNone/>
             </a:pPr>
+            <a:endParaRPr lang="en-IE" altLang="en-US" dirty="0">
+              <a:latin typeface="Arial" panose="020B0604020202020204" pitchFamily="34" charset="0"/>
+              <a:cs typeface="Arial" panose="020B0604020202020204" pitchFamily="34" charset="0"/>
+            </a:endParaRPr>
+          </a:p>
+          <a:p>
+            <a:r>
+              <a:rPr lang="en-IE" altLang="en-US" dirty="0">
+                <a:latin typeface="Arial" panose="020B0604020202020204" pitchFamily="34" charset="0"/>
+                <a:cs typeface="Arial" panose="020B0604020202020204" pitchFamily="34" charset="0"/>
+              </a:rPr>
+              <a:t>Future P</a:t>
+            </a:r>
             <a:r>
               <a:rPr lang="en-IE" altLang="en-US" dirty="0" smtClean="0">
                 <a:latin typeface="Arial" panose="020B0604020202020204" pitchFamily="34" charset="0"/>
                 <a:cs typeface="Arial" panose="020B0604020202020204" pitchFamily="34" charset="0"/>
               </a:rPr>
-              <a:t>Maze Algorithm</a:t>
-            </a:r>
-          </a:p>
-          <a:p>
-            <a:pPr>
-              <a:buFont typeface="Arial" charset="0"/>
-              <a:buChar char="•"/>
-            </a:pPr>
-            <a:r>
-              <a:rPr lang="en-IE" altLang="en-US" dirty="0" smtClean="0">
-                <a:latin typeface="Arial" panose="020B0604020202020204" pitchFamily="34" charset="0"/>
-                <a:cs typeface="Arial" panose="020B0604020202020204" pitchFamily="34" charset="0"/>
-              </a:rPr>
-              <a:t>Parsing JSON</a:t>
-            </a:r>
-          </a:p>
-          <a:p>
-            <a:pPr>
-              <a:buFont typeface="Arial" charset="0"/>
-              <a:buChar char="•"/>
-            </a:pPr>
-            <a:r>
-              <a:rPr lang="en-IE" altLang="en-US" dirty="0" smtClean="0">
-                <a:latin typeface="Arial" panose="020B0604020202020204" pitchFamily="34" charset="0"/>
-                <a:cs typeface="Arial" panose="020B0604020202020204" pitchFamily="34" charset="0"/>
-              </a:rPr>
-              <a:t>Gallery </a:t>
-            </a:r>
-            <a:r>
-              <a:rPr lang="en-IE" altLang="en-US" dirty="0">
-                <a:latin typeface="Arial" panose="020B0604020202020204" pitchFamily="34" charset="0"/>
-                <a:cs typeface="Arial" panose="020B0604020202020204" pitchFamily="34" charset="0"/>
-              </a:rPr>
-              <a:t>Image Upload</a:t>
-            </a:r>
-          </a:p>
-          <a:p>
-            <a:pPr>
-              <a:buFont typeface="Arial" charset="0"/>
-              <a:buChar char="•"/>
-            </a:pPr>
-            <a:r>
-              <a:rPr lang="en-IE" altLang="en-US" dirty="0" smtClean="0">
-                <a:latin typeface="Arial" panose="020B0604020202020204" pitchFamily="34" charset="0"/>
-                <a:cs typeface="Arial" panose="020B0604020202020204" pitchFamily="34" charset="0"/>
-              </a:rPr>
-              <a:t>Navigation</a:t>
-            </a:r>
-          </a:p>
-          <a:p>
-            <a:pPr>
-              <a:buFont typeface="Arial" charset="0"/>
-              <a:buChar char="•"/>
-            </a:pPr>
-            <a:r>
-              <a:rPr lang="en-IE" altLang="en-US" dirty="0" smtClean="0">
-                <a:latin typeface="Arial" panose="020B0604020202020204" pitchFamily="34" charset="0"/>
-                <a:cs typeface="Arial" panose="020B0604020202020204" pitchFamily="34" charset="0"/>
-              </a:rPr>
-              <a:t>Geo-Location </a:t>
-            </a:r>
-            <a:r>
-              <a:rPr lang="en-IE" altLang="en-US" dirty="0">
-                <a:latin typeface="Arial" panose="020B0604020202020204" pitchFamily="34" charset="0"/>
-                <a:cs typeface="Arial" panose="020B0604020202020204" pitchFamily="34" charset="0"/>
-              </a:rPr>
-              <a:t>Notifications</a:t>
+              <a:t>erspectives?</a:t>
             </a:r>
             <a:endParaRPr lang="en-US" altLang="en-US" dirty="0">
               <a:latin typeface="Arial" panose="020B0604020202020204" pitchFamily="34" charset="0"/>
               <a:cs typeface="Arial" panose="020B0604020202020204" pitchFamily="34" charset="0"/>
             </a:endParaRPr>
           </a:p>
-          <a:p>
-            <a:endParaRPr lang="en-US" dirty="0"/>
-          </a:p>
-          <a:p>
-            <a:endParaRPr lang="en-US" dirty="0"/>
-          </a:p>
         </p:txBody>
       </p:sp>
     </p:spTree>
     <p:extLst>
       <p:ext uri="{BB962C8B-B14F-4D97-AF65-F5344CB8AC3E}">
-        <p14:creationId xmlns:p14="http://schemas.microsoft.com/office/powerpoint/2010/main" val="1375427775"/>
+        <p14:creationId xmlns:p14="http://schemas.microsoft.com/office/powerpoint/2010/main" val="119886107"/>
       </p:ext>
     </p:extLst>
   </p:cSld>
@@ -10081,37 +11403,32 @@
       </p:grpSpPr>
       <p:sp>
         <p:nvSpPr>
-          <p:cNvPr id="8194" name="Rectangle 2"/>
-          <p:cNvSpPr>
-            <a:spLocks noGrp="1" noChangeArrowheads="1"/>
+          <p:cNvPr id="2" name="Title 1"/>
+          <p:cNvSpPr>
+            <a:spLocks noGrp="1"/>
           </p:cNvSpPr>
           <p:nvPr>
             <p:ph type="title"/>
           </p:nvPr>
         </p:nvSpPr>
-        <p:spPr>
-          <a:xfrm>
-            <a:off x="827584" y="836712"/>
-            <a:ext cx="7024744" cy="757888"/>
-          </a:xfrm>
-        </p:spPr>
+        <p:spPr/>
         <p:txBody>
           <a:bodyPr/>
           <a:lstStyle/>
           <a:p>
             <a:r>
-              <a:rPr lang="en-IE" altLang="en-US" dirty="0"/>
-              <a:t>Design</a:t>
-            </a:r>
-            <a:endParaRPr lang="en-US" altLang="en-US" dirty="0"/>
-          </a:p>
-        </p:txBody>
-      </p:sp>
-      <p:sp>
-        <p:nvSpPr>
-          <p:cNvPr id="8195" name="Rectangle 3"/>
-          <p:cNvSpPr>
-            <a:spLocks noGrp="1" noChangeArrowheads="1"/>
+              <a:rPr lang="en-US" dirty="0" smtClean="0"/>
+              <a:t>System</a:t>
+            </a:r>
+            <a:endParaRPr lang="en-US" dirty="0"/>
+          </a:p>
+        </p:txBody>
+      </p:sp>
+      <p:sp>
+        <p:nvSpPr>
+          <p:cNvPr id="3" name="Content Placeholder 2"/>
+          <p:cNvSpPr>
+            <a:spLocks noGrp="1"/>
           </p:cNvSpPr>
           <p:nvPr>
             <p:ph idx="1"/>
@@ -10119,147 +11436,76 @@
         </p:nvSpPr>
         <p:spPr>
           <a:xfrm>
-            <a:off x="951297" y="1412776"/>
-            <a:ext cx="6777317" cy="4608512"/>
-          </a:xfrm>
-        </p:spPr>
-        <p:txBody>
-          <a:bodyPr>
-            <a:normAutofit/>
-          </a:bodyPr>
-          <a:lstStyle/>
-          <a:p>
-            <a:endParaRPr lang="en-IE" altLang="en-US" dirty="0" smtClean="0"/>
-          </a:p>
+            <a:off x="820374" y="1484784"/>
+            <a:ext cx="6711654" cy="4195481"/>
+          </a:xfrm>
+        </p:spPr>
+        <p:txBody>
+          <a:bodyPr/>
+          <a:lstStyle/>
           <a:p>
             <a:r>
               <a:rPr lang="en-IE" altLang="en-US" dirty="0" smtClean="0">
                 <a:latin typeface="Arial" panose="020B0604020202020204" pitchFamily="34" charset="0"/>
                 <a:cs typeface="Arial" panose="020B0604020202020204" pitchFamily="34" charset="0"/>
               </a:rPr>
-              <a:t>Overview of the main requirements</a:t>
-            </a:r>
-          </a:p>
-          <a:p>
-            <a:pPr lvl="1"/>
-            <a:r>
-              <a:rPr lang="en-IE" altLang="en-US" sz="2400" dirty="0" smtClean="0">
-                <a:latin typeface="Arial" panose="020B0604020202020204" pitchFamily="34" charset="0"/>
-                <a:cs typeface="Arial" panose="020B0604020202020204" pitchFamily="34" charset="0"/>
-              </a:rPr>
-              <a:t>Functional</a:t>
-            </a:r>
-          </a:p>
-          <a:p>
-            <a:pPr lvl="1">
-              <a:buFont typeface="Arial" charset="0"/>
-              <a:buChar char="•"/>
+              <a:t>Architecture (SAP XS Engine)</a:t>
+            </a:r>
+          </a:p>
+          <a:p>
+            <a:pPr marL="0" indent="0">
+              <a:buNone/>
             </a:pPr>
-            <a:r>
-              <a:rPr lang="en-IE" altLang="en-US" sz="2400" dirty="0" smtClean="0">
-                <a:latin typeface="Arial" panose="020B0604020202020204" pitchFamily="34" charset="0"/>
-                <a:cs typeface="Arial" panose="020B0604020202020204" pitchFamily="34" charset="0"/>
-              </a:rPr>
-              <a:t>Easy to Use GUI</a:t>
-            </a:r>
-          </a:p>
-          <a:p>
-            <a:pPr lvl="1">
-              <a:buFont typeface="Arial" charset="0"/>
-              <a:buChar char="•"/>
-            </a:pPr>
-            <a:r>
-              <a:rPr lang="en-IE" altLang="en-US" sz="2400" dirty="0" smtClean="0">
-                <a:latin typeface="Arial" panose="020B0604020202020204" pitchFamily="34" charset="0"/>
-                <a:cs typeface="Arial" panose="020B0604020202020204" pitchFamily="34" charset="0"/>
-              </a:rPr>
-              <a:t>List and Find (Search)</a:t>
-            </a:r>
-          </a:p>
-          <a:p>
-            <a:pPr lvl="1">
-              <a:buFont typeface="Arial" charset="0"/>
-              <a:buChar char="•"/>
-            </a:pPr>
-            <a:r>
-              <a:rPr lang="en-IE" altLang="en-US" sz="2400" dirty="0" smtClean="0">
-                <a:latin typeface="Arial" panose="020B0604020202020204" pitchFamily="34" charset="0"/>
-                <a:cs typeface="Arial" panose="020B0604020202020204" pitchFamily="34" charset="0"/>
-              </a:rPr>
-              <a:t>Map / Navigation</a:t>
-            </a:r>
-          </a:p>
-          <a:p>
-            <a:pPr lvl="1">
-              <a:buFont typeface="Arial" charset="0"/>
-              <a:buChar char="•"/>
-            </a:pPr>
-            <a:r>
-              <a:rPr lang="en-IE" altLang="en-US" sz="2400" dirty="0" smtClean="0">
-                <a:latin typeface="Arial" panose="020B0604020202020204" pitchFamily="34" charset="0"/>
-                <a:cs typeface="Arial" panose="020B0604020202020204" pitchFamily="34" charset="0"/>
-              </a:rPr>
-              <a:t>Geo Location Notification </a:t>
-            </a:r>
-          </a:p>
-          <a:p>
-            <a:pPr lvl="1">
-              <a:buFont typeface="Arial" charset="0"/>
-              <a:buChar char="•"/>
-            </a:pPr>
-            <a:r>
-              <a:rPr lang="en-IE" altLang="en-US" sz="2400" dirty="0" smtClean="0">
-                <a:latin typeface="Arial" panose="020B0604020202020204" pitchFamily="34" charset="0"/>
-                <a:cs typeface="Arial" panose="020B0604020202020204" pitchFamily="34" charset="0"/>
-              </a:rPr>
-              <a:t>Booking System</a:t>
-            </a:r>
-          </a:p>
-          <a:p>
-            <a:pPr lvl="1">
-              <a:buFont typeface="Arial" charset="0"/>
-              <a:buChar char="•"/>
-            </a:pPr>
-            <a:r>
-              <a:rPr lang="en-IE" altLang="en-US" sz="2400" dirty="0" smtClean="0">
-                <a:latin typeface="Arial" panose="020B0604020202020204" pitchFamily="34" charset="0"/>
-                <a:cs typeface="Arial" panose="020B0604020202020204" pitchFamily="34" charset="0"/>
-              </a:rPr>
-              <a:t>Review</a:t>
-            </a:r>
-          </a:p>
-          <a:p>
-            <a:pPr lvl="1">
-              <a:buFont typeface="Arial" charset="0"/>
-              <a:buChar char="•"/>
-            </a:pPr>
-            <a:endParaRPr lang="en-IE" altLang="en-US" sz="2400" dirty="0" smtClean="0">
+            <a:endParaRPr lang="en-IE" altLang="en-US" dirty="0">
               <a:latin typeface="Arial" panose="020B0604020202020204" pitchFamily="34" charset="0"/>
               <a:cs typeface="Arial" panose="020B0604020202020204" pitchFamily="34" charset="0"/>
             </a:endParaRPr>
           </a:p>
           <a:p>
-            <a:pPr marL="457200" lvl="1" indent="0">
+            <a:pPr marL="0" indent="0">
               <a:buNone/>
             </a:pPr>
-            <a:endParaRPr lang="en-IE" altLang="en-US" sz="2400" dirty="0" smtClean="0">
+            <a:endParaRPr lang="en-IE" altLang="en-US" dirty="0">
               <a:latin typeface="Arial" panose="020B0604020202020204" pitchFamily="34" charset="0"/>
               <a:cs typeface="Arial" panose="020B0604020202020204" pitchFamily="34" charset="0"/>
             </a:endParaRPr>
           </a:p>
-          <a:p>
-            <a:pPr lvl="1"/>
-            <a:endParaRPr lang="en-IE" altLang="en-US" sz="2400" dirty="0" smtClean="0">
-              <a:latin typeface="Arial" panose="020B0604020202020204" pitchFamily="34" charset="0"/>
-              <a:cs typeface="Arial" panose="020B0604020202020204" pitchFamily="34" charset="0"/>
-            </a:endParaRPr>
-          </a:p>
-        </p:txBody>
-      </p:sp>
+        </p:txBody>
+      </p:sp>
+      <p:pic>
+        <p:nvPicPr>
+          <p:cNvPr id="4" name="Picture 3"/>
+          <p:cNvPicPr>
+            <a:picLocks noChangeAspect="1"/>
+          </p:cNvPicPr>
+          <p:nvPr/>
+        </p:nvPicPr>
+        <p:blipFill>
+          <a:blip r:embed="rId2">
+            <a:extLst>
+              <a:ext uri="{28A0092B-C50C-407E-A947-70E740481C1C}">
+                <a14:useLocalDpi xmlns:a14="http://schemas.microsoft.com/office/drawing/2010/main" val="0"/>
+              </a:ext>
+            </a:extLst>
+          </a:blip>
+          <a:stretch>
+            <a:fillRect/>
+          </a:stretch>
+        </p:blipFill>
+        <p:spPr>
+          <a:xfrm>
+            <a:off x="881718" y="2132856"/>
+            <a:ext cx="6658372" cy="3810971"/>
+          </a:xfrm>
+          <a:prstGeom prst="rect">
+            <a:avLst/>
+          </a:prstGeom>
+        </p:spPr>
+      </p:pic>
     </p:spTree>
     <p:extLst>
       <p:ext uri="{BB962C8B-B14F-4D97-AF65-F5344CB8AC3E}">
-        <p14:creationId xmlns:p14="http://schemas.microsoft.com/office/powerpoint/2010/main" val="777930366"/>
+        <p14:creationId xmlns:p14="http://schemas.microsoft.com/office/powerpoint/2010/main" val="69957573"/>
       </p:ext>
     </p:extLst>
   </p:cSld>

--- a/Documentation/Final Presentaion/Presentation.pptx
+++ b/Documentation/Final Presentaion/Presentation.pptx
@@ -5,30 +5,50 @@
     <p:sldMasterId id="2147483870" r:id="rId1"/>
   </p:sldMasterIdLst>
   <p:notesMasterIdLst>
-    <p:notesMasterId r:id="rId23"/>
+    <p:notesMasterId r:id="rId43"/>
   </p:notesMasterIdLst>
   <p:sldIdLst>
     <p:sldId id="260" r:id="rId2"/>
     <p:sldId id="261" r:id="rId3"/>
-    <p:sldId id="262" r:id="rId4"/>
-    <p:sldId id="280" r:id="rId5"/>
-    <p:sldId id="281" r:id="rId6"/>
+    <p:sldId id="286" r:id="rId4"/>
+    <p:sldId id="262" r:id="rId5"/>
+    <p:sldId id="287" r:id="rId6"/>
     <p:sldId id="282" r:id="rId7"/>
-    <p:sldId id="264" r:id="rId8"/>
-    <p:sldId id="268" r:id="rId9"/>
-    <p:sldId id="273" r:id="rId10"/>
+    <p:sldId id="291" r:id="rId8"/>
+    <p:sldId id="264" r:id="rId9"/>
+    <p:sldId id="290" r:id="rId10"/>
     <p:sldId id="275" r:id="rId11"/>
-    <p:sldId id="274" r:id="rId12"/>
-    <p:sldId id="265" r:id="rId13"/>
-    <p:sldId id="272" r:id="rId14"/>
-    <p:sldId id="276" r:id="rId15"/>
-    <p:sldId id="277" r:id="rId16"/>
-    <p:sldId id="267" r:id="rId17"/>
-    <p:sldId id="269" r:id="rId18"/>
-    <p:sldId id="278" r:id="rId19"/>
-    <p:sldId id="279" r:id="rId20"/>
-    <p:sldId id="270" r:id="rId21"/>
-    <p:sldId id="271" r:id="rId22"/>
+    <p:sldId id="273" r:id="rId12"/>
+    <p:sldId id="274" r:id="rId13"/>
+    <p:sldId id="265" r:id="rId14"/>
+    <p:sldId id="297" r:id="rId15"/>
+    <p:sldId id="298" r:id="rId16"/>
+    <p:sldId id="299" r:id="rId17"/>
+    <p:sldId id="300" r:id="rId18"/>
+    <p:sldId id="301" r:id="rId19"/>
+    <p:sldId id="302" r:id="rId20"/>
+    <p:sldId id="303" r:id="rId21"/>
+    <p:sldId id="304" r:id="rId22"/>
+    <p:sldId id="305" r:id="rId23"/>
+    <p:sldId id="306" r:id="rId24"/>
+    <p:sldId id="307" r:id="rId25"/>
+    <p:sldId id="308" r:id="rId26"/>
+    <p:sldId id="309" r:id="rId27"/>
+    <p:sldId id="310" r:id="rId28"/>
+    <p:sldId id="311" r:id="rId29"/>
+    <p:sldId id="312" r:id="rId30"/>
+    <p:sldId id="268" r:id="rId31"/>
+    <p:sldId id="272" r:id="rId32"/>
+    <p:sldId id="276" r:id="rId33"/>
+    <p:sldId id="277" r:id="rId34"/>
+    <p:sldId id="267" r:id="rId35"/>
+    <p:sldId id="293" r:id="rId36"/>
+    <p:sldId id="294" r:id="rId37"/>
+    <p:sldId id="295" r:id="rId38"/>
+    <p:sldId id="269" r:id="rId39"/>
+    <p:sldId id="278" r:id="rId40"/>
+    <p:sldId id="271" r:id="rId41"/>
+    <p:sldId id="292" r:id="rId42"/>
   </p:sldIdLst>
   <p:sldSz cx="9144000" cy="6858000" type="screen4x3"/>
   <p:notesSz cx="6858000" cy="9144000"/>
@@ -228,7 +248,7 @@
           <a:p>
             <a:fld id="{1DC38890-7B21-4576-9379-964DB0DBE7A3}" type="datetimeFigureOut">
               <a:rPr lang="en-IE" smtClean="0"/>
-              <a:t>18/08/2017</a:t>
+              <a:t>22/08/2017</a:t>
             </a:fld>
             <a:endParaRPr lang="en-IE"/>
           </a:p>
@@ -679,7 +699,7 @@
           <a:p>
             <a:fld id="{792754D0-D688-4E49-8FF3-F8D4FDC3B676}" type="datetimeFigureOut">
               <a:rPr lang="en-IE" smtClean="0"/>
-              <a:t>18/08/2017</a:t>
+              <a:t>22/08/2017</a:t>
             </a:fld>
             <a:endParaRPr lang="en-IE"/>
           </a:p>
@@ -954,7 +974,7 @@
           <a:p>
             <a:fld id="{792754D0-D688-4E49-8FF3-F8D4FDC3B676}" type="datetimeFigureOut">
               <a:rPr lang="en-IE" smtClean="0"/>
-              <a:t>18/08/2017</a:t>
+              <a:t>22/08/2017</a:t>
             </a:fld>
             <a:endParaRPr lang="en-IE"/>
           </a:p>
@@ -1148,7 +1168,7 @@
           <a:p>
             <a:fld id="{792754D0-D688-4E49-8FF3-F8D4FDC3B676}" type="datetimeFigureOut">
               <a:rPr lang="en-IE" smtClean="0"/>
-              <a:t>18/08/2017</a:t>
+              <a:t>22/08/2017</a:t>
             </a:fld>
             <a:endParaRPr lang="en-IE"/>
           </a:p>
@@ -1416,7 +1436,7 @@
           <a:p>
             <a:fld id="{792754D0-D688-4E49-8FF3-F8D4FDC3B676}" type="datetimeFigureOut">
               <a:rPr lang="en-IE" smtClean="0"/>
-              <a:t>18/08/2017</a:t>
+              <a:t>22/08/2017</a:t>
             </a:fld>
             <a:endParaRPr lang="en-IE"/>
           </a:p>
@@ -1748,7 +1768,7 @@
           <a:p>
             <a:fld id="{792754D0-D688-4E49-8FF3-F8D4FDC3B676}" type="datetimeFigureOut">
               <a:rPr lang="en-IE" smtClean="0"/>
-              <a:t>18/08/2017</a:t>
+              <a:t>22/08/2017</a:t>
             </a:fld>
             <a:endParaRPr lang="en-IE"/>
           </a:p>
@@ -2358,7 +2378,7 @@
           <a:p>
             <a:fld id="{792754D0-D688-4E49-8FF3-F8D4FDC3B676}" type="datetimeFigureOut">
               <a:rPr lang="en-IE" smtClean="0"/>
-              <a:t>18/08/2017</a:t>
+              <a:t>22/08/2017</a:t>
             </a:fld>
             <a:endParaRPr lang="en-IE"/>
           </a:p>
@@ -3205,7 +3225,7 @@
           <a:p>
             <a:fld id="{792754D0-D688-4E49-8FF3-F8D4FDC3B676}" type="datetimeFigureOut">
               <a:rPr lang="en-IE" smtClean="0"/>
-              <a:t>18/08/2017</a:t>
+              <a:t>22/08/2017</a:t>
             </a:fld>
             <a:endParaRPr lang="en-IE"/>
           </a:p>
@@ -3375,7 +3395,7 @@
           <a:p>
             <a:fld id="{792754D0-D688-4E49-8FF3-F8D4FDC3B676}" type="datetimeFigureOut">
               <a:rPr lang="en-IE" smtClean="0"/>
-              <a:t>18/08/2017</a:t>
+              <a:t>22/08/2017</a:t>
             </a:fld>
             <a:endParaRPr lang="en-IE"/>
           </a:p>
@@ -3555,7 +3575,7 @@
           <a:p>
             <a:fld id="{792754D0-D688-4E49-8FF3-F8D4FDC3B676}" type="datetimeFigureOut">
               <a:rPr lang="en-IE" smtClean="0"/>
-              <a:t>18/08/2017</a:t>
+              <a:t>22/08/2017</a:t>
             </a:fld>
             <a:endParaRPr lang="en-IE"/>
           </a:p>
@@ -3725,7 +3745,7 @@
           <a:p>
             <a:fld id="{792754D0-D688-4E49-8FF3-F8D4FDC3B676}" type="datetimeFigureOut">
               <a:rPr lang="en-IE" smtClean="0"/>
-              <a:t>18/08/2017</a:t>
+              <a:t>22/08/2017</a:t>
             </a:fld>
             <a:endParaRPr lang="en-IE"/>
           </a:p>
@@ -3969,7 +3989,7 @@
           <a:p>
             <a:fld id="{792754D0-D688-4E49-8FF3-F8D4FDC3B676}" type="datetimeFigureOut">
               <a:rPr lang="en-IE" smtClean="0"/>
-              <a:t>18/08/2017</a:t>
+              <a:t>22/08/2017</a:t>
             </a:fld>
             <a:endParaRPr lang="en-IE"/>
           </a:p>
@@ -4261,7 +4281,7 @@
           <a:p>
             <a:fld id="{792754D0-D688-4E49-8FF3-F8D4FDC3B676}" type="datetimeFigureOut">
               <a:rPr lang="en-IE" smtClean="0"/>
-              <a:t>18/08/2017</a:t>
+              <a:t>22/08/2017</a:t>
             </a:fld>
             <a:endParaRPr lang="en-IE"/>
           </a:p>
@@ -4699,7 +4719,7 @@
           <a:p>
             <a:fld id="{792754D0-D688-4E49-8FF3-F8D4FDC3B676}" type="datetimeFigureOut">
               <a:rPr lang="en-IE" smtClean="0"/>
-              <a:t>18/08/2017</a:t>
+              <a:t>22/08/2017</a:t>
             </a:fld>
             <a:endParaRPr lang="en-IE"/>
           </a:p>
@@ -4817,7 +4837,7 @@
           <a:p>
             <a:fld id="{792754D0-D688-4E49-8FF3-F8D4FDC3B676}" type="datetimeFigureOut">
               <a:rPr lang="en-IE" smtClean="0"/>
-              <a:t>18/08/2017</a:t>
+              <a:t>22/08/2017</a:t>
             </a:fld>
             <a:endParaRPr lang="en-IE"/>
           </a:p>
@@ -4912,7 +4932,7 @@
           <a:p>
             <a:fld id="{792754D0-D688-4E49-8FF3-F8D4FDC3B676}" type="datetimeFigureOut">
               <a:rPr lang="en-IE" smtClean="0"/>
-              <a:t>18/08/2017</a:t>
+              <a:t>22/08/2017</a:t>
             </a:fld>
             <a:endParaRPr lang="en-IE"/>
           </a:p>
@@ -5191,7 +5211,7 @@
           <a:p>
             <a:fld id="{792754D0-D688-4E49-8FF3-F8D4FDC3B676}" type="datetimeFigureOut">
               <a:rPr lang="en-IE" smtClean="0"/>
-              <a:t>18/08/2017</a:t>
+              <a:t>22/08/2017</a:t>
             </a:fld>
             <a:endParaRPr lang="en-IE"/>
           </a:p>
@@ -5466,7 +5486,7 @@
           <a:p>
             <a:fld id="{792754D0-D688-4E49-8FF3-F8D4FDC3B676}" type="datetimeFigureOut">
               <a:rPr lang="en-IE" smtClean="0"/>
-              <a:t>18/08/2017</a:t>
+              <a:t>22/08/2017</a:t>
             </a:fld>
             <a:endParaRPr lang="en-IE"/>
           </a:p>
@@ -6031,7 +6051,7 @@
           <a:p>
             <a:fld id="{792754D0-D688-4E49-8FF3-F8D4FDC3B676}" type="datetimeFigureOut">
               <a:rPr lang="en-IE" smtClean="0"/>
-              <a:t>18/08/2017</a:t>
+              <a:t>22/08/2017</a:t>
             </a:fld>
             <a:endParaRPr lang="en-IE"/>
           </a:p>
@@ -7050,7 +7070,7 @@
         </p:nvSpPr>
         <p:spPr>
           <a:xfrm>
-            <a:off x="828436" y="1412776"/>
+            <a:off x="828436" y="1268760"/>
             <a:ext cx="6711654" cy="4195481"/>
           </a:xfrm>
         </p:spPr>
@@ -7058,13 +7078,18 @@
           <a:bodyPr/>
           <a:lstStyle/>
           <a:p>
+            <a:pPr marL="0" indent="0">
+              <a:buNone/>
+            </a:pPr>
             <a:r>
               <a:rPr lang="en-IE" altLang="en-US" dirty="0" smtClean="0">
-                <a:latin typeface="Arial" panose="020B0604020202020204" pitchFamily="34" charset="0"/>
                 <a:cs typeface="Arial" panose="020B0604020202020204" pitchFamily="34" charset="0"/>
               </a:rPr>
-              <a:t>Architecture</a:t>
-            </a:r>
+              <a:t>System Architecture</a:t>
+            </a:r>
+            <a:endParaRPr lang="en-IE" altLang="en-US" dirty="0" smtClean="0">
+              <a:cs typeface="Arial" panose="020B0604020202020204" pitchFamily="34" charset="0"/>
+            </a:endParaRPr>
           </a:p>
           <a:p>
             <a:pPr marL="0" indent="0">
@@ -7096,8 +7121,8 @@
         </p:blipFill>
         <p:spPr>
           <a:xfrm>
-            <a:off x="1187624" y="1916832"/>
-            <a:ext cx="5309220" cy="4147082"/>
+            <a:off x="828436" y="1853248"/>
+            <a:ext cx="7848020" cy="4780921"/>
           </a:xfrm>
           <a:prstGeom prst="rect">
             <a:avLst/>
@@ -7174,145 +7199,83 @@
             <p:ph idx="1"/>
           </p:nvPr>
         </p:nvSpPr>
-        <p:spPr/>
+        <p:spPr>
+          <a:xfrm>
+            <a:off x="493985" y="1152983"/>
+            <a:ext cx="6711654" cy="4195481"/>
+          </a:xfrm>
+        </p:spPr>
         <p:txBody>
           <a:bodyPr/>
           <a:lstStyle/>
           <a:p>
-            <a:r>
-              <a:rPr lang="en-IE" altLang="en-US" dirty="0">
-                <a:latin typeface="Arial" panose="020B0604020202020204" pitchFamily="34" charset="0"/>
+            <a:pPr marL="0" indent="0">
+              <a:buNone/>
+            </a:pPr>
+            <a:r>
+              <a:rPr lang="en-IE" altLang="en-US" dirty="0" smtClean="0">
                 <a:cs typeface="Arial" panose="020B0604020202020204" pitchFamily="34" charset="0"/>
               </a:rPr>
-              <a:t>Main </a:t>
-            </a:r>
-            <a:r>
-              <a:rPr lang="en-IE" altLang="en-US" dirty="0" smtClean="0">
-                <a:latin typeface="Arial" panose="020B0604020202020204" pitchFamily="34" charset="0"/>
-                <a:cs typeface="Arial" panose="020B0604020202020204" pitchFamily="34" charset="0"/>
-              </a:rPr>
-              <a:t>algorithms</a:t>
-            </a:r>
+              <a:t>MVC Architecture (CodeIgniter)</a:t>
+            </a:r>
+            <a:endParaRPr lang="en-IE" altLang="en-US" dirty="0" smtClean="0">
+              <a:cs typeface="Arial" panose="020B0604020202020204" pitchFamily="34" charset="0"/>
+            </a:endParaRPr>
+          </a:p>
+          <a:p>
+            <a:pPr marL="0" indent="0">
+              <a:buNone/>
+            </a:pPr>
             <a:endParaRPr lang="en-IE" altLang="en-US" dirty="0">
               <a:latin typeface="Arial" panose="020B0604020202020204" pitchFamily="34" charset="0"/>
               <a:cs typeface="Arial" panose="020B0604020202020204" pitchFamily="34" charset="0"/>
             </a:endParaRPr>
           </a:p>
           <a:p>
-            <a:pPr>
-              <a:buFont typeface="Arial" charset="0"/>
-              <a:buChar char="•"/>
+            <a:pPr marL="0" indent="0">
+              <a:buNone/>
             </a:pPr>
-            <a:r>
-              <a:rPr lang="en-IE" altLang="en-US" dirty="0">
-                <a:latin typeface="Arial" panose="020B0604020202020204" pitchFamily="34" charset="0"/>
-                <a:cs typeface="Arial" panose="020B0604020202020204" pitchFamily="34" charset="0"/>
-              </a:rPr>
-              <a:t>Room </a:t>
-            </a:r>
-            <a:r>
-              <a:rPr lang="en-IE" altLang="en-US" dirty="0" smtClean="0">
-                <a:latin typeface="Arial" panose="020B0604020202020204" pitchFamily="34" charset="0"/>
-                <a:cs typeface="Arial" panose="020B0604020202020204" pitchFamily="34" charset="0"/>
-              </a:rPr>
-              <a:t>Booking</a:t>
-            </a:r>
-          </a:p>
-          <a:p>
-            <a:pPr>
-              <a:buFont typeface="Arial" charset="0"/>
-              <a:buChar char="•"/>
-            </a:pPr>
-            <a:r>
-              <a:rPr lang="en-IE" altLang="en-US" dirty="0" smtClean="0">
-                <a:latin typeface="Arial" panose="020B0604020202020204" pitchFamily="34" charset="0"/>
-                <a:cs typeface="Arial" panose="020B0604020202020204" pitchFamily="34" charset="0"/>
-              </a:rPr>
-              <a:t>Maze Algorithm</a:t>
-            </a:r>
-          </a:p>
-          <a:p>
-            <a:pPr>
-              <a:buFont typeface="Arial" charset="0"/>
-              <a:buChar char="•"/>
-            </a:pPr>
-            <a:r>
-              <a:rPr lang="en-IE" altLang="en-US" dirty="0" smtClean="0">
-                <a:latin typeface="Arial" panose="020B0604020202020204" pitchFamily="34" charset="0"/>
-                <a:cs typeface="Arial" panose="020B0604020202020204" pitchFamily="34" charset="0"/>
-              </a:rPr>
-              <a:t>Parsing JSON</a:t>
-            </a:r>
-          </a:p>
-          <a:p>
-            <a:pPr>
-              <a:buFont typeface="Arial" charset="0"/>
-              <a:buChar char="•"/>
-            </a:pPr>
-            <a:r>
-              <a:rPr lang="en-IE" altLang="en-US" dirty="0" smtClean="0">
-                <a:latin typeface="Arial" panose="020B0604020202020204" pitchFamily="34" charset="0"/>
-                <a:cs typeface="Arial" panose="020B0604020202020204" pitchFamily="34" charset="0"/>
-              </a:rPr>
-              <a:t>Gallery </a:t>
-            </a:r>
-            <a:r>
-              <a:rPr lang="en-IE" altLang="en-US" dirty="0">
-                <a:latin typeface="Arial" panose="020B0604020202020204" pitchFamily="34" charset="0"/>
-                <a:cs typeface="Arial" panose="020B0604020202020204" pitchFamily="34" charset="0"/>
-              </a:rPr>
-              <a:t>Image Upload</a:t>
-            </a:r>
-          </a:p>
-          <a:p>
-            <a:pPr>
-              <a:buFont typeface="Arial" charset="0"/>
-              <a:buChar char="•"/>
-            </a:pPr>
-            <a:r>
-              <a:rPr lang="en-IE" altLang="en-US" dirty="0" smtClean="0">
-                <a:latin typeface="Arial" panose="020B0604020202020204" pitchFamily="34" charset="0"/>
-                <a:cs typeface="Arial" panose="020B0604020202020204" pitchFamily="34" charset="0"/>
-              </a:rPr>
-              <a:t>Navigation</a:t>
-            </a:r>
-          </a:p>
-          <a:p>
-            <a:pPr>
-              <a:buFont typeface="Arial" charset="0"/>
-              <a:buChar char="•"/>
-            </a:pPr>
-            <a:r>
-              <a:rPr lang="en-IE" altLang="en-US" dirty="0" smtClean="0">
-                <a:latin typeface="Arial" panose="020B0604020202020204" pitchFamily="34" charset="0"/>
-                <a:cs typeface="Arial" panose="020B0604020202020204" pitchFamily="34" charset="0"/>
-              </a:rPr>
-              <a:t>Geo-Location </a:t>
-            </a:r>
-            <a:r>
-              <a:rPr lang="en-IE" altLang="en-US" dirty="0">
-                <a:latin typeface="Arial" panose="020B0604020202020204" pitchFamily="34" charset="0"/>
-                <a:cs typeface="Arial" panose="020B0604020202020204" pitchFamily="34" charset="0"/>
-              </a:rPr>
-              <a:t>Notifications</a:t>
-            </a:r>
-            <a:endParaRPr lang="en-US" altLang="en-US" dirty="0">
+            <a:endParaRPr lang="en-IE" altLang="en-US" dirty="0">
               <a:latin typeface="Arial" panose="020B0604020202020204" pitchFamily="34" charset="0"/>
               <a:cs typeface="Arial" panose="020B0604020202020204" pitchFamily="34" charset="0"/>
             </a:endParaRPr>
           </a:p>
-          <a:p>
-            <a:endParaRPr lang="en-US" dirty="0"/>
-          </a:p>
-          <a:p>
-            <a:endParaRPr lang="en-US" dirty="0"/>
-          </a:p>
-        </p:txBody>
-      </p:sp>
+        </p:txBody>
+      </p:sp>
+      <p:pic>
+        <p:nvPicPr>
+          <p:cNvPr id="5" name="Picture 4"/>
+          <p:cNvPicPr>
+            <a:picLocks noChangeAspect="1"/>
+          </p:cNvPicPr>
+          <p:nvPr/>
+        </p:nvPicPr>
+        <p:blipFill>
+          <a:blip r:embed="rId2">
+            <a:extLst>
+              <a:ext uri="{28A0092B-C50C-407E-A947-70E740481C1C}">
+                <a14:useLocalDpi xmlns:a14="http://schemas.microsoft.com/office/drawing/2010/main" val="0"/>
+              </a:ext>
+            </a:extLst>
+          </a:blip>
+          <a:stretch>
+            <a:fillRect/>
+          </a:stretch>
+        </p:blipFill>
+        <p:spPr>
+          <a:xfrm>
+            <a:off x="611560" y="1772816"/>
+            <a:ext cx="7992888" cy="4743873"/>
+          </a:xfrm>
+          <a:prstGeom prst="rect">
+            <a:avLst/>
+          </a:prstGeom>
+        </p:spPr>
+      </p:pic>
     </p:spTree>
     <p:extLst>
       <p:ext uri="{BB962C8B-B14F-4D97-AF65-F5344CB8AC3E}">
-        <p14:creationId xmlns:p14="http://schemas.microsoft.com/office/powerpoint/2010/main" val="1375427775"/>
+        <p14:creationId xmlns:p14="http://schemas.microsoft.com/office/powerpoint/2010/main" val="69957573"/>
       </p:ext>
     </p:extLst>
   </p:cSld>
@@ -7348,37 +7311,32 @@
       </p:grpSpPr>
       <p:sp>
         <p:nvSpPr>
-          <p:cNvPr id="8194" name="Rectangle 2"/>
-          <p:cNvSpPr>
-            <a:spLocks noGrp="1" noChangeArrowheads="1"/>
+          <p:cNvPr id="2" name="Title 1"/>
+          <p:cNvSpPr>
+            <a:spLocks noGrp="1"/>
           </p:cNvSpPr>
           <p:nvPr>
             <p:ph type="title"/>
           </p:nvPr>
         </p:nvSpPr>
-        <p:spPr>
-          <a:xfrm>
-            <a:off x="827584" y="836712"/>
-            <a:ext cx="7024744" cy="757888"/>
-          </a:xfrm>
-        </p:spPr>
+        <p:spPr/>
         <p:txBody>
           <a:bodyPr/>
           <a:lstStyle/>
           <a:p>
             <a:r>
-              <a:rPr lang="en-IE" altLang="en-US" dirty="0"/>
-              <a:t>Design</a:t>
-            </a:r>
-            <a:endParaRPr lang="en-US" altLang="en-US" dirty="0"/>
-          </a:p>
-        </p:txBody>
-      </p:sp>
-      <p:sp>
-        <p:nvSpPr>
-          <p:cNvPr id="8195" name="Rectangle 3"/>
-          <p:cNvSpPr>
-            <a:spLocks noGrp="1" noChangeArrowheads="1"/>
+              <a:rPr lang="en-US" dirty="0" smtClean="0"/>
+              <a:t>System</a:t>
+            </a:r>
+            <a:endParaRPr lang="en-US" dirty="0"/>
+          </a:p>
+        </p:txBody>
+      </p:sp>
+      <p:sp>
+        <p:nvSpPr>
+          <p:cNvPr id="3" name="Content Placeholder 2"/>
+          <p:cNvSpPr>
+            <a:spLocks noGrp="1"/>
           </p:cNvSpPr>
           <p:nvPr>
             <p:ph idx="1"/>
@@ -7386,147 +7344,144 @@
         </p:nvSpPr>
         <p:spPr>
           <a:xfrm>
-            <a:off x="951297" y="1412776"/>
-            <a:ext cx="6777317" cy="4608512"/>
+            <a:off x="826235" y="1628800"/>
+            <a:ext cx="6711654" cy="4195481"/>
           </a:xfrm>
         </p:spPr>
         <p:txBody>
           <a:bodyPr>
-            <a:normAutofit/>
+            <a:normAutofit fontScale="92500" lnSpcReduction="10000"/>
           </a:bodyPr>
           <a:lstStyle/>
           <a:p>
-            <a:endParaRPr lang="en-IE" altLang="en-US" dirty="0" smtClean="0"/>
-          </a:p>
-          <a:p>
-            <a:r>
-              <a:rPr lang="en-IE" altLang="en-US" dirty="0" smtClean="0">
-                <a:latin typeface="Arial" panose="020B0604020202020204" pitchFamily="34" charset="0"/>
+            <a:pPr marL="0" indent="0">
+              <a:buNone/>
+            </a:pPr>
+            <a:r>
+              <a:rPr lang="en-IE" altLang="en-US" sz="3600" dirty="0">
                 <a:cs typeface="Arial" panose="020B0604020202020204" pitchFamily="34" charset="0"/>
               </a:rPr>
-              <a:t>Overview of the main requirements</a:t>
-            </a:r>
-          </a:p>
-          <a:p>
-            <a:pPr lvl="1"/>
-            <a:r>
-              <a:rPr lang="en-IE" altLang="en-US" sz="2400" dirty="0" smtClean="0">
-                <a:latin typeface="Arial" panose="020B0604020202020204" pitchFamily="34" charset="0"/>
+              <a:t>Main </a:t>
+            </a:r>
+            <a:r>
+              <a:rPr lang="en-IE" altLang="en-US" sz="3600" dirty="0" smtClean="0">
                 <a:cs typeface="Arial" panose="020B0604020202020204" pitchFamily="34" charset="0"/>
               </a:rPr>
-              <a:t>Functional</a:t>
-            </a:r>
-          </a:p>
-          <a:p>
-            <a:pPr lvl="1">
+              <a:t>algorithms</a:t>
+            </a:r>
+            <a:endParaRPr lang="en-IE" altLang="en-US" sz="3600" dirty="0">
+              <a:cs typeface="Arial" panose="020B0604020202020204" pitchFamily="34" charset="0"/>
+            </a:endParaRPr>
+          </a:p>
+          <a:p>
+            <a:pPr>
               <a:buFont typeface="Arial" charset="0"/>
               <a:buChar char="•"/>
             </a:pPr>
             <a:r>
-              <a:rPr lang="en-IE" altLang="en-US" sz="2400" dirty="0" smtClean="0">
-                <a:latin typeface="Arial" panose="020B0604020202020204" pitchFamily="34" charset="0"/>
+              <a:rPr lang="en-IE" altLang="en-US" sz="3600" dirty="0">
                 <a:cs typeface="Arial" panose="020B0604020202020204" pitchFamily="34" charset="0"/>
               </a:rPr>
-              <a:t>Easy to Use GUI</a:t>
-            </a:r>
-          </a:p>
-          <a:p>
-            <a:pPr lvl="1">
+              <a:t>Room </a:t>
+            </a:r>
+            <a:r>
+              <a:rPr lang="en-IE" altLang="en-US" sz="3600" dirty="0" smtClean="0">
+                <a:cs typeface="Arial" panose="020B0604020202020204" pitchFamily="34" charset="0"/>
+              </a:rPr>
+              <a:t>Booking</a:t>
+            </a:r>
+          </a:p>
+          <a:p>
+            <a:pPr>
               <a:buFont typeface="Arial" charset="0"/>
               <a:buChar char="•"/>
             </a:pPr>
             <a:r>
-              <a:rPr lang="en-IE" altLang="en-US" sz="2400" dirty="0" smtClean="0">
-                <a:latin typeface="Arial" panose="020B0604020202020204" pitchFamily="34" charset="0"/>
+              <a:rPr lang="en-IE" altLang="en-US" sz="3600" dirty="0" smtClean="0">
                 <a:cs typeface="Arial" panose="020B0604020202020204" pitchFamily="34" charset="0"/>
               </a:rPr>
-              <a:t>List and Find (Search)</a:t>
-            </a:r>
-          </a:p>
-          <a:p>
-            <a:pPr lvl="1">
+              <a:t>Parsing JSON</a:t>
+            </a:r>
+          </a:p>
+          <a:p>
+            <a:pPr>
               <a:buFont typeface="Arial" charset="0"/>
               <a:buChar char="•"/>
             </a:pPr>
             <a:r>
-              <a:rPr lang="en-IE" altLang="en-US" sz="2400" dirty="0" smtClean="0">
-                <a:latin typeface="Arial" panose="020B0604020202020204" pitchFamily="34" charset="0"/>
+              <a:rPr lang="en-IE" altLang="en-US" sz="3600" dirty="0" smtClean="0">
                 <a:cs typeface="Arial" panose="020B0604020202020204" pitchFamily="34" charset="0"/>
               </a:rPr>
-              <a:t>Map / Navigation</a:t>
-            </a:r>
-          </a:p>
-          <a:p>
-            <a:pPr lvl="1">
+              <a:t>Parsing Geo-spatial data</a:t>
+            </a:r>
+            <a:endParaRPr lang="en-IE" altLang="en-US" sz="3600" dirty="0" smtClean="0">
+              <a:cs typeface="Arial" panose="020B0604020202020204" pitchFamily="34" charset="0"/>
+            </a:endParaRPr>
+          </a:p>
+          <a:p>
+            <a:pPr>
               <a:buFont typeface="Arial" charset="0"/>
               <a:buChar char="•"/>
             </a:pPr>
             <a:r>
-              <a:rPr lang="en-IE" altLang="en-US" sz="2400" dirty="0" smtClean="0">
-                <a:latin typeface="Arial" panose="020B0604020202020204" pitchFamily="34" charset="0"/>
+              <a:rPr lang="en-IE" altLang="en-US" sz="3600" dirty="0" smtClean="0">
                 <a:cs typeface="Arial" panose="020B0604020202020204" pitchFamily="34" charset="0"/>
               </a:rPr>
-              <a:t>Geo Location Notification </a:t>
-            </a:r>
-          </a:p>
-          <a:p>
-            <a:pPr lvl="1">
+              <a:t>Gallery and </a:t>
+            </a:r>
+            <a:r>
+              <a:rPr lang="en-IE" altLang="en-US" sz="3600" dirty="0">
+                <a:cs typeface="Arial" panose="020B0604020202020204" pitchFamily="34" charset="0"/>
+              </a:rPr>
+              <a:t>Image </a:t>
+            </a:r>
+            <a:r>
+              <a:rPr lang="en-IE" altLang="en-US" sz="3600" dirty="0" smtClean="0">
+                <a:cs typeface="Arial" panose="020B0604020202020204" pitchFamily="34" charset="0"/>
+              </a:rPr>
+              <a:t>Upload</a:t>
+            </a:r>
+          </a:p>
+          <a:p>
+            <a:pPr>
               <a:buFont typeface="Arial" charset="0"/>
               <a:buChar char="•"/>
             </a:pPr>
             <a:r>
-              <a:rPr lang="en-IE" altLang="en-US" sz="2400" dirty="0" smtClean="0">
-                <a:latin typeface="Arial" panose="020B0604020202020204" pitchFamily="34" charset="0"/>
+              <a:rPr lang="en-IE" sz="3600" dirty="0" smtClean="0">
                 <a:cs typeface="Arial" panose="020B0604020202020204" pitchFamily="34" charset="0"/>
               </a:rPr>
-              <a:t>Booking System</a:t>
-            </a:r>
-          </a:p>
-          <a:p>
-            <a:pPr lvl="1">
+              <a:t>Review System</a:t>
+            </a:r>
+          </a:p>
+          <a:p>
+            <a:pPr>
               <a:buFont typeface="Arial" charset="0"/>
               <a:buChar char="•"/>
             </a:pPr>
             <a:r>
-              <a:rPr lang="en-IE" altLang="en-US" sz="2400" dirty="0" smtClean="0">
-                <a:latin typeface="Arial" panose="020B0604020202020204" pitchFamily="34" charset="0"/>
+              <a:rPr lang="en-IE" sz="3600" dirty="0" smtClean="0">
                 <a:cs typeface="Arial" panose="020B0604020202020204" pitchFamily="34" charset="0"/>
               </a:rPr>
-              <a:t>Review</a:t>
-            </a:r>
-          </a:p>
-          <a:p>
-            <a:pPr lvl="1">
+              <a:t>Room Search</a:t>
+            </a:r>
+          </a:p>
+          <a:p>
+            <a:pPr>
               <a:buFont typeface="Arial" charset="0"/>
               <a:buChar char="•"/>
             </a:pPr>
-            <a:endParaRPr lang="en-IE" altLang="en-US" sz="2400" dirty="0" smtClean="0">
-              <a:latin typeface="Arial" panose="020B0604020202020204" pitchFamily="34" charset="0"/>
-              <a:cs typeface="Arial" panose="020B0604020202020204" pitchFamily="34" charset="0"/>
-            </a:endParaRPr>
-          </a:p>
-          <a:p>
-            <a:pPr marL="457200" lvl="1" indent="0">
-              <a:buNone/>
-            </a:pPr>
-            <a:endParaRPr lang="en-IE" altLang="en-US" sz="2400" dirty="0" smtClean="0">
-              <a:latin typeface="Arial" panose="020B0604020202020204" pitchFamily="34" charset="0"/>
-              <a:cs typeface="Arial" panose="020B0604020202020204" pitchFamily="34" charset="0"/>
-            </a:endParaRPr>
-          </a:p>
-          <a:p>
-            <a:pPr lvl="1"/>
-            <a:endParaRPr lang="en-IE" altLang="en-US" sz="2400" dirty="0" smtClean="0">
-              <a:latin typeface="Arial" panose="020B0604020202020204" pitchFamily="34" charset="0"/>
-              <a:cs typeface="Arial" panose="020B0604020202020204" pitchFamily="34" charset="0"/>
-            </a:endParaRPr>
+            <a:endParaRPr lang="en-US" dirty="0"/>
+          </a:p>
+          <a:p>
+            <a:endParaRPr lang="en-US" dirty="0"/>
           </a:p>
         </p:txBody>
       </p:sp>
     </p:spTree>
     <p:extLst>
       <p:ext uri="{BB962C8B-B14F-4D97-AF65-F5344CB8AC3E}">
-        <p14:creationId xmlns:p14="http://schemas.microsoft.com/office/powerpoint/2010/main" val="777930366"/>
+        <p14:creationId xmlns:p14="http://schemas.microsoft.com/office/powerpoint/2010/main" val="1375427775"/>
       </p:ext>
     </p:extLst>
   </p:cSld>
@@ -7562,9 +7517,9 @@
       </p:grpSpPr>
       <p:sp>
         <p:nvSpPr>
-          <p:cNvPr id="2" name="Title 1"/>
-          <p:cNvSpPr>
-            <a:spLocks noGrp="1"/>
+          <p:cNvPr id="8194" name="Rectangle 2"/>
+          <p:cNvSpPr>
+            <a:spLocks noGrp="1" noChangeArrowheads="1"/>
           </p:cNvSpPr>
           <p:nvPr>
             <p:ph type="title"/>
@@ -7572,8 +7527,8 @@
         </p:nvSpPr>
         <p:spPr>
           <a:xfrm>
-            <a:off x="483974" y="836712"/>
-            <a:ext cx="7055380" cy="1400530"/>
+            <a:off x="827584" y="836712"/>
+            <a:ext cx="7024744" cy="757888"/>
           </a:xfrm>
         </p:spPr>
         <p:txBody>
@@ -7581,170 +7536,202 @@
           <a:lstStyle/>
           <a:p>
             <a:r>
+              <a:rPr lang="en-IE" altLang="en-US" dirty="0"/>
+              <a:t>Design</a:t>
+            </a:r>
+            <a:endParaRPr lang="en-US" altLang="en-US" dirty="0"/>
+          </a:p>
+        </p:txBody>
+      </p:sp>
+      <p:sp>
+        <p:nvSpPr>
+          <p:cNvPr id="8195" name="Rectangle 3"/>
+          <p:cNvSpPr>
+            <a:spLocks noGrp="1" noChangeArrowheads="1"/>
+          </p:cNvSpPr>
+          <p:nvPr>
+            <p:ph idx="1"/>
+          </p:nvPr>
+        </p:nvSpPr>
+        <p:spPr>
+          <a:xfrm>
+            <a:off x="951297" y="1340768"/>
+            <a:ext cx="6777317" cy="4608512"/>
+          </a:xfrm>
+        </p:spPr>
+        <p:txBody>
+          <a:bodyPr>
+            <a:normAutofit fontScale="92500"/>
+          </a:bodyPr>
+          <a:lstStyle/>
+          <a:p>
+            <a:pPr marL="0" indent="0">
+              <a:buNone/>
+            </a:pPr>
+            <a:endParaRPr lang="en-IE" altLang="en-US" dirty="0"/>
+          </a:p>
+          <a:p>
+            <a:pPr marL="0" indent="0">
+              <a:buNone/>
+            </a:pPr>
+            <a:r>
               <a:rPr lang="en-IE" altLang="en-US" dirty="0" smtClean="0">
-                <a:latin typeface="Arial" panose="020B0604020202020204" pitchFamily="34" charset="0"/>
                 <a:cs typeface="Arial" panose="020B0604020202020204" pitchFamily="34" charset="0"/>
               </a:rPr>
-              <a:t>Main Requirements</a:t>
-            </a:r>
-            <a:r>
-              <a:rPr lang="en-IE" altLang="en-US" dirty="0">
-                <a:latin typeface="Arial" panose="020B0604020202020204" pitchFamily="34" charset="0"/>
+              <a:t>Overview </a:t>
+            </a:r>
+            <a:r>
+              <a:rPr lang="en-IE" altLang="en-US" dirty="0" smtClean="0">
                 <a:cs typeface="Arial" panose="020B0604020202020204" pitchFamily="34" charset="0"/>
               </a:rPr>
-              <a:t/>
-            </a:r>
-            <a:br>
-              <a:rPr lang="en-IE" altLang="en-US" dirty="0">
-                <a:latin typeface="Arial" panose="020B0604020202020204" pitchFamily="34" charset="0"/>
+              <a:t>of the main </a:t>
+            </a:r>
+            <a:r>
+              <a:rPr lang="en-IE" altLang="en-US" dirty="0" smtClean="0">
                 <a:cs typeface="Arial" panose="020B0604020202020204" pitchFamily="34" charset="0"/>
               </a:rPr>
-            </a:br>
-            <a:endParaRPr lang="en-US" dirty="0"/>
-          </a:p>
-        </p:txBody>
-      </p:sp>
-      <p:sp>
-        <p:nvSpPr>
-          <p:cNvPr id="3" name="Content Placeholder 2"/>
-          <p:cNvSpPr>
-            <a:spLocks noGrp="1"/>
-          </p:cNvSpPr>
-          <p:nvPr>
-            <p:ph idx="1"/>
-          </p:nvPr>
-        </p:nvSpPr>
-        <p:spPr>
-          <a:xfrm>
-            <a:off x="795732" y="2272698"/>
-            <a:ext cx="6711654" cy="4195481"/>
-          </a:xfrm>
-        </p:spPr>
-        <p:txBody>
-          <a:bodyPr/>
-          <a:lstStyle/>
-          <a:p>
-            <a:pPr marL="342900" lvl="1" indent="-342900"/>
+              <a:t>functional requirements/features.</a:t>
+            </a:r>
+          </a:p>
+          <a:p>
+            <a:pPr marL="0" indent="0">
+              <a:buNone/>
+            </a:pPr>
+            <a:endParaRPr lang="en-IE" altLang="en-US" dirty="0" smtClean="0">
+              <a:cs typeface="Arial" panose="020B0604020202020204" pitchFamily="34" charset="0"/>
+            </a:endParaRPr>
+          </a:p>
+          <a:p>
+            <a:pPr lvl="1">
+              <a:buFont typeface="Arial" charset="0"/>
+              <a:buChar char="•"/>
+            </a:pPr>
             <a:r>
               <a:rPr lang="en-IE" altLang="en-US" sz="2400" dirty="0" smtClean="0">
-                <a:latin typeface="Arial" panose="020B0604020202020204" pitchFamily="34" charset="0"/>
+                <a:cs typeface="Arial" panose="020B0604020202020204" pitchFamily="34" charset="0"/>
+              </a:rPr>
+              <a:t>Easy </a:t>
+            </a:r>
+            <a:r>
+              <a:rPr lang="en-IE" altLang="en-US" sz="2400" dirty="0" smtClean="0">
+                <a:cs typeface="Arial" panose="020B0604020202020204" pitchFamily="34" charset="0"/>
+              </a:rPr>
+              <a:t>to Use GUI</a:t>
+            </a:r>
+          </a:p>
+          <a:p>
+            <a:pPr lvl="1">
+              <a:buFont typeface="Arial" charset="0"/>
+              <a:buChar char="•"/>
+            </a:pPr>
+            <a:r>
+              <a:rPr lang="en-IE" altLang="en-US" sz="2400" dirty="0" smtClean="0">
+                <a:cs typeface="Arial" panose="020B0604020202020204" pitchFamily="34" charset="0"/>
+              </a:rPr>
+              <a:t>List and Find (Search)</a:t>
+            </a:r>
+          </a:p>
+          <a:p>
+            <a:pPr lvl="1">
+              <a:buFont typeface="Arial" charset="0"/>
+              <a:buChar char="•"/>
+            </a:pPr>
+            <a:r>
+              <a:rPr lang="en-IE" altLang="en-US" sz="2400" dirty="0" smtClean="0">
+                <a:cs typeface="Arial" panose="020B0604020202020204" pitchFamily="34" charset="0"/>
+              </a:rPr>
+              <a:t>Map / Navigation</a:t>
+            </a:r>
+          </a:p>
+          <a:p>
+            <a:pPr lvl="1">
+              <a:buFont typeface="Arial" charset="0"/>
+              <a:buChar char="•"/>
+            </a:pPr>
+            <a:r>
+              <a:rPr lang="en-IE" altLang="en-US" sz="2400" dirty="0" smtClean="0">
+                <a:cs typeface="Arial" panose="020B0604020202020204" pitchFamily="34" charset="0"/>
+              </a:rPr>
+              <a:t>My Meetings</a:t>
+            </a:r>
+          </a:p>
+          <a:p>
+            <a:pPr lvl="1">
+              <a:buFont typeface="Arial" charset="0"/>
+              <a:buChar char="•"/>
+            </a:pPr>
+            <a:r>
+              <a:rPr lang="en-IE" altLang="en-US" sz="2400" dirty="0" smtClean="0">
+                <a:cs typeface="Arial" panose="020B0604020202020204" pitchFamily="34" charset="0"/>
+              </a:rPr>
+              <a:t>Booking </a:t>
+            </a:r>
+            <a:r>
+              <a:rPr lang="en-IE" altLang="en-US" sz="2400" dirty="0" smtClean="0">
                 <a:cs typeface="Arial" panose="020B0604020202020204" pitchFamily="34" charset="0"/>
               </a:rPr>
               <a:t>System</a:t>
             </a:r>
           </a:p>
           <a:p>
-            <a:pPr marL="0" lvl="1" indent="0">
-              <a:buNone/>
+            <a:pPr lvl="1">
+              <a:buFont typeface="Arial" charset="0"/>
+              <a:buChar char="•"/>
             </a:pPr>
             <a:r>
               <a:rPr lang="en-IE" altLang="en-US" sz="2400" dirty="0" smtClean="0">
-                <a:latin typeface="Arial" panose="020B0604020202020204" pitchFamily="34" charset="0"/>
                 <a:cs typeface="Arial" panose="020B0604020202020204" pitchFamily="34" charset="0"/>
               </a:rPr>
-              <a:t>Client </a:t>
-            </a:r>
-            <a:r>
-              <a:rPr lang="mr-IN" altLang="en-US" sz="2400" dirty="0" smtClean="0">
-                <a:latin typeface="Arial" panose="020B0604020202020204" pitchFamily="34" charset="0"/>
+              <a:t>Review</a:t>
+            </a:r>
+          </a:p>
+          <a:p>
+            <a:pPr lvl="1">
+              <a:buFont typeface="Arial" charset="0"/>
+              <a:buChar char="•"/>
+            </a:pPr>
+            <a:r>
+              <a:rPr lang="en-IE" altLang="en-US" sz="2400" dirty="0" smtClean="0">
                 <a:cs typeface="Arial" panose="020B0604020202020204" pitchFamily="34" charset="0"/>
               </a:rPr>
-              <a:t>–</a:t>
-            </a:r>
-            <a:r>
-              <a:rPr lang="en-IE" altLang="en-US" sz="2400" dirty="0" smtClean="0">
-                <a:latin typeface="Arial" panose="020B0604020202020204" pitchFamily="34" charset="0"/>
-                <a:cs typeface="Arial" panose="020B0604020202020204" pitchFamily="34" charset="0"/>
-              </a:rPr>
-              <a:t> iOS 9+ iOS Devices</a:t>
-            </a:r>
-          </a:p>
-          <a:p>
-            <a:pPr marL="0" lvl="1" indent="0">
-              <a:buNone/>
+              <a:t>Gallery and Photo Upload</a:t>
+            </a:r>
+            <a:endParaRPr lang="en-IE" altLang="en-US" sz="2400" dirty="0" smtClean="0">
+              <a:cs typeface="Arial" panose="020B0604020202020204" pitchFamily="34" charset="0"/>
+            </a:endParaRPr>
+          </a:p>
+          <a:p>
+            <a:pPr lvl="1">
+              <a:buFont typeface="Arial" charset="0"/>
+              <a:buChar char="•"/>
             </a:pPr>
-            <a:r>
-              <a:rPr lang="en-IE" altLang="en-US" sz="2400" dirty="0" smtClean="0">
-                <a:latin typeface="Arial" panose="020B0604020202020204" pitchFamily="34" charset="0"/>
-                <a:cs typeface="Arial" panose="020B0604020202020204" pitchFamily="34" charset="0"/>
-              </a:rPr>
-              <a:t>Internet Connection, GPS</a:t>
-            </a:r>
-          </a:p>
-          <a:p>
-            <a:pPr marL="0" lvl="1" indent="0">
-              <a:buNone/>
-            </a:pPr>
-            <a:endParaRPr lang="en-IE" altLang="en-US" sz="2400" dirty="0">
+            <a:endParaRPr lang="en-IE" altLang="en-US" sz="2400" dirty="0" smtClean="0">
               <a:latin typeface="Arial" panose="020B0604020202020204" pitchFamily="34" charset="0"/>
               <a:cs typeface="Arial" panose="020B0604020202020204" pitchFamily="34" charset="0"/>
             </a:endParaRPr>
           </a:p>
           <a:p>
-            <a:pPr marL="0" lvl="1" indent="0">
+            <a:pPr marL="457200" lvl="1" indent="0">
               <a:buNone/>
             </a:pPr>
-            <a:r>
-              <a:rPr lang="en-IE" altLang="en-US" sz="2400" dirty="0" smtClean="0">
-                <a:latin typeface="Arial" panose="020B0604020202020204" pitchFamily="34" charset="0"/>
-                <a:cs typeface="Arial" panose="020B0604020202020204" pitchFamily="34" charset="0"/>
-              </a:rPr>
-              <a:t>Backend </a:t>
-            </a:r>
-            <a:r>
-              <a:rPr lang="mr-IN" altLang="en-US" sz="2400" dirty="0" smtClean="0">
-                <a:latin typeface="Arial" panose="020B0604020202020204" pitchFamily="34" charset="0"/>
-                <a:cs typeface="Arial" panose="020B0604020202020204" pitchFamily="34" charset="0"/>
-              </a:rPr>
-              <a:t>–</a:t>
-            </a:r>
-            <a:r>
-              <a:rPr lang="en-IE" altLang="en-US" sz="2400" dirty="0" smtClean="0">
-                <a:latin typeface="Arial" panose="020B0604020202020204" pitchFamily="34" charset="0"/>
-                <a:cs typeface="Arial" panose="020B0604020202020204" pitchFamily="34" charset="0"/>
-              </a:rPr>
-              <a:t> SAP HANA with </a:t>
-            </a:r>
-            <a:r>
-              <a:rPr lang="en-IE" altLang="en-US" dirty="0">
-                <a:latin typeface="Arial" panose="020B0604020202020204" pitchFamily="34" charset="0"/>
-                <a:cs typeface="Arial" panose="020B0604020202020204" pitchFamily="34" charset="0"/>
-              </a:rPr>
-              <a:t>Geo Spatial </a:t>
-            </a:r>
-            <a:r>
-              <a:rPr lang="en-IE" altLang="en-US" dirty="0" smtClean="0">
-                <a:latin typeface="Arial" panose="020B0604020202020204" pitchFamily="34" charset="0"/>
-                <a:cs typeface="Arial" panose="020B0604020202020204" pitchFamily="34" charset="0"/>
-              </a:rPr>
-              <a:t>Data Support</a:t>
-            </a:r>
-          </a:p>
-          <a:p>
-            <a:pPr marL="0" lvl="1" indent="0">
-              <a:buNone/>
-            </a:pPr>
-            <a:endParaRPr lang="en-US" altLang="en-US" dirty="0">
+            <a:endParaRPr lang="en-IE" altLang="en-US" sz="2400" dirty="0" smtClean="0">
               <a:latin typeface="Arial" panose="020B0604020202020204" pitchFamily="34" charset="0"/>
               <a:cs typeface="Arial" panose="020B0604020202020204" pitchFamily="34" charset="0"/>
             </a:endParaRPr>
           </a:p>
           <a:p>
-            <a:pPr marL="0" lvl="1" indent="0">
-              <a:buNone/>
-            </a:pPr>
-            <a:r>
-              <a:rPr lang="en-US" dirty="0" smtClean="0"/>
-              <a:t> </a:t>
-            </a:r>
-            <a:endParaRPr lang="en-US" dirty="0"/>
+            <a:pPr lvl="1"/>
+            <a:endParaRPr lang="en-IE" altLang="en-US" sz="2400" dirty="0" smtClean="0">
+              <a:latin typeface="Arial" panose="020B0604020202020204" pitchFamily="34" charset="0"/>
+              <a:cs typeface="Arial" panose="020B0604020202020204" pitchFamily="34" charset="0"/>
+            </a:endParaRPr>
           </a:p>
         </p:txBody>
       </p:sp>
     </p:spTree>
     <p:extLst>
       <p:ext uri="{BB962C8B-B14F-4D97-AF65-F5344CB8AC3E}">
-        <p14:creationId xmlns:p14="http://schemas.microsoft.com/office/powerpoint/2010/main" val="60140354"/>
+        <p14:creationId xmlns:p14="http://schemas.microsoft.com/office/powerpoint/2010/main" val="777930366"/>
       </p:ext>
     </p:extLst>
   </p:cSld>
@@ -7788,14 +7775,23 @@
             <p:ph type="title"/>
           </p:nvPr>
         </p:nvSpPr>
-        <p:spPr/>
+        <p:spPr>
+          <a:xfrm>
+            <a:off x="3242351" y="280989"/>
+            <a:ext cx="5188664" cy="1400530"/>
+          </a:xfrm>
+        </p:spPr>
         <p:txBody>
           <a:bodyPr/>
           <a:lstStyle/>
           <a:p>
             <a:r>
               <a:rPr lang="en-US" dirty="0" smtClean="0"/>
-              <a:t>Main Requirements</a:t>
+              <a:t>App Features </a:t>
+            </a:r>
+            <a:r>
+              <a:rPr lang="en-US" dirty="0" smtClean="0"/>
+              <a:t>Summary and Demonstration</a:t>
             </a:r>
             <a:endParaRPr lang="en-US" dirty="0"/>
           </a:p>
@@ -7803,94 +7799,85 @@
       </p:sp>
       <p:sp>
         <p:nvSpPr>
-          <p:cNvPr id="3" name="Content Placeholder 2"/>
-          <p:cNvSpPr>
-            <a:spLocks noGrp="1"/>
-          </p:cNvSpPr>
-          <p:nvPr>
-            <p:ph idx="1"/>
-          </p:nvPr>
-        </p:nvSpPr>
-        <p:spPr>
-          <a:xfrm>
-            <a:off x="395536" y="1340768"/>
-            <a:ext cx="6711654" cy="4195481"/>
-          </a:xfrm>
-        </p:spPr>
-        <p:txBody>
-          <a:bodyPr/>
-          <a:lstStyle/>
-          <a:p>
-            <a:pPr marL="342900" lvl="1" indent="-342900"/>
-            <a:r>
-              <a:rPr lang="en-IE" altLang="en-US" sz="2400" dirty="0" smtClean="0">
-                <a:latin typeface="Arial" panose="020B0604020202020204" pitchFamily="34" charset="0"/>
-                <a:cs typeface="Arial" panose="020B0604020202020204" pitchFamily="34" charset="0"/>
-              </a:rPr>
-              <a:t>Data</a:t>
-            </a:r>
-          </a:p>
-          <a:p>
-            <a:pPr marL="0" lvl="1" indent="0">
-              <a:buNone/>
-            </a:pPr>
-            <a:r>
-              <a:rPr lang="en-IE" altLang="en-US" sz="2400" dirty="0" smtClean="0">
-                <a:latin typeface="Arial" panose="020B0604020202020204" pitchFamily="34" charset="0"/>
-                <a:cs typeface="Arial" panose="020B0604020202020204" pitchFamily="34" charset="0"/>
-              </a:rPr>
-              <a:t>Building and Room information including co-ordinates (Geo Spatial Data </a:t>
-            </a:r>
-            <a:r>
-              <a:rPr lang="mr-IN" altLang="en-US" sz="2400" dirty="0" smtClean="0">
-                <a:latin typeface="Arial" panose="020B0604020202020204" pitchFamily="34" charset="0"/>
-                <a:cs typeface="Arial" panose="020B0604020202020204" pitchFamily="34" charset="0"/>
-              </a:rPr>
-              <a:t>–</a:t>
-            </a:r>
-            <a:r>
-              <a:rPr lang="en-IE" altLang="en-US" sz="2400" dirty="0" smtClean="0">
-                <a:latin typeface="Arial" panose="020B0604020202020204" pitchFamily="34" charset="0"/>
-                <a:cs typeface="Arial" panose="020B0604020202020204" pitchFamily="34" charset="0"/>
-              </a:rPr>
-              <a:t> Polygons &amp; Points)</a:t>
-            </a:r>
-          </a:p>
-          <a:p>
-            <a:pPr marL="0" lvl="1" indent="0">
-              <a:buNone/>
-            </a:pPr>
-            <a:endParaRPr lang="en-IE" altLang="en-US" sz="2400" dirty="0">
-              <a:latin typeface="Arial" panose="020B0604020202020204" pitchFamily="34" charset="0"/>
-              <a:cs typeface="Arial" panose="020B0604020202020204" pitchFamily="34" charset="0"/>
-            </a:endParaRPr>
-          </a:p>
-          <a:p>
-            <a:pPr marL="0" lvl="1" indent="0">
-              <a:buNone/>
-            </a:pPr>
-            <a:endParaRPr lang="en-IE" altLang="en-US" sz="2400" dirty="0" smtClean="0">
-              <a:latin typeface="Arial" panose="020B0604020202020204" pitchFamily="34" charset="0"/>
-              <a:cs typeface="Arial" panose="020B0604020202020204" pitchFamily="34" charset="0"/>
-            </a:endParaRPr>
-          </a:p>
-          <a:p>
-            <a:pPr marL="0" lvl="1" indent="0">
-              <a:buNone/>
-            </a:pPr>
-            <a:endParaRPr lang="en-IE" altLang="en-US" sz="2400" dirty="0">
-              <a:latin typeface="Arial" panose="020B0604020202020204" pitchFamily="34" charset="0"/>
-              <a:cs typeface="Arial" panose="020B0604020202020204" pitchFamily="34" charset="0"/>
-            </a:endParaRPr>
-          </a:p>
-          <a:p>
-            <a:endParaRPr lang="en-US" dirty="0"/>
+          <p:cNvPr id="10" name="TextBox 9"/>
+          <p:cNvSpPr txBox="1"/>
+          <p:nvPr/>
+        </p:nvSpPr>
+        <p:spPr>
+          <a:xfrm>
+            <a:off x="5436096" y="4365104"/>
+            <a:ext cx="3600400" cy="1200329"/>
+          </a:xfrm>
+          <a:prstGeom prst="rect">
+            <a:avLst/>
+          </a:prstGeom>
+          <a:noFill/>
+        </p:spPr>
+        <p:txBody>
+          <a:bodyPr wrap="square" rtlCol="0">
+            <a:spAutoFit/>
+          </a:bodyPr>
+          <a:lstStyle/>
+          <a:p>
+            <a:r>
+              <a:rPr lang="en-US" dirty="0"/>
+              <a:t>Search Buildings</a:t>
+            </a:r>
+          </a:p>
+          <a:p>
+            <a:r>
+              <a:rPr lang="en-US" dirty="0"/>
+              <a:t>         And</a:t>
+            </a:r>
+          </a:p>
+          <a:p>
+            <a:r>
+              <a:rPr lang="en-US" dirty="0"/>
+              <a:t>Meeting Rooms</a:t>
+            </a:r>
+          </a:p>
+          <a:p>
+            <a:endParaRPr lang="en-US" b="1" dirty="0"/>
+          </a:p>
+        </p:txBody>
+      </p:sp>
+      <p:sp>
+        <p:nvSpPr>
+          <p:cNvPr id="12" name="TextBox 11"/>
+          <p:cNvSpPr txBox="1"/>
+          <p:nvPr/>
+        </p:nvSpPr>
+        <p:spPr>
+          <a:xfrm>
+            <a:off x="1225861" y="2643229"/>
+            <a:ext cx="4397358" cy="646331"/>
+          </a:xfrm>
+          <a:prstGeom prst="rect">
+            <a:avLst/>
+          </a:prstGeom>
+          <a:noFill/>
+        </p:spPr>
+        <p:txBody>
+          <a:bodyPr wrap="none" rtlCol="0">
+            <a:spAutoFit/>
+          </a:bodyPr>
+          <a:lstStyle/>
+          <a:p>
+            <a:r>
+              <a:rPr lang="en-US" sz="3600" b="1" dirty="0" smtClean="0"/>
+              <a:t>FEATURE </a:t>
+            </a:r>
+            <a:r>
+              <a:rPr lang="en-US" sz="3600" b="1" dirty="0" smtClean="0"/>
+              <a:t>1: SEARCH</a:t>
+            </a:r>
+            <a:endParaRPr lang="en-US" sz="3600" b="1" dirty="0"/>
           </a:p>
         </p:txBody>
       </p:sp>
       <p:pic>
         <p:nvPicPr>
-          <p:cNvPr id="4" name="Picture 3"/>
+          <p:cNvPr id="15" name="Picture 14"/>
           <p:cNvPicPr>
             <a:picLocks noChangeAspect="1"/>
           </p:cNvPicPr>
@@ -7910,18 +7897,58 @@
         </p:blipFill>
         <p:spPr>
           <a:xfrm>
-            <a:off x="1707040" y="2723890"/>
-            <a:ext cx="4881184" cy="3663078"/>
+            <a:off x="1230262" y="376022"/>
+            <a:ext cx="1757562" cy="1757562"/>
           </a:xfrm>
           <a:prstGeom prst="rect">
             <a:avLst/>
           </a:prstGeom>
+        </p:spPr>
+      </p:pic>
+      <p:pic>
+        <p:nvPicPr>
+          <p:cNvPr id="8" name="Picture 7"/>
+          <p:cNvPicPr>
+            <a:picLocks noChangeAspect="1"/>
+          </p:cNvPicPr>
+          <p:nvPr/>
+        </p:nvPicPr>
+        <p:blipFill>
+          <a:blip r:embed="rId3">
+            <a:extLst>
+              <a:ext uri="{28A0092B-C50C-407E-A947-70E740481C1C}">
+                <a14:useLocalDpi xmlns:a14="http://schemas.microsoft.com/office/drawing/2010/main" val="0"/>
+              </a:ext>
+            </a:extLst>
+          </a:blip>
+          <a:stretch>
+            <a:fillRect/>
+          </a:stretch>
+        </p:blipFill>
+        <p:spPr>
+          <a:xfrm>
+            <a:off x="1225861" y="3501008"/>
+            <a:ext cx="2698067" cy="2698067"/>
+          </a:xfrm>
+          <a:prstGeom prst="rect">
+            <a:avLst/>
+          </a:prstGeom>
+          <a:ln>
+            <a:noFill/>
+          </a:ln>
+          <a:effectLst>
+            <a:outerShdw blurRad="292100" dist="139700" dir="2700000" algn="tl" rotWithShape="0">
+              <a:srgbClr val="333333">
+                <a:alpha val="65000"/>
+              </a:srgbClr>
+            </a:outerShdw>
+          </a:effectLst>
         </p:spPr>
       </p:pic>
     </p:spTree>
     <p:extLst>
       <p:ext uri="{BB962C8B-B14F-4D97-AF65-F5344CB8AC3E}">
-        <p14:creationId xmlns:p14="http://schemas.microsoft.com/office/powerpoint/2010/main" val="1421471710"/>
+        <p14:creationId xmlns:p14="http://schemas.microsoft.com/office/powerpoint/2010/main" val="969333762"/>
       </p:ext>
     </p:extLst>
   </p:cSld>
@@ -7955,105 +7982,10 @@
           <a:chExt cx="0" cy="0"/>
         </a:xfrm>
       </p:grpSpPr>
-      <p:pic>
-        <p:nvPicPr>
-          <p:cNvPr id="4" name="Content Placeholder 3"/>
-          <p:cNvPicPr>
-            <a:picLocks noGrp="1" noChangeAspect="1"/>
-          </p:cNvPicPr>
-          <p:nvPr>
-            <p:ph idx="1"/>
-          </p:nvPr>
-        </p:nvPicPr>
-        <p:blipFill>
-          <a:blip r:embed="rId2">
-            <a:extLst>
-              <a:ext uri="{28A0092B-C50C-407E-A947-70E740481C1C}">
-                <a14:useLocalDpi xmlns:a14="http://schemas.microsoft.com/office/drawing/2010/main" val="0"/>
-              </a:ext>
-            </a:extLst>
-          </a:blip>
-          <a:stretch>
-            <a:fillRect/>
-          </a:stretch>
-        </p:blipFill>
-        <p:spPr>
-          <a:xfrm>
-            <a:off x="0" y="0"/>
-            <a:ext cx="5508104" cy="6858000"/>
-          </a:xfrm>
-        </p:spPr>
-      </p:pic>
-      <p:sp>
-        <p:nvSpPr>
-          <p:cNvPr id="5" name="TextBox 4"/>
-          <p:cNvSpPr txBox="1"/>
-          <p:nvPr/>
-        </p:nvSpPr>
-        <p:spPr>
-          <a:xfrm>
-            <a:off x="5724128" y="2204864"/>
-            <a:ext cx="3397084" cy="1477328"/>
-          </a:xfrm>
-          <a:prstGeom prst="rect">
-            <a:avLst/>
-          </a:prstGeom>
-          <a:noFill/>
-        </p:spPr>
-        <p:txBody>
-          <a:bodyPr wrap="none" rtlCol="0">
-            <a:spAutoFit/>
-          </a:bodyPr>
-          <a:lstStyle/>
-          <a:p>
-            <a:r>
-              <a:rPr lang="en-US" dirty="0" smtClean="0"/>
-              <a:t>Parsed JSON Data Sample</a:t>
-            </a:r>
-          </a:p>
-          <a:p>
-            <a:r>
-              <a:rPr lang="en-US" dirty="0"/>
-              <a:t>r</a:t>
-            </a:r>
-            <a:r>
-              <a:rPr lang="en-US" dirty="0" smtClean="0"/>
-              <a:t>eturned by the Web Service</a:t>
-            </a:r>
-          </a:p>
-          <a:p>
-            <a:r>
-              <a:rPr lang="en-US" dirty="0"/>
-              <a:t>t</a:t>
-            </a:r>
-            <a:r>
-              <a:rPr lang="en-US" dirty="0" smtClean="0"/>
-              <a:t>hrough http request that will</a:t>
-            </a:r>
-          </a:p>
-          <a:p>
-            <a:r>
-              <a:rPr lang="en-US" dirty="0"/>
-              <a:t>b</a:t>
-            </a:r>
-            <a:r>
-              <a:rPr lang="en-US" dirty="0" smtClean="0"/>
-              <a:t>e consumed by the client </a:t>
-            </a:r>
-          </a:p>
-          <a:p>
-            <a:r>
-              <a:rPr lang="en-US" dirty="0" smtClean="0"/>
-              <a:t>Application.</a:t>
-            </a:r>
-            <a:endParaRPr lang="en-US" dirty="0"/>
-          </a:p>
-        </p:txBody>
-      </p:sp>
     </p:spTree>
     <p:extLst>
       <p:ext uri="{BB962C8B-B14F-4D97-AF65-F5344CB8AC3E}">
-        <p14:creationId xmlns:p14="http://schemas.microsoft.com/office/powerpoint/2010/main" val="1010694753"/>
+        <p14:creationId xmlns:p14="http://schemas.microsoft.com/office/powerpoint/2010/main" val="1271470660"/>
       </p:ext>
     </p:extLst>
   </p:cSld>
@@ -8089,9 +8021,9 @@
       </p:grpSpPr>
       <p:sp>
         <p:nvSpPr>
-          <p:cNvPr id="14338" name="Rectangle 2"/>
-          <p:cNvSpPr>
-            <a:spLocks noGrp="1" noChangeArrowheads="1"/>
+          <p:cNvPr id="2" name="Title 1"/>
+          <p:cNvSpPr>
+            <a:spLocks noGrp="1"/>
           </p:cNvSpPr>
           <p:nvPr>
             <p:ph type="title"/>
@@ -8099,8 +8031,8 @@
         </p:nvSpPr>
         <p:spPr>
           <a:xfrm>
-            <a:off x="827584" y="836712"/>
-            <a:ext cx="7024744" cy="757888"/>
+            <a:off x="3242351" y="280989"/>
+            <a:ext cx="5188664" cy="1400530"/>
           </a:xfrm>
         </p:spPr>
         <p:txBody>
@@ -8108,130 +8040,175 @@
           <a:lstStyle/>
           <a:p>
             <a:r>
-              <a:rPr lang="en-IE" altLang="en-US" dirty="0"/>
-              <a:t>Evaluation</a:t>
-            </a:r>
-            <a:endParaRPr lang="en-US" altLang="en-US" dirty="0"/>
-          </a:p>
-        </p:txBody>
-      </p:sp>
-      <p:sp>
-        <p:nvSpPr>
-          <p:cNvPr id="14339" name="Rectangle 3"/>
-          <p:cNvSpPr>
-            <a:spLocks noGrp="1" noChangeArrowheads="1"/>
-          </p:cNvSpPr>
-          <p:nvPr>
-            <p:ph idx="1"/>
-          </p:nvPr>
-        </p:nvSpPr>
-        <p:spPr/>
-        <p:txBody>
-          <a:bodyPr/>
-          <a:lstStyle/>
-          <a:p>
-            <a:endParaRPr lang="en-IE" altLang="en-US" dirty="0" smtClean="0"/>
-          </a:p>
-          <a:p>
-            <a:r>
-              <a:rPr lang="en-IE" altLang="en-US" dirty="0" smtClean="0">
-                <a:latin typeface="Arial" panose="020B0604020202020204" pitchFamily="34" charset="0"/>
-                <a:cs typeface="Arial" panose="020B0604020202020204" pitchFamily="34" charset="0"/>
-              </a:rPr>
-              <a:t>How will </a:t>
-            </a:r>
-            <a:r>
-              <a:rPr lang="en-IE" altLang="en-US" dirty="0">
-                <a:latin typeface="Arial" panose="020B0604020202020204" pitchFamily="34" charset="0"/>
-                <a:cs typeface="Arial" panose="020B0604020202020204" pitchFamily="34" charset="0"/>
-              </a:rPr>
-              <a:t>you evaluate the system</a:t>
-            </a:r>
-            <a:r>
-              <a:rPr lang="en-IE" altLang="en-US" dirty="0" smtClean="0">
-                <a:latin typeface="Arial" panose="020B0604020202020204" pitchFamily="34" charset="0"/>
-                <a:cs typeface="Arial" panose="020B0604020202020204" pitchFamily="34" charset="0"/>
-              </a:rPr>
-              <a:t>?</a:t>
-            </a:r>
-          </a:p>
-          <a:p>
-            <a:pPr marL="0" indent="0">
-              <a:buNone/>
-            </a:pPr>
-            <a:r>
-              <a:rPr lang="en-IE" altLang="en-US" dirty="0" smtClean="0">
-                <a:latin typeface="Arial" panose="020B0604020202020204" pitchFamily="34" charset="0"/>
-                <a:cs typeface="Arial" panose="020B0604020202020204" pitchFamily="34" charset="0"/>
-              </a:rPr>
-              <a:t>     The system will go through </a:t>
-            </a:r>
-            <a:r>
-              <a:rPr lang="mr-IN" altLang="en-US" dirty="0" smtClean="0">
-                <a:latin typeface="Arial" panose="020B0604020202020204" pitchFamily="34" charset="0"/>
-                <a:cs typeface="Arial" panose="020B0604020202020204" pitchFamily="34" charset="0"/>
-              </a:rPr>
-              <a:t>–</a:t>
-            </a:r>
-            <a:endParaRPr lang="en-IE" altLang="en-US" dirty="0" smtClean="0">
-              <a:latin typeface="Arial" panose="020B0604020202020204" pitchFamily="34" charset="0"/>
-              <a:cs typeface="Arial" panose="020B0604020202020204" pitchFamily="34" charset="0"/>
-            </a:endParaRPr>
-          </a:p>
-          <a:p>
-            <a:pPr>
-              <a:buFont typeface="Arial" charset="0"/>
-              <a:buChar char="•"/>
-            </a:pPr>
-            <a:r>
-              <a:rPr lang="en-IE" altLang="en-US" dirty="0" smtClean="0">
-                <a:latin typeface="Arial" panose="020B0604020202020204" pitchFamily="34" charset="0"/>
-                <a:cs typeface="Arial" panose="020B0604020202020204" pitchFamily="34" charset="0"/>
-              </a:rPr>
-              <a:t>Subjective Evaluation</a:t>
-            </a:r>
-          </a:p>
-          <a:p>
-            <a:pPr>
-              <a:buFont typeface="Arial" charset="0"/>
-              <a:buChar char="•"/>
-            </a:pPr>
-            <a:r>
-              <a:rPr lang="en-IE" altLang="en-US" dirty="0" smtClean="0">
-                <a:latin typeface="Arial" panose="020B0604020202020204" pitchFamily="34" charset="0"/>
-                <a:cs typeface="Arial" panose="020B0604020202020204" pitchFamily="34" charset="0"/>
-              </a:rPr>
-              <a:t>Unit Testing</a:t>
-            </a:r>
-          </a:p>
-          <a:p>
-            <a:pPr>
-              <a:buFont typeface="Arial" charset="0"/>
-              <a:buChar char="•"/>
-            </a:pPr>
-            <a:r>
-              <a:rPr lang="en-IE" altLang="en-US" dirty="0" smtClean="0">
-                <a:latin typeface="Arial" panose="020B0604020202020204" pitchFamily="34" charset="0"/>
-                <a:cs typeface="Arial" panose="020B0604020202020204" pitchFamily="34" charset="0"/>
-              </a:rPr>
-              <a:t>System Testing</a:t>
-            </a:r>
-          </a:p>
-          <a:p>
-            <a:pPr marL="0" indent="0">
-              <a:buNone/>
-            </a:pPr>
-            <a:endParaRPr lang="en-IE" altLang="en-US" dirty="0">
-              <a:latin typeface="Arial" panose="020B0604020202020204" pitchFamily="34" charset="0"/>
-              <a:cs typeface="Arial" panose="020B0604020202020204" pitchFamily="34" charset="0"/>
-            </a:endParaRPr>
-          </a:p>
-        </p:txBody>
-      </p:sp>
+              <a:rPr lang="en-US" dirty="0" smtClean="0"/>
+              <a:t>App Features </a:t>
+            </a:r>
+            <a:r>
+              <a:rPr lang="en-US" dirty="0" smtClean="0"/>
+              <a:t>Summary and Demonstration</a:t>
+            </a:r>
+            <a:endParaRPr lang="en-US" dirty="0"/>
+          </a:p>
+        </p:txBody>
+      </p:sp>
+      <p:sp>
+        <p:nvSpPr>
+          <p:cNvPr id="10" name="TextBox 9"/>
+          <p:cNvSpPr txBox="1"/>
+          <p:nvPr/>
+        </p:nvSpPr>
+        <p:spPr>
+          <a:xfrm>
+            <a:off x="5108627" y="4251270"/>
+            <a:ext cx="3600400" cy="1477328"/>
+          </a:xfrm>
+          <a:prstGeom prst="rect">
+            <a:avLst/>
+          </a:prstGeom>
+          <a:noFill/>
+        </p:spPr>
+        <p:txBody>
+          <a:bodyPr wrap="square" rtlCol="0">
+            <a:spAutoFit/>
+          </a:bodyPr>
+          <a:lstStyle/>
+          <a:p>
+            <a:r>
+              <a:rPr lang="en-US" dirty="0"/>
+              <a:t>View List of </a:t>
+            </a:r>
+            <a:r>
+              <a:rPr lang="en-US" dirty="0" smtClean="0"/>
+              <a:t>available </a:t>
+            </a:r>
+            <a:r>
+              <a:rPr lang="en-US" dirty="0"/>
+              <a:t>Buildings</a:t>
+            </a:r>
+          </a:p>
+          <a:p>
+            <a:r>
+              <a:rPr lang="en-US" dirty="0" smtClean="0"/>
+              <a:t>and </a:t>
+            </a:r>
+            <a:r>
+              <a:rPr lang="en-US" dirty="0"/>
+              <a:t>rooms available in them</a:t>
+            </a:r>
+          </a:p>
+          <a:p>
+            <a:r>
+              <a:rPr lang="en-US" dirty="0"/>
+              <a:t>with relevant hints and information</a:t>
+            </a:r>
+          </a:p>
+          <a:p>
+            <a:endParaRPr lang="en-US" b="1" dirty="0"/>
+          </a:p>
+        </p:txBody>
+      </p:sp>
+      <p:sp>
+        <p:nvSpPr>
+          <p:cNvPr id="12" name="TextBox 11"/>
+          <p:cNvSpPr txBox="1"/>
+          <p:nvPr/>
+        </p:nvSpPr>
+        <p:spPr>
+          <a:xfrm>
+            <a:off x="1225861" y="2643229"/>
+            <a:ext cx="5682966" cy="646331"/>
+          </a:xfrm>
+          <a:prstGeom prst="rect">
+            <a:avLst/>
+          </a:prstGeom>
+          <a:noFill/>
+        </p:spPr>
+        <p:txBody>
+          <a:bodyPr wrap="none" rtlCol="0">
+            <a:spAutoFit/>
+          </a:bodyPr>
+          <a:lstStyle/>
+          <a:p>
+            <a:r>
+              <a:rPr lang="en-US" sz="3600" b="1" dirty="0" smtClean="0"/>
+              <a:t>FEATURE </a:t>
+            </a:r>
+            <a:r>
+              <a:rPr lang="en-US" sz="3600" b="1" dirty="0"/>
+              <a:t>2</a:t>
+            </a:r>
+            <a:r>
+              <a:rPr lang="en-US" sz="3600" b="1" dirty="0" smtClean="0"/>
+              <a:t>: LIST AND FIND</a:t>
+            </a:r>
+            <a:endParaRPr lang="en-US" sz="3600" b="1" dirty="0"/>
+          </a:p>
+        </p:txBody>
+      </p:sp>
+      <p:pic>
+        <p:nvPicPr>
+          <p:cNvPr id="15" name="Picture 14"/>
+          <p:cNvPicPr>
+            <a:picLocks noChangeAspect="1"/>
+          </p:cNvPicPr>
+          <p:nvPr/>
+        </p:nvPicPr>
+        <p:blipFill>
+          <a:blip r:embed="rId2">
+            <a:extLst>
+              <a:ext uri="{28A0092B-C50C-407E-A947-70E740481C1C}">
+                <a14:useLocalDpi xmlns:a14="http://schemas.microsoft.com/office/drawing/2010/main" val="0"/>
+              </a:ext>
+            </a:extLst>
+          </a:blip>
+          <a:stretch>
+            <a:fillRect/>
+          </a:stretch>
+        </p:blipFill>
+        <p:spPr>
+          <a:xfrm>
+            <a:off x="1230262" y="376022"/>
+            <a:ext cx="1757562" cy="1757562"/>
+          </a:xfrm>
+          <a:prstGeom prst="rect">
+            <a:avLst/>
+          </a:prstGeom>
+        </p:spPr>
+      </p:pic>
+      <p:pic>
+        <p:nvPicPr>
+          <p:cNvPr id="7" name="Picture 6"/>
+          <p:cNvPicPr>
+            <a:picLocks noChangeAspect="1"/>
+          </p:cNvPicPr>
+          <p:nvPr/>
+        </p:nvPicPr>
+        <p:blipFill>
+          <a:blip r:embed="rId3">
+            <a:extLst>
+              <a:ext uri="{28A0092B-C50C-407E-A947-70E740481C1C}">
+                <a14:useLocalDpi xmlns:a14="http://schemas.microsoft.com/office/drawing/2010/main" val="0"/>
+              </a:ext>
+            </a:extLst>
+          </a:blip>
+          <a:stretch>
+            <a:fillRect/>
+          </a:stretch>
+        </p:blipFill>
+        <p:spPr>
+          <a:xfrm>
+            <a:off x="1298134" y="3645023"/>
+            <a:ext cx="2625793" cy="2625793"/>
+          </a:xfrm>
+          <a:prstGeom prst="rect">
+            <a:avLst/>
+          </a:prstGeom>
+        </p:spPr>
+      </p:pic>
     </p:spTree>
     <p:extLst>
       <p:ext uri="{BB962C8B-B14F-4D97-AF65-F5344CB8AC3E}">
-        <p14:creationId xmlns:p14="http://schemas.microsoft.com/office/powerpoint/2010/main" val="3929260058"/>
+        <p14:creationId xmlns:p14="http://schemas.microsoft.com/office/powerpoint/2010/main" val="642517269"/>
       </p:ext>
     </p:extLst>
   </p:cSld>
@@ -8265,244 +8242,10 @@
           <a:chExt cx="0" cy="0"/>
         </a:xfrm>
       </p:grpSpPr>
-      <p:sp>
-        <p:nvSpPr>
-          <p:cNvPr id="10242" name="Rectangle 2"/>
-          <p:cNvSpPr>
-            <a:spLocks noGrp="1" noChangeArrowheads="1"/>
-          </p:cNvSpPr>
-          <p:nvPr>
-            <p:ph type="title"/>
-          </p:nvPr>
-        </p:nvSpPr>
-        <p:spPr>
-          <a:xfrm>
-            <a:off x="899592" y="836712"/>
-            <a:ext cx="7024744" cy="757888"/>
-          </a:xfrm>
-        </p:spPr>
-        <p:txBody>
-          <a:bodyPr/>
-          <a:lstStyle/>
-          <a:p>
-            <a:r>
-              <a:rPr lang="en-IE" altLang="en-US" dirty="0"/>
-              <a:t>Demonstration</a:t>
-            </a:r>
-            <a:endParaRPr lang="en-US" altLang="en-US" dirty="0"/>
-          </a:p>
-        </p:txBody>
-      </p:sp>
-      <p:sp>
-        <p:nvSpPr>
-          <p:cNvPr id="10243" name="Rectangle 3"/>
-          <p:cNvSpPr>
-            <a:spLocks noGrp="1" noChangeArrowheads="1"/>
-          </p:cNvSpPr>
-          <p:nvPr>
-            <p:ph idx="1"/>
-          </p:nvPr>
-        </p:nvSpPr>
-        <p:spPr>
-          <a:xfrm>
-            <a:off x="1023305" y="1594600"/>
-            <a:ext cx="6777317" cy="3339733"/>
-          </a:xfrm>
-        </p:spPr>
-        <p:txBody>
-          <a:bodyPr/>
-          <a:lstStyle/>
-          <a:p>
-            <a:r>
-              <a:rPr lang="en-IE" altLang="en-US" dirty="0" smtClean="0">
-                <a:latin typeface="Arial" panose="020B0604020202020204" pitchFamily="34" charset="0"/>
-                <a:cs typeface="Arial" panose="020B0604020202020204" pitchFamily="34" charset="0"/>
-              </a:rPr>
-              <a:t>GUI </a:t>
-            </a:r>
-            <a:r>
-              <a:rPr lang="en-IE" altLang="en-US" dirty="0">
-                <a:latin typeface="Arial" panose="020B0604020202020204" pitchFamily="34" charset="0"/>
-                <a:cs typeface="Arial" panose="020B0604020202020204" pitchFamily="34" charset="0"/>
-              </a:rPr>
-              <a:t>(Screen Shots</a:t>
-            </a:r>
-            <a:r>
-              <a:rPr lang="en-IE" altLang="en-US" dirty="0" smtClean="0">
-                <a:latin typeface="Arial" panose="020B0604020202020204" pitchFamily="34" charset="0"/>
-                <a:cs typeface="Arial" panose="020B0604020202020204" pitchFamily="34" charset="0"/>
-              </a:rPr>
-              <a:t>)</a:t>
-            </a:r>
-          </a:p>
-          <a:p>
-            <a:pPr marL="0" indent="0">
-              <a:buNone/>
-            </a:pPr>
-            <a:endParaRPr lang="en-IE" altLang="en-US" dirty="0" smtClean="0">
-              <a:latin typeface="Arial" panose="020B0604020202020204" pitchFamily="34" charset="0"/>
-              <a:cs typeface="Arial" panose="020B0604020202020204" pitchFamily="34" charset="0"/>
-            </a:endParaRPr>
-          </a:p>
-          <a:p>
-            <a:endParaRPr lang="en-US" altLang="en-US" dirty="0">
-              <a:latin typeface="Arial" panose="020B0604020202020204" pitchFamily="34" charset="0"/>
-              <a:cs typeface="Arial" panose="020B0604020202020204" pitchFamily="34" charset="0"/>
-            </a:endParaRPr>
-          </a:p>
-          <a:p>
-            <a:pPr marL="0" indent="0">
-              <a:buNone/>
-            </a:pPr>
-            <a:endParaRPr lang="en-IE" altLang="en-US" dirty="0">
-              <a:latin typeface="Arial" panose="020B0604020202020204" pitchFamily="34" charset="0"/>
-              <a:cs typeface="Arial" panose="020B0604020202020204" pitchFamily="34" charset="0"/>
-            </a:endParaRPr>
-          </a:p>
-        </p:txBody>
-      </p:sp>
-      <p:pic>
-        <p:nvPicPr>
-          <p:cNvPr id="2" name="Picture 1"/>
-          <p:cNvPicPr>
-            <a:picLocks noChangeAspect="1"/>
-          </p:cNvPicPr>
-          <p:nvPr/>
-        </p:nvPicPr>
-        <p:blipFill>
-          <a:blip r:embed="rId2">
-            <a:extLst>
-              <a:ext uri="{28A0092B-C50C-407E-A947-70E740481C1C}">
-                <a14:useLocalDpi xmlns:a14="http://schemas.microsoft.com/office/drawing/2010/main" val="0"/>
-              </a:ext>
-            </a:extLst>
-          </a:blip>
-          <a:stretch>
-            <a:fillRect/>
-          </a:stretch>
-        </p:blipFill>
-        <p:spPr>
-          <a:xfrm>
-            <a:off x="1691680" y="2097767"/>
-            <a:ext cx="2500364" cy="4602233"/>
-          </a:xfrm>
-          <a:prstGeom prst="rect">
-            <a:avLst/>
-          </a:prstGeom>
-        </p:spPr>
-      </p:pic>
-      <p:pic>
-        <p:nvPicPr>
-          <p:cNvPr id="3" name="Picture 2"/>
-          <p:cNvPicPr>
-            <a:picLocks noChangeAspect="1"/>
-          </p:cNvPicPr>
-          <p:nvPr/>
-        </p:nvPicPr>
-        <p:blipFill>
-          <a:blip r:embed="rId3">
-            <a:extLst>
-              <a:ext uri="{28A0092B-C50C-407E-A947-70E740481C1C}">
-                <a14:useLocalDpi xmlns:a14="http://schemas.microsoft.com/office/drawing/2010/main" val="0"/>
-              </a:ext>
-            </a:extLst>
-          </a:blip>
-          <a:stretch>
-            <a:fillRect/>
-          </a:stretch>
-        </p:blipFill>
-        <p:spPr>
-          <a:xfrm>
-            <a:off x="5794070" y="2096280"/>
-            <a:ext cx="2512539" cy="4603720"/>
-          </a:xfrm>
-          <a:prstGeom prst="rect">
-            <a:avLst/>
-          </a:prstGeom>
-        </p:spPr>
-      </p:pic>
-      <p:sp>
-        <p:nvSpPr>
-          <p:cNvPr id="4" name="TextBox 3"/>
-          <p:cNvSpPr txBox="1"/>
-          <p:nvPr/>
-        </p:nvSpPr>
-        <p:spPr>
-          <a:xfrm>
-            <a:off x="180526" y="3259367"/>
-            <a:ext cx="1143262" cy="646331"/>
-          </a:xfrm>
-          <a:prstGeom prst="rect">
-            <a:avLst/>
-          </a:prstGeom>
-          <a:noFill/>
-        </p:spPr>
-        <p:txBody>
-          <a:bodyPr wrap="none" rtlCol="0">
-            <a:spAutoFit/>
-          </a:bodyPr>
-          <a:lstStyle/>
-          <a:p>
-            <a:r>
-              <a:rPr lang="en-US" dirty="0" smtClean="0"/>
-              <a:t>List of</a:t>
-            </a:r>
-          </a:p>
-          <a:p>
-            <a:r>
-              <a:rPr lang="en-US" dirty="0" smtClean="0"/>
-              <a:t>Buildings</a:t>
-            </a:r>
-            <a:endParaRPr lang="en-US" dirty="0"/>
-          </a:p>
-        </p:txBody>
-      </p:sp>
-      <p:sp>
-        <p:nvSpPr>
-          <p:cNvPr id="5" name="TextBox 4"/>
-          <p:cNvSpPr txBox="1"/>
-          <p:nvPr/>
-        </p:nvSpPr>
-        <p:spPr>
-          <a:xfrm>
-            <a:off x="4433449" y="3259367"/>
-            <a:ext cx="1119217" cy="923330"/>
-          </a:xfrm>
-          <a:prstGeom prst="rect">
-            <a:avLst/>
-          </a:prstGeom>
-          <a:noFill/>
-        </p:spPr>
-        <p:txBody>
-          <a:bodyPr wrap="none" rtlCol="0">
-            <a:spAutoFit/>
-          </a:bodyPr>
-          <a:lstStyle/>
-          <a:p>
-            <a:r>
-              <a:rPr lang="en-US" dirty="0" smtClean="0"/>
-              <a:t>List of </a:t>
-            </a:r>
-          </a:p>
-          <a:p>
-            <a:r>
-              <a:rPr lang="en-US" dirty="0" smtClean="0"/>
-              <a:t>Meeting</a:t>
-            </a:r>
-          </a:p>
-          <a:p>
-            <a:r>
-              <a:rPr lang="en-US" dirty="0" smtClean="0"/>
-              <a:t>Rooms</a:t>
-            </a:r>
-            <a:endParaRPr lang="en-US" dirty="0"/>
-          </a:p>
-        </p:txBody>
-      </p:sp>
     </p:spTree>
     <p:extLst>
       <p:ext uri="{BB962C8B-B14F-4D97-AF65-F5344CB8AC3E}">
-        <p14:creationId xmlns:p14="http://schemas.microsoft.com/office/powerpoint/2010/main" val="3350945662"/>
+        <p14:creationId xmlns:p14="http://schemas.microsoft.com/office/powerpoint/2010/main" val="1939555363"/>
       </p:ext>
     </p:extLst>
   </p:cSld>
@@ -8536,9 +8279,105 @@
           <a:chExt cx="0" cy="0"/>
         </a:xfrm>
       </p:grpSpPr>
+      <p:sp>
+        <p:nvSpPr>
+          <p:cNvPr id="2" name="Title 1"/>
+          <p:cNvSpPr>
+            <a:spLocks noGrp="1"/>
+          </p:cNvSpPr>
+          <p:nvPr>
+            <p:ph type="title"/>
+          </p:nvPr>
+        </p:nvSpPr>
+        <p:spPr>
+          <a:xfrm>
+            <a:off x="3242351" y="280989"/>
+            <a:ext cx="5188664" cy="1400530"/>
+          </a:xfrm>
+        </p:spPr>
+        <p:txBody>
+          <a:bodyPr/>
+          <a:lstStyle/>
+          <a:p>
+            <a:r>
+              <a:rPr lang="en-US" dirty="0" smtClean="0"/>
+              <a:t>App Features </a:t>
+            </a:r>
+            <a:r>
+              <a:rPr lang="en-US" dirty="0" smtClean="0"/>
+              <a:t>Summary and Demonstration</a:t>
+            </a:r>
+            <a:endParaRPr lang="en-US" dirty="0"/>
+          </a:p>
+        </p:txBody>
+      </p:sp>
+      <p:sp>
+        <p:nvSpPr>
+          <p:cNvPr id="10" name="TextBox 9"/>
+          <p:cNvSpPr txBox="1"/>
+          <p:nvPr/>
+        </p:nvSpPr>
+        <p:spPr>
+          <a:xfrm>
+            <a:off x="5004048" y="3931021"/>
+            <a:ext cx="3600400" cy="2308324"/>
+          </a:xfrm>
+          <a:prstGeom prst="rect">
+            <a:avLst/>
+          </a:prstGeom>
+          <a:noFill/>
+        </p:spPr>
+        <p:txBody>
+          <a:bodyPr wrap="square" rtlCol="0">
+            <a:spAutoFit/>
+          </a:bodyPr>
+          <a:lstStyle/>
+          <a:p>
+            <a:r>
+              <a:rPr lang="en-US" dirty="0" smtClean="0"/>
+              <a:t>Allows the user to see the building and room on the map, user can opt between 2d or 3d view of the map to see the actual building and places around it and all the related information to the room.</a:t>
+            </a:r>
+            <a:endParaRPr lang="en-US" dirty="0"/>
+          </a:p>
+        </p:txBody>
+      </p:sp>
+      <p:sp>
+        <p:nvSpPr>
+          <p:cNvPr id="12" name="TextBox 11"/>
+          <p:cNvSpPr txBox="1"/>
+          <p:nvPr/>
+        </p:nvSpPr>
+        <p:spPr>
+          <a:xfrm>
+            <a:off x="916230" y="2708920"/>
+            <a:ext cx="8175636" cy="646331"/>
+          </a:xfrm>
+          <a:prstGeom prst="rect">
+            <a:avLst/>
+          </a:prstGeom>
+          <a:noFill/>
+        </p:spPr>
+        <p:txBody>
+          <a:bodyPr wrap="none" rtlCol="0">
+            <a:spAutoFit/>
+          </a:bodyPr>
+          <a:lstStyle/>
+          <a:p>
+            <a:r>
+              <a:rPr lang="en-US" sz="3600" b="1" dirty="0" smtClean="0"/>
+              <a:t>FEATURE </a:t>
+            </a:r>
+            <a:r>
+              <a:rPr lang="en-US" sz="3600" b="1" smtClean="0"/>
+              <a:t>3: MAP AND ROOM DETAILS</a:t>
+            </a:r>
+            <a:endParaRPr lang="en-US" sz="3600" b="1" dirty="0"/>
+          </a:p>
+        </p:txBody>
+      </p:sp>
       <p:pic>
         <p:nvPicPr>
-          <p:cNvPr id="4" name="Picture 3"/>
+          <p:cNvPr id="15" name="Picture 14"/>
           <p:cNvPicPr>
             <a:picLocks noChangeAspect="1"/>
           </p:cNvPicPr>
@@ -8558,8 +8397,8 @@
         </p:blipFill>
         <p:spPr>
           <a:xfrm>
-            <a:off x="1259633" y="1700808"/>
-            <a:ext cx="2592288" cy="4802640"/>
+            <a:off x="1230262" y="376022"/>
+            <a:ext cx="1757562" cy="1757562"/>
           </a:xfrm>
           <a:prstGeom prst="rect">
             <a:avLst/>
@@ -8568,7 +8407,7 @@
       </p:pic>
       <p:pic>
         <p:nvPicPr>
-          <p:cNvPr id="5" name="Picture 4"/>
+          <p:cNvPr id="8" name="Picture 7"/>
           <p:cNvPicPr>
             <a:picLocks noChangeAspect="1"/>
           </p:cNvPicPr>
@@ -8588,137 +8427,18 @@
         </p:blipFill>
         <p:spPr>
           <a:xfrm>
-            <a:off x="4427984" y="1700808"/>
-            <a:ext cx="2622465" cy="4781480"/>
+            <a:off x="1201778" y="3645023"/>
+            <a:ext cx="2880320" cy="2880320"/>
           </a:xfrm>
           <a:prstGeom prst="rect">
             <a:avLst/>
           </a:prstGeom>
         </p:spPr>
       </p:pic>
-      <p:sp>
-        <p:nvSpPr>
-          <p:cNvPr id="6" name="TextBox 5"/>
-          <p:cNvSpPr txBox="1"/>
-          <p:nvPr/>
-        </p:nvSpPr>
-        <p:spPr>
-          <a:xfrm>
-            <a:off x="118253" y="3661866"/>
-            <a:ext cx="966931" cy="369332"/>
-          </a:xfrm>
-          <a:prstGeom prst="rect">
-            <a:avLst/>
-          </a:prstGeom>
-          <a:noFill/>
-        </p:spPr>
-        <p:txBody>
-          <a:bodyPr wrap="none" rtlCol="0">
-            <a:spAutoFit/>
-          </a:bodyPr>
-          <a:lstStyle/>
-          <a:p>
-            <a:r>
-              <a:rPr lang="en-US" smtClean="0"/>
-              <a:t>Search</a:t>
-            </a:r>
-            <a:endParaRPr lang="en-US"/>
-          </a:p>
-        </p:txBody>
-      </p:sp>
-      <p:sp>
-        <p:nvSpPr>
-          <p:cNvPr id="8" name="TextBox 7"/>
-          <p:cNvSpPr txBox="1"/>
-          <p:nvPr/>
-        </p:nvSpPr>
-        <p:spPr>
-          <a:xfrm>
-            <a:off x="7224897" y="2969369"/>
-            <a:ext cx="1899879" cy="1754326"/>
-          </a:xfrm>
-          <a:prstGeom prst="rect">
-            <a:avLst/>
-          </a:prstGeom>
-          <a:noFill/>
-        </p:spPr>
-        <p:txBody>
-          <a:bodyPr wrap="none" rtlCol="0">
-            <a:spAutoFit/>
-          </a:bodyPr>
-          <a:lstStyle/>
-          <a:p>
-            <a:r>
-              <a:rPr lang="en-US" dirty="0" smtClean="0"/>
-              <a:t>Building drawn </a:t>
-            </a:r>
-          </a:p>
-          <a:p>
-            <a:r>
-              <a:rPr lang="en-US" dirty="0" smtClean="0"/>
-              <a:t>on the map </a:t>
-            </a:r>
-          </a:p>
-          <a:p>
-            <a:r>
-              <a:rPr lang="en-US" dirty="0" smtClean="0"/>
-              <a:t>          &amp;</a:t>
-            </a:r>
-          </a:p>
-          <a:p>
-            <a:r>
-              <a:rPr lang="en-US" dirty="0" smtClean="0"/>
-              <a:t>With Selected </a:t>
-            </a:r>
-          </a:p>
-          <a:p>
-            <a:r>
-              <a:rPr lang="en-US" dirty="0" smtClean="0"/>
-              <a:t>meeting</a:t>
-            </a:r>
-          </a:p>
-          <a:p>
-            <a:r>
-              <a:rPr lang="en-US" dirty="0" smtClean="0"/>
-              <a:t>room</a:t>
-            </a:r>
-            <a:endParaRPr lang="en-US" dirty="0"/>
-          </a:p>
-        </p:txBody>
-      </p:sp>
-      <p:sp>
-        <p:nvSpPr>
-          <p:cNvPr id="11" name="Rectangle 10"/>
-          <p:cNvSpPr/>
-          <p:nvPr/>
-        </p:nvSpPr>
-        <p:spPr>
-          <a:xfrm>
-            <a:off x="1085184" y="548680"/>
-            <a:ext cx="5505033" cy="738664"/>
-          </a:xfrm>
-          <a:prstGeom prst="rect">
-            <a:avLst/>
-          </a:prstGeom>
-        </p:spPr>
-        <p:txBody>
-          <a:bodyPr wrap="none">
-            <a:spAutoFit/>
-          </a:bodyPr>
-          <a:lstStyle/>
-          <a:p>
-            <a:r>
-              <a:rPr lang="en-IE" altLang="en-US" sz="4200" dirty="0" smtClean="0"/>
-              <a:t>Demonstration (GUI)</a:t>
-            </a:r>
-            <a:endParaRPr lang="en-US" sz="4200" dirty="0"/>
-          </a:p>
-        </p:txBody>
-      </p:sp>
     </p:spTree>
     <p:extLst>
       <p:ext uri="{BB962C8B-B14F-4D97-AF65-F5344CB8AC3E}">
-        <p14:creationId xmlns:p14="http://schemas.microsoft.com/office/powerpoint/2010/main" val="187100307"/>
+        <p14:creationId xmlns:p14="http://schemas.microsoft.com/office/powerpoint/2010/main" val="1923668507"/>
       </p:ext>
     </p:extLst>
   </p:cSld>
@@ -8752,104 +8472,10 @@
           <a:chExt cx="0" cy="0"/>
         </a:xfrm>
       </p:grpSpPr>
-      <p:pic>
-        <p:nvPicPr>
-          <p:cNvPr id="4" name="Picture 3"/>
-          <p:cNvPicPr>
-            <a:picLocks noChangeAspect="1"/>
-          </p:cNvPicPr>
-          <p:nvPr/>
-        </p:nvPicPr>
-        <p:blipFill>
-          <a:blip r:embed="rId2">
-            <a:extLst>
-              <a:ext uri="{28A0092B-C50C-407E-A947-70E740481C1C}">
-                <a14:useLocalDpi xmlns:a14="http://schemas.microsoft.com/office/drawing/2010/main" val="0"/>
-              </a:ext>
-            </a:extLst>
-          </a:blip>
-          <a:stretch>
-            <a:fillRect/>
-          </a:stretch>
-        </p:blipFill>
-        <p:spPr>
-          <a:xfrm>
-            <a:off x="683568" y="836712"/>
-            <a:ext cx="3148868" cy="5589240"/>
-          </a:xfrm>
-          <a:prstGeom prst="rect">
-            <a:avLst/>
-          </a:prstGeom>
-        </p:spPr>
-      </p:pic>
-      <p:pic>
-        <p:nvPicPr>
-          <p:cNvPr id="9" name="Picture 8"/>
-          <p:cNvPicPr>
-            <a:picLocks noChangeAspect="1"/>
-          </p:cNvPicPr>
-          <p:nvPr/>
-        </p:nvPicPr>
-        <p:blipFill>
-          <a:blip r:embed="rId3">
-            <a:extLst>
-              <a:ext uri="{28A0092B-C50C-407E-A947-70E740481C1C}">
-                <a14:useLocalDpi xmlns:a14="http://schemas.microsoft.com/office/drawing/2010/main" val="0"/>
-              </a:ext>
-            </a:extLst>
-          </a:blip>
-          <a:stretch>
-            <a:fillRect/>
-          </a:stretch>
-        </p:blipFill>
-        <p:spPr>
-          <a:xfrm>
-            <a:off x="5220072" y="831632"/>
-            <a:ext cx="3148867" cy="5589240"/>
-          </a:xfrm>
-          <a:prstGeom prst="rect">
-            <a:avLst/>
-          </a:prstGeom>
-        </p:spPr>
-      </p:pic>
-      <p:sp>
-        <p:nvSpPr>
-          <p:cNvPr id="10" name="TextBox 9"/>
-          <p:cNvSpPr txBox="1"/>
-          <p:nvPr/>
-        </p:nvSpPr>
-        <p:spPr>
-          <a:xfrm>
-            <a:off x="683568" y="332656"/>
-            <a:ext cx="7813357" cy="369332"/>
-          </a:xfrm>
-          <a:prstGeom prst="rect">
-            <a:avLst/>
-          </a:prstGeom>
-          <a:noFill/>
-        </p:spPr>
-        <p:txBody>
-          <a:bodyPr wrap="none" rtlCol="0">
-            <a:spAutoFit/>
-          </a:bodyPr>
-          <a:lstStyle/>
-          <a:p>
-            <a:r>
-              <a:rPr lang="en-US" dirty="0" smtClean="0"/>
-              <a:t>3D View Available through Apple Maps and Shows </a:t>
-            </a:r>
-            <a:r>
-              <a:rPr lang="en-US" smtClean="0"/>
-              <a:t>Current Location</a:t>
-            </a:r>
-            <a:endParaRPr lang="en-US"/>
-          </a:p>
-        </p:txBody>
-      </p:sp>
     </p:spTree>
     <p:extLst>
       <p:ext uri="{BB962C8B-B14F-4D97-AF65-F5344CB8AC3E}">
-        <p14:creationId xmlns:p14="http://schemas.microsoft.com/office/powerpoint/2010/main" val="907853155"/>
+        <p14:creationId xmlns:p14="http://schemas.microsoft.com/office/powerpoint/2010/main" val="518640771"/>
       </p:ext>
     </p:extLst>
   </p:cSld>
@@ -8925,13 +8551,13 @@
         </p:nvSpPr>
         <p:spPr>
           <a:xfrm>
-            <a:off x="2987825" y="1883712"/>
+            <a:off x="2987824" y="2187084"/>
             <a:ext cx="5760640" cy="4497615"/>
           </a:xfrm>
         </p:spPr>
         <p:txBody>
           <a:bodyPr>
-            <a:normAutofit fontScale="85000" lnSpcReduction="10000"/>
+            <a:normAutofit/>
           </a:bodyPr>
           <a:lstStyle/>
           <a:p>
@@ -8958,89 +8584,143 @@
               <a:rPr lang="en-IE" altLang="en-US" dirty="0" smtClean="0">
                 <a:cs typeface="Arial" panose="020B0604020202020204" pitchFamily="34" charset="0"/>
               </a:rPr>
-              <a:t>A room assistant application that allows the user to book rooms, navigate, see the building and the meeting room on the map, look at room gallery and upload images and review rooms .</a:t>
-            </a:r>
-            <a:endParaRPr lang="en-IE" altLang="en-US" dirty="0">
+              <a:t>A room assistant application that allows the user to </a:t>
+            </a:r>
+            <a:endParaRPr lang="en-IE" altLang="en-US" dirty="0" smtClean="0">
               <a:cs typeface="Arial" panose="020B0604020202020204" pitchFamily="34" charset="0"/>
             </a:endParaRPr>
           </a:p>
           <a:p>
+            <a:pPr marL="525780" indent="-457200">
+              <a:buFont typeface="+mj-lt"/>
+              <a:buAutoNum type="arabicPeriod"/>
+            </a:pPr>
+            <a:r>
+              <a:rPr lang="en-IE" altLang="en-US" dirty="0">
+                <a:cs typeface="Arial" panose="020B0604020202020204" pitchFamily="34" charset="0"/>
+              </a:rPr>
+              <a:t>B</a:t>
+            </a:r>
             <a:r>
               <a:rPr lang="en-IE" altLang="en-US" dirty="0" smtClean="0">
                 <a:cs typeface="Arial" panose="020B0604020202020204" pitchFamily="34" charset="0"/>
               </a:rPr>
-              <a:t>Customers</a:t>
-            </a:r>
-          </a:p>
-          <a:p>
-            <a:pPr marL="68580" indent="0">
-              <a:buNone/>
+              <a:t>ook Rooms</a:t>
+            </a:r>
+          </a:p>
+          <a:p>
+            <a:pPr marL="525780" indent="-457200">
+              <a:buFont typeface="+mj-lt"/>
+              <a:buAutoNum type="arabicPeriod"/>
             </a:pPr>
             <a:r>
               <a:rPr lang="en-IE" altLang="en-US" dirty="0" smtClean="0">
                 <a:cs typeface="Arial" panose="020B0604020202020204" pitchFamily="34" charset="0"/>
               </a:rPr>
-              <a:t>The project has high potential and big corporate companies and </a:t>
-            </a:r>
+              <a:t>N</a:t>
+            </a:r>
+            <a:r>
+              <a:rPr lang="en-IE" altLang="en-US" dirty="0" smtClean="0">
+                <a:cs typeface="Arial" panose="020B0604020202020204" pitchFamily="34" charset="0"/>
+              </a:rPr>
+              <a:t>avigate</a:t>
+            </a:r>
+          </a:p>
+          <a:p>
+            <a:pPr marL="525780" indent="-457200">
+              <a:buFont typeface="+mj-lt"/>
+              <a:buAutoNum type="arabicPeriod"/>
+            </a:pPr>
             <a:r>
               <a:rPr lang="en-IE" altLang="en-US" dirty="0">
                 <a:cs typeface="Arial" panose="020B0604020202020204" pitchFamily="34" charset="0"/>
               </a:rPr>
-              <a:t>educational </a:t>
+              <a:t>S</a:t>
             </a:r>
             <a:r>
               <a:rPr lang="en-IE" altLang="en-US" dirty="0" smtClean="0">
                 <a:cs typeface="Arial" panose="020B0604020202020204" pitchFamily="34" charset="0"/>
               </a:rPr>
-              <a:t>Institutions are its primary customers</a:t>
-            </a:r>
-            <a:endParaRPr lang="en-IE" altLang="en-US" dirty="0">
-              <a:cs typeface="Arial" panose="020B0604020202020204" pitchFamily="34" charset="0"/>
-            </a:endParaRPr>
-          </a:p>
-          <a:p>
+              <a:t>ee </a:t>
+            </a:r>
+            <a:r>
+              <a:rPr lang="en-IE" altLang="en-US" dirty="0" smtClean="0">
+                <a:cs typeface="Arial" panose="020B0604020202020204" pitchFamily="34" charset="0"/>
+              </a:rPr>
+              <a:t>the </a:t>
+            </a:r>
+            <a:r>
+              <a:rPr lang="en-IE" altLang="en-US" dirty="0" smtClean="0">
+                <a:cs typeface="Arial" panose="020B0604020202020204" pitchFamily="34" charset="0"/>
+              </a:rPr>
+              <a:t>Building </a:t>
+            </a:r>
+            <a:r>
+              <a:rPr lang="en-IE" altLang="en-US" dirty="0" smtClean="0">
+                <a:cs typeface="Arial" panose="020B0604020202020204" pitchFamily="34" charset="0"/>
+              </a:rPr>
+              <a:t>and the </a:t>
+            </a:r>
+            <a:r>
+              <a:rPr lang="en-IE" altLang="en-US" dirty="0" smtClean="0">
+                <a:cs typeface="Arial" panose="020B0604020202020204" pitchFamily="34" charset="0"/>
+              </a:rPr>
+              <a:t>Meeting </a:t>
+            </a:r>
+            <a:r>
+              <a:rPr lang="en-IE" altLang="en-US" dirty="0" smtClean="0">
+                <a:cs typeface="Arial" panose="020B0604020202020204" pitchFamily="34" charset="0"/>
+              </a:rPr>
+              <a:t>room on the </a:t>
+            </a:r>
+            <a:r>
+              <a:rPr lang="en-IE" altLang="en-US" dirty="0" smtClean="0">
+                <a:cs typeface="Arial" panose="020B0604020202020204" pitchFamily="34" charset="0"/>
+              </a:rPr>
+              <a:t>map </a:t>
+            </a:r>
+          </a:p>
+          <a:p>
+            <a:pPr marL="525780" indent="-457200">
+              <a:buFont typeface="+mj-lt"/>
+              <a:buAutoNum type="arabicPeriod"/>
+            </a:pPr>
             <a:r>
               <a:rPr lang="en-IE" altLang="en-US" dirty="0">
                 <a:cs typeface="Arial" panose="020B0604020202020204" pitchFamily="34" charset="0"/>
               </a:rPr>
-              <a:t>Which problem did </a:t>
+              <a:t>L</a:t>
             </a:r>
             <a:r>
               <a:rPr lang="en-IE" altLang="en-US" dirty="0" smtClean="0">
                 <a:cs typeface="Arial" panose="020B0604020202020204" pitchFamily="34" charset="0"/>
               </a:rPr>
-              <a:t>you </a:t>
-            </a:r>
-            <a:r>
-              <a:rPr lang="en-IE" altLang="en-US" dirty="0">
-                <a:cs typeface="Arial" panose="020B0604020202020204" pitchFamily="34" charset="0"/>
-              </a:rPr>
-              <a:t>approach</a:t>
+              <a:t>ook </a:t>
             </a:r>
             <a:r>
               <a:rPr lang="en-IE" altLang="en-US" dirty="0" smtClean="0">
                 <a:cs typeface="Arial" panose="020B0604020202020204" pitchFamily="34" charset="0"/>
               </a:rPr>
-              <a:t>?</a:t>
-            </a:r>
-          </a:p>
-          <a:p>
-            <a:pPr marL="68580" indent="0">
-              <a:buNone/>
-            </a:pPr>
+              <a:t>at room gallery and upload images and review rooms </a:t>
+            </a:r>
             <a:r>
               <a:rPr lang="en-IE" altLang="en-US" dirty="0" smtClean="0">
                 <a:cs typeface="Arial" panose="020B0604020202020204" pitchFamily="34" charset="0"/>
               </a:rPr>
-              <a:t>Finding the meeting room within buildings is hard and the app gives the functionality to find and book rooms on the same time in the same </a:t>
-            </a:r>
+              <a:t>.</a:t>
+            </a:r>
+          </a:p>
+          <a:p>
+            <a:pPr marL="68580" indent="0">
+              <a:buNone/>
+            </a:pPr>
             <a:r>
               <a:rPr lang="en-IE" altLang="en-US" dirty="0" smtClean="0">
                 <a:cs typeface="Arial" panose="020B0604020202020204" pitchFamily="34" charset="0"/>
               </a:rPr>
-              <a:t>application and also have other features alongside.</a:t>
-            </a:r>
-            <a:endParaRPr lang="en-US" altLang="en-US" dirty="0">
+              <a:t>And more discussed in further slides.</a:t>
+            </a:r>
+            <a:endParaRPr lang="en-IE" altLang="en-US" dirty="0">
               <a:cs typeface="Arial" panose="020B0604020202020204" pitchFamily="34" charset="0"/>
             </a:endParaRPr>
           </a:p>
@@ -9099,14 +8779,56 @@
           <a:lstStyle/>
           <a:p>
             <a:r>
-              <a:rPr lang="en-IE" altLang="en-US" sz="3200" dirty="0">
+              <a:rPr lang="en-IE" altLang="en-US" sz="2800" dirty="0">
+                <a:solidFill>
+                  <a:schemeClr val="accent1"/>
+                </a:solidFill>
                 <a:cs typeface="Arial" panose="020B0604020202020204" pitchFamily="34" charset="0"/>
               </a:rPr>
-              <a:t>MeetingRoom Pro (Find, Review, Book)</a:t>
+              <a:t>MeetingRoom</a:t>
+            </a:r>
+            <a:r>
+              <a:rPr lang="en-IE" altLang="en-US" sz="3200" dirty="0">
+                <a:solidFill>
+                  <a:schemeClr val="accent1"/>
+                </a:solidFill>
+                <a:cs typeface="Arial" panose="020B0604020202020204" pitchFamily="34" charset="0"/>
+              </a:rPr>
+              <a:t> Pro (Find, Review, Book)</a:t>
             </a:r>
           </a:p>
           <a:p>
             <a:endParaRPr lang="en-US" dirty="0"/>
+          </a:p>
+        </p:txBody>
+      </p:sp>
+      <p:sp>
+        <p:nvSpPr>
+          <p:cNvPr id="3" name="TextBox 2"/>
+          <p:cNvSpPr txBox="1"/>
+          <p:nvPr/>
+        </p:nvSpPr>
+        <p:spPr>
+          <a:xfrm>
+            <a:off x="375493" y="1935960"/>
+            <a:ext cx="5586786" cy="461665"/>
+          </a:xfrm>
+          <a:prstGeom prst="rect">
+            <a:avLst/>
+          </a:prstGeom>
+          <a:noFill/>
+        </p:spPr>
+        <p:txBody>
+          <a:bodyPr wrap="none" rtlCol="0">
+            <a:spAutoFit/>
+          </a:bodyPr>
+          <a:lstStyle/>
+          <a:p>
+            <a:r>
+              <a:rPr lang="en-US" sz="2400" dirty="0" smtClean="0"/>
+              <a:t>What is the project/product about ?</a:t>
+            </a:r>
+            <a:endParaRPr lang="en-US" sz="2400" dirty="0"/>
           </a:p>
         </p:txBody>
       </p:sp>
@@ -9149,9 +8871,9 @@
       </p:grpSpPr>
       <p:sp>
         <p:nvSpPr>
-          <p:cNvPr id="10242" name="Rectangle 2"/>
-          <p:cNvSpPr>
-            <a:spLocks noGrp="1" noChangeArrowheads="1"/>
+          <p:cNvPr id="2" name="Title 1"/>
+          <p:cNvSpPr>
+            <a:spLocks noGrp="1"/>
           </p:cNvSpPr>
           <p:nvPr>
             <p:ph type="title"/>
@@ -9159,8 +8881,8 @@
         </p:nvSpPr>
         <p:spPr>
           <a:xfrm>
-            <a:off x="899592" y="836712"/>
-            <a:ext cx="7024744" cy="757888"/>
+            <a:off x="3242351" y="280989"/>
+            <a:ext cx="5188664" cy="1400530"/>
           </a:xfrm>
         </p:spPr>
         <p:txBody>
@@ -9168,72 +8890,153 @@
           <a:lstStyle/>
           <a:p>
             <a:r>
-              <a:rPr lang="en-IE" altLang="en-US" dirty="0" smtClean="0"/>
-              <a:t>Going Forward</a:t>
-            </a:r>
-            <a:endParaRPr lang="en-US" altLang="en-US" dirty="0"/>
-          </a:p>
-        </p:txBody>
-      </p:sp>
-      <p:sp>
-        <p:nvSpPr>
-          <p:cNvPr id="10243" name="Rectangle 3"/>
-          <p:cNvSpPr>
-            <a:spLocks noGrp="1" noChangeArrowheads="1"/>
-          </p:cNvSpPr>
-          <p:nvPr>
-            <p:ph idx="1"/>
-          </p:nvPr>
-        </p:nvSpPr>
-        <p:spPr>
-          <a:xfrm>
-            <a:off x="1043608" y="2060849"/>
-            <a:ext cx="6777317" cy="2448272"/>
-          </a:xfrm>
-        </p:spPr>
-        <p:txBody>
-          <a:bodyPr>
-            <a:normAutofit/>
+              <a:rPr lang="en-US" dirty="0" smtClean="0"/>
+              <a:t>App Features </a:t>
+            </a:r>
+            <a:r>
+              <a:rPr lang="en-US" dirty="0" smtClean="0"/>
+              <a:t>Summary and Demonstration</a:t>
+            </a:r>
+            <a:endParaRPr lang="en-US" dirty="0"/>
+          </a:p>
+        </p:txBody>
+      </p:sp>
+      <p:sp>
+        <p:nvSpPr>
+          <p:cNvPr id="10" name="TextBox 9"/>
+          <p:cNvSpPr txBox="1"/>
+          <p:nvPr/>
+        </p:nvSpPr>
+        <p:spPr>
+          <a:xfrm>
+            <a:off x="4932040" y="4381017"/>
+            <a:ext cx="3600400" cy="1200329"/>
+          </a:xfrm>
+          <a:prstGeom prst="rect">
+            <a:avLst/>
+          </a:prstGeom>
+          <a:noFill/>
+        </p:spPr>
+        <p:txBody>
+          <a:bodyPr wrap="square" rtlCol="0">
+            <a:spAutoFit/>
           </a:bodyPr>
           <a:lstStyle/>
           <a:p>
-            <a:endParaRPr lang="en-IE" altLang="en-US" dirty="0" smtClean="0"/>
-          </a:p>
-          <a:p>
-            <a:r>
-              <a:rPr lang="en-IE" altLang="en-US" dirty="0" smtClean="0">
-                <a:latin typeface="Arial" panose="020B0604020202020204" pitchFamily="34" charset="0"/>
-                <a:cs typeface="Arial" panose="020B0604020202020204" pitchFamily="34" charset="0"/>
-              </a:rPr>
-              <a:t>Project Plan</a:t>
-            </a:r>
-            <a:endParaRPr lang="en-IE" altLang="en-US" dirty="0">
-              <a:latin typeface="Arial" panose="020B0604020202020204" pitchFamily="34" charset="0"/>
-              <a:cs typeface="Arial" panose="020B0604020202020204" pitchFamily="34" charset="0"/>
-            </a:endParaRPr>
-          </a:p>
-          <a:p>
-            <a:pPr marL="0" indent="0">
-              <a:buNone/>
-            </a:pPr>
-            <a:r>
-              <a:rPr lang="en-IE" altLang="en-US" dirty="0" smtClean="0">
-                <a:latin typeface="Arial" panose="020B0604020202020204" pitchFamily="34" charset="0"/>
-                <a:cs typeface="Arial" panose="020B0604020202020204" pitchFamily="34" charset="0"/>
-              </a:rPr>
-              <a:t>Next Step after exams is to implement Room booking and Navigation features and then the rest of the features.</a:t>
-            </a:r>
-            <a:endParaRPr lang="en-US" altLang="en-US" dirty="0">
-              <a:latin typeface="Arial" panose="020B0604020202020204" pitchFamily="34" charset="0"/>
-              <a:cs typeface="Arial" panose="020B0604020202020204" pitchFamily="34" charset="0"/>
-            </a:endParaRPr>
-          </a:p>
-        </p:txBody>
-      </p:sp>
+            <a:r>
+              <a:rPr lang="en-US" dirty="0" smtClean="0"/>
+              <a:t>Allows the user to see pictures of the room, which helps him to </a:t>
+            </a:r>
+            <a:r>
+              <a:rPr lang="en-US" smtClean="0"/>
+              <a:t>make decisions based on his/her requirements.</a:t>
+            </a:r>
+            <a:endParaRPr lang="en-US" dirty="0"/>
+          </a:p>
+        </p:txBody>
+      </p:sp>
+      <p:sp>
+        <p:nvSpPr>
+          <p:cNvPr id="12" name="TextBox 11"/>
+          <p:cNvSpPr txBox="1"/>
+          <p:nvPr/>
+        </p:nvSpPr>
+        <p:spPr>
+          <a:xfrm>
+            <a:off x="916230" y="2708920"/>
+            <a:ext cx="4564070" cy="646331"/>
+          </a:xfrm>
+          <a:prstGeom prst="rect">
+            <a:avLst/>
+          </a:prstGeom>
+          <a:noFill/>
+        </p:spPr>
+        <p:txBody>
+          <a:bodyPr wrap="none" rtlCol="0">
+            <a:spAutoFit/>
+          </a:bodyPr>
+          <a:lstStyle/>
+          <a:p>
+            <a:r>
+              <a:rPr lang="en-US" sz="3600" b="1" dirty="0" smtClean="0"/>
+              <a:t>FEATURE </a:t>
+            </a:r>
+            <a:r>
+              <a:rPr lang="en-US" sz="3600" b="1" dirty="0"/>
+              <a:t>4</a:t>
+            </a:r>
+            <a:r>
+              <a:rPr lang="en-US" sz="3600" b="1" dirty="0" smtClean="0"/>
+              <a:t>: GALLERY</a:t>
+            </a:r>
+            <a:endParaRPr lang="en-US" sz="3600" b="1" dirty="0"/>
+          </a:p>
+        </p:txBody>
+      </p:sp>
+      <p:pic>
+        <p:nvPicPr>
+          <p:cNvPr id="15" name="Picture 14"/>
+          <p:cNvPicPr>
+            <a:picLocks noChangeAspect="1"/>
+          </p:cNvPicPr>
+          <p:nvPr/>
+        </p:nvPicPr>
+        <p:blipFill>
+          <a:blip r:embed="rId2">
+            <a:extLst>
+              <a:ext uri="{28A0092B-C50C-407E-A947-70E740481C1C}">
+                <a14:useLocalDpi xmlns:a14="http://schemas.microsoft.com/office/drawing/2010/main" val="0"/>
+              </a:ext>
+            </a:extLst>
+          </a:blip>
+          <a:stretch>
+            <a:fillRect/>
+          </a:stretch>
+        </p:blipFill>
+        <p:spPr>
+          <a:xfrm>
+            <a:off x="1230262" y="376022"/>
+            <a:ext cx="1757562" cy="1757562"/>
+          </a:xfrm>
+          <a:prstGeom prst="rect">
+            <a:avLst/>
+          </a:prstGeom>
+        </p:spPr>
+      </p:pic>
+      <p:pic>
+        <p:nvPicPr>
+          <p:cNvPr id="7" name="Picture 6"/>
+          <p:cNvPicPr>
+            <a:picLocks noChangeAspect="1"/>
+          </p:cNvPicPr>
+          <p:nvPr/>
+        </p:nvPicPr>
+        <p:blipFill>
+          <a:blip r:embed="rId3">
+            <a:extLst>
+              <a:ext uri="{28A0092B-C50C-407E-A947-70E740481C1C}">
+                <a14:useLocalDpi xmlns:a14="http://schemas.microsoft.com/office/drawing/2010/main" val="0"/>
+              </a:ext>
+            </a:extLst>
+          </a:blip>
+          <a:stretch>
+            <a:fillRect/>
+          </a:stretch>
+        </p:blipFill>
+        <p:spPr>
+          <a:xfrm>
+            <a:off x="916617" y="3501008"/>
+            <a:ext cx="2952328" cy="2952328"/>
+          </a:xfrm>
+          <a:prstGeom prst="rect">
+            <a:avLst/>
+          </a:prstGeom>
+        </p:spPr>
+      </p:pic>
     </p:spTree>
     <p:extLst>
       <p:ext uri="{BB962C8B-B14F-4D97-AF65-F5344CB8AC3E}">
-        <p14:creationId xmlns:p14="http://schemas.microsoft.com/office/powerpoint/2010/main" val="2028947927"/>
+        <p14:creationId xmlns:p14="http://schemas.microsoft.com/office/powerpoint/2010/main" val="85962592"/>
       </p:ext>
     </p:extLst>
   </p:cSld>
@@ -9267,96 +9070,964 @@
           <a:chExt cx="0" cy="0"/>
         </a:xfrm>
       </p:grpSpPr>
-      <p:sp>
-        <p:nvSpPr>
-          <p:cNvPr id="10242" name="Rectangle 2"/>
-          <p:cNvSpPr>
-            <a:spLocks noGrp="1" noChangeArrowheads="1"/>
-          </p:cNvSpPr>
-          <p:nvPr>
-            <p:ph type="title"/>
-          </p:nvPr>
-        </p:nvSpPr>
-        <p:spPr>
-          <a:xfrm>
-            <a:off x="899592" y="836712"/>
-            <a:ext cx="7024744" cy="757888"/>
-          </a:xfrm>
-        </p:spPr>
-        <p:txBody>
-          <a:bodyPr/>
-          <a:lstStyle/>
-          <a:p>
-            <a:r>
-              <a:rPr lang="en-IE" altLang="en-US" dirty="0" smtClean="0"/>
-              <a:t>Discussion</a:t>
-            </a:r>
-            <a:endParaRPr lang="en-US" altLang="en-US" dirty="0"/>
-          </a:p>
-        </p:txBody>
-      </p:sp>
-      <p:sp>
-        <p:nvSpPr>
-          <p:cNvPr id="10243" name="Rectangle 3"/>
-          <p:cNvSpPr>
-            <a:spLocks noGrp="1" noChangeArrowheads="1"/>
-          </p:cNvSpPr>
-          <p:nvPr>
-            <p:ph idx="1"/>
-          </p:nvPr>
-        </p:nvSpPr>
-        <p:spPr>
-          <a:xfrm>
-            <a:off x="1043608" y="2060849"/>
-            <a:ext cx="6777317" cy="2448272"/>
-          </a:xfrm>
-        </p:spPr>
-        <p:txBody>
-          <a:bodyPr/>
-          <a:lstStyle/>
-          <a:p>
-            <a:endParaRPr lang="en-IE" altLang="en-US" dirty="0" smtClean="0"/>
-          </a:p>
-          <a:p>
-            <a:r>
-              <a:rPr lang="en-IE" altLang="en-US" dirty="0" smtClean="0">
-                <a:latin typeface="Arial" panose="020B0604020202020204" pitchFamily="34" charset="0"/>
-                <a:cs typeface="Arial" panose="020B0604020202020204" pitchFamily="34" charset="0"/>
-              </a:rPr>
-              <a:t>General Discussion</a:t>
-            </a:r>
-          </a:p>
-          <a:p>
-            <a:endParaRPr lang="en-IE" altLang="en-US" dirty="0">
-              <a:latin typeface="Arial" panose="020B0604020202020204" pitchFamily="34" charset="0"/>
-              <a:cs typeface="Arial" panose="020B0604020202020204" pitchFamily="34" charset="0"/>
-            </a:endParaRPr>
-          </a:p>
-          <a:p>
-            <a:endParaRPr lang="en-IE" altLang="en-US" dirty="0" smtClean="0">
-              <a:latin typeface="Arial" panose="020B0604020202020204" pitchFamily="34" charset="0"/>
-              <a:cs typeface="Arial" panose="020B0604020202020204" pitchFamily="34" charset="0"/>
-            </a:endParaRPr>
-          </a:p>
-          <a:p>
-            <a:r>
-              <a:rPr lang="en-IE" altLang="en-US" dirty="0" smtClean="0">
-                <a:latin typeface="Arial" panose="020B0604020202020204" pitchFamily="34" charset="0"/>
-                <a:cs typeface="Arial" panose="020B0604020202020204" pitchFamily="34" charset="0"/>
-              </a:rPr>
-              <a:t>Feedback</a:t>
-            </a:r>
-            <a:endParaRPr lang="en-US" altLang="en-US" dirty="0">
-              <a:latin typeface="Arial" panose="020B0604020202020204" pitchFamily="34" charset="0"/>
-              <a:cs typeface="Arial" panose="020B0604020202020204" pitchFamily="34" charset="0"/>
-            </a:endParaRPr>
-          </a:p>
-        </p:txBody>
-      </p:sp>
     </p:spTree>
     <p:extLst>
       <p:ext uri="{BB962C8B-B14F-4D97-AF65-F5344CB8AC3E}">
-        <p14:creationId xmlns:p14="http://schemas.microsoft.com/office/powerpoint/2010/main" val="1701398424"/>
+        <p14:creationId xmlns:p14="http://schemas.microsoft.com/office/powerpoint/2010/main" val="1565744184"/>
+      </p:ext>
+    </p:extLst>
+  </p:cSld>
+  <p:clrMapOvr>
+    <a:masterClrMapping/>
+  </p:clrMapOvr>
+  <p:timing>
+    <p:tnLst>
+      <p:par>
+        <p:cTn id="1" dur="indefinite" restart="never" nodeType="tmRoot"/>
+      </p:par>
+    </p:tnLst>
+  </p:timing>
+</p:sld>
+</file>
+
+<file path=ppt/slides/slide22.xml><?xml version="1.0" encoding="utf-8"?>
+<p:sld xmlns:a="http://schemas.openxmlformats.org/drawingml/2006/main" xmlns:r="http://schemas.openxmlformats.org/officeDocument/2006/relationships" xmlns:p="http://schemas.openxmlformats.org/presentationml/2006/main">
+  <p:cSld>
+    <p:spTree>
+      <p:nvGrpSpPr>
+        <p:cNvPr id="1" name=""/>
+        <p:cNvGrpSpPr/>
+        <p:nvPr/>
+      </p:nvGrpSpPr>
+      <p:grpSpPr>
+        <a:xfrm>
+          <a:off x="0" y="0"/>
+          <a:ext cx="0" cy="0"/>
+          <a:chOff x="0" y="0"/>
+          <a:chExt cx="0" cy="0"/>
+        </a:xfrm>
+      </p:grpSpPr>
+      <p:sp>
+        <p:nvSpPr>
+          <p:cNvPr id="2" name="Title 1"/>
+          <p:cNvSpPr>
+            <a:spLocks noGrp="1"/>
+          </p:cNvSpPr>
+          <p:nvPr>
+            <p:ph type="title"/>
+          </p:nvPr>
+        </p:nvSpPr>
+        <p:spPr>
+          <a:xfrm>
+            <a:off x="3242351" y="280989"/>
+            <a:ext cx="5188664" cy="1400530"/>
+          </a:xfrm>
+        </p:spPr>
+        <p:txBody>
+          <a:bodyPr/>
+          <a:lstStyle/>
+          <a:p>
+            <a:r>
+              <a:rPr lang="en-US" dirty="0" smtClean="0"/>
+              <a:t>App Features </a:t>
+            </a:r>
+            <a:r>
+              <a:rPr lang="en-US" dirty="0" smtClean="0"/>
+              <a:t>Summary and Demonstration</a:t>
+            </a:r>
+            <a:endParaRPr lang="en-US" dirty="0"/>
+          </a:p>
+        </p:txBody>
+      </p:sp>
+      <p:sp>
+        <p:nvSpPr>
+          <p:cNvPr id="10" name="TextBox 9"/>
+          <p:cNvSpPr txBox="1"/>
+          <p:nvPr/>
+        </p:nvSpPr>
+        <p:spPr>
+          <a:xfrm>
+            <a:off x="4932040" y="4381017"/>
+            <a:ext cx="3600400" cy="1200329"/>
+          </a:xfrm>
+          <a:prstGeom prst="rect">
+            <a:avLst/>
+          </a:prstGeom>
+          <a:noFill/>
+        </p:spPr>
+        <p:txBody>
+          <a:bodyPr wrap="square" rtlCol="0">
+            <a:spAutoFit/>
+          </a:bodyPr>
+          <a:lstStyle/>
+          <a:p>
+            <a:r>
+              <a:rPr lang="en-US" dirty="0" smtClean="0"/>
+              <a:t>Allows the user to add/upload </a:t>
+            </a:r>
+          </a:p>
+          <a:p>
+            <a:r>
+              <a:rPr lang="en-US" dirty="0" smtClean="0"/>
+              <a:t>Pictures of the rooms and building to the cloud from the camera or phone’s gallery.</a:t>
+            </a:r>
+            <a:endParaRPr lang="en-US" dirty="0"/>
+          </a:p>
+        </p:txBody>
+      </p:sp>
+      <p:sp>
+        <p:nvSpPr>
+          <p:cNvPr id="12" name="TextBox 11"/>
+          <p:cNvSpPr txBox="1"/>
+          <p:nvPr/>
+        </p:nvSpPr>
+        <p:spPr>
+          <a:xfrm>
+            <a:off x="916230" y="2708920"/>
+            <a:ext cx="6114174" cy="646331"/>
+          </a:xfrm>
+          <a:prstGeom prst="rect">
+            <a:avLst/>
+          </a:prstGeom>
+          <a:noFill/>
+        </p:spPr>
+        <p:txBody>
+          <a:bodyPr wrap="none" rtlCol="0">
+            <a:spAutoFit/>
+          </a:bodyPr>
+          <a:lstStyle/>
+          <a:p>
+            <a:r>
+              <a:rPr lang="en-US" sz="3600" b="1" dirty="0" smtClean="0"/>
+              <a:t>FEATURE </a:t>
+            </a:r>
+            <a:r>
+              <a:rPr lang="en-US" sz="3600" b="1" dirty="0"/>
+              <a:t>5</a:t>
+            </a:r>
+            <a:r>
+              <a:rPr lang="en-US" sz="3600" b="1" dirty="0" smtClean="0"/>
+              <a:t>: PHOTO UPLOAD</a:t>
+            </a:r>
+            <a:endParaRPr lang="en-US" sz="3600" b="1" dirty="0"/>
+          </a:p>
+        </p:txBody>
+      </p:sp>
+      <p:pic>
+        <p:nvPicPr>
+          <p:cNvPr id="15" name="Picture 14"/>
+          <p:cNvPicPr>
+            <a:picLocks noChangeAspect="1"/>
+          </p:cNvPicPr>
+          <p:nvPr/>
+        </p:nvPicPr>
+        <p:blipFill>
+          <a:blip r:embed="rId2">
+            <a:extLst>
+              <a:ext uri="{28A0092B-C50C-407E-A947-70E740481C1C}">
+                <a14:useLocalDpi xmlns:a14="http://schemas.microsoft.com/office/drawing/2010/main" val="0"/>
+              </a:ext>
+            </a:extLst>
+          </a:blip>
+          <a:stretch>
+            <a:fillRect/>
+          </a:stretch>
+        </p:blipFill>
+        <p:spPr>
+          <a:xfrm>
+            <a:off x="1230262" y="376022"/>
+            <a:ext cx="1757562" cy="1757562"/>
+          </a:xfrm>
+          <a:prstGeom prst="rect">
+            <a:avLst/>
+          </a:prstGeom>
+        </p:spPr>
+      </p:pic>
+      <p:pic>
+        <p:nvPicPr>
+          <p:cNvPr id="8" name="Picture 7"/>
+          <p:cNvPicPr>
+            <a:picLocks noChangeAspect="1"/>
+          </p:cNvPicPr>
+          <p:nvPr/>
+        </p:nvPicPr>
+        <p:blipFill>
+          <a:blip r:embed="rId3">
+            <a:extLst>
+              <a:ext uri="{28A0092B-C50C-407E-A947-70E740481C1C}">
+                <a14:useLocalDpi xmlns:a14="http://schemas.microsoft.com/office/drawing/2010/main" val="0"/>
+              </a:ext>
+            </a:extLst>
+          </a:blip>
+          <a:stretch>
+            <a:fillRect/>
+          </a:stretch>
+        </p:blipFill>
+        <p:spPr>
+          <a:xfrm>
+            <a:off x="1043107" y="3634245"/>
+            <a:ext cx="2841464" cy="2819091"/>
+          </a:xfrm>
+          <a:prstGeom prst="rect">
+            <a:avLst/>
+          </a:prstGeom>
+        </p:spPr>
+      </p:pic>
+    </p:spTree>
+    <p:extLst>
+      <p:ext uri="{BB962C8B-B14F-4D97-AF65-F5344CB8AC3E}">
+        <p14:creationId xmlns:p14="http://schemas.microsoft.com/office/powerpoint/2010/main" val="1181059000"/>
+      </p:ext>
+    </p:extLst>
+  </p:cSld>
+  <p:clrMapOvr>
+    <a:masterClrMapping/>
+  </p:clrMapOvr>
+  <p:timing>
+    <p:tnLst>
+      <p:par>
+        <p:cTn id="1" dur="indefinite" restart="never" nodeType="tmRoot"/>
+      </p:par>
+    </p:tnLst>
+  </p:timing>
+</p:sld>
+</file>
+
+<file path=ppt/slides/slide23.xml><?xml version="1.0" encoding="utf-8"?>
+<p:sld xmlns:a="http://schemas.openxmlformats.org/drawingml/2006/main" xmlns:r="http://schemas.openxmlformats.org/officeDocument/2006/relationships" xmlns:p="http://schemas.openxmlformats.org/presentationml/2006/main">
+  <p:cSld>
+    <p:spTree>
+      <p:nvGrpSpPr>
+        <p:cNvPr id="1" name=""/>
+        <p:cNvGrpSpPr/>
+        <p:nvPr/>
+      </p:nvGrpSpPr>
+      <p:grpSpPr>
+        <a:xfrm>
+          <a:off x="0" y="0"/>
+          <a:ext cx="0" cy="0"/>
+          <a:chOff x="0" y="0"/>
+          <a:chExt cx="0" cy="0"/>
+        </a:xfrm>
+      </p:grpSpPr>
+    </p:spTree>
+    <p:extLst>
+      <p:ext uri="{BB962C8B-B14F-4D97-AF65-F5344CB8AC3E}">
+        <p14:creationId xmlns:p14="http://schemas.microsoft.com/office/powerpoint/2010/main" val="627717880"/>
+      </p:ext>
+    </p:extLst>
+  </p:cSld>
+  <p:clrMapOvr>
+    <a:masterClrMapping/>
+  </p:clrMapOvr>
+  <p:timing>
+    <p:tnLst>
+      <p:par>
+        <p:cTn id="1" dur="indefinite" restart="never" nodeType="tmRoot"/>
+      </p:par>
+    </p:tnLst>
+  </p:timing>
+</p:sld>
+</file>
+
+<file path=ppt/slides/slide24.xml><?xml version="1.0" encoding="utf-8"?>
+<p:sld xmlns:a="http://schemas.openxmlformats.org/drawingml/2006/main" xmlns:r="http://schemas.openxmlformats.org/officeDocument/2006/relationships" xmlns:p="http://schemas.openxmlformats.org/presentationml/2006/main">
+  <p:cSld>
+    <p:spTree>
+      <p:nvGrpSpPr>
+        <p:cNvPr id="1" name=""/>
+        <p:cNvGrpSpPr/>
+        <p:nvPr/>
+      </p:nvGrpSpPr>
+      <p:grpSpPr>
+        <a:xfrm>
+          <a:off x="0" y="0"/>
+          <a:ext cx="0" cy="0"/>
+          <a:chOff x="0" y="0"/>
+          <a:chExt cx="0" cy="0"/>
+        </a:xfrm>
+      </p:grpSpPr>
+      <p:sp>
+        <p:nvSpPr>
+          <p:cNvPr id="2" name="Title 1"/>
+          <p:cNvSpPr>
+            <a:spLocks noGrp="1"/>
+          </p:cNvSpPr>
+          <p:nvPr>
+            <p:ph type="title"/>
+          </p:nvPr>
+        </p:nvSpPr>
+        <p:spPr>
+          <a:xfrm>
+            <a:off x="3242351" y="280989"/>
+            <a:ext cx="5188664" cy="1400530"/>
+          </a:xfrm>
+        </p:spPr>
+        <p:txBody>
+          <a:bodyPr/>
+          <a:lstStyle/>
+          <a:p>
+            <a:r>
+              <a:rPr lang="en-US" dirty="0" smtClean="0"/>
+              <a:t>App Features </a:t>
+            </a:r>
+            <a:r>
+              <a:rPr lang="en-US" dirty="0" smtClean="0"/>
+              <a:t>Summary and Demonstration</a:t>
+            </a:r>
+            <a:endParaRPr lang="en-US" dirty="0"/>
+          </a:p>
+        </p:txBody>
+      </p:sp>
+      <p:sp>
+        <p:nvSpPr>
+          <p:cNvPr id="10" name="TextBox 9"/>
+          <p:cNvSpPr txBox="1"/>
+          <p:nvPr/>
+        </p:nvSpPr>
+        <p:spPr>
+          <a:xfrm>
+            <a:off x="4843044" y="3961509"/>
+            <a:ext cx="3600400" cy="2031325"/>
+          </a:xfrm>
+          <a:prstGeom prst="rect">
+            <a:avLst/>
+          </a:prstGeom>
+          <a:noFill/>
+        </p:spPr>
+        <p:txBody>
+          <a:bodyPr wrap="square" rtlCol="0">
+            <a:spAutoFit/>
+          </a:bodyPr>
+          <a:lstStyle/>
+          <a:p>
+            <a:r>
+              <a:rPr lang="en-US" dirty="0" smtClean="0"/>
+              <a:t>Allows the user to review and provide the rating for a room based on their experience with the room, this feature helps other users and admin to get </a:t>
+            </a:r>
+            <a:r>
+              <a:rPr lang="en-US" smtClean="0"/>
+              <a:t>more insights about the room.</a:t>
+            </a:r>
+            <a:endParaRPr lang="en-US" dirty="0"/>
+          </a:p>
+        </p:txBody>
+      </p:sp>
+      <p:sp>
+        <p:nvSpPr>
+          <p:cNvPr id="12" name="TextBox 11"/>
+          <p:cNvSpPr txBox="1"/>
+          <p:nvPr/>
+        </p:nvSpPr>
+        <p:spPr>
+          <a:xfrm>
+            <a:off x="916230" y="2708920"/>
+            <a:ext cx="5663730" cy="646331"/>
+          </a:xfrm>
+          <a:prstGeom prst="rect">
+            <a:avLst/>
+          </a:prstGeom>
+          <a:noFill/>
+        </p:spPr>
+        <p:txBody>
+          <a:bodyPr wrap="none" rtlCol="0">
+            <a:spAutoFit/>
+          </a:bodyPr>
+          <a:lstStyle/>
+          <a:p>
+            <a:r>
+              <a:rPr lang="en-US" sz="3600" b="1" dirty="0" smtClean="0"/>
+              <a:t>FEATURE </a:t>
+            </a:r>
+            <a:r>
+              <a:rPr lang="en-US" sz="3600" b="1" dirty="0" smtClean="0"/>
+              <a:t>6: USER REVIEWS</a:t>
+            </a:r>
+            <a:endParaRPr lang="en-US" sz="3600" b="1" dirty="0"/>
+          </a:p>
+        </p:txBody>
+      </p:sp>
+      <p:pic>
+        <p:nvPicPr>
+          <p:cNvPr id="15" name="Picture 14"/>
+          <p:cNvPicPr>
+            <a:picLocks noChangeAspect="1"/>
+          </p:cNvPicPr>
+          <p:nvPr/>
+        </p:nvPicPr>
+        <p:blipFill>
+          <a:blip r:embed="rId2">
+            <a:extLst>
+              <a:ext uri="{28A0092B-C50C-407E-A947-70E740481C1C}">
+                <a14:useLocalDpi xmlns:a14="http://schemas.microsoft.com/office/drawing/2010/main" val="0"/>
+              </a:ext>
+            </a:extLst>
+          </a:blip>
+          <a:stretch>
+            <a:fillRect/>
+          </a:stretch>
+        </p:blipFill>
+        <p:spPr>
+          <a:xfrm>
+            <a:off x="1230262" y="376022"/>
+            <a:ext cx="1757562" cy="1757562"/>
+          </a:xfrm>
+          <a:prstGeom prst="rect">
+            <a:avLst/>
+          </a:prstGeom>
+        </p:spPr>
+      </p:pic>
+      <p:pic>
+        <p:nvPicPr>
+          <p:cNvPr id="7" name="Picture 6"/>
+          <p:cNvPicPr>
+            <a:picLocks noChangeAspect="1"/>
+          </p:cNvPicPr>
+          <p:nvPr/>
+        </p:nvPicPr>
+        <p:blipFill>
+          <a:blip r:embed="rId3">
+            <a:extLst>
+              <a:ext uri="{28A0092B-C50C-407E-A947-70E740481C1C}">
+                <a14:useLocalDpi xmlns:a14="http://schemas.microsoft.com/office/drawing/2010/main" val="0"/>
+              </a:ext>
+            </a:extLst>
+          </a:blip>
+          <a:stretch>
+            <a:fillRect/>
+          </a:stretch>
+        </p:blipFill>
+        <p:spPr>
+          <a:xfrm>
+            <a:off x="1043608" y="3573016"/>
+            <a:ext cx="2808312" cy="2808312"/>
+          </a:xfrm>
+          <a:prstGeom prst="rect">
+            <a:avLst/>
+          </a:prstGeom>
+        </p:spPr>
+      </p:pic>
+    </p:spTree>
+    <p:extLst>
+      <p:ext uri="{BB962C8B-B14F-4D97-AF65-F5344CB8AC3E}">
+        <p14:creationId xmlns:p14="http://schemas.microsoft.com/office/powerpoint/2010/main" val="1015132504"/>
+      </p:ext>
+    </p:extLst>
+  </p:cSld>
+  <p:clrMapOvr>
+    <a:masterClrMapping/>
+  </p:clrMapOvr>
+  <p:timing>
+    <p:tnLst>
+      <p:par>
+        <p:cTn id="1" dur="indefinite" restart="never" nodeType="tmRoot"/>
+      </p:par>
+    </p:tnLst>
+  </p:timing>
+</p:sld>
+</file>
+
+<file path=ppt/slides/slide25.xml><?xml version="1.0" encoding="utf-8"?>
+<p:sld xmlns:a="http://schemas.openxmlformats.org/drawingml/2006/main" xmlns:r="http://schemas.openxmlformats.org/officeDocument/2006/relationships" xmlns:p="http://schemas.openxmlformats.org/presentationml/2006/main">
+  <p:cSld>
+    <p:spTree>
+      <p:nvGrpSpPr>
+        <p:cNvPr id="1" name=""/>
+        <p:cNvGrpSpPr/>
+        <p:nvPr/>
+      </p:nvGrpSpPr>
+      <p:grpSpPr>
+        <a:xfrm>
+          <a:off x="0" y="0"/>
+          <a:ext cx="0" cy="0"/>
+          <a:chOff x="0" y="0"/>
+          <a:chExt cx="0" cy="0"/>
+        </a:xfrm>
+      </p:grpSpPr>
+    </p:spTree>
+    <p:extLst>
+      <p:ext uri="{BB962C8B-B14F-4D97-AF65-F5344CB8AC3E}">
+        <p14:creationId xmlns:p14="http://schemas.microsoft.com/office/powerpoint/2010/main" val="1932719311"/>
+      </p:ext>
+    </p:extLst>
+  </p:cSld>
+  <p:clrMapOvr>
+    <a:masterClrMapping/>
+  </p:clrMapOvr>
+  <p:timing>
+    <p:tnLst>
+      <p:par>
+        <p:cTn id="1" dur="indefinite" restart="never" nodeType="tmRoot"/>
+      </p:par>
+    </p:tnLst>
+  </p:timing>
+</p:sld>
+</file>
+
+<file path=ppt/slides/slide26.xml><?xml version="1.0" encoding="utf-8"?>
+<p:sld xmlns:a="http://schemas.openxmlformats.org/drawingml/2006/main" xmlns:r="http://schemas.openxmlformats.org/officeDocument/2006/relationships" xmlns:p="http://schemas.openxmlformats.org/presentationml/2006/main">
+  <p:cSld>
+    <p:spTree>
+      <p:nvGrpSpPr>
+        <p:cNvPr id="1" name=""/>
+        <p:cNvGrpSpPr/>
+        <p:nvPr/>
+      </p:nvGrpSpPr>
+      <p:grpSpPr>
+        <a:xfrm>
+          <a:off x="0" y="0"/>
+          <a:ext cx="0" cy="0"/>
+          <a:chOff x="0" y="0"/>
+          <a:chExt cx="0" cy="0"/>
+        </a:xfrm>
+      </p:grpSpPr>
+      <p:sp>
+        <p:nvSpPr>
+          <p:cNvPr id="2" name="Title 1"/>
+          <p:cNvSpPr>
+            <a:spLocks noGrp="1"/>
+          </p:cNvSpPr>
+          <p:nvPr>
+            <p:ph type="title"/>
+          </p:nvPr>
+        </p:nvSpPr>
+        <p:spPr>
+          <a:xfrm>
+            <a:off x="3242351" y="280989"/>
+            <a:ext cx="5188664" cy="1400530"/>
+          </a:xfrm>
+        </p:spPr>
+        <p:txBody>
+          <a:bodyPr/>
+          <a:lstStyle/>
+          <a:p>
+            <a:r>
+              <a:rPr lang="en-US" dirty="0" smtClean="0"/>
+              <a:t>App Features </a:t>
+            </a:r>
+            <a:r>
+              <a:rPr lang="en-US" dirty="0" smtClean="0"/>
+              <a:t>Summary and Demonstration</a:t>
+            </a:r>
+            <a:endParaRPr lang="en-US" dirty="0"/>
+          </a:p>
+        </p:txBody>
+      </p:sp>
+      <p:sp>
+        <p:nvSpPr>
+          <p:cNvPr id="10" name="TextBox 9"/>
+          <p:cNvSpPr txBox="1"/>
+          <p:nvPr/>
+        </p:nvSpPr>
+        <p:spPr>
+          <a:xfrm>
+            <a:off x="4810043" y="4238507"/>
+            <a:ext cx="3600400" cy="1477328"/>
+          </a:xfrm>
+          <a:prstGeom prst="rect">
+            <a:avLst/>
+          </a:prstGeom>
+          <a:noFill/>
+        </p:spPr>
+        <p:txBody>
+          <a:bodyPr wrap="square" rtlCol="0">
+            <a:spAutoFit/>
+          </a:bodyPr>
+          <a:lstStyle/>
+          <a:p>
+            <a:r>
+              <a:rPr lang="en-US" dirty="0" smtClean="0"/>
+              <a:t>Allows the user to book meeting room by choosing a room, title, date and time</a:t>
+            </a:r>
+          </a:p>
+          <a:p>
+            <a:r>
+              <a:rPr lang="en-US" dirty="0" smtClean="0"/>
+              <a:t>And the people he wants to invite to the meeting.</a:t>
+            </a:r>
+            <a:endParaRPr lang="en-US" dirty="0"/>
+          </a:p>
+        </p:txBody>
+      </p:sp>
+      <p:sp>
+        <p:nvSpPr>
+          <p:cNvPr id="12" name="TextBox 11"/>
+          <p:cNvSpPr txBox="1"/>
+          <p:nvPr/>
+        </p:nvSpPr>
+        <p:spPr>
+          <a:xfrm>
+            <a:off x="916230" y="2708920"/>
+            <a:ext cx="6410729" cy="646331"/>
+          </a:xfrm>
+          <a:prstGeom prst="rect">
+            <a:avLst/>
+          </a:prstGeom>
+          <a:noFill/>
+        </p:spPr>
+        <p:txBody>
+          <a:bodyPr wrap="none" rtlCol="0">
+            <a:spAutoFit/>
+          </a:bodyPr>
+          <a:lstStyle/>
+          <a:p>
+            <a:r>
+              <a:rPr lang="en-US" sz="3600" b="1" dirty="0" smtClean="0"/>
+              <a:t>FEATURE </a:t>
+            </a:r>
+            <a:r>
+              <a:rPr lang="en-US" sz="3600" b="1" dirty="0"/>
+              <a:t>7</a:t>
+            </a:r>
+            <a:r>
+              <a:rPr lang="en-US" sz="3600" b="1" dirty="0" smtClean="0"/>
+              <a:t>: ROOM BOOKING</a:t>
+            </a:r>
+            <a:endParaRPr lang="en-US" sz="3600" b="1" dirty="0"/>
+          </a:p>
+        </p:txBody>
+      </p:sp>
+      <p:pic>
+        <p:nvPicPr>
+          <p:cNvPr id="15" name="Picture 14"/>
+          <p:cNvPicPr>
+            <a:picLocks noChangeAspect="1"/>
+          </p:cNvPicPr>
+          <p:nvPr/>
+        </p:nvPicPr>
+        <p:blipFill>
+          <a:blip r:embed="rId2">
+            <a:extLst>
+              <a:ext uri="{28A0092B-C50C-407E-A947-70E740481C1C}">
+                <a14:useLocalDpi xmlns:a14="http://schemas.microsoft.com/office/drawing/2010/main" val="0"/>
+              </a:ext>
+            </a:extLst>
+          </a:blip>
+          <a:stretch>
+            <a:fillRect/>
+          </a:stretch>
+        </p:blipFill>
+        <p:spPr>
+          <a:xfrm>
+            <a:off x="1230262" y="376022"/>
+            <a:ext cx="1757562" cy="1757562"/>
+          </a:xfrm>
+          <a:prstGeom prst="rect">
+            <a:avLst/>
+          </a:prstGeom>
+        </p:spPr>
+      </p:pic>
+      <p:pic>
+        <p:nvPicPr>
+          <p:cNvPr id="8" name="Picture 7"/>
+          <p:cNvPicPr>
+            <a:picLocks noChangeAspect="1"/>
+          </p:cNvPicPr>
+          <p:nvPr/>
+        </p:nvPicPr>
+        <p:blipFill>
+          <a:blip r:embed="rId3">
+            <a:extLst>
+              <a:ext uri="{28A0092B-C50C-407E-A947-70E740481C1C}">
+                <a14:useLocalDpi xmlns:a14="http://schemas.microsoft.com/office/drawing/2010/main" val="0"/>
+              </a:ext>
+            </a:extLst>
+          </a:blip>
+          <a:stretch>
+            <a:fillRect/>
+          </a:stretch>
+        </p:blipFill>
+        <p:spPr>
+          <a:xfrm>
+            <a:off x="628640" y="3469682"/>
+            <a:ext cx="2960806" cy="3014978"/>
+          </a:xfrm>
+          <a:prstGeom prst="rect">
+            <a:avLst/>
+          </a:prstGeom>
+        </p:spPr>
+      </p:pic>
+    </p:spTree>
+    <p:extLst>
+      <p:ext uri="{BB962C8B-B14F-4D97-AF65-F5344CB8AC3E}">
+        <p14:creationId xmlns:p14="http://schemas.microsoft.com/office/powerpoint/2010/main" val="2064049636"/>
+      </p:ext>
+    </p:extLst>
+  </p:cSld>
+  <p:clrMapOvr>
+    <a:masterClrMapping/>
+  </p:clrMapOvr>
+  <p:timing>
+    <p:tnLst>
+      <p:par>
+        <p:cTn id="1" dur="indefinite" restart="never" nodeType="tmRoot"/>
+      </p:par>
+    </p:tnLst>
+  </p:timing>
+</p:sld>
+</file>
+
+<file path=ppt/slides/slide27.xml><?xml version="1.0" encoding="utf-8"?>
+<p:sld xmlns:a="http://schemas.openxmlformats.org/drawingml/2006/main" xmlns:r="http://schemas.openxmlformats.org/officeDocument/2006/relationships" xmlns:p="http://schemas.openxmlformats.org/presentationml/2006/main">
+  <p:cSld>
+    <p:spTree>
+      <p:nvGrpSpPr>
+        <p:cNvPr id="1" name=""/>
+        <p:cNvGrpSpPr/>
+        <p:nvPr/>
+      </p:nvGrpSpPr>
+      <p:grpSpPr>
+        <a:xfrm>
+          <a:off x="0" y="0"/>
+          <a:ext cx="0" cy="0"/>
+          <a:chOff x="0" y="0"/>
+          <a:chExt cx="0" cy="0"/>
+        </a:xfrm>
+      </p:grpSpPr>
+    </p:spTree>
+    <p:extLst>
+      <p:ext uri="{BB962C8B-B14F-4D97-AF65-F5344CB8AC3E}">
+        <p14:creationId xmlns:p14="http://schemas.microsoft.com/office/powerpoint/2010/main" val="138732626"/>
+      </p:ext>
+    </p:extLst>
+  </p:cSld>
+  <p:clrMapOvr>
+    <a:masterClrMapping/>
+  </p:clrMapOvr>
+  <p:timing>
+    <p:tnLst>
+      <p:par>
+        <p:cTn id="1" dur="indefinite" restart="never" nodeType="tmRoot"/>
+      </p:par>
+    </p:tnLst>
+  </p:timing>
+</p:sld>
+</file>
+
+<file path=ppt/slides/slide28.xml><?xml version="1.0" encoding="utf-8"?>
+<p:sld xmlns:a="http://schemas.openxmlformats.org/drawingml/2006/main" xmlns:r="http://schemas.openxmlformats.org/officeDocument/2006/relationships" xmlns:p="http://schemas.openxmlformats.org/presentationml/2006/main">
+  <p:cSld>
+    <p:spTree>
+      <p:nvGrpSpPr>
+        <p:cNvPr id="1" name=""/>
+        <p:cNvGrpSpPr/>
+        <p:nvPr/>
+      </p:nvGrpSpPr>
+      <p:grpSpPr>
+        <a:xfrm>
+          <a:off x="0" y="0"/>
+          <a:ext cx="0" cy="0"/>
+          <a:chOff x="0" y="0"/>
+          <a:chExt cx="0" cy="0"/>
+        </a:xfrm>
+      </p:grpSpPr>
+      <p:sp>
+        <p:nvSpPr>
+          <p:cNvPr id="2" name="Title 1"/>
+          <p:cNvSpPr>
+            <a:spLocks noGrp="1"/>
+          </p:cNvSpPr>
+          <p:nvPr>
+            <p:ph type="title"/>
+          </p:nvPr>
+        </p:nvSpPr>
+        <p:spPr>
+          <a:xfrm>
+            <a:off x="3242351" y="280989"/>
+            <a:ext cx="5188664" cy="1400530"/>
+          </a:xfrm>
+        </p:spPr>
+        <p:txBody>
+          <a:bodyPr/>
+          <a:lstStyle/>
+          <a:p>
+            <a:r>
+              <a:rPr lang="en-US" dirty="0" smtClean="0"/>
+              <a:t>App Features </a:t>
+            </a:r>
+            <a:r>
+              <a:rPr lang="en-US" dirty="0" smtClean="0"/>
+              <a:t>Summary and Demonstration</a:t>
+            </a:r>
+            <a:endParaRPr lang="en-US" dirty="0"/>
+          </a:p>
+        </p:txBody>
+      </p:sp>
+      <p:sp>
+        <p:nvSpPr>
+          <p:cNvPr id="10" name="TextBox 9"/>
+          <p:cNvSpPr txBox="1"/>
+          <p:nvPr/>
+        </p:nvSpPr>
+        <p:spPr>
+          <a:xfrm>
+            <a:off x="4830615" y="4561288"/>
+            <a:ext cx="3600400" cy="646331"/>
+          </a:xfrm>
+          <a:prstGeom prst="rect">
+            <a:avLst/>
+          </a:prstGeom>
+          <a:noFill/>
+        </p:spPr>
+        <p:txBody>
+          <a:bodyPr wrap="square" rtlCol="0">
+            <a:spAutoFit/>
+          </a:bodyPr>
+          <a:lstStyle/>
+          <a:p>
+            <a:r>
+              <a:rPr lang="en-US" dirty="0" smtClean="0"/>
+              <a:t>Allows the user to view all</a:t>
+            </a:r>
+          </a:p>
+          <a:p>
+            <a:r>
+              <a:rPr lang="en-US" dirty="0"/>
+              <a:t>t</a:t>
+            </a:r>
+            <a:r>
+              <a:rPr lang="en-US" dirty="0" smtClean="0"/>
+              <a:t>he booked meetings/rooms.</a:t>
+            </a:r>
+            <a:endParaRPr lang="en-US" dirty="0"/>
+          </a:p>
+        </p:txBody>
+      </p:sp>
+      <p:sp>
+        <p:nvSpPr>
+          <p:cNvPr id="12" name="TextBox 11"/>
+          <p:cNvSpPr txBox="1"/>
+          <p:nvPr/>
+        </p:nvSpPr>
+        <p:spPr>
+          <a:xfrm>
+            <a:off x="916230" y="2708920"/>
+            <a:ext cx="5654112" cy="646331"/>
+          </a:xfrm>
+          <a:prstGeom prst="rect">
+            <a:avLst/>
+          </a:prstGeom>
+          <a:noFill/>
+        </p:spPr>
+        <p:txBody>
+          <a:bodyPr wrap="none" rtlCol="0">
+            <a:spAutoFit/>
+          </a:bodyPr>
+          <a:lstStyle/>
+          <a:p>
+            <a:r>
+              <a:rPr lang="en-US" sz="3600" b="1" dirty="0" smtClean="0"/>
+              <a:t>FEATURE </a:t>
+            </a:r>
+            <a:r>
+              <a:rPr lang="en-US" sz="3600" b="1" dirty="0" smtClean="0"/>
+              <a:t>8: MY MEETINGS</a:t>
+            </a:r>
+            <a:endParaRPr lang="en-US" sz="3600" b="1" dirty="0"/>
+          </a:p>
+        </p:txBody>
+      </p:sp>
+      <p:pic>
+        <p:nvPicPr>
+          <p:cNvPr id="15" name="Picture 14"/>
+          <p:cNvPicPr>
+            <a:picLocks noChangeAspect="1"/>
+          </p:cNvPicPr>
+          <p:nvPr/>
+        </p:nvPicPr>
+        <p:blipFill>
+          <a:blip r:embed="rId2">
+            <a:extLst>
+              <a:ext uri="{28A0092B-C50C-407E-A947-70E740481C1C}">
+                <a14:useLocalDpi xmlns:a14="http://schemas.microsoft.com/office/drawing/2010/main" val="0"/>
+              </a:ext>
+            </a:extLst>
+          </a:blip>
+          <a:stretch>
+            <a:fillRect/>
+          </a:stretch>
+        </p:blipFill>
+        <p:spPr>
+          <a:xfrm>
+            <a:off x="1230262" y="376022"/>
+            <a:ext cx="1757562" cy="1757562"/>
+          </a:xfrm>
+          <a:prstGeom prst="rect">
+            <a:avLst/>
+          </a:prstGeom>
+        </p:spPr>
+      </p:pic>
+      <p:pic>
+        <p:nvPicPr>
+          <p:cNvPr id="7" name="Picture 6"/>
+          <p:cNvPicPr>
+            <a:picLocks noChangeAspect="1"/>
+          </p:cNvPicPr>
+          <p:nvPr/>
+        </p:nvPicPr>
+        <p:blipFill>
+          <a:blip r:embed="rId2">
+            <a:extLst>
+              <a:ext uri="{28A0092B-C50C-407E-A947-70E740481C1C}">
+                <a14:useLocalDpi xmlns:a14="http://schemas.microsoft.com/office/drawing/2010/main" val="0"/>
+              </a:ext>
+            </a:extLst>
+          </a:blip>
+          <a:stretch>
+            <a:fillRect/>
+          </a:stretch>
+        </p:blipFill>
+        <p:spPr>
+          <a:xfrm>
+            <a:off x="1115616" y="3717032"/>
+            <a:ext cx="2334844" cy="2334844"/>
+          </a:xfrm>
+          <a:prstGeom prst="rect">
+            <a:avLst/>
+          </a:prstGeom>
+        </p:spPr>
+      </p:pic>
+    </p:spTree>
+    <p:extLst>
+      <p:ext uri="{BB962C8B-B14F-4D97-AF65-F5344CB8AC3E}">
+        <p14:creationId xmlns:p14="http://schemas.microsoft.com/office/powerpoint/2010/main" val="459722420"/>
+      </p:ext>
+    </p:extLst>
+  </p:cSld>
+  <p:clrMapOvr>
+    <a:masterClrMapping/>
+  </p:clrMapOvr>
+  <p:timing>
+    <p:tnLst>
+      <p:par>
+        <p:cTn id="1" dur="indefinite" restart="never" nodeType="tmRoot"/>
+      </p:par>
+    </p:tnLst>
+  </p:timing>
+</p:sld>
+</file>
+
+<file path=ppt/slides/slide29.xml><?xml version="1.0" encoding="utf-8"?>
+<p:sld xmlns:a="http://schemas.openxmlformats.org/drawingml/2006/main" xmlns:r="http://schemas.openxmlformats.org/officeDocument/2006/relationships" xmlns:p="http://schemas.openxmlformats.org/presentationml/2006/main">
+  <p:cSld>
+    <p:spTree>
+      <p:nvGrpSpPr>
+        <p:cNvPr id="1" name=""/>
+        <p:cNvGrpSpPr/>
+        <p:nvPr/>
+      </p:nvGrpSpPr>
+      <p:grpSpPr>
+        <a:xfrm>
+          <a:off x="0" y="0"/>
+          <a:ext cx="0" cy="0"/>
+          <a:chOff x="0" y="0"/>
+          <a:chExt cx="0" cy="0"/>
+        </a:xfrm>
+      </p:grpSpPr>
+    </p:spTree>
+    <p:extLst>
+      <p:ext uri="{BB962C8B-B14F-4D97-AF65-F5344CB8AC3E}">
+        <p14:creationId xmlns:p14="http://schemas.microsoft.com/office/powerpoint/2010/main" val="1656741813"/>
       </p:ext>
     </p:extLst>
   </p:cSld>
@@ -9392,7 +10063,144 @@
       </p:grpSpPr>
       <p:sp>
         <p:nvSpPr>
-          <p:cNvPr id="17410" name="Rectangle 2"/>
+          <p:cNvPr id="2" name="Title 1"/>
+          <p:cNvSpPr>
+            <a:spLocks noGrp="1"/>
+          </p:cNvSpPr>
+          <p:nvPr>
+            <p:ph type="title"/>
+          </p:nvPr>
+        </p:nvSpPr>
+        <p:spPr/>
+        <p:txBody>
+          <a:bodyPr/>
+          <a:lstStyle/>
+          <a:p>
+            <a:r>
+              <a:rPr lang="en-US" dirty="0" smtClean="0"/>
+              <a:t>Background</a:t>
+            </a:r>
+            <a:endParaRPr lang="en-US" dirty="0"/>
+          </a:p>
+        </p:txBody>
+      </p:sp>
+      <p:sp>
+        <p:nvSpPr>
+          <p:cNvPr id="3" name="Content Placeholder 2"/>
+          <p:cNvSpPr>
+            <a:spLocks noGrp="1"/>
+          </p:cNvSpPr>
+          <p:nvPr>
+            <p:ph idx="1"/>
+          </p:nvPr>
+        </p:nvSpPr>
+        <p:spPr/>
+        <p:txBody>
+          <a:bodyPr/>
+          <a:lstStyle/>
+          <a:p>
+            <a:r>
+              <a:rPr lang="en-US" dirty="0" smtClean="0"/>
+              <a:t>Its very hard to find rooms in large corporate buildings.</a:t>
+            </a:r>
+          </a:p>
+          <a:p>
+            <a:r>
+              <a:rPr lang="en-US" dirty="0" smtClean="0"/>
+              <a:t>Is very hard to find rooms/location in a building if you are new to the environment.</a:t>
+            </a:r>
+          </a:p>
+          <a:p>
+            <a:r>
+              <a:rPr lang="en-US" dirty="0" smtClean="0"/>
+              <a:t>The idea originated during my internship, when it was hard to find and book meeting rooms.</a:t>
+            </a:r>
+          </a:p>
+          <a:p>
+            <a:r>
+              <a:rPr lang="en-US" dirty="0" smtClean="0"/>
+              <a:t>People needed easy solution to book and find rooms.</a:t>
+            </a:r>
+          </a:p>
+          <a:p>
+            <a:r>
+              <a:rPr lang="en-US" dirty="0" smtClean="0"/>
+              <a:t>People needed an organized system, where they can choose b/w rooms based on their </a:t>
+            </a:r>
+            <a:endParaRPr lang="en-US" dirty="0"/>
+          </a:p>
+        </p:txBody>
+      </p:sp>
+      <p:sp>
+        <p:nvSpPr>
+          <p:cNvPr id="4" name="TextBox 3"/>
+          <p:cNvSpPr txBox="1"/>
+          <p:nvPr/>
+        </p:nvSpPr>
+        <p:spPr>
+          <a:xfrm>
+            <a:off x="484710" y="1352922"/>
+            <a:ext cx="5941050" cy="400110"/>
+          </a:xfrm>
+          <a:prstGeom prst="rect">
+            <a:avLst/>
+          </a:prstGeom>
+          <a:noFill/>
+        </p:spPr>
+        <p:txBody>
+          <a:bodyPr wrap="none" rtlCol="0">
+            <a:spAutoFit/>
+          </a:bodyPr>
+          <a:lstStyle/>
+          <a:p>
+            <a:r>
+              <a:rPr lang="en-US" sz="2000" dirty="0" smtClean="0"/>
+              <a:t>What were the reasons to choose this project?</a:t>
+            </a:r>
+            <a:endParaRPr lang="en-US" sz="2000" dirty="0"/>
+          </a:p>
+        </p:txBody>
+      </p:sp>
+    </p:spTree>
+    <p:extLst>
+      <p:ext uri="{BB962C8B-B14F-4D97-AF65-F5344CB8AC3E}">
+        <p14:creationId xmlns:p14="http://schemas.microsoft.com/office/powerpoint/2010/main" val="1998981841"/>
+      </p:ext>
+    </p:extLst>
+  </p:cSld>
+  <p:clrMapOvr>
+    <a:masterClrMapping/>
+  </p:clrMapOvr>
+  <p:timing>
+    <p:tnLst>
+      <p:par>
+        <p:cTn id="1" dur="indefinite" restart="never" nodeType="tmRoot"/>
+      </p:par>
+    </p:tnLst>
+  </p:timing>
+</p:sld>
+</file>
+
+<file path=ppt/slides/slide30.xml><?xml version="1.0" encoding="utf-8"?>
+<p:sld xmlns:a="http://schemas.openxmlformats.org/drawingml/2006/main" xmlns:r="http://schemas.openxmlformats.org/officeDocument/2006/relationships" xmlns:p="http://schemas.openxmlformats.org/presentationml/2006/main">
+  <p:cSld>
+    <p:spTree>
+      <p:nvGrpSpPr>
+        <p:cNvPr id="1" name=""/>
+        <p:cNvGrpSpPr/>
+        <p:nvPr/>
+      </p:nvGrpSpPr>
+      <p:grpSpPr>
+        <a:xfrm>
+          <a:off x="0" y="0"/>
+          <a:ext cx="0" cy="0"/>
+          <a:chOff x="0" y="0"/>
+          <a:chExt cx="0" cy="0"/>
+        </a:xfrm>
+      </p:grpSpPr>
+      <p:sp>
+        <p:nvSpPr>
+          <p:cNvPr id="15362" name="Rectangle 2"/>
           <p:cNvSpPr>
             <a:spLocks noGrp="1" noChangeArrowheads="1"/>
           </p:cNvSpPr>
@@ -9402,80 +10210,156 @@
         </p:nvSpPr>
         <p:spPr>
           <a:xfrm>
-            <a:off x="395536" y="908720"/>
-            <a:ext cx="7024744" cy="685880"/>
+            <a:off x="899592" y="908720"/>
+            <a:ext cx="7024744" cy="757888"/>
+          </a:xfrm>
+        </p:spPr>
+        <p:txBody>
+          <a:bodyPr/>
+          <a:lstStyle/>
+          <a:p>
+            <a:r>
+              <a:rPr lang="en-IE" altLang="en-US" dirty="0"/>
+              <a:t>Discussions</a:t>
+            </a:r>
+            <a:endParaRPr lang="en-US" altLang="en-US" dirty="0"/>
+          </a:p>
+        </p:txBody>
+      </p:sp>
+      <p:sp>
+        <p:nvSpPr>
+          <p:cNvPr id="15363" name="Rectangle 3"/>
+          <p:cNvSpPr>
+            <a:spLocks noGrp="1" noChangeArrowheads="1"/>
+          </p:cNvSpPr>
+          <p:nvPr>
+            <p:ph idx="1"/>
+          </p:nvPr>
+        </p:nvSpPr>
+        <p:spPr>
+          <a:xfrm>
+            <a:off x="897035" y="2060848"/>
+            <a:ext cx="8136904" cy="4536504"/>
           </a:xfrm>
         </p:spPr>
         <p:txBody>
           <a:bodyPr>
-            <a:normAutofit fontScale="90000"/>
+            <a:noAutofit/>
           </a:bodyPr>
           <a:lstStyle/>
           <a:p>
             <a:r>
-              <a:rPr lang="en-IE" altLang="en-US" dirty="0" smtClean="0"/>
-              <a:t>Project Goals</a:t>
-            </a:r>
-            <a:endParaRPr lang="en-US" altLang="en-US" dirty="0"/>
-          </a:p>
-        </p:txBody>
-      </p:sp>
-      <p:sp>
-        <p:nvSpPr>
-          <p:cNvPr id="17411" name="Rectangle 3"/>
-          <p:cNvSpPr>
-            <a:spLocks noGrp="1" noChangeArrowheads="1"/>
-          </p:cNvSpPr>
-          <p:nvPr>
-            <p:ph idx="1"/>
-          </p:nvPr>
-        </p:nvSpPr>
-        <p:spPr>
-          <a:xfrm>
-            <a:off x="3419872" y="1988840"/>
-            <a:ext cx="5472608" cy="3508977"/>
-          </a:xfrm>
-        </p:spPr>
-        <p:txBody>
-          <a:bodyPr>
-            <a:normAutofit lnSpcReduction="10000"/>
-          </a:bodyPr>
-          <a:lstStyle/>
-          <a:p>
-            <a:r>
-              <a:rPr lang="en-IE" altLang="en-US" dirty="0">
+              <a:rPr lang="en-IE" altLang="en-US" dirty="0" smtClean="0">
+                <a:solidFill>
+                  <a:schemeClr val="accent2"/>
+                </a:solidFill>
                 <a:cs typeface="Arial" panose="020B0604020202020204" pitchFamily="34" charset="0"/>
               </a:rPr>
-              <a:t>How </a:t>
-            </a:r>
+              <a:t>Advantages ?</a:t>
+            </a:r>
+            <a:endParaRPr lang="en-IE" altLang="en-US" dirty="0" smtClean="0">
+              <a:solidFill>
+                <a:schemeClr val="accent2"/>
+              </a:solidFill>
+              <a:cs typeface="Arial" panose="020B0604020202020204" pitchFamily="34" charset="0"/>
+            </a:endParaRPr>
+          </a:p>
+          <a:p>
+            <a:pPr marL="0" indent="0">
+              <a:buNone/>
+            </a:pPr>
             <a:r>
               <a:rPr lang="en-IE" altLang="en-US" dirty="0" smtClean="0">
                 <a:cs typeface="Arial" panose="020B0604020202020204" pitchFamily="34" charset="0"/>
               </a:rPr>
-              <a:t>will </a:t>
-            </a:r>
-            <a:r>
-              <a:rPr lang="en-IE" altLang="en-US" dirty="0">
+              <a:t>     The application is easy to use and very useful.</a:t>
+            </a:r>
+          </a:p>
+          <a:p>
+            <a:r>
+              <a:rPr lang="en-IE" altLang="en-US" dirty="0" smtClean="0">
+                <a:solidFill>
+                  <a:schemeClr val="accent3"/>
+                </a:solidFill>
                 <a:cs typeface="Arial" panose="020B0604020202020204" pitchFamily="34" charset="0"/>
               </a:rPr>
-              <a:t>you solve the problem and </a:t>
-            </a:r>
+              <a:t>Disadvantages and Limits ?</a:t>
+            </a:r>
+          </a:p>
+          <a:p>
+            <a:pPr marL="0" indent="0">
+              <a:buNone/>
+            </a:pPr>
             <a:r>
               <a:rPr lang="en-IE" altLang="en-US" dirty="0" smtClean="0">
                 <a:cs typeface="Arial" panose="020B0604020202020204" pitchFamily="34" charset="0"/>
               </a:rPr>
-              <a:t>What are you </a:t>
-            </a:r>
+              <a:t>     Huge Data requirements.</a:t>
+            </a:r>
+            <a:endParaRPr lang="en-IE" altLang="en-US" dirty="0">
+              <a:cs typeface="Arial" panose="020B0604020202020204" pitchFamily="34" charset="0"/>
+            </a:endParaRPr>
+          </a:p>
+          <a:p>
             <a:r>
               <a:rPr lang="en-IE" altLang="en-US" dirty="0">
+                <a:solidFill>
+                  <a:srgbClr val="00B050"/>
+                </a:solidFill>
                 <a:cs typeface="Arial" panose="020B0604020202020204" pitchFamily="34" charset="0"/>
               </a:rPr>
-              <a:t>trying to achieve</a:t>
-            </a:r>
+              <a:t>Opportunities </a:t>
+            </a:r>
+            <a:r>
+              <a:rPr lang="en-IE" altLang="en-US" dirty="0" smtClean="0">
+                <a:solidFill>
+                  <a:srgbClr val="00B050"/>
+                </a:solidFill>
+                <a:cs typeface="Arial" panose="020B0604020202020204" pitchFamily="34" charset="0"/>
+              </a:rPr>
+              <a:t>?</a:t>
+            </a:r>
+          </a:p>
+          <a:p>
+            <a:pPr marL="0" indent="0">
+              <a:buNone/>
+            </a:pPr>
             <a:r>
               <a:rPr lang="en-IE" altLang="en-US" dirty="0" smtClean="0">
                 <a:cs typeface="Arial" panose="020B0604020202020204" pitchFamily="34" charset="0"/>
               </a:rPr>
+              <a:t>     International expansion as the application is very scalable.</a:t>
+            </a:r>
+            <a:endParaRPr lang="en-IE" altLang="en-US" dirty="0">
+              <a:cs typeface="Arial" panose="020B0604020202020204" pitchFamily="34" charset="0"/>
+            </a:endParaRPr>
+          </a:p>
+          <a:p>
+            <a:r>
+              <a:rPr lang="en-IE" altLang="en-US" dirty="0">
+                <a:solidFill>
+                  <a:srgbClr val="7030A0"/>
+                </a:solidFill>
+                <a:cs typeface="Arial" panose="020B0604020202020204" pitchFamily="34" charset="0"/>
+              </a:rPr>
+              <a:t>Future P</a:t>
+            </a:r>
+            <a:r>
+              <a:rPr lang="en-IE" altLang="en-US" dirty="0" smtClean="0">
+                <a:solidFill>
+                  <a:srgbClr val="7030A0"/>
+                </a:solidFill>
+                <a:cs typeface="Arial" panose="020B0604020202020204" pitchFamily="34" charset="0"/>
+              </a:rPr>
+              <a:t>erspectives</a:t>
+            </a:r>
+            <a:r>
+              <a:rPr lang="en-IE" altLang="en-US" dirty="0" smtClean="0">
+                <a:solidFill>
+                  <a:srgbClr val="7030A0"/>
+                </a:solidFill>
+                <a:cs typeface="Arial" panose="020B0604020202020204" pitchFamily="34" charset="0"/>
+              </a:rPr>
               <a:t>?</a:t>
             </a:r>
           </a:p>
@@ -9487,45 +10371,392 @@
               <a:rPr lang="en-IE" altLang="en-US" dirty="0" smtClean="0">
                 <a:cs typeface="Arial" panose="020B0604020202020204" pitchFamily="34" charset="0"/>
               </a:rPr>
-              <a:t>Finding meeting rooms is a tough in huge buildings.</a:t>
-            </a:r>
-          </a:p>
-          <a:p>
-            <a:pPr marL="0" indent="0">
-              <a:buNone/>
-            </a:pPr>
+              <a:t>     Indoor Navigation, using beacons or </a:t>
+            </a:r>
+            <a:r>
+              <a:rPr lang="en-IE" altLang="en-US" dirty="0" err="1" smtClean="0">
+                <a:cs typeface="Arial" panose="020B0604020202020204" pitchFamily="34" charset="0"/>
+              </a:rPr>
+              <a:t>wifi</a:t>
+            </a:r>
             <a:r>
               <a:rPr lang="en-IE" altLang="en-US" dirty="0" smtClean="0">
                 <a:cs typeface="Arial" panose="020B0604020202020204" pitchFamily="34" charset="0"/>
               </a:rPr>
-              <a:t>Solution:</a:t>
-            </a:r>
-          </a:p>
-          <a:p>
-            <a:pPr marL="0" indent="0">
-              <a:buNone/>
-            </a:pPr>
+              <a:t> - triangulation.</a:t>
+            </a:r>
+            <a:endParaRPr lang="en-US" altLang="en-US" dirty="0">
+              <a:cs typeface="Arial" panose="020B0604020202020204" pitchFamily="34" charset="0"/>
+            </a:endParaRPr>
+          </a:p>
+        </p:txBody>
+      </p:sp>
+    </p:spTree>
+    <p:extLst>
+      <p:ext uri="{BB962C8B-B14F-4D97-AF65-F5344CB8AC3E}">
+        <p14:creationId xmlns:p14="http://schemas.microsoft.com/office/powerpoint/2010/main" val="119886107"/>
+      </p:ext>
+    </p:extLst>
+  </p:cSld>
+  <p:clrMapOvr>
+    <a:masterClrMapping/>
+  </p:clrMapOvr>
+  <p:timing>
+    <p:tnLst>
+      <p:par>
+        <p:cTn id="1" dur="indefinite" restart="never" nodeType="tmRoot"/>
+      </p:par>
+    </p:tnLst>
+  </p:timing>
+</p:sld>
+</file>
+
+<file path=ppt/slides/slide31.xml><?xml version="1.0" encoding="utf-8"?>
+<p:sld xmlns:a="http://schemas.openxmlformats.org/drawingml/2006/main" xmlns:r="http://schemas.openxmlformats.org/officeDocument/2006/relationships" xmlns:p="http://schemas.openxmlformats.org/presentationml/2006/main">
+  <p:cSld>
+    <p:spTree>
+      <p:nvGrpSpPr>
+        <p:cNvPr id="1" name=""/>
+        <p:cNvGrpSpPr/>
+        <p:nvPr/>
+      </p:nvGrpSpPr>
+      <p:grpSpPr>
+        <a:xfrm>
+          <a:off x="0" y="0"/>
+          <a:ext cx="0" cy="0"/>
+          <a:chOff x="0" y="0"/>
+          <a:chExt cx="0" cy="0"/>
+        </a:xfrm>
+      </p:grpSpPr>
+      <p:sp>
+        <p:nvSpPr>
+          <p:cNvPr id="2" name="Title 1"/>
+          <p:cNvSpPr>
+            <a:spLocks noGrp="1"/>
+          </p:cNvSpPr>
+          <p:nvPr>
+            <p:ph type="title"/>
+          </p:nvPr>
+        </p:nvSpPr>
+        <p:spPr>
+          <a:xfrm>
+            <a:off x="483974" y="836712"/>
+            <a:ext cx="7055380" cy="1400530"/>
+          </a:xfrm>
+        </p:spPr>
+        <p:txBody>
+          <a:bodyPr/>
+          <a:lstStyle/>
+          <a:p>
             <a:r>
               <a:rPr lang="en-IE" altLang="en-US" dirty="0" smtClean="0">
                 <a:cs typeface="Arial" panose="020B0604020202020204" pitchFamily="34" charset="0"/>
               </a:rPr>
-              <a:t>By developing an easy to use iOS application. Which will allow its users to find, book, review rooms along with much more additional functionality to enhance the experience.</a:t>
-            </a:r>
-          </a:p>
-          <a:p>
-            <a:pPr marL="0" indent="0">
+              <a:t>Main Requirements</a:t>
+            </a:r>
+            <a:r>
+              <a:rPr lang="en-IE" altLang="en-US" dirty="0">
+                <a:latin typeface="Arial" panose="020B0604020202020204" pitchFamily="34" charset="0"/>
+                <a:cs typeface="Arial" panose="020B0604020202020204" pitchFamily="34" charset="0"/>
+              </a:rPr>
+              <a:t/>
+            </a:r>
+            <a:br>
+              <a:rPr lang="en-IE" altLang="en-US" dirty="0">
+                <a:latin typeface="Arial" panose="020B0604020202020204" pitchFamily="34" charset="0"/>
+                <a:cs typeface="Arial" panose="020B0604020202020204" pitchFamily="34" charset="0"/>
+              </a:rPr>
+            </a:br>
+            <a:endParaRPr lang="en-US" dirty="0"/>
+          </a:p>
+        </p:txBody>
+      </p:sp>
+      <p:sp>
+        <p:nvSpPr>
+          <p:cNvPr id="3" name="Content Placeholder 2"/>
+          <p:cNvSpPr>
+            <a:spLocks noGrp="1"/>
+          </p:cNvSpPr>
+          <p:nvPr>
+            <p:ph idx="1"/>
+          </p:nvPr>
+        </p:nvSpPr>
+        <p:spPr>
+          <a:xfrm>
+            <a:off x="795732" y="2272698"/>
+            <a:ext cx="6711654" cy="4195481"/>
+          </a:xfrm>
+        </p:spPr>
+        <p:txBody>
+          <a:bodyPr/>
+          <a:lstStyle/>
+          <a:p>
+            <a:pPr marL="0" lvl="1" indent="0">
               <a:buNone/>
             </a:pPr>
-            <a:endParaRPr lang="en-IE" altLang="en-US" dirty="0">
+            <a:r>
+              <a:rPr lang="en-IE" altLang="en-US" sz="2400" dirty="0" smtClean="0">
+                <a:cs typeface="Arial" panose="020B0604020202020204" pitchFamily="34" charset="0"/>
+              </a:rPr>
+              <a:t>System</a:t>
+            </a:r>
+          </a:p>
+          <a:p>
+            <a:pPr marL="0" lvl="1" indent="0">
+              <a:buNone/>
+            </a:pPr>
+            <a:r>
+              <a:rPr lang="en-IE" altLang="en-US" sz="2400" dirty="0" smtClean="0">
+                <a:cs typeface="Arial" panose="020B0604020202020204" pitchFamily="34" charset="0"/>
+              </a:rPr>
+              <a:t>Client </a:t>
+            </a:r>
+            <a:r>
+              <a:rPr lang="mr-IN" altLang="en-US" sz="2400" dirty="0" smtClean="0">
+                <a:cs typeface="Arial" panose="020B0604020202020204" pitchFamily="34" charset="0"/>
+              </a:rPr>
+              <a:t>–</a:t>
+            </a:r>
+            <a:r>
+              <a:rPr lang="en-IE" altLang="en-US" sz="2400" dirty="0" smtClean="0">
+                <a:cs typeface="Arial" panose="020B0604020202020204" pitchFamily="34" charset="0"/>
+              </a:rPr>
+              <a:t> iOS </a:t>
+            </a:r>
+            <a:r>
+              <a:rPr lang="en-IE" altLang="en-US" sz="2400" dirty="0" smtClean="0">
+                <a:cs typeface="Arial" panose="020B0604020202020204" pitchFamily="34" charset="0"/>
+              </a:rPr>
+              <a:t>10+ </a:t>
+            </a:r>
+            <a:r>
+              <a:rPr lang="en-IE" altLang="en-US" sz="2400" dirty="0" smtClean="0">
+                <a:cs typeface="Arial" panose="020B0604020202020204" pitchFamily="34" charset="0"/>
+              </a:rPr>
+              <a:t>iOS Devices</a:t>
+            </a:r>
+          </a:p>
+          <a:p>
+            <a:pPr marL="0" lvl="1" indent="0">
+              <a:buNone/>
+            </a:pPr>
+            <a:r>
+              <a:rPr lang="en-IE" altLang="en-US" sz="2400" dirty="0" smtClean="0">
+                <a:cs typeface="Arial" panose="020B0604020202020204" pitchFamily="34" charset="0"/>
+              </a:rPr>
+              <a:t>Internet Connection, GPS</a:t>
+            </a:r>
+          </a:p>
+          <a:p>
+            <a:pPr marL="0" lvl="1" indent="0">
+              <a:buNone/>
+            </a:pPr>
+            <a:endParaRPr lang="en-IE" altLang="en-US" sz="2400" dirty="0">
+              <a:cs typeface="Arial" panose="020B0604020202020204" pitchFamily="34" charset="0"/>
+            </a:endParaRPr>
+          </a:p>
+          <a:p>
+            <a:pPr marL="0" lvl="1" indent="0">
+              <a:buNone/>
+            </a:pPr>
+            <a:r>
+              <a:rPr lang="en-IE" altLang="en-US" sz="2400" dirty="0" smtClean="0">
+                <a:cs typeface="Arial" panose="020B0604020202020204" pitchFamily="34" charset="0"/>
+              </a:rPr>
+              <a:t>Backend </a:t>
+            </a:r>
+            <a:r>
+              <a:rPr lang="mr-IN" altLang="en-US" sz="2400" dirty="0" smtClean="0">
+                <a:cs typeface="Arial" panose="020B0604020202020204" pitchFamily="34" charset="0"/>
+              </a:rPr>
+              <a:t>–</a:t>
+            </a:r>
+            <a:r>
+              <a:rPr lang="en-IE" altLang="en-US" sz="2400" dirty="0" smtClean="0">
+                <a:cs typeface="Arial" panose="020B0604020202020204" pitchFamily="34" charset="0"/>
+              </a:rPr>
+              <a:t> </a:t>
+            </a:r>
+            <a:r>
+              <a:rPr lang="en-IE" altLang="en-US" sz="2400" dirty="0" smtClean="0">
+                <a:cs typeface="Arial" panose="020B0604020202020204" pitchFamily="34" charset="0"/>
+              </a:rPr>
+              <a:t>MySQL database version with Geospatial data support.</a:t>
+            </a:r>
+            <a:endParaRPr lang="en-IE" altLang="en-US" dirty="0" smtClean="0">
+              <a:cs typeface="Arial" panose="020B0604020202020204" pitchFamily="34" charset="0"/>
+            </a:endParaRPr>
+          </a:p>
+          <a:p>
+            <a:pPr marL="0" lvl="1" indent="0">
+              <a:buNone/>
+            </a:pPr>
+            <a:endParaRPr lang="en-US" altLang="en-US" dirty="0">
               <a:latin typeface="Arial" panose="020B0604020202020204" pitchFamily="34" charset="0"/>
               <a:cs typeface="Arial" panose="020B0604020202020204" pitchFamily="34" charset="0"/>
             </a:endParaRPr>
           </a:p>
           <a:p>
-            <a:pPr marL="0" indent="0">
+            <a:pPr marL="0" lvl="1" indent="0">
               <a:buNone/>
             </a:pPr>
-            <a:endParaRPr lang="en-US" altLang="en-US" dirty="0"/>
+            <a:r>
+              <a:rPr lang="en-US" dirty="0" smtClean="0"/>
+              <a:t> </a:t>
+            </a:r>
+            <a:endParaRPr lang="en-US" dirty="0"/>
+          </a:p>
+        </p:txBody>
+      </p:sp>
+    </p:spTree>
+    <p:extLst>
+      <p:ext uri="{BB962C8B-B14F-4D97-AF65-F5344CB8AC3E}">
+        <p14:creationId xmlns:p14="http://schemas.microsoft.com/office/powerpoint/2010/main" val="60140354"/>
+      </p:ext>
+    </p:extLst>
+  </p:cSld>
+  <p:clrMapOvr>
+    <a:masterClrMapping/>
+  </p:clrMapOvr>
+  <p:timing>
+    <p:tnLst>
+      <p:par>
+        <p:cTn id="1" dur="indefinite" restart="never" nodeType="tmRoot"/>
+      </p:par>
+    </p:tnLst>
+  </p:timing>
+</p:sld>
+</file>
+
+<file path=ppt/slides/slide32.xml><?xml version="1.0" encoding="utf-8"?>
+<p:sld xmlns:a="http://schemas.openxmlformats.org/drawingml/2006/main" xmlns:r="http://schemas.openxmlformats.org/officeDocument/2006/relationships" xmlns:p="http://schemas.openxmlformats.org/presentationml/2006/main">
+  <p:cSld>
+    <p:spTree>
+      <p:nvGrpSpPr>
+        <p:cNvPr id="1" name=""/>
+        <p:cNvGrpSpPr/>
+        <p:nvPr/>
+      </p:nvGrpSpPr>
+      <p:grpSpPr>
+        <a:xfrm>
+          <a:off x="0" y="0"/>
+          <a:ext cx="0" cy="0"/>
+          <a:chOff x="0" y="0"/>
+          <a:chExt cx="0" cy="0"/>
+        </a:xfrm>
+      </p:grpSpPr>
+      <p:sp>
+        <p:nvSpPr>
+          <p:cNvPr id="2" name="Title 1"/>
+          <p:cNvSpPr>
+            <a:spLocks noGrp="1"/>
+          </p:cNvSpPr>
+          <p:nvPr>
+            <p:ph type="title"/>
+          </p:nvPr>
+        </p:nvSpPr>
+        <p:spPr/>
+        <p:txBody>
+          <a:bodyPr/>
+          <a:lstStyle/>
+          <a:p>
+            <a:r>
+              <a:rPr lang="en-US" dirty="0" smtClean="0"/>
+              <a:t>Main Requirements</a:t>
+            </a:r>
+            <a:endParaRPr lang="en-US" dirty="0"/>
+          </a:p>
+        </p:txBody>
+      </p:sp>
+      <p:sp>
+        <p:nvSpPr>
+          <p:cNvPr id="3" name="Content Placeholder 2"/>
+          <p:cNvSpPr>
+            <a:spLocks noGrp="1"/>
+          </p:cNvSpPr>
+          <p:nvPr>
+            <p:ph idx="1"/>
+          </p:nvPr>
+        </p:nvSpPr>
+        <p:spPr>
+          <a:xfrm>
+            <a:off x="395536" y="1340768"/>
+            <a:ext cx="6711654" cy="4195481"/>
+          </a:xfrm>
+        </p:spPr>
+        <p:txBody>
+          <a:bodyPr/>
+          <a:lstStyle/>
+          <a:p>
+            <a:pPr marL="342900" lvl="1" indent="-342900"/>
+            <a:r>
+              <a:rPr lang="en-IE" altLang="en-US" sz="2400" dirty="0" smtClean="0">
+                <a:cs typeface="Arial" panose="020B0604020202020204" pitchFamily="34" charset="0"/>
+              </a:rPr>
+              <a:t>Data</a:t>
+            </a:r>
+          </a:p>
+          <a:p>
+            <a:pPr marL="0" lvl="1" indent="0">
+              <a:buNone/>
+            </a:pPr>
+            <a:r>
+              <a:rPr lang="en-IE" altLang="en-US" sz="2400" dirty="0" smtClean="0">
+                <a:cs typeface="Arial" panose="020B0604020202020204" pitchFamily="34" charset="0"/>
+              </a:rPr>
+              <a:t>Building and Room information including co-ordinates (Geo Spatial Data </a:t>
+            </a:r>
+            <a:r>
+              <a:rPr lang="mr-IN" altLang="en-US" sz="2400" dirty="0" smtClean="0">
+                <a:cs typeface="Arial" panose="020B0604020202020204" pitchFamily="34" charset="0"/>
+              </a:rPr>
+              <a:t>–</a:t>
+            </a:r>
+            <a:r>
+              <a:rPr lang="en-IE" altLang="en-US" sz="2400" dirty="0" smtClean="0">
+                <a:cs typeface="Arial" panose="020B0604020202020204" pitchFamily="34" charset="0"/>
+              </a:rPr>
+              <a:t> Polygons &amp; </a:t>
+            </a:r>
+            <a:r>
+              <a:rPr lang="en-IE" altLang="en-US" sz="2400" dirty="0" smtClean="0">
+                <a:cs typeface="Arial" panose="020B0604020202020204" pitchFamily="34" charset="0"/>
+              </a:rPr>
+              <a:t>Points or saved as String and parse on frontend.)</a:t>
+            </a:r>
+            <a:endParaRPr lang="en-IE" altLang="en-US" sz="2400" dirty="0" smtClean="0">
+              <a:cs typeface="Arial" panose="020B0604020202020204" pitchFamily="34" charset="0"/>
+            </a:endParaRPr>
+          </a:p>
+          <a:p>
+            <a:pPr marL="0" lvl="1" indent="0">
+              <a:buNone/>
+            </a:pPr>
+            <a:endParaRPr lang="en-IE" altLang="en-US" sz="2400" dirty="0">
+              <a:latin typeface="Arial" panose="020B0604020202020204" pitchFamily="34" charset="0"/>
+              <a:cs typeface="Arial" panose="020B0604020202020204" pitchFamily="34" charset="0"/>
+            </a:endParaRPr>
+          </a:p>
+          <a:p>
+            <a:pPr marL="0" lvl="1" indent="0">
+              <a:buNone/>
+            </a:pPr>
+            <a:endParaRPr lang="en-IE" altLang="en-US" sz="2400" dirty="0" smtClean="0">
+              <a:latin typeface="Arial" panose="020B0604020202020204" pitchFamily="34" charset="0"/>
+              <a:cs typeface="Arial" panose="020B0604020202020204" pitchFamily="34" charset="0"/>
+            </a:endParaRPr>
+          </a:p>
+          <a:p>
+            <a:pPr marL="0" lvl="1" indent="0">
+              <a:buNone/>
+            </a:pPr>
+            <a:endParaRPr lang="en-IE" altLang="en-US" sz="2400" dirty="0">
+              <a:latin typeface="Arial" panose="020B0604020202020204" pitchFamily="34" charset="0"/>
+              <a:cs typeface="Arial" panose="020B0604020202020204" pitchFamily="34" charset="0"/>
+            </a:endParaRPr>
+          </a:p>
+          <a:p>
+            <a:endParaRPr lang="en-US" dirty="0"/>
           </a:p>
         </p:txBody>
       </p:sp>
@@ -9551,8 +10782,8 @@
         </p:blipFill>
         <p:spPr>
           <a:xfrm>
-            <a:off x="611560" y="2492896"/>
-            <a:ext cx="2310420" cy="2310420"/>
+            <a:off x="2658906" y="3068960"/>
+            <a:ext cx="5081446" cy="3663078"/>
           </a:xfrm>
           <a:prstGeom prst="rect">
             <a:avLst/>
@@ -9562,7 +10793,1008 @@
     </p:spTree>
     <p:extLst>
       <p:ext uri="{BB962C8B-B14F-4D97-AF65-F5344CB8AC3E}">
-        <p14:creationId xmlns:p14="http://schemas.microsoft.com/office/powerpoint/2010/main" val="927409708"/>
+        <p14:creationId xmlns:p14="http://schemas.microsoft.com/office/powerpoint/2010/main" val="1421471710"/>
+      </p:ext>
+    </p:extLst>
+  </p:cSld>
+  <p:clrMapOvr>
+    <a:masterClrMapping/>
+  </p:clrMapOvr>
+  <p:timing>
+    <p:tnLst>
+      <p:par>
+        <p:cTn id="1" dur="indefinite" restart="never" nodeType="tmRoot"/>
+      </p:par>
+    </p:tnLst>
+  </p:timing>
+</p:sld>
+</file>
+
+<file path=ppt/slides/slide33.xml><?xml version="1.0" encoding="utf-8"?>
+<p:sld xmlns:a="http://schemas.openxmlformats.org/drawingml/2006/main" xmlns:r="http://schemas.openxmlformats.org/officeDocument/2006/relationships" xmlns:p="http://schemas.openxmlformats.org/presentationml/2006/main">
+  <p:cSld>
+    <p:spTree>
+      <p:nvGrpSpPr>
+        <p:cNvPr id="1" name=""/>
+        <p:cNvGrpSpPr/>
+        <p:nvPr/>
+      </p:nvGrpSpPr>
+      <p:grpSpPr>
+        <a:xfrm>
+          <a:off x="0" y="0"/>
+          <a:ext cx="0" cy="0"/>
+          <a:chOff x="0" y="0"/>
+          <a:chExt cx="0" cy="0"/>
+        </a:xfrm>
+      </p:grpSpPr>
+      <p:pic>
+        <p:nvPicPr>
+          <p:cNvPr id="4" name="Content Placeholder 3"/>
+          <p:cNvPicPr>
+            <a:picLocks noGrp="1" noChangeAspect="1"/>
+          </p:cNvPicPr>
+          <p:nvPr>
+            <p:ph idx="1"/>
+          </p:nvPr>
+        </p:nvPicPr>
+        <p:blipFill>
+          <a:blip r:embed="rId2">
+            <a:extLst>
+              <a:ext uri="{28A0092B-C50C-407E-A947-70E740481C1C}">
+                <a14:useLocalDpi xmlns:a14="http://schemas.microsoft.com/office/drawing/2010/main" val="0"/>
+              </a:ext>
+            </a:extLst>
+          </a:blip>
+          <a:stretch>
+            <a:fillRect/>
+          </a:stretch>
+        </p:blipFill>
+        <p:spPr>
+          <a:xfrm>
+            <a:off x="0" y="0"/>
+            <a:ext cx="5508104" cy="6858000"/>
+          </a:xfrm>
+        </p:spPr>
+      </p:pic>
+      <p:sp>
+        <p:nvSpPr>
+          <p:cNvPr id="5" name="TextBox 4"/>
+          <p:cNvSpPr txBox="1"/>
+          <p:nvPr/>
+        </p:nvSpPr>
+        <p:spPr>
+          <a:xfrm>
+            <a:off x="5724128" y="2204864"/>
+            <a:ext cx="3389069" cy="1754326"/>
+          </a:xfrm>
+          <a:prstGeom prst="rect">
+            <a:avLst/>
+          </a:prstGeom>
+          <a:noFill/>
+        </p:spPr>
+        <p:txBody>
+          <a:bodyPr wrap="none" rtlCol="0">
+            <a:spAutoFit/>
+          </a:bodyPr>
+          <a:lstStyle/>
+          <a:p>
+            <a:r>
+              <a:rPr lang="en-US" dirty="0" smtClean="0"/>
+              <a:t>Parsed JSON Data Sample</a:t>
+            </a:r>
+          </a:p>
+          <a:p>
+            <a:r>
+              <a:rPr lang="en-US" dirty="0"/>
+              <a:t>r</a:t>
+            </a:r>
+            <a:r>
+              <a:rPr lang="en-US" dirty="0" smtClean="0"/>
+              <a:t>eturned by the Web Service</a:t>
+            </a:r>
+          </a:p>
+          <a:p>
+            <a:r>
+              <a:rPr lang="en-US" dirty="0"/>
+              <a:t>t</a:t>
+            </a:r>
+            <a:r>
+              <a:rPr lang="en-US" dirty="0" smtClean="0"/>
+              <a:t>hrough http </a:t>
+            </a:r>
+            <a:r>
+              <a:rPr lang="en-US" dirty="0" smtClean="0"/>
+              <a:t>request, </a:t>
+            </a:r>
+            <a:endParaRPr lang="en-US" dirty="0" smtClean="0"/>
+          </a:p>
+          <a:p>
+            <a:r>
+              <a:rPr lang="en-US" dirty="0" smtClean="0"/>
+              <a:t>Similar data is </a:t>
+            </a:r>
+          </a:p>
+          <a:p>
+            <a:r>
+              <a:rPr lang="en-US" dirty="0" smtClean="0"/>
+              <a:t>consumed </a:t>
+            </a:r>
+            <a:r>
+              <a:rPr lang="en-US" dirty="0" smtClean="0"/>
+              <a:t>by the client </a:t>
+            </a:r>
+          </a:p>
+          <a:p>
+            <a:r>
+              <a:rPr lang="en-US" dirty="0" smtClean="0"/>
+              <a:t>Application.</a:t>
+            </a:r>
+            <a:endParaRPr lang="en-US" dirty="0"/>
+          </a:p>
+        </p:txBody>
+      </p:sp>
+    </p:spTree>
+    <p:extLst>
+      <p:ext uri="{BB962C8B-B14F-4D97-AF65-F5344CB8AC3E}">
+        <p14:creationId xmlns:p14="http://schemas.microsoft.com/office/powerpoint/2010/main" val="1010694753"/>
+      </p:ext>
+    </p:extLst>
+  </p:cSld>
+  <p:clrMapOvr>
+    <a:masterClrMapping/>
+  </p:clrMapOvr>
+  <p:timing>
+    <p:tnLst>
+      <p:par>
+        <p:cTn id="1" dur="indefinite" restart="never" nodeType="tmRoot"/>
+      </p:par>
+    </p:tnLst>
+  </p:timing>
+</p:sld>
+</file>
+
+<file path=ppt/slides/slide34.xml><?xml version="1.0" encoding="utf-8"?>
+<p:sld xmlns:a="http://schemas.openxmlformats.org/drawingml/2006/main" xmlns:r="http://schemas.openxmlformats.org/officeDocument/2006/relationships" xmlns:p="http://schemas.openxmlformats.org/presentationml/2006/main">
+  <p:cSld>
+    <p:spTree>
+      <p:nvGrpSpPr>
+        <p:cNvPr id="1" name=""/>
+        <p:cNvGrpSpPr/>
+        <p:nvPr/>
+      </p:nvGrpSpPr>
+      <p:grpSpPr>
+        <a:xfrm>
+          <a:off x="0" y="0"/>
+          <a:ext cx="0" cy="0"/>
+          <a:chOff x="0" y="0"/>
+          <a:chExt cx="0" cy="0"/>
+        </a:xfrm>
+      </p:grpSpPr>
+      <p:sp>
+        <p:nvSpPr>
+          <p:cNvPr id="14338" name="Rectangle 2"/>
+          <p:cNvSpPr>
+            <a:spLocks noGrp="1" noChangeArrowheads="1"/>
+          </p:cNvSpPr>
+          <p:nvPr>
+            <p:ph type="title"/>
+          </p:nvPr>
+        </p:nvSpPr>
+        <p:spPr>
+          <a:xfrm>
+            <a:off x="827584" y="836712"/>
+            <a:ext cx="7024744" cy="757888"/>
+          </a:xfrm>
+        </p:spPr>
+        <p:txBody>
+          <a:bodyPr/>
+          <a:lstStyle/>
+          <a:p>
+            <a:r>
+              <a:rPr lang="en-IE" altLang="en-US" dirty="0" smtClean="0"/>
+              <a:t>Evaluation</a:t>
+            </a:r>
+            <a:endParaRPr lang="en-US" altLang="en-US" dirty="0"/>
+          </a:p>
+        </p:txBody>
+      </p:sp>
+      <p:sp>
+        <p:nvSpPr>
+          <p:cNvPr id="14339" name="Rectangle 3"/>
+          <p:cNvSpPr>
+            <a:spLocks noGrp="1" noChangeArrowheads="1"/>
+          </p:cNvSpPr>
+          <p:nvPr>
+            <p:ph idx="1"/>
+          </p:nvPr>
+        </p:nvSpPr>
+        <p:spPr>
+          <a:xfrm>
+            <a:off x="827584" y="1594600"/>
+            <a:ext cx="6711654" cy="4786728"/>
+          </a:xfrm>
+        </p:spPr>
+        <p:txBody>
+          <a:bodyPr>
+            <a:normAutofit lnSpcReduction="10000"/>
+          </a:bodyPr>
+          <a:lstStyle/>
+          <a:p>
+            <a:pPr marL="0" indent="0">
+              <a:buNone/>
+            </a:pPr>
+            <a:r>
+              <a:rPr lang="en-IE" altLang="en-US" sz="2400" dirty="0" smtClean="0">
+                <a:cs typeface="Arial" panose="020B0604020202020204" pitchFamily="34" charset="0"/>
+              </a:rPr>
+              <a:t>How </a:t>
+            </a:r>
+            <a:r>
+              <a:rPr lang="en-IE" altLang="en-US" sz="2400" dirty="0" smtClean="0">
+                <a:cs typeface="Arial" panose="020B0604020202020204" pitchFamily="34" charset="0"/>
+              </a:rPr>
+              <a:t>will </a:t>
+            </a:r>
+            <a:r>
+              <a:rPr lang="en-IE" altLang="en-US" sz="2400" dirty="0">
+                <a:cs typeface="Arial" panose="020B0604020202020204" pitchFamily="34" charset="0"/>
+              </a:rPr>
+              <a:t>you evaluate the system</a:t>
+            </a:r>
+            <a:r>
+              <a:rPr lang="en-IE" altLang="en-US" sz="2400" dirty="0" smtClean="0">
+                <a:cs typeface="Arial" panose="020B0604020202020204" pitchFamily="34" charset="0"/>
+              </a:rPr>
+              <a:t>?</a:t>
+            </a:r>
+          </a:p>
+          <a:p>
+            <a:pPr marL="0" indent="0">
+              <a:buNone/>
+            </a:pPr>
+            <a:r>
+              <a:rPr lang="en-IE" altLang="en-US" dirty="0" smtClean="0">
+                <a:solidFill>
+                  <a:schemeClr val="accent1"/>
+                </a:solidFill>
+                <a:cs typeface="Arial" panose="020B0604020202020204" pitchFamily="34" charset="0"/>
+              </a:rPr>
+              <a:t>Unit Testing </a:t>
+            </a:r>
+            <a:r>
+              <a:rPr lang="en-IE" altLang="en-US" dirty="0" smtClean="0">
+                <a:cs typeface="Arial" panose="020B0604020202020204" pitchFamily="34" charset="0"/>
+              </a:rPr>
+              <a:t>and </a:t>
+            </a:r>
+            <a:r>
+              <a:rPr lang="en-IE" altLang="en-US" dirty="0" smtClean="0">
+                <a:solidFill>
+                  <a:schemeClr val="accent1"/>
+                </a:solidFill>
+                <a:cs typeface="Arial" panose="020B0604020202020204" pitchFamily="34" charset="0"/>
+              </a:rPr>
+              <a:t>User Testing </a:t>
+            </a:r>
+            <a:r>
+              <a:rPr lang="en-IE" altLang="en-US" dirty="0" smtClean="0">
+                <a:cs typeface="Arial" panose="020B0604020202020204" pitchFamily="34" charset="0"/>
+              </a:rPr>
+              <a:t>and</a:t>
+            </a:r>
+            <a:r>
+              <a:rPr lang="en-IE" altLang="en-US" dirty="0" smtClean="0">
+                <a:solidFill>
+                  <a:schemeClr val="accent1"/>
+                </a:solidFill>
+                <a:cs typeface="Arial" panose="020B0604020202020204" pitchFamily="34" charset="0"/>
+              </a:rPr>
+              <a:t> Heuristic Evaluation </a:t>
+            </a:r>
+            <a:r>
+              <a:rPr lang="en-IE" altLang="en-US" dirty="0" smtClean="0">
+                <a:cs typeface="Arial" panose="020B0604020202020204" pitchFamily="34" charset="0"/>
+              </a:rPr>
+              <a:t>is incorporated in the project for evaluation.</a:t>
+            </a:r>
+          </a:p>
+          <a:p>
+            <a:pPr marL="0" indent="0">
+              <a:buNone/>
+            </a:pPr>
+            <a:endParaRPr lang="en-IE" altLang="en-US" dirty="0">
+              <a:cs typeface="Arial" panose="020B0604020202020204" pitchFamily="34" charset="0"/>
+            </a:endParaRPr>
+          </a:p>
+          <a:p>
+            <a:pPr marL="0" indent="0">
+              <a:buNone/>
+            </a:pPr>
+            <a:r>
+              <a:rPr lang="en-IE" altLang="en-US" dirty="0" smtClean="0">
+                <a:solidFill>
+                  <a:schemeClr val="accent3"/>
+                </a:solidFill>
+                <a:cs typeface="Arial" panose="020B0604020202020204" pitchFamily="34" charset="0"/>
+              </a:rPr>
+              <a:t>What is Unit Testing ? </a:t>
+            </a:r>
+          </a:p>
+          <a:p>
+            <a:pPr marL="0" indent="0">
+              <a:buNone/>
+            </a:pPr>
+            <a:r>
+              <a:rPr lang="en-IE" altLang="en-US" dirty="0" smtClean="0">
+                <a:cs typeface="Arial" panose="020B0604020202020204" pitchFamily="34" charset="0"/>
+              </a:rPr>
+              <a:t>Unit Testing is a testing by which individual units of code are tested to determine whether they fit for use.</a:t>
+            </a:r>
+            <a:endParaRPr lang="en-IE" altLang="en-US" dirty="0">
+              <a:cs typeface="Arial" panose="020B0604020202020204" pitchFamily="34" charset="0"/>
+            </a:endParaRPr>
+          </a:p>
+          <a:p>
+            <a:pPr marL="0" indent="0">
+              <a:buNone/>
+            </a:pPr>
+            <a:r>
+              <a:rPr lang="en-IE" altLang="en-US" dirty="0" smtClean="0">
+                <a:solidFill>
+                  <a:srgbClr val="00B0F0"/>
+                </a:solidFill>
+                <a:cs typeface="Arial" panose="020B0604020202020204" pitchFamily="34" charset="0"/>
+              </a:rPr>
+              <a:t>What is User Testing ? </a:t>
+            </a:r>
+          </a:p>
+          <a:p>
+            <a:pPr marL="0" indent="0">
+              <a:buNone/>
+            </a:pPr>
+            <a:r>
+              <a:rPr lang="en-IE" dirty="0"/>
+              <a:t>User testing is the most effective way to discover any barriers that users will </a:t>
+            </a:r>
+            <a:r>
+              <a:rPr lang="en-IE" dirty="0" smtClean="0"/>
+              <a:t>face.</a:t>
+            </a:r>
+          </a:p>
+          <a:p>
+            <a:pPr marL="0" indent="0">
+              <a:buNone/>
+            </a:pPr>
+            <a:r>
+              <a:rPr lang="en-IE" altLang="en-US" dirty="0" smtClean="0">
+                <a:solidFill>
+                  <a:srgbClr val="00B050"/>
+                </a:solidFill>
+                <a:cs typeface="Arial" panose="020B0604020202020204" pitchFamily="34" charset="0"/>
+              </a:rPr>
+              <a:t>What is Heuristic Evaluation ?</a:t>
+            </a:r>
+          </a:p>
+          <a:p>
+            <a:pPr marL="0" indent="0">
+              <a:buNone/>
+            </a:pPr>
+            <a:r>
+              <a:rPr lang="en-IE" altLang="en-US" dirty="0" smtClean="0">
+                <a:cs typeface="Arial" panose="020B0604020202020204" pitchFamily="34" charset="0"/>
+              </a:rPr>
+              <a:t>Usability inspection method for computer software.</a:t>
+            </a:r>
+            <a:endParaRPr lang="en-IE" altLang="en-US" dirty="0">
+              <a:cs typeface="Arial" panose="020B0604020202020204" pitchFamily="34" charset="0"/>
+            </a:endParaRPr>
+          </a:p>
+        </p:txBody>
+      </p:sp>
+    </p:spTree>
+    <p:extLst>
+      <p:ext uri="{BB962C8B-B14F-4D97-AF65-F5344CB8AC3E}">
+        <p14:creationId xmlns:p14="http://schemas.microsoft.com/office/powerpoint/2010/main" val="3929260058"/>
+      </p:ext>
+    </p:extLst>
+  </p:cSld>
+  <p:clrMapOvr>
+    <a:masterClrMapping/>
+  </p:clrMapOvr>
+  <p:timing>
+    <p:tnLst>
+      <p:par>
+        <p:cTn id="1" dur="indefinite" restart="never" nodeType="tmRoot"/>
+      </p:par>
+    </p:tnLst>
+  </p:timing>
+</p:sld>
+</file>
+
+<file path=ppt/slides/slide35.xml><?xml version="1.0" encoding="utf-8"?>
+<p:sld xmlns:a="http://schemas.openxmlformats.org/drawingml/2006/main" xmlns:r="http://schemas.openxmlformats.org/officeDocument/2006/relationships" xmlns:p="http://schemas.openxmlformats.org/presentationml/2006/main">
+  <p:cSld>
+    <p:spTree>
+      <p:nvGrpSpPr>
+        <p:cNvPr id="1" name=""/>
+        <p:cNvGrpSpPr/>
+        <p:nvPr/>
+      </p:nvGrpSpPr>
+      <p:grpSpPr>
+        <a:xfrm>
+          <a:off x="0" y="0"/>
+          <a:ext cx="0" cy="0"/>
+          <a:chOff x="0" y="0"/>
+          <a:chExt cx="0" cy="0"/>
+        </a:xfrm>
+      </p:grpSpPr>
+      <p:sp>
+        <p:nvSpPr>
+          <p:cNvPr id="2" name="Title 1"/>
+          <p:cNvSpPr>
+            <a:spLocks noGrp="1"/>
+          </p:cNvSpPr>
+          <p:nvPr>
+            <p:ph type="title"/>
+          </p:nvPr>
+        </p:nvSpPr>
+        <p:spPr/>
+        <p:txBody>
+          <a:bodyPr/>
+          <a:lstStyle/>
+          <a:p>
+            <a:r>
+              <a:rPr lang="en-US" dirty="0" smtClean="0"/>
+              <a:t>Unit Testing</a:t>
+            </a:r>
+            <a:endParaRPr lang="en-US" dirty="0"/>
+          </a:p>
+        </p:txBody>
+      </p:sp>
+      <p:sp>
+        <p:nvSpPr>
+          <p:cNvPr id="3" name="Content Placeholder 2"/>
+          <p:cNvSpPr>
+            <a:spLocks noGrp="1"/>
+          </p:cNvSpPr>
+          <p:nvPr>
+            <p:ph idx="1"/>
+          </p:nvPr>
+        </p:nvSpPr>
+        <p:spPr/>
+        <p:txBody>
+          <a:bodyPr/>
+          <a:lstStyle/>
+          <a:p>
+            <a:pPr marL="0" indent="0">
+              <a:buNone/>
+            </a:pPr>
+            <a:endParaRPr lang="en-US" dirty="0"/>
+          </a:p>
+        </p:txBody>
+      </p:sp>
+    </p:spTree>
+    <p:extLst>
+      <p:ext uri="{BB962C8B-B14F-4D97-AF65-F5344CB8AC3E}">
+        <p14:creationId xmlns:p14="http://schemas.microsoft.com/office/powerpoint/2010/main" val="339919723"/>
+      </p:ext>
+    </p:extLst>
+  </p:cSld>
+  <p:clrMapOvr>
+    <a:masterClrMapping/>
+  </p:clrMapOvr>
+  <p:timing>
+    <p:tnLst>
+      <p:par>
+        <p:cTn id="1" dur="indefinite" restart="never" nodeType="tmRoot"/>
+      </p:par>
+    </p:tnLst>
+  </p:timing>
+</p:sld>
+</file>
+
+<file path=ppt/slides/slide36.xml><?xml version="1.0" encoding="utf-8"?>
+<p:sld xmlns:a="http://schemas.openxmlformats.org/drawingml/2006/main" xmlns:r="http://schemas.openxmlformats.org/officeDocument/2006/relationships" xmlns:p="http://schemas.openxmlformats.org/presentationml/2006/main">
+  <p:cSld>
+    <p:spTree>
+      <p:nvGrpSpPr>
+        <p:cNvPr id="1" name=""/>
+        <p:cNvGrpSpPr/>
+        <p:nvPr/>
+      </p:nvGrpSpPr>
+      <p:grpSpPr>
+        <a:xfrm>
+          <a:off x="0" y="0"/>
+          <a:ext cx="0" cy="0"/>
+          <a:chOff x="0" y="0"/>
+          <a:chExt cx="0" cy="0"/>
+        </a:xfrm>
+      </p:grpSpPr>
+      <p:sp>
+        <p:nvSpPr>
+          <p:cNvPr id="2" name="Title 1"/>
+          <p:cNvSpPr>
+            <a:spLocks noGrp="1"/>
+          </p:cNvSpPr>
+          <p:nvPr>
+            <p:ph type="title"/>
+          </p:nvPr>
+        </p:nvSpPr>
+        <p:spPr/>
+        <p:txBody>
+          <a:bodyPr/>
+          <a:lstStyle/>
+          <a:p>
+            <a:r>
+              <a:rPr lang="en-US" dirty="0" smtClean="0"/>
+              <a:t>User Testing (Survey)</a:t>
+            </a:r>
+            <a:endParaRPr lang="en-US" dirty="0"/>
+          </a:p>
+        </p:txBody>
+      </p:sp>
+      <p:sp>
+        <p:nvSpPr>
+          <p:cNvPr id="3" name="Content Placeholder 2"/>
+          <p:cNvSpPr>
+            <a:spLocks noGrp="1"/>
+          </p:cNvSpPr>
+          <p:nvPr>
+            <p:ph idx="1"/>
+          </p:nvPr>
+        </p:nvSpPr>
+        <p:spPr/>
+        <p:txBody>
+          <a:bodyPr/>
+          <a:lstStyle/>
+          <a:p>
+            <a:endParaRPr lang="en-US" dirty="0"/>
+          </a:p>
+        </p:txBody>
+      </p:sp>
+    </p:spTree>
+    <p:extLst>
+      <p:ext uri="{BB962C8B-B14F-4D97-AF65-F5344CB8AC3E}">
+        <p14:creationId xmlns:p14="http://schemas.microsoft.com/office/powerpoint/2010/main" val="319897226"/>
+      </p:ext>
+    </p:extLst>
+  </p:cSld>
+  <p:clrMapOvr>
+    <a:masterClrMapping/>
+  </p:clrMapOvr>
+  <p:timing>
+    <p:tnLst>
+      <p:par>
+        <p:cTn id="1" dur="indefinite" restart="never" nodeType="tmRoot"/>
+      </p:par>
+    </p:tnLst>
+  </p:timing>
+</p:sld>
+</file>
+
+<file path=ppt/slides/slide37.xml><?xml version="1.0" encoding="utf-8"?>
+<p:sld xmlns:a="http://schemas.openxmlformats.org/drawingml/2006/main" xmlns:r="http://schemas.openxmlformats.org/officeDocument/2006/relationships" xmlns:p="http://schemas.openxmlformats.org/presentationml/2006/main">
+  <p:cSld>
+    <p:spTree>
+      <p:nvGrpSpPr>
+        <p:cNvPr id="1" name=""/>
+        <p:cNvGrpSpPr/>
+        <p:nvPr/>
+      </p:nvGrpSpPr>
+      <p:grpSpPr>
+        <a:xfrm>
+          <a:off x="0" y="0"/>
+          <a:ext cx="0" cy="0"/>
+          <a:chOff x="0" y="0"/>
+          <a:chExt cx="0" cy="0"/>
+        </a:xfrm>
+      </p:grpSpPr>
+      <p:sp>
+        <p:nvSpPr>
+          <p:cNvPr id="2" name="Title 1"/>
+          <p:cNvSpPr>
+            <a:spLocks noGrp="1"/>
+          </p:cNvSpPr>
+          <p:nvPr>
+            <p:ph type="title"/>
+          </p:nvPr>
+        </p:nvSpPr>
+        <p:spPr/>
+        <p:txBody>
+          <a:bodyPr/>
+          <a:lstStyle/>
+          <a:p>
+            <a:r>
+              <a:rPr lang="en-US" dirty="0" smtClean="0"/>
+              <a:t>Heuristic Evaluation</a:t>
+            </a:r>
+            <a:endParaRPr lang="en-US" dirty="0"/>
+          </a:p>
+        </p:txBody>
+      </p:sp>
+      <p:sp>
+        <p:nvSpPr>
+          <p:cNvPr id="3" name="Content Placeholder 2"/>
+          <p:cNvSpPr>
+            <a:spLocks noGrp="1"/>
+          </p:cNvSpPr>
+          <p:nvPr>
+            <p:ph idx="1"/>
+          </p:nvPr>
+        </p:nvSpPr>
+        <p:spPr/>
+        <p:txBody>
+          <a:bodyPr/>
+          <a:lstStyle/>
+          <a:p>
+            <a:endParaRPr lang="en-US" dirty="0"/>
+          </a:p>
+        </p:txBody>
+      </p:sp>
+    </p:spTree>
+    <p:extLst>
+      <p:ext uri="{BB962C8B-B14F-4D97-AF65-F5344CB8AC3E}">
+        <p14:creationId xmlns:p14="http://schemas.microsoft.com/office/powerpoint/2010/main" val="965597421"/>
+      </p:ext>
+    </p:extLst>
+  </p:cSld>
+  <p:clrMapOvr>
+    <a:masterClrMapping/>
+  </p:clrMapOvr>
+</p:sld>
+</file>
+
+<file path=ppt/slides/slide38.xml><?xml version="1.0" encoding="utf-8"?>
+<p:sld xmlns:a="http://schemas.openxmlformats.org/drawingml/2006/main" xmlns:r="http://schemas.openxmlformats.org/officeDocument/2006/relationships" xmlns:p="http://schemas.openxmlformats.org/presentationml/2006/main">
+  <p:cSld>
+    <p:spTree>
+      <p:nvGrpSpPr>
+        <p:cNvPr id="1" name=""/>
+        <p:cNvGrpSpPr/>
+        <p:nvPr/>
+      </p:nvGrpSpPr>
+      <p:grpSpPr>
+        <a:xfrm>
+          <a:off x="0" y="0"/>
+          <a:ext cx="0" cy="0"/>
+          <a:chOff x="0" y="0"/>
+          <a:chExt cx="0" cy="0"/>
+        </a:xfrm>
+      </p:grpSpPr>
+      <p:sp>
+        <p:nvSpPr>
+          <p:cNvPr id="10242" name="Rectangle 2"/>
+          <p:cNvSpPr>
+            <a:spLocks noGrp="1" noChangeArrowheads="1"/>
+          </p:cNvSpPr>
+          <p:nvPr>
+            <p:ph type="title"/>
+          </p:nvPr>
+        </p:nvSpPr>
+        <p:spPr>
+          <a:xfrm>
+            <a:off x="899592" y="836712"/>
+            <a:ext cx="7024744" cy="757888"/>
+          </a:xfrm>
+        </p:spPr>
+        <p:txBody>
+          <a:bodyPr/>
+          <a:lstStyle/>
+          <a:p>
+            <a:r>
+              <a:rPr lang="en-IE" altLang="en-US" dirty="0"/>
+              <a:t>Demonstration</a:t>
+            </a:r>
+            <a:endParaRPr lang="en-US" altLang="en-US" dirty="0"/>
+          </a:p>
+        </p:txBody>
+      </p:sp>
+      <p:sp>
+        <p:nvSpPr>
+          <p:cNvPr id="10243" name="Rectangle 3"/>
+          <p:cNvSpPr>
+            <a:spLocks noGrp="1" noChangeArrowheads="1"/>
+          </p:cNvSpPr>
+          <p:nvPr>
+            <p:ph idx="1"/>
+          </p:nvPr>
+        </p:nvSpPr>
+        <p:spPr>
+          <a:xfrm>
+            <a:off x="1023305" y="1594600"/>
+            <a:ext cx="6777317" cy="3339733"/>
+          </a:xfrm>
+        </p:spPr>
+        <p:txBody>
+          <a:bodyPr/>
+          <a:lstStyle/>
+          <a:p>
+            <a:r>
+              <a:rPr lang="en-IE" altLang="en-US" dirty="0" smtClean="0">
+                <a:latin typeface="Arial" panose="020B0604020202020204" pitchFamily="34" charset="0"/>
+                <a:cs typeface="Arial" panose="020B0604020202020204" pitchFamily="34" charset="0"/>
+              </a:rPr>
+              <a:t>GUI </a:t>
+            </a:r>
+            <a:r>
+              <a:rPr lang="en-IE" altLang="en-US" dirty="0">
+                <a:latin typeface="Arial" panose="020B0604020202020204" pitchFamily="34" charset="0"/>
+                <a:cs typeface="Arial" panose="020B0604020202020204" pitchFamily="34" charset="0"/>
+              </a:rPr>
+              <a:t>(Screen Shots</a:t>
+            </a:r>
+            <a:r>
+              <a:rPr lang="en-IE" altLang="en-US" dirty="0" smtClean="0">
+                <a:latin typeface="Arial" panose="020B0604020202020204" pitchFamily="34" charset="0"/>
+                <a:cs typeface="Arial" panose="020B0604020202020204" pitchFamily="34" charset="0"/>
+              </a:rPr>
+              <a:t>)</a:t>
+            </a:r>
+          </a:p>
+          <a:p>
+            <a:pPr marL="0" indent="0">
+              <a:buNone/>
+            </a:pPr>
+            <a:endParaRPr lang="en-IE" altLang="en-US" dirty="0" smtClean="0">
+              <a:latin typeface="Arial" panose="020B0604020202020204" pitchFamily="34" charset="0"/>
+              <a:cs typeface="Arial" panose="020B0604020202020204" pitchFamily="34" charset="0"/>
+            </a:endParaRPr>
+          </a:p>
+          <a:p>
+            <a:endParaRPr lang="en-US" altLang="en-US" dirty="0">
+              <a:latin typeface="Arial" panose="020B0604020202020204" pitchFamily="34" charset="0"/>
+              <a:cs typeface="Arial" panose="020B0604020202020204" pitchFamily="34" charset="0"/>
+            </a:endParaRPr>
+          </a:p>
+          <a:p>
+            <a:pPr marL="0" indent="0">
+              <a:buNone/>
+            </a:pPr>
+            <a:endParaRPr lang="en-IE" altLang="en-US" dirty="0">
+              <a:latin typeface="Arial" panose="020B0604020202020204" pitchFamily="34" charset="0"/>
+              <a:cs typeface="Arial" panose="020B0604020202020204" pitchFamily="34" charset="0"/>
+            </a:endParaRPr>
+          </a:p>
+        </p:txBody>
+      </p:sp>
+      <p:pic>
+        <p:nvPicPr>
+          <p:cNvPr id="2" name="Picture 1"/>
+          <p:cNvPicPr>
+            <a:picLocks noChangeAspect="1"/>
+          </p:cNvPicPr>
+          <p:nvPr/>
+        </p:nvPicPr>
+        <p:blipFill>
+          <a:blip r:embed="rId2">
+            <a:extLst>
+              <a:ext uri="{28A0092B-C50C-407E-A947-70E740481C1C}">
+                <a14:useLocalDpi xmlns:a14="http://schemas.microsoft.com/office/drawing/2010/main" val="0"/>
+              </a:ext>
+            </a:extLst>
+          </a:blip>
+          <a:stretch>
+            <a:fillRect/>
+          </a:stretch>
+        </p:blipFill>
+        <p:spPr>
+          <a:xfrm>
+            <a:off x="1691680" y="2097767"/>
+            <a:ext cx="2500364" cy="4602233"/>
+          </a:xfrm>
+          <a:prstGeom prst="rect">
+            <a:avLst/>
+          </a:prstGeom>
+        </p:spPr>
+      </p:pic>
+      <p:pic>
+        <p:nvPicPr>
+          <p:cNvPr id="3" name="Picture 2"/>
+          <p:cNvPicPr>
+            <a:picLocks noChangeAspect="1"/>
+          </p:cNvPicPr>
+          <p:nvPr/>
+        </p:nvPicPr>
+        <p:blipFill>
+          <a:blip r:embed="rId3">
+            <a:extLst>
+              <a:ext uri="{28A0092B-C50C-407E-A947-70E740481C1C}">
+                <a14:useLocalDpi xmlns:a14="http://schemas.microsoft.com/office/drawing/2010/main" val="0"/>
+              </a:ext>
+            </a:extLst>
+          </a:blip>
+          <a:stretch>
+            <a:fillRect/>
+          </a:stretch>
+        </p:blipFill>
+        <p:spPr>
+          <a:xfrm>
+            <a:off x="5794070" y="2096280"/>
+            <a:ext cx="2512539" cy="4603720"/>
+          </a:xfrm>
+          <a:prstGeom prst="rect">
+            <a:avLst/>
+          </a:prstGeom>
+        </p:spPr>
+      </p:pic>
+      <p:sp>
+        <p:nvSpPr>
+          <p:cNvPr id="4" name="TextBox 3"/>
+          <p:cNvSpPr txBox="1"/>
+          <p:nvPr/>
+        </p:nvSpPr>
+        <p:spPr>
+          <a:xfrm>
+            <a:off x="180526" y="3259367"/>
+            <a:ext cx="1143262" cy="646331"/>
+          </a:xfrm>
+          <a:prstGeom prst="rect">
+            <a:avLst/>
+          </a:prstGeom>
+          <a:noFill/>
+        </p:spPr>
+        <p:txBody>
+          <a:bodyPr wrap="none" rtlCol="0">
+            <a:spAutoFit/>
+          </a:bodyPr>
+          <a:lstStyle/>
+          <a:p>
+            <a:r>
+              <a:rPr lang="en-US" dirty="0" smtClean="0"/>
+              <a:t>List of</a:t>
+            </a:r>
+          </a:p>
+          <a:p>
+            <a:r>
+              <a:rPr lang="en-US" dirty="0" smtClean="0"/>
+              <a:t>Buildings</a:t>
+            </a:r>
+            <a:endParaRPr lang="en-US" dirty="0"/>
+          </a:p>
+        </p:txBody>
+      </p:sp>
+      <p:sp>
+        <p:nvSpPr>
+          <p:cNvPr id="5" name="TextBox 4"/>
+          <p:cNvSpPr txBox="1"/>
+          <p:nvPr/>
+        </p:nvSpPr>
+        <p:spPr>
+          <a:xfrm>
+            <a:off x="4433449" y="3259367"/>
+            <a:ext cx="1119217" cy="923330"/>
+          </a:xfrm>
+          <a:prstGeom prst="rect">
+            <a:avLst/>
+          </a:prstGeom>
+          <a:noFill/>
+        </p:spPr>
+        <p:txBody>
+          <a:bodyPr wrap="none" rtlCol="0">
+            <a:spAutoFit/>
+          </a:bodyPr>
+          <a:lstStyle/>
+          <a:p>
+            <a:r>
+              <a:rPr lang="en-US" dirty="0" smtClean="0"/>
+              <a:t>List of </a:t>
+            </a:r>
+          </a:p>
+          <a:p>
+            <a:r>
+              <a:rPr lang="en-US" dirty="0" smtClean="0"/>
+              <a:t>Meeting</a:t>
+            </a:r>
+          </a:p>
+          <a:p>
+            <a:r>
+              <a:rPr lang="en-US" dirty="0" smtClean="0"/>
+              <a:t>Rooms</a:t>
+            </a:r>
+            <a:endParaRPr lang="en-US" dirty="0"/>
+          </a:p>
+        </p:txBody>
+      </p:sp>
+    </p:spTree>
+    <p:extLst>
+      <p:ext uri="{BB962C8B-B14F-4D97-AF65-F5344CB8AC3E}">
+        <p14:creationId xmlns:p14="http://schemas.microsoft.com/office/powerpoint/2010/main" val="3350945662"/>
+      </p:ext>
+    </p:extLst>
+  </p:cSld>
+  <p:clrMapOvr>
+    <a:masterClrMapping/>
+  </p:clrMapOvr>
+  <p:timing>
+    <p:tnLst>
+      <p:par>
+        <p:cTn id="1" dur="indefinite" restart="never" nodeType="tmRoot"/>
+      </p:par>
+    </p:tnLst>
+  </p:timing>
+</p:sld>
+</file>
+
+<file path=ppt/slides/slide39.xml><?xml version="1.0" encoding="utf-8"?>
+<p:sld xmlns:a="http://schemas.openxmlformats.org/drawingml/2006/main" xmlns:r="http://schemas.openxmlformats.org/officeDocument/2006/relationships" xmlns:p="http://schemas.openxmlformats.org/presentationml/2006/main">
+  <p:cSld>
+    <p:spTree>
+      <p:nvGrpSpPr>
+        <p:cNvPr id="1" name=""/>
+        <p:cNvGrpSpPr/>
+        <p:nvPr/>
+      </p:nvGrpSpPr>
+      <p:grpSpPr>
+        <a:xfrm>
+          <a:off x="0" y="0"/>
+          <a:ext cx="0" cy="0"/>
+          <a:chOff x="0" y="0"/>
+          <a:chExt cx="0" cy="0"/>
+        </a:xfrm>
+      </p:grpSpPr>
+      <p:sp>
+        <p:nvSpPr>
+          <p:cNvPr id="11" name="Rectangle 10"/>
+          <p:cNvSpPr/>
+          <p:nvPr/>
+        </p:nvSpPr>
+        <p:spPr>
+          <a:xfrm>
+            <a:off x="1085184" y="548680"/>
+            <a:ext cx="4014240" cy="738664"/>
+          </a:xfrm>
+          <a:prstGeom prst="rect">
+            <a:avLst/>
+          </a:prstGeom>
+        </p:spPr>
+        <p:txBody>
+          <a:bodyPr wrap="none">
+            <a:spAutoFit/>
+          </a:bodyPr>
+          <a:lstStyle/>
+          <a:p>
+            <a:r>
+              <a:rPr lang="en-IE" altLang="en-US" sz="4200" dirty="0" smtClean="0"/>
+              <a:t>Demonstration</a:t>
+            </a:r>
+            <a:endParaRPr lang="en-US" sz="4200" dirty="0"/>
+          </a:p>
+        </p:txBody>
+      </p:sp>
+      <p:sp>
+        <p:nvSpPr>
+          <p:cNvPr id="2" name="TextBox 1"/>
+          <p:cNvSpPr txBox="1"/>
+          <p:nvPr/>
+        </p:nvSpPr>
+        <p:spPr>
+          <a:xfrm>
+            <a:off x="1091367" y="3284984"/>
+            <a:ext cx="5251759" cy="369332"/>
+          </a:xfrm>
+          <a:prstGeom prst="rect">
+            <a:avLst/>
+          </a:prstGeom>
+          <a:noFill/>
+        </p:spPr>
+        <p:txBody>
+          <a:bodyPr wrap="none" rtlCol="0">
+            <a:spAutoFit/>
+          </a:bodyPr>
+          <a:lstStyle/>
+          <a:p>
+            <a:r>
+              <a:rPr lang="en-US" smtClean="0"/>
+              <a:t>DEMO OF THE APPLICATION ON REAL DEVICE.</a:t>
+            </a:r>
+            <a:endParaRPr lang="en-US"/>
+          </a:p>
+        </p:txBody>
+      </p:sp>
+    </p:spTree>
+    <p:extLst>
+      <p:ext uri="{BB962C8B-B14F-4D97-AF65-F5344CB8AC3E}">
+        <p14:creationId xmlns:p14="http://schemas.microsoft.com/office/powerpoint/2010/main" val="187100307"/>
       </p:ext>
     </p:extLst>
   </p:cSld>
@@ -9598,9 +11830,9 @@
       </p:grpSpPr>
       <p:sp>
         <p:nvSpPr>
-          <p:cNvPr id="2" name="Title 1"/>
-          <p:cNvSpPr>
-            <a:spLocks noGrp="1"/>
+          <p:cNvPr id="17410" name="Rectangle 2"/>
+          <p:cNvSpPr>
+            <a:spLocks noGrp="1" noChangeArrowheads="1"/>
           </p:cNvSpPr>
           <p:nvPr>
             <p:ph type="title"/>
@@ -9608,19 +11840,93 @@
         </p:nvSpPr>
         <p:spPr>
           <a:xfrm>
-            <a:off x="3255901" y="488615"/>
-            <a:ext cx="5188664" cy="1400530"/>
-          </a:xfrm>
-        </p:spPr>
-        <p:txBody>
-          <a:bodyPr/>
-          <a:lstStyle/>
-          <a:p>
-            <a:r>
-              <a:rPr lang="en-US" dirty="0" smtClean="0"/>
-              <a:t>App Features Summary</a:t>
-            </a:r>
-            <a:endParaRPr lang="en-US" dirty="0"/>
+            <a:off x="395536" y="908720"/>
+            <a:ext cx="7024744" cy="685880"/>
+          </a:xfrm>
+        </p:spPr>
+        <p:txBody>
+          <a:bodyPr>
+            <a:normAutofit fontScale="90000"/>
+          </a:bodyPr>
+          <a:lstStyle/>
+          <a:p>
+            <a:r>
+              <a:rPr lang="en-IE" altLang="en-US" dirty="0" smtClean="0"/>
+              <a:t>Project Goals</a:t>
+            </a:r>
+            <a:endParaRPr lang="en-US" altLang="en-US" dirty="0"/>
+          </a:p>
+        </p:txBody>
+      </p:sp>
+      <p:sp>
+        <p:nvSpPr>
+          <p:cNvPr id="17411" name="Rectangle 3"/>
+          <p:cNvSpPr>
+            <a:spLocks noGrp="1" noChangeArrowheads="1"/>
+          </p:cNvSpPr>
+          <p:nvPr>
+            <p:ph idx="1"/>
+          </p:nvPr>
+        </p:nvSpPr>
+        <p:spPr>
+          <a:xfrm>
+            <a:off x="3419872" y="2204864"/>
+            <a:ext cx="5472608" cy="3508977"/>
+          </a:xfrm>
+        </p:spPr>
+        <p:txBody>
+          <a:bodyPr>
+            <a:normAutofit/>
+          </a:bodyPr>
+          <a:lstStyle/>
+          <a:p>
+            <a:r>
+              <a:rPr lang="en-IE" altLang="en-US" sz="2400" dirty="0" smtClean="0">
+                <a:cs typeface="Arial" panose="020B0604020202020204" pitchFamily="34" charset="0"/>
+              </a:rPr>
+              <a:t>Build easy and user friendly GUI.</a:t>
+            </a:r>
+            <a:endParaRPr lang="en-US" altLang="en-US" sz="2400" dirty="0"/>
+          </a:p>
+          <a:p>
+            <a:r>
+              <a:rPr lang="en-US" altLang="en-US" sz="2400" dirty="0" smtClean="0">
+                <a:cs typeface="Arial" panose="020B0604020202020204" pitchFamily="34" charset="0"/>
+              </a:rPr>
+              <a:t>Build easy to use features and functionality.</a:t>
+            </a:r>
+          </a:p>
+          <a:p>
+            <a:r>
+              <a:rPr lang="en-US" altLang="en-US" sz="2400" dirty="0" smtClean="0">
+                <a:cs typeface="Arial" panose="020B0604020202020204" pitchFamily="34" charset="0"/>
+              </a:rPr>
+              <a:t>Minimal learning curve to start using the application to its fullest.</a:t>
+            </a:r>
+          </a:p>
+          <a:p>
+            <a:r>
+              <a:rPr lang="en-US" altLang="en-US" sz="2400" dirty="0" smtClean="0">
+                <a:cs typeface="Arial" panose="020B0604020202020204" pitchFamily="34" charset="0"/>
+              </a:rPr>
+              <a:t>Expand internationally.</a:t>
+            </a:r>
+          </a:p>
+          <a:p>
+            <a:r>
+              <a:rPr lang="en-US" altLang="en-US" sz="2400" dirty="0" smtClean="0">
+                <a:cs typeface="Arial" panose="020B0604020202020204" pitchFamily="34" charset="0"/>
+              </a:rPr>
+              <a:t>Happy users and Customer.</a:t>
+            </a:r>
+            <a:endParaRPr lang="en-US" altLang="en-US" sz="2400" dirty="0" smtClean="0">
+              <a:cs typeface="Arial" panose="020B0604020202020204" pitchFamily="34" charset="0"/>
+            </a:endParaRPr>
+          </a:p>
+          <a:p>
+            <a:endParaRPr lang="en-IE" altLang="en-US" dirty="0">
+              <a:cs typeface="Arial" panose="020B0604020202020204" pitchFamily="34" charset="0"/>
+            </a:endParaRPr>
           </a:p>
         </p:txBody>
       </p:sp>
@@ -9646,225 +11952,8 @@
         </p:blipFill>
         <p:spPr>
           <a:xfrm>
-            <a:off x="1264198" y="2870162"/>
-            <a:ext cx="1944216" cy="1944216"/>
-          </a:xfrm>
-          <a:prstGeom prst="rect">
-            <a:avLst/>
-          </a:prstGeom>
-          <a:ln>
-            <a:noFill/>
-          </a:ln>
-          <a:effectLst>
-            <a:outerShdw blurRad="292100" dist="139700" dir="2700000" algn="tl" rotWithShape="0">
-              <a:srgbClr val="333333">
-                <a:alpha val="65000"/>
-              </a:srgbClr>
-            </a:outerShdw>
-          </a:effectLst>
-        </p:spPr>
-      </p:pic>
-      <p:pic>
-        <p:nvPicPr>
-          <p:cNvPr id="7" name="Picture 6"/>
-          <p:cNvPicPr>
-            <a:picLocks noChangeAspect="1"/>
-          </p:cNvPicPr>
-          <p:nvPr/>
-        </p:nvPicPr>
-        <p:blipFill>
-          <a:blip r:embed="rId3">
-            <a:extLst>
-              <a:ext uri="{28A0092B-C50C-407E-A947-70E740481C1C}">
-                <a14:useLocalDpi xmlns:a14="http://schemas.microsoft.com/office/drawing/2010/main" val="0"/>
-              </a:ext>
-            </a:extLst>
-          </a:blip>
-          <a:stretch>
-            <a:fillRect/>
-          </a:stretch>
-        </p:blipFill>
-        <p:spPr>
-          <a:xfrm>
-            <a:off x="5455782" y="2870162"/>
-            <a:ext cx="1944216" cy="1944216"/>
-          </a:xfrm>
-          <a:prstGeom prst="rect">
-            <a:avLst/>
-          </a:prstGeom>
-        </p:spPr>
-      </p:pic>
-      <p:sp>
-        <p:nvSpPr>
-          <p:cNvPr id="9" name="TextBox 8"/>
-          <p:cNvSpPr txBox="1"/>
-          <p:nvPr/>
-        </p:nvSpPr>
-        <p:spPr>
-          <a:xfrm>
-            <a:off x="1230262" y="2292282"/>
-            <a:ext cx="1343638" cy="369332"/>
-          </a:xfrm>
-          <a:prstGeom prst="rect">
-            <a:avLst/>
-          </a:prstGeom>
-          <a:noFill/>
-        </p:spPr>
-        <p:txBody>
-          <a:bodyPr wrap="none" rtlCol="0">
-            <a:spAutoFit/>
-          </a:bodyPr>
-          <a:lstStyle/>
-          <a:p>
-            <a:r>
-              <a:rPr lang="en-US" b="1" dirty="0" smtClean="0"/>
-              <a:t>FEATURE 1:</a:t>
-            </a:r>
-            <a:endParaRPr lang="en-US" b="1" dirty="0"/>
-          </a:p>
-        </p:txBody>
-      </p:sp>
-      <p:sp>
-        <p:nvSpPr>
-          <p:cNvPr id="10" name="TextBox 9"/>
-          <p:cNvSpPr txBox="1"/>
-          <p:nvPr/>
-        </p:nvSpPr>
-        <p:spPr>
-          <a:xfrm>
-            <a:off x="4427984" y="5301208"/>
-            <a:ext cx="3999813" cy="923330"/>
-          </a:xfrm>
-          <a:prstGeom prst="rect">
-            <a:avLst/>
-          </a:prstGeom>
-          <a:noFill/>
-        </p:spPr>
-        <p:txBody>
-          <a:bodyPr wrap="none" rtlCol="0">
-            <a:spAutoFit/>
-          </a:bodyPr>
-          <a:lstStyle/>
-          <a:p>
-            <a:pPr algn="ctr"/>
-            <a:r>
-              <a:rPr lang="en-US" b="1" dirty="0" smtClean="0"/>
-              <a:t>View List of Available Buildings</a:t>
-            </a:r>
-          </a:p>
-          <a:p>
-            <a:pPr algn="ctr"/>
-            <a:r>
-              <a:rPr lang="en-US" b="1" dirty="0" smtClean="0"/>
-              <a:t>And rooms available in them</a:t>
-            </a:r>
-          </a:p>
-          <a:p>
-            <a:pPr algn="ctr"/>
-            <a:r>
-              <a:rPr lang="en-US" b="1" dirty="0" smtClean="0"/>
-              <a:t>with relevant hints and information</a:t>
-            </a:r>
-            <a:endParaRPr lang="en-US" b="1" dirty="0"/>
-          </a:p>
-        </p:txBody>
-      </p:sp>
-      <p:sp>
-        <p:nvSpPr>
-          <p:cNvPr id="11" name="TextBox 10"/>
-          <p:cNvSpPr txBox="1"/>
-          <p:nvPr/>
-        </p:nvSpPr>
-        <p:spPr>
-          <a:xfrm>
-            <a:off x="1230262" y="5301208"/>
-            <a:ext cx="2012089" cy="923330"/>
-          </a:xfrm>
-          <a:prstGeom prst="rect">
-            <a:avLst/>
-          </a:prstGeom>
-          <a:noFill/>
-        </p:spPr>
-        <p:txBody>
-          <a:bodyPr wrap="none" rtlCol="0">
-            <a:spAutoFit/>
-          </a:bodyPr>
-          <a:lstStyle/>
-          <a:p>
-            <a:r>
-              <a:rPr lang="en-US" b="1" dirty="0" smtClean="0"/>
-              <a:t>Search Buildings</a:t>
-            </a:r>
-          </a:p>
-          <a:p>
-            <a:r>
-              <a:rPr lang="en-US" b="1" dirty="0" smtClean="0"/>
-              <a:t>         And</a:t>
-            </a:r>
-          </a:p>
-          <a:p>
-            <a:r>
-              <a:rPr lang="en-US" b="1" dirty="0" smtClean="0"/>
-              <a:t>Meeting Rooms</a:t>
-            </a:r>
-            <a:endParaRPr lang="en-US" b="1" dirty="0"/>
-          </a:p>
-        </p:txBody>
-      </p:sp>
-      <p:sp>
-        <p:nvSpPr>
-          <p:cNvPr id="12" name="TextBox 11"/>
-          <p:cNvSpPr txBox="1"/>
-          <p:nvPr/>
-        </p:nvSpPr>
-        <p:spPr>
-          <a:xfrm>
-            <a:off x="5455782" y="2292282"/>
-            <a:ext cx="1343638" cy="369332"/>
-          </a:xfrm>
-          <a:prstGeom prst="rect">
-            <a:avLst/>
-          </a:prstGeom>
-          <a:noFill/>
-        </p:spPr>
-        <p:txBody>
-          <a:bodyPr wrap="none" rtlCol="0">
-            <a:spAutoFit/>
-          </a:bodyPr>
-          <a:lstStyle/>
-          <a:p>
-            <a:r>
-              <a:rPr lang="en-US" b="1" dirty="0" smtClean="0"/>
-              <a:t>FEATURE 2:</a:t>
-            </a:r>
-            <a:endParaRPr lang="en-US" b="1" dirty="0"/>
-          </a:p>
-        </p:txBody>
-      </p:sp>
-      <p:pic>
-        <p:nvPicPr>
-          <p:cNvPr id="15" name="Picture 14"/>
-          <p:cNvPicPr>
-            <a:picLocks noChangeAspect="1"/>
-          </p:cNvPicPr>
-          <p:nvPr/>
-        </p:nvPicPr>
-        <p:blipFill>
-          <a:blip r:embed="rId4">
-            <a:extLst>
-              <a:ext uri="{28A0092B-C50C-407E-A947-70E740481C1C}">
-                <a14:useLocalDpi xmlns:a14="http://schemas.microsoft.com/office/drawing/2010/main" val="0"/>
-              </a:ext>
-            </a:extLst>
-          </a:blip>
-          <a:stretch>
-            <a:fillRect/>
-          </a:stretch>
-        </p:blipFill>
-        <p:spPr>
-          <a:xfrm>
-            <a:off x="1230262" y="376022"/>
-            <a:ext cx="1513123" cy="1513123"/>
+            <a:off x="611560" y="2492896"/>
+            <a:ext cx="2310420" cy="2310420"/>
           </a:xfrm>
           <a:prstGeom prst="rect">
             <a:avLst/>
@@ -9874,7 +11963,283 @@
     </p:spTree>
     <p:extLst>
       <p:ext uri="{BB962C8B-B14F-4D97-AF65-F5344CB8AC3E}">
-        <p14:creationId xmlns:p14="http://schemas.microsoft.com/office/powerpoint/2010/main" val="1015730069"/>
+        <p14:creationId xmlns:p14="http://schemas.microsoft.com/office/powerpoint/2010/main" val="927409708"/>
+      </p:ext>
+    </p:extLst>
+  </p:cSld>
+  <p:clrMapOvr>
+    <a:masterClrMapping/>
+  </p:clrMapOvr>
+  <p:timing>
+    <p:tnLst>
+      <p:par>
+        <p:cTn id="1" dur="indefinite" restart="never" nodeType="tmRoot"/>
+      </p:par>
+    </p:tnLst>
+  </p:timing>
+</p:sld>
+</file>
+
+<file path=ppt/slides/slide40.xml><?xml version="1.0" encoding="utf-8"?>
+<p:sld xmlns:a="http://schemas.openxmlformats.org/drawingml/2006/main" xmlns:r="http://schemas.openxmlformats.org/officeDocument/2006/relationships" xmlns:p="http://schemas.openxmlformats.org/presentationml/2006/main">
+  <p:cSld>
+    <p:spTree>
+      <p:nvGrpSpPr>
+        <p:cNvPr id="1" name=""/>
+        <p:cNvGrpSpPr/>
+        <p:nvPr/>
+      </p:nvGrpSpPr>
+      <p:grpSpPr>
+        <a:xfrm>
+          <a:off x="0" y="0"/>
+          <a:ext cx="0" cy="0"/>
+          <a:chOff x="0" y="0"/>
+          <a:chExt cx="0" cy="0"/>
+        </a:xfrm>
+      </p:grpSpPr>
+      <p:sp>
+        <p:nvSpPr>
+          <p:cNvPr id="10242" name="Rectangle 2"/>
+          <p:cNvSpPr>
+            <a:spLocks noGrp="1" noChangeArrowheads="1"/>
+          </p:cNvSpPr>
+          <p:nvPr>
+            <p:ph type="title"/>
+          </p:nvPr>
+        </p:nvSpPr>
+        <p:spPr>
+          <a:xfrm>
+            <a:off x="899592" y="836712"/>
+            <a:ext cx="7024744" cy="757888"/>
+          </a:xfrm>
+        </p:spPr>
+        <p:txBody>
+          <a:bodyPr/>
+          <a:lstStyle/>
+          <a:p>
+            <a:r>
+              <a:rPr lang="en-IE" altLang="en-US" dirty="0" smtClean="0"/>
+              <a:t>Discussion</a:t>
+            </a:r>
+            <a:endParaRPr lang="en-US" altLang="en-US" dirty="0"/>
+          </a:p>
+        </p:txBody>
+      </p:sp>
+      <p:sp>
+        <p:nvSpPr>
+          <p:cNvPr id="10243" name="Rectangle 3"/>
+          <p:cNvSpPr>
+            <a:spLocks noGrp="1" noChangeArrowheads="1"/>
+          </p:cNvSpPr>
+          <p:nvPr>
+            <p:ph idx="1"/>
+          </p:nvPr>
+        </p:nvSpPr>
+        <p:spPr>
+          <a:xfrm>
+            <a:off x="930749" y="1916832"/>
+            <a:ext cx="7272808" cy="3744415"/>
+          </a:xfrm>
+        </p:spPr>
+        <p:txBody>
+          <a:bodyPr>
+            <a:normAutofit fontScale="40000" lnSpcReduction="20000"/>
+          </a:bodyPr>
+          <a:lstStyle/>
+          <a:p>
+            <a:endParaRPr lang="en-IE" altLang="en-US" sz="6000" dirty="0" smtClean="0"/>
+          </a:p>
+          <a:p>
+            <a:r>
+              <a:rPr lang="en-IE" altLang="en-US" sz="6000" dirty="0" smtClean="0">
+                <a:cs typeface="Arial" panose="020B0604020202020204" pitchFamily="34" charset="0"/>
+              </a:rPr>
+              <a:t>General </a:t>
+            </a:r>
+            <a:r>
+              <a:rPr lang="en-IE" altLang="en-US" sz="6000" dirty="0" smtClean="0">
+                <a:cs typeface="Arial" panose="020B0604020202020204" pitchFamily="34" charset="0"/>
+              </a:rPr>
+              <a:t>Discussion</a:t>
+            </a:r>
+          </a:p>
+          <a:p>
+            <a:endParaRPr lang="en-IE" altLang="en-US" sz="6000" dirty="0">
+              <a:cs typeface="Arial" panose="020B0604020202020204" pitchFamily="34" charset="0"/>
+            </a:endParaRPr>
+          </a:p>
+          <a:p>
+            <a:endParaRPr lang="en-IE" altLang="en-US" sz="6000" dirty="0" smtClean="0">
+              <a:cs typeface="Arial" panose="020B0604020202020204" pitchFamily="34" charset="0"/>
+            </a:endParaRPr>
+          </a:p>
+          <a:p>
+            <a:r>
+              <a:rPr lang="en-IE" altLang="en-US" sz="6000" dirty="0" smtClean="0">
+                <a:cs typeface="Arial" panose="020B0604020202020204" pitchFamily="34" charset="0"/>
+              </a:rPr>
+              <a:t>Questions</a:t>
+            </a:r>
+            <a:endParaRPr lang="en-IE" altLang="en-US" sz="6000" dirty="0" smtClean="0">
+              <a:cs typeface="Arial" panose="020B0604020202020204" pitchFamily="34" charset="0"/>
+            </a:endParaRPr>
+          </a:p>
+          <a:p>
+            <a:endParaRPr lang="en-IE" altLang="en-US" sz="6000" dirty="0">
+              <a:cs typeface="Arial" panose="020B0604020202020204" pitchFamily="34" charset="0"/>
+            </a:endParaRPr>
+          </a:p>
+          <a:p>
+            <a:endParaRPr lang="en-IE" altLang="en-US" sz="6000" dirty="0" smtClean="0">
+              <a:cs typeface="Arial" panose="020B0604020202020204" pitchFamily="34" charset="0"/>
+            </a:endParaRPr>
+          </a:p>
+          <a:p>
+            <a:r>
+              <a:rPr lang="en-IE" altLang="en-US" sz="6000" dirty="0" smtClean="0">
+                <a:cs typeface="Arial" panose="020B0604020202020204" pitchFamily="34" charset="0"/>
+              </a:rPr>
+              <a:t>Feedback</a:t>
+            </a:r>
+          </a:p>
+          <a:p>
+            <a:endParaRPr lang="en-IE" altLang="en-US" dirty="0">
+              <a:latin typeface="Arial" panose="020B0604020202020204" pitchFamily="34" charset="0"/>
+              <a:cs typeface="Arial" panose="020B0604020202020204" pitchFamily="34" charset="0"/>
+            </a:endParaRPr>
+          </a:p>
+          <a:p>
+            <a:endParaRPr lang="en-US" altLang="en-US" dirty="0">
+              <a:latin typeface="Arial" panose="020B0604020202020204" pitchFamily="34" charset="0"/>
+              <a:cs typeface="Arial" panose="020B0604020202020204" pitchFamily="34" charset="0"/>
+            </a:endParaRPr>
+          </a:p>
+        </p:txBody>
+      </p:sp>
+    </p:spTree>
+    <p:extLst>
+      <p:ext uri="{BB962C8B-B14F-4D97-AF65-F5344CB8AC3E}">
+        <p14:creationId xmlns:p14="http://schemas.microsoft.com/office/powerpoint/2010/main" val="1701398424"/>
+      </p:ext>
+    </p:extLst>
+  </p:cSld>
+  <p:clrMapOvr>
+    <a:masterClrMapping/>
+  </p:clrMapOvr>
+  <p:timing>
+    <p:tnLst>
+      <p:par>
+        <p:cTn id="1" dur="indefinite" restart="never" nodeType="tmRoot"/>
+      </p:par>
+    </p:tnLst>
+  </p:timing>
+</p:sld>
+</file>
+
+<file path=ppt/slides/slide41.xml><?xml version="1.0" encoding="utf-8"?>
+<p:sld xmlns:a="http://schemas.openxmlformats.org/drawingml/2006/main" xmlns:r="http://schemas.openxmlformats.org/officeDocument/2006/relationships" xmlns:p="http://schemas.openxmlformats.org/presentationml/2006/main">
+  <p:cSld>
+    <p:spTree>
+      <p:nvGrpSpPr>
+        <p:cNvPr id="1" name=""/>
+        <p:cNvGrpSpPr/>
+        <p:nvPr/>
+      </p:nvGrpSpPr>
+      <p:grpSpPr>
+        <a:xfrm>
+          <a:off x="0" y="0"/>
+          <a:ext cx="0" cy="0"/>
+          <a:chOff x="0" y="0"/>
+          <a:chExt cx="0" cy="0"/>
+        </a:xfrm>
+      </p:grpSpPr>
+      <p:sp>
+        <p:nvSpPr>
+          <p:cNvPr id="2" name="Title 1"/>
+          <p:cNvSpPr>
+            <a:spLocks noGrp="1"/>
+          </p:cNvSpPr>
+          <p:nvPr>
+            <p:ph type="title"/>
+          </p:nvPr>
+        </p:nvSpPr>
+        <p:spPr>
+          <a:xfrm>
+            <a:off x="2483768" y="2204864"/>
+            <a:ext cx="7055380" cy="1400530"/>
+          </a:xfrm>
+        </p:spPr>
+        <p:txBody>
+          <a:bodyPr/>
+          <a:lstStyle/>
+          <a:p>
+            <a:r>
+              <a:rPr lang="en-US" sz="6000" dirty="0" smtClean="0"/>
+              <a:t>The End</a:t>
+            </a:r>
+            <a:endParaRPr lang="en-US" sz="6000" dirty="0"/>
+          </a:p>
+        </p:txBody>
+      </p:sp>
+      <p:sp>
+        <p:nvSpPr>
+          <p:cNvPr id="3" name="Content Placeholder 2"/>
+          <p:cNvSpPr>
+            <a:spLocks noGrp="1"/>
+          </p:cNvSpPr>
+          <p:nvPr>
+            <p:ph idx="1"/>
+          </p:nvPr>
+        </p:nvSpPr>
+        <p:spPr>
+          <a:xfrm>
+            <a:off x="683568" y="1507653"/>
+            <a:ext cx="6711654" cy="4195481"/>
+          </a:xfrm>
+        </p:spPr>
+        <p:txBody>
+          <a:bodyPr/>
+          <a:lstStyle/>
+          <a:p>
+            <a:pPr marL="0" indent="0">
+              <a:buNone/>
+            </a:pPr>
+            <a:endParaRPr lang="en-US" dirty="0" smtClean="0"/>
+          </a:p>
+          <a:p>
+            <a:pPr marL="0" indent="0">
+              <a:buNone/>
+            </a:pPr>
+            <a:endParaRPr lang="en-US" dirty="0"/>
+          </a:p>
+          <a:p>
+            <a:pPr marL="0" indent="0">
+              <a:buNone/>
+            </a:pPr>
+            <a:endParaRPr lang="en-US" dirty="0" smtClean="0"/>
+          </a:p>
+          <a:p>
+            <a:pPr marL="0" indent="0">
+              <a:buNone/>
+            </a:pPr>
+            <a:endParaRPr lang="en-US" dirty="0"/>
+          </a:p>
+          <a:p>
+            <a:pPr marL="0" indent="0" algn="ctr">
+              <a:buNone/>
+            </a:pPr>
+            <a:r>
+              <a:rPr lang="en-US" sz="4800" dirty="0" smtClean="0"/>
+              <a:t>Thanks </a:t>
+            </a:r>
+            <a:endParaRPr lang="en-US" sz="4800" dirty="0"/>
+          </a:p>
+        </p:txBody>
+      </p:sp>
+    </p:spTree>
+    <p:extLst>
+      <p:ext uri="{BB962C8B-B14F-4D97-AF65-F5344CB8AC3E}">
+        <p14:creationId xmlns:p14="http://schemas.microsoft.com/office/powerpoint/2010/main" val="939969516"/>
       </p:ext>
     </p:extLst>
   </p:cSld>
@@ -9924,136 +12289,101 @@
           <a:lstStyle/>
           <a:p>
             <a:r>
-              <a:rPr lang="en-US" dirty="0"/>
-              <a:t>App Features Summary</a:t>
-            </a:r>
-          </a:p>
-        </p:txBody>
-      </p:sp>
-      <p:pic>
-        <p:nvPicPr>
-          <p:cNvPr id="3" name="Picture 2"/>
-          <p:cNvPicPr>
-            <a:picLocks noChangeAspect="1"/>
-          </p:cNvPicPr>
+              <a:rPr lang="en-US" dirty="0" smtClean="0"/>
+              <a:t>Target Users </a:t>
+            </a:r>
+            <a:endParaRPr lang="en-US" dirty="0"/>
+          </a:p>
+        </p:txBody>
+      </p:sp>
+      <p:sp>
+        <p:nvSpPr>
+          <p:cNvPr id="3" name="Content Placeholder 2"/>
+          <p:cNvSpPr>
+            <a:spLocks noGrp="1"/>
+          </p:cNvSpPr>
+          <p:nvPr>
+            <p:ph idx="1"/>
+          </p:nvPr>
+        </p:nvSpPr>
+        <p:spPr>
+          <a:xfrm>
+            <a:off x="704385" y="2060848"/>
+            <a:ext cx="6711654" cy="4195481"/>
+          </a:xfrm>
+        </p:spPr>
+        <p:txBody>
+          <a:bodyPr>
+            <a:normAutofit/>
+          </a:bodyPr>
+          <a:lstStyle/>
+          <a:p>
+            <a:r>
+              <a:rPr lang="en-US" sz="2800" dirty="0" smtClean="0"/>
+              <a:t>Corporate companies and their employees.</a:t>
+            </a:r>
+          </a:p>
+          <a:p>
+            <a:r>
+              <a:rPr lang="en-US" sz="2800" dirty="0" smtClean="0"/>
+              <a:t>Schools, Colleges and Universities </a:t>
+            </a:r>
+          </a:p>
+          <a:p>
+            <a:r>
+              <a:rPr lang="en-US" sz="2800" dirty="0" smtClean="0"/>
+              <a:t>Teachers and Students</a:t>
+            </a:r>
+          </a:p>
+          <a:p>
+            <a:r>
+              <a:rPr lang="en-US" sz="2800" dirty="0" smtClean="0"/>
+              <a:t>Facilities department</a:t>
+            </a:r>
+          </a:p>
+          <a:p>
+            <a:r>
+              <a:rPr lang="en-US" sz="2800" dirty="0" smtClean="0"/>
+              <a:t>IT department</a:t>
+            </a:r>
+            <a:endParaRPr lang="en-US" sz="2800" dirty="0"/>
+          </a:p>
+        </p:txBody>
+      </p:sp>
+      <p:sp>
+        <p:nvSpPr>
+          <p:cNvPr id="5" name="TextBox 4"/>
+          <p:cNvSpPr txBox="1"/>
           <p:nvPr/>
-        </p:nvPicPr>
-        <p:blipFill>
-          <a:blip r:embed="rId2">
-            <a:extLst>
-              <a:ext uri="{28A0092B-C50C-407E-A947-70E740481C1C}">
-                <a14:useLocalDpi xmlns:a14="http://schemas.microsoft.com/office/drawing/2010/main" val="0"/>
-              </a:ext>
-            </a:extLst>
-          </a:blip>
-          <a:stretch>
-            <a:fillRect/>
-          </a:stretch>
-        </p:blipFill>
-        <p:spPr>
-          <a:xfrm>
-            <a:off x="899592" y="4268148"/>
-            <a:ext cx="2297832" cy="2297832"/>
+        </p:nvSpPr>
+        <p:spPr>
+          <a:xfrm>
+            <a:off x="478782" y="1268760"/>
+            <a:ext cx="3581430" cy="400110"/>
           </a:xfrm>
           <a:prstGeom prst="rect">
             <a:avLst/>
           </a:prstGeom>
-        </p:spPr>
-      </p:pic>
-      <p:pic>
-        <p:nvPicPr>
-          <p:cNvPr id="4" name="Picture 3"/>
-          <p:cNvPicPr>
-            <a:picLocks noChangeAspect="1"/>
-          </p:cNvPicPr>
-          <p:nvPr/>
-        </p:nvPicPr>
-        <p:blipFill>
-          <a:blip r:embed="rId3">
-            <a:extLst>
-              <a:ext uri="{28A0092B-C50C-407E-A947-70E740481C1C}">
-                <a14:useLocalDpi xmlns:a14="http://schemas.microsoft.com/office/drawing/2010/main" val="0"/>
-              </a:ext>
-            </a:extLst>
-          </a:blip>
-          <a:stretch>
-            <a:fillRect/>
-          </a:stretch>
-        </p:blipFill>
-        <p:spPr>
-          <a:xfrm>
-            <a:off x="5113233" y="4453914"/>
-            <a:ext cx="1962554" cy="1947101"/>
-          </a:xfrm>
-          <a:prstGeom prst="rect">
-            <a:avLst/>
-          </a:prstGeom>
-        </p:spPr>
-      </p:pic>
-      <p:pic>
-        <p:nvPicPr>
-          <p:cNvPr id="7" name="Picture 6"/>
-          <p:cNvPicPr>
-            <a:picLocks noChangeAspect="1"/>
-          </p:cNvPicPr>
-          <p:nvPr/>
-        </p:nvPicPr>
-        <p:blipFill>
-          <a:blip r:embed="rId4">
-            <a:extLst>
-              <a:ext uri="{28A0092B-C50C-407E-A947-70E740481C1C}">
-                <a14:useLocalDpi xmlns:a14="http://schemas.microsoft.com/office/drawing/2010/main" val="0"/>
-              </a:ext>
-            </a:extLst>
-          </a:blip>
-          <a:stretch>
-            <a:fillRect/>
-          </a:stretch>
-        </p:blipFill>
-        <p:spPr>
-          <a:xfrm>
-            <a:off x="899592" y="1639785"/>
-            <a:ext cx="2365567" cy="2365567"/>
-          </a:xfrm>
-          <a:prstGeom prst="rect">
-            <a:avLst/>
-          </a:prstGeom>
-        </p:spPr>
-      </p:pic>
-      <p:pic>
-        <p:nvPicPr>
-          <p:cNvPr id="8" name="Picture 7"/>
-          <p:cNvPicPr>
-            <a:picLocks noChangeAspect="1"/>
-          </p:cNvPicPr>
-          <p:nvPr/>
-        </p:nvPicPr>
-        <p:blipFill>
-          <a:blip r:embed="rId5">
-            <a:extLst>
-              <a:ext uri="{28A0092B-C50C-407E-A947-70E740481C1C}">
-                <a14:useLocalDpi xmlns:a14="http://schemas.microsoft.com/office/drawing/2010/main" val="0"/>
-              </a:ext>
-            </a:extLst>
-          </a:blip>
-          <a:stretch>
-            <a:fillRect/>
-          </a:stretch>
-        </p:blipFill>
-        <p:spPr>
-          <a:xfrm>
-            <a:off x="4648930" y="1376988"/>
-            <a:ext cx="2891160" cy="2891160"/>
-          </a:xfrm>
-          <a:prstGeom prst="rect">
-            <a:avLst/>
-          </a:prstGeom>
-        </p:spPr>
-      </p:pic>
+          <a:noFill/>
+        </p:spPr>
+        <p:txBody>
+          <a:bodyPr wrap="none" rtlCol="0">
+            <a:spAutoFit/>
+          </a:bodyPr>
+          <a:lstStyle/>
+          <a:p>
+            <a:r>
+              <a:rPr lang="en-US" sz="2000" dirty="0" smtClean="0"/>
+              <a:t>Who can use this product ?</a:t>
+            </a:r>
+            <a:endParaRPr lang="en-US" sz="2000" dirty="0"/>
+          </a:p>
+        </p:txBody>
+      </p:sp>
     </p:spTree>
     <p:extLst>
       <p:ext uri="{BB962C8B-B14F-4D97-AF65-F5344CB8AC3E}">
-        <p14:creationId xmlns:p14="http://schemas.microsoft.com/office/powerpoint/2010/main" val="535569574"/>
+        <p14:creationId xmlns:p14="http://schemas.microsoft.com/office/powerpoint/2010/main" val="1976136322"/>
       </p:ext>
     </p:extLst>
   </p:cSld>
@@ -10097,14 +12427,34 @@
             <p:ph type="title"/>
           </p:nvPr>
         </p:nvSpPr>
-        <p:spPr/>
+        <p:spPr>
+          <a:xfrm>
+            <a:off x="387496" y="219933"/>
+            <a:ext cx="7055380" cy="1400530"/>
+          </a:xfrm>
+        </p:spPr>
         <p:txBody>
           <a:bodyPr/>
           <a:lstStyle/>
           <a:p>
             <a:r>
               <a:rPr lang="en-US" dirty="0" smtClean="0"/>
-              <a:t>List of Features</a:t>
+              <a:t>List of </a:t>
+            </a:r>
+            <a:r>
+              <a:rPr lang="en-US" dirty="0" smtClean="0"/>
+              <a:t>Features</a:t>
+            </a:r>
+            <a:br>
+              <a:rPr lang="en-US" dirty="0" smtClean="0"/>
+            </a:br>
+            <a:r>
+              <a:rPr lang="en-US" dirty="0" smtClean="0"/>
+              <a:t>Users </a:t>
+            </a:r>
+            <a:r>
+              <a:rPr lang="en-US" smtClean="0"/>
+              <a:t>can benefit from ?</a:t>
             </a:r>
             <a:endParaRPr lang="en-US" dirty="0"/>
           </a:p>
@@ -10232,8 +12582,8 @@
         </p:blipFill>
         <p:spPr>
           <a:xfrm>
-            <a:off x="5348319" y="216057"/>
-            <a:ext cx="936926" cy="936926"/>
+            <a:off x="5323131" y="2220135"/>
+            <a:ext cx="650749" cy="650749"/>
           </a:xfrm>
           <a:prstGeom prst="rect">
             <a:avLst/>
@@ -10352,8 +12702,8 @@
         </p:blipFill>
         <p:spPr>
           <a:xfrm>
-            <a:off x="7226945" y="4231305"/>
-            <a:ext cx="1448499" cy="1448499"/>
+            <a:off x="7442876" y="4394261"/>
+            <a:ext cx="1388758" cy="1388758"/>
           </a:xfrm>
           <a:prstGeom prst="rect">
             <a:avLst/>
@@ -10428,8 +12778,8 @@
         </p:nvSpPr>
         <p:spPr>
           <a:xfrm>
-            <a:off x="5486107" y="3450326"/>
-            <a:ext cx="704039" cy="369332"/>
+            <a:off x="4949600" y="3386972"/>
+            <a:ext cx="2098651" cy="646331"/>
           </a:xfrm>
           <a:prstGeom prst="rect">
             <a:avLst/>
@@ -10444,7 +12794,13 @@
           <a:p>
             <a:r>
               <a:rPr lang="en-US" dirty="0" smtClean="0"/>
-              <a:t>MAP</a:t>
+              <a:t>MAP AND ROOM</a:t>
+            </a:r>
+          </a:p>
+          <a:p>
+            <a:r>
+              <a:rPr lang="en-US" dirty="0" smtClean="0"/>
+              <a:t>       DETAILS</a:t>
             </a:r>
             <a:endParaRPr lang="en-US" dirty="0"/>
           </a:p>
@@ -10452,14 +12808,14 @@
       </p:sp>
       <p:sp>
         <p:nvSpPr>
-          <p:cNvPr id="18" name="TextBox 17"/>
+          <p:cNvPr id="19" name="TextBox 18"/>
           <p:cNvSpPr txBox="1"/>
           <p:nvPr/>
         </p:nvSpPr>
         <p:spPr>
           <a:xfrm>
-            <a:off x="6291928" y="406543"/>
-            <a:ext cx="1024639" cy="646331"/>
+            <a:off x="802581" y="6021288"/>
+            <a:ext cx="1172116" cy="369332"/>
           </a:xfrm>
           <a:prstGeom prst="rect">
             <a:avLst/>
@@ -10474,13 +12830,7 @@
           <a:p>
             <a:r>
               <a:rPr lang="en-US" dirty="0" smtClean="0"/>
-              <a:t>ROOM </a:t>
-            </a:r>
-          </a:p>
-          <a:p>
-            <a:r>
-              <a:rPr lang="en-US" dirty="0" smtClean="0"/>
-              <a:t>DETAILS</a:t>
+              <a:t>GALLERY</a:t>
             </a:r>
             <a:endParaRPr lang="en-US" dirty="0"/>
           </a:p>
@@ -10488,14 +12838,14 @@
       </p:sp>
       <p:sp>
         <p:nvSpPr>
-          <p:cNvPr id="19" name="TextBox 18"/>
+          <p:cNvPr id="20" name="TextBox 19"/>
           <p:cNvSpPr txBox="1"/>
           <p:nvPr/>
         </p:nvSpPr>
         <p:spPr>
           <a:xfrm>
-            <a:off x="802581" y="6021288"/>
-            <a:ext cx="1172116" cy="369332"/>
+            <a:off x="2675301" y="6021288"/>
+            <a:ext cx="1978427" cy="369332"/>
           </a:xfrm>
           <a:prstGeom prst="rect">
             <a:avLst/>
@@ -10510,7 +12860,7 @@
           <a:p>
             <a:r>
               <a:rPr lang="en-US" dirty="0" smtClean="0"/>
-              <a:t>GALLERY</a:t>
+              <a:t>PHOTO UPLOAD</a:t>
             </a:r>
             <a:endParaRPr lang="en-US" dirty="0"/>
           </a:p>
@@ -10518,14 +12868,14 @@
       </p:sp>
       <p:sp>
         <p:nvSpPr>
-          <p:cNvPr id="20" name="TextBox 19"/>
+          <p:cNvPr id="21" name="TextBox 20"/>
           <p:cNvSpPr txBox="1"/>
           <p:nvPr/>
         </p:nvSpPr>
         <p:spPr>
           <a:xfrm>
-            <a:off x="2675301" y="6021288"/>
-            <a:ext cx="1978427" cy="369332"/>
+            <a:off x="5002801" y="6015771"/>
+            <a:ext cx="1670650" cy="369332"/>
           </a:xfrm>
           <a:prstGeom prst="rect">
             <a:avLst/>
@@ -10540,36 +12890,6 @@
           <a:p>
             <a:r>
               <a:rPr lang="en-US" dirty="0" smtClean="0"/>
-              <a:t>PHOTO UPLOAD</a:t>
-            </a:r>
-            <a:endParaRPr lang="en-US" dirty="0"/>
-          </a:p>
-        </p:txBody>
-      </p:sp>
-      <p:sp>
-        <p:nvSpPr>
-          <p:cNvPr id="21" name="TextBox 20"/>
-          <p:cNvSpPr txBox="1"/>
-          <p:nvPr/>
-        </p:nvSpPr>
-        <p:spPr>
-          <a:xfrm>
-            <a:off x="5002801" y="6015771"/>
-            <a:ext cx="1670650" cy="369332"/>
-          </a:xfrm>
-          <a:prstGeom prst="rect">
-            <a:avLst/>
-          </a:prstGeom>
-          <a:noFill/>
-        </p:spPr>
-        <p:txBody>
-          <a:bodyPr wrap="none" rtlCol="0">
-            <a:spAutoFit/>
-          </a:bodyPr>
-          <a:lstStyle/>
-          <a:p>
-            <a:r>
-              <a:rPr lang="en-US" dirty="0" smtClean="0"/>
               <a:t>BOOK ROOM</a:t>
             </a:r>
             <a:endParaRPr lang="en-US" dirty="0"/>
@@ -10584,7 +12904,7 @@
         </p:nvSpPr>
         <p:spPr>
           <a:xfrm>
-            <a:off x="6804248" y="6015771"/>
+            <a:off x="6990543" y="6015771"/>
             <a:ext cx="1951175" cy="369332"/>
           </a:xfrm>
           <a:prstGeom prst="rect">
@@ -10709,39 +13029,31 @@
       </p:grpSpPr>
       <p:sp>
         <p:nvSpPr>
-          <p:cNvPr id="7170" name="Rectangle 2"/>
-          <p:cNvSpPr>
-            <a:spLocks noGrp="1" noChangeArrowheads="1"/>
+          <p:cNvPr id="2" name="Title 1"/>
+          <p:cNvSpPr>
+            <a:spLocks noGrp="1"/>
           </p:cNvSpPr>
           <p:nvPr>
             <p:ph type="title"/>
           </p:nvPr>
         </p:nvSpPr>
-        <p:spPr>
-          <a:xfrm>
-            <a:off x="877578" y="322216"/>
-            <a:ext cx="7024744" cy="685880"/>
-          </a:xfrm>
-        </p:spPr>
-        <p:txBody>
-          <a:bodyPr>
-            <a:normAutofit fontScale="90000"/>
-          </a:bodyPr>
-          <a:lstStyle/>
-          <a:p>
-            <a:r>
-              <a:rPr lang="en-IE" altLang="en-US" dirty="0"/>
-              <a:t>System</a:t>
-            </a:r>
-            <a:endParaRPr lang="en-US" altLang="en-US" dirty="0"/>
-          </a:p>
-        </p:txBody>
-      </p:sp>
-      <p:sp>
-        <p:nvSpPr>
-          <p:cNvPr id="7171" name="Rectangle 3"/>
-          <p:cNvSpPr>
-            <a:spLocks noGrp="1" noChangeArrowheads="1"/>
+        <p:spPr/>
+        <p:txBody>
+          <a:bodyPr/>
+          <a:lstStyle/>
+          <a:p>
+            <a:r>
+              <a:rPr lang="en-US" dirty="0"/>
+              <a:t>Competitors</a:t>
+            </a:r>
+          </a:p>
+        </p:txBody>
+      </p:sp>
+      <p:sp>
+        <p:nvSpPr>
+          <p:cNvPr id="3" name="Content Placeholder 2"/>
+          <p:cNvSpPr>
+            <a:spLocks noGrp="1"/>
           </p:cNvSpPr>
           <p:nvPr>
             <p:ph idx="1"/>
@@ -10749,8 +13061,8 @@
         </p:nvSpPr>
         <p:spPr>
           <a:xfrm>
-            <a:off x="877578" y="1043705"/>
-            <a:ext cx="6777317" cy="4176464"/>
+            <a:off x="816874" y="1556792"/>
+            <a:ext cx="6711654" cy="4195481"/>
           </a:xfrm>
         </p:spPr>
         <p:txBody>
@@ -10758,458 +13070,110 @@
           <a:lstStyle/>
           <a:p>
             <a:r>
-              <a:rPr lang="en-IE" altLang="en-US" dirty="0" smtClean="0">
-                <a:latin typeface="+mn-lt"/>
-                <a:cs typeface="Arial" panose="020B0604020202020204" pitchFamily="34" charset="0"/>
+              <a:rPr lang="en-US" sz="2400" dirty="0" smtClean="0">
+                <a:solidFill>
+                  <a:schemeClr val="accent1"/>
+                </a:solidFill>
               </a:rPr>
-              <a:t>Description</a:t>
-            </a:r>
+              <a:t>Room Finder </a:t>
+            </a:r>
+            <a:endParaRPr lang="en-IE" sz="2400" dirty="0"/>
           </a:p>
           <a:p>
             <a:pPr marL="0" indent="0">
               <a:buNone/>
             </a:pPr>
             <a:r>
-              <a:rPr lang="en-IE" altLang="en-US" dirty="0" smtClean="0">
-                <a:latin typeface="+mn-lt"/>
-                <a:cs typeface="Arial" panose="020B0604020202020204" pitchFamily="34" charset="0"/>
+              <a:rPr lang="en-US" dirty="0"/>
+              <a:t>A</a:t>
+            </a:r>
+            <a:r>
+              <a:rPr lang="en-US" dirty="0" smtClean="0"/>
+              <a:t>llows to find and book rooms inside Outlook and Office 365.</a:t>
+            </a:r>
+          </a:p>
+          <a:p>
+            <a:pPr marL="0" indent="0">
+              <a:buNone/>
+            </a:pPr>
+            <a:r>
+              <a:rPr lang="en-US" dirty="0" smtClean="0">
+                <a:solidFill>
+                  <a:schemeClr val="accent2"/>
+                </a:solidFill>
               </a:rPr>
-              <a:t>Client </a:t>
-            </a:r>
-            <a:r>
-              <a:rPr lang="mr-IN" altLang="en-US" dirty="0" smtClean="0">
-                <a:latin typeface="+mn-lt"/>
-                <a:cs typeface="Arial" panose="020B0604020202020204" pitchFamily="34" charset="0"/>
+              <a:t>Drawbacks: </a:t>
+            </a:r>
+            <a:r>
+              <a:rPr lang="en-US" dirty="0" smtClean="0"/>
+              <a:t>Limited to outlook / </a:t>
+            </a:r>
+            <a:r>
+              <a:rPr lang="en-US" dirty="0" err="1" smtClean="0"/>
+              <a:t>microsoft</a:t>
+            </a:r>
+            <a:r>
+              <a:rPr lang="en-US" dirty="0" smtClean="0"/>
+              <a:t> products, plugin and not an independent application.</a:t>
+            </a:r>
+          </a:p>
+          <a:p>
+            <a:pPr marL="0" indent="0">
+              <a:buNone/>
+            </a:pPr>
+            <a:endParaRPr lang="en-US" dirty="0"/>
+          </a:p>
+          <a:p>
+            <a:r>
+              <a:rPr lang="en-US" sz="2400" dirty="0" err="1" smtClean="0">
+                <a:solidFill>
+                  <a:schemeClr val="accent1"/>
+                </a:solidFill>
               </a:rPr>
-              <a:t>–</a:t>
-            </a:r>
-            <a:r>
-              <a:rPr lang="en-IE" altLang="en-US" dirty="0" smtClean="0">
-                <a:latin typeface="+mn-lt"/>
-                <a:cs typeface="Arial" panose="020B0604020202020204" pitchFamily="34" charset="0"/>
+              <a:t>Skedda</a:t>
+            </a:r>
+            <a:endParaRPr lang="en-US" dirty="0" smtClean="0"/>
+          </a:p>
+          <a:p>
+            <a:pPr marL="0" indent="0">
+              <a:buNone/>
+            </a:pPr>
+            <a:r>
+              <a:rPr lang="en-US" dirty="0" smtClean="0"/>
+              <a:t>Online booking and scheduling for meeting rooms.</a:t>
+            </a:r>
+          </a:p>
+          <a:p>
+            <a:pPr marL="0" indent="0">
+              <a:buNone/>
+            </a:pPr>
+            <a:r>
+              <a:rPr lang="en-US" dirty="0" smtClean="0">
+                <a:solidFill>
+                  <a:schemeClr val="accent2"/>
+                </a:solidFill>
               </a:rPr>
-              <a:t> iOS Application built with Swift 3 using Xcode IDE.</a:t>
-            </a:r>
-          </a:p>
-          <a:p>
-            <a:pPr marL="0" indent="0">
-              <a:buNone/>
-            </a:pPr>
-            <a:endParaRPr lang="en-IE" altLang="en-US" dirty="0">
-              <a:latin typeface="Arial" panose="020B0604020202020204" pitchFamily="34" charset="0"/>
-              <a:cs typeface="Arial" panose="020B0604020202020204" pitchFamily="34" charset="0"/>
-            </a:endParaRPr>
-          </a:p>
-          <a:p>
-            <a:pPr marL="0" indent="0">
-              <a:buNone/>
-            </a:pPr>
-            <a:endParaRPr lang="en-IE" altLang="en-US" dirty="0">
-              <a:latin typeface="Arial" panose="020B0604020202020204" pitchFamily="34" charset="0"/>
-              <a:cs typeface="Arial" panose="020B0604020202020204" pitchFamily="34" charset="0"/>
-            </a:endParaRPr>
-          </a:p>
-          <a:p>
-            <a:pPr marL="0" indent="0">
-              <a:buNone/>
-            </a:pPr>
-            <a:endParaRPr lang="en-IE" altLang="en-US" dirty="0">
-              <a:latin typeface="Arial" panose="020B0604020202020204" pitchFamily="34" charset="0"/>
-              <a:cs typeface="Arial" panose="020B0604020202020204" pitchFamily="34" charset="0"/>
-            </a:endParaRPr>
-          </a:p>
-          <a:p>
-            <a:pPr marL="0" indent="0">
-              <a:buNone/>
-            </a:pPr>
-            <a:endParaRPr lang="en-IE" altLang="en-US" dirty="0">
-              <a:latin typeface="Arial" panose="020B0604020202020204" pitchFamily="34" charset="0"/>
-              <a:cs typeface="Arial" panose="020B0604020202020204" pitchFamily="34" charset="0"/>
-            </a:endParaRPr>
-          </a:p>
-          <a:p>
-            <a:pPr marL="0" indent="0">
-              <a:buNone/>
-            </a:pPr>
-            <a:endParaRPr lang="en-IE" altLang="en-US" dirty="0" smtClean="0">
-              <a:latin typeface="Arial" panose="020B0604020202020204" pitchFamily="34" charset="0"/>
-              <a:cs typeface="Arial" panose="020B0604020202020204" pitchFamily="34" charset="0"/>
-            </a:endParaRPr>
-          </a:p>
-          <a:p>
-            <a:pPr marL="0" indent="0">
-              <a:buNone/>
-            </a:pPr>
-            <a:endParaRPr lang="en-IE" altLang="en-US" dirty="0">
-              <a:latin typeface="Arial" panose="020B0604020202020204" pitchFamily="34" charset="0"/>
-              <a:cs typeface="Arial" panose="020B0604020202020204" pitchFamily="34" charset="0"/>
-            </a:endParaRPr>
-          </a:p>
-        </p:txBody>
-      </p:sp>
-      <p:pic>
-        <p:nvPicPr>
-          <p:cNvPr id="2" name="Picture 1"/>
-          <p:cNvPicPr>
-            <a:picLocks noChangeAspect="1"/>
-          </p:cNvPicPr>
-          <p:nvPr/>
-        </p:nvPicPr>
-        <p:blipFill>
-          <a:blip r:embed="rId2">
-            <a:extLst>
-              <a:ext uri="{28A0092B-C50C-407E-A947-70E740481C1C}">
-                <a14:useLocalDpi xmlns:a14="http://schemas.microsoft.com/office/drawing/2010/main" val="0"/>
-              </a:ext>
-            </a:extLst>
-          </a:blip>
-          <a:stretch>
-            <a:fillRect/>
-          </a:stretch>
-        </p:blipFill>
-        <p:spPr>
-          <a:xfrm>
-            <a:off x="1221766" y="2215519"/>
-            <a:ext cx="1768480" cy="1768480"/>
-          </a:xfrm>
-          <a:prstGeom prst="rect">
-            <a:avLst/>
-          </a:prstGeom>
-        </p:spPr>
-      </p:pic>
-      <p:pic>
-        <p:nvPicPr>
-          <p:cNvPr id="10" name="Picture 9"/>
-          <p:cNvPicPr>
-            <a:picLocks noChangeAspect="1"/>
-          </p:cNvPicPr>
-          <p:nvPr/>
-        </p:nvPicPr>
-        <p:blipFill>
-          <a:blip r:embed="rId3">
-            <a:extLst>
-              <a:ext uri="{28A0092B-C50C-407E-A947-70E740481C1C}">
-                <a14:useLocalDpi xmlns:a14="http://schemas.microsoft.com/office/drawing/2010/main" val="0"/>
-              </a:ext>
-            </a:extLst>
-          </a:blip>
-          <a:stretch>
-            <a:fillRect/>
-          </a:stretch>
-        </p:blipFill>
-        <p:spPr>
-          <a:xfrm>
-            <a:off x="1273622" y="4675362"/>
-            <a:ext cx="1488047" cy="1488047"/>
-          </a:xfrm>
-          <a:prstGeom prst="rect">
-            <a:avLst/>
-          </a:prstGeom>
-        </p:spPr>
-      </p:pic>
-      <p:pic>
-        <p:nvPicPr>
-          <p:cNvPr id="3" name="Picture 2"/>
-          <p:cNvPicPr>
-            <a:picLocks noChangeAspect="1"/>
-          </p:cNvPicPr>
-          <p:nvPr/>
-        </p:nvPicPr>
-        <p:blipFill>
-          <a:blip r:embed="rId4">
-            <a:extLst>
-              <a:ext uri="{28A0092B-C50C-407E-A947-70E740481C1C}">
-                <a14:useLocalDpi xmlns:a14="http://schemas.microsoft.com/office/drawing/2010/main" val="0"/>
-              </a:ext>
-            </a:extLst>
-          </a:blip>
-          <a:stretch>
-            <a:fillRect/>
-          </a:stretch>
-        </p:blipFill>
-        <p:spPr>
-          <a:xfrm>
-            <a:off x="3304352" y="2215519"/>
-            <a:ext cx="2440124" cy="1734034"/>
-          </a:xfrm>
-          <a:prstGeom prst="rect">
-            <a:avLst/>
-          </a:prstGeom>
-        </p:spPr>
-      </p:pic>
-      <p:pic>
-        <p:nvPicPr>
-          <p:cNvPr id="12" name="Picture 11"/>
-          <p:cNvPicPr>
-            <a:picLocks noChangeAspect="1"/>
-          </p:cNvPicPr>
-          <p:nvPr/>
-        </p:nvPicPr>
-        <p:blipFill>
-          <a:blip r:embed="rId5">
-            <a:extLst>
-              <a:ext uri="{28A0092B-C50C-407E-A947-70E740481C1C}">
-                <a14:useLocalDpi xmlns:a14="http://schemas.microsoft.com/office/drawing/2010/main" val="0"/>
-              </a:ext>
-            </a:extLst>
-          </a:blip>
-          <a:stretch>
-            <a:fillRect/>
-          </a:stretch>
-        </p:blipFill>
-        <p:spPr>
-          <a:xfrm>
-            <a:off x="6234111" y="2229162"/>
-            <a:ext cx="1894119" cy="1645600"/>
-          </a:xfrm>
-          <a:prstGeom prst="rect">
-            <a:avLst/>
-          </a:prstGeom>
-        </p:spPr>
-      </p:pic>
-      <p:sp>
-        <p:nvSpPr>
-          <p:cNvPr id="13" name="TextBox 12"/>
-          <p:cNvSpPr txBox="1"/>
-          <p:nvPr/>
-        </p:nvSpPr>
-        <p:spPr>
-          <a:xfrm>
-            <a:off x="1518950" y="3987943"/>
-            <a:ext cx="1008609" cy="369332"/>
-          </a:xfrm>
-          <a:prstGeom prst="rect">
-            <a:avLst/>
-          </a:prstGeom>
-          <a:noFill/>
-        </p:spPr>
-        <p:txBody>
-          <a:bodyPr wrap="none" rtlCol="0">
-            <a:spAutoFit/>
-          </a:bodyPr>
-          <a:lstStyle/>
-          <a:p>
+              <a:t>Drawbacks:</a:t>
+            </a:r>
+            <a:r>
+              <a:rPr lang="en-US" dirty="0">
+                <a:solidFill>
+                  <a:schemeClr val="accent2"/>
+                </a:solidFill>
+              </a:rPr>
+              <a:t> </a:t>
+            </a:r>
             <a:r>
               <a:rPr lang="en-US" dirty="0" smtClean="0"/>
-              <a:t>XCODE</a:t>
-            </a:r>
-            <a:endParaRPr lang="en-US" dirty="0"/>
-          </a:p>
-        </p:txBody>
-      </p:sp>
-      <p:sp>
-        <p:nvSpPr>
-          <p:cNvPr id="16" name="TextBox 15"/>
-          <p:cNvSpPr txBox="1"/>
-          <p:nvPr/>
-        </p:nvSpPr>
-        <p:spPr>
-          <a:xfrm>
-            <a:off x="4036139" y="3983999"/>
-            <a:ext cx="976549" cy="369332"/>
-          </a:xfrm>
-          <a:prstGeom prst="rect">
-            <a:avLst/>
-          </a:prstGeom>
-          <a:noFill/>
-        </p:spPr>
-        <p:txBody>
-          <a:bodyPr wrap="none" rtlCol="0">
-            <a:spAutoFit/>
-          </a:bodyPr>
-          <a:lstStyle/>
-          <a:p>
-            <a:r>
-              <a:rPr lang="en-US" dirty="0" smtClean="0"/>
-              <a:t>SWIFT 3</a:t>
-            </a:r>
-            <a:endParaRPr lang="en-US" dirty="0"/>
-          </a:p>
-        </p:txBody>
-      </p:sp>
-      <p:sp>
-        <p:nvSpPr>
-          <p:cNvPr id="17" name="TextBox 16"/>
-          <p:cNvSpPr txBox="1"/>
-          <p:nvPr/>
-        </p:nvSpPr>
-        <p:spPr>
-          <a:xfrm>
-            <a:off x="6790677" y="3983999"/>
-            <a:ext cx="780983" cy="369332"/>
-          </a:xfrm>
-          <a:prstGeom prst="rect">
-            <a:avLst/>
-          </a:prstGeom>
-          <a:noFill/>
-        </p:spPr>
-        <p:txBody>
-          <a:bodyPr wrap="none" rtlCol="0">
-            <a:spAutoFit/>
-          </a:bodyPr>
-          <a:lstStyle/>
-          <a:p>
-            <a:r>
-              <a:rPr lang="en-US" dirty="0" smtClean="0"/>
-              <a:t>JSON</a:t>
-            </a:r>
-            <a:endParaRPr lang="en-US" dirty="0"/>
-          </a:p>
-        </p:txBody>
-      </p:sp>
-      <p:sp>
-        <p:nvSpPr>
-          <p:cNvPr id="18" name="TextBox 17"/>
-          <p:cNvSpPr txBox="1"/>
-          <p:nvPr/>
-        </p:nvSpPr>
-        <p:spPr>
-          <a:xfrm>
-            <a:off x="1518950" y="6307433"/>
-            <a:ext cx="997389" cy="369332"/>
-          </a:xfrm>
-          <a:prstGeom prst="rect">
-            <a:avLst/>
-          </a:prstGeom>
-          <a:noFill/>
-        </p:spPr>
-        <p:txBody>
-          <a:bodyPr wrap="none" rtlCol="0">
-            <a:spAutoFit/>
-          </a:bodyPr>
-          <a:lstStyle/>
-          <a:p>
-            <a:r>
-              <a:rPr lang="en-US" dirty="0" smtClean="0"/>
-              <a:t>MAPKIT</a:t>
-            </a:r>
-            <a:endParaRPr lang="en-US" dirty="0"/>
-          </a:p>
-        </p:txBody>
-      </p:sp>
-      <p:pic>
-        <p:nvPicPr>
-          <p:cNvPr id="14" name="Picture 13"/>
-          <p:cNvPicPr>
-            <a:picLocks noChangeAspect="1"/>
-          </p:cNvPicPr>
-          <p:nvPr/>
-        </p:nvPicPr>
-        <p:blipFill>
-          <a:blip r:embed="rId6">
-            <a:extLst>
-              <a:ext uri="{28A0092B-C50C-407E-A947-70E740481C1C}">
-                <a14:useLocalDpi xmlns:a14="http://schemas.microsoft.com/office/drawing/2010/main" val="0"/>
-              </a:ext>
-            </a:extLst>
-          </a:blip>
-          <a:stretch>
-            <a:fillRect/>
-          </a:stretch>
-        </p:blipFill>
-        <p:spPr>
-          <a:xfrm>
-            <a:off x="3788656" y="4675363"/>
-            <a:ext cx="1530841" cy="1488046"/>
-          </a:xfrm>
-          <a:prstGeom prst="rect">
-            <a:avLst/>
-          </a:prstGeom>
-        </p:spPr>
-      </p:pic>
-      <p:sp>
-        <p:nvSpPr>
-          <p:cNvPr id="20" name="TextBox 19"/>
-          <p:cNvSpPr txBox="1"/>
-          <p:nvPr/>
-        </p:nvSpPr>
-        <p:spPr>
-          <a:xfrm>
-            <a:off x="3676271" y="6307433"/>
-            <a:ext cx="1755609" cy="369332"/>
-          </a:xfrm>
-          <a:prstGeom prst="rect">
-            <a:avLst/>
-          </a:prstGeom>
-          <a:noFill/>
-        </p:spPr>
-        <p:txBody>
-          <a:bodyPr wrap="none" rtlCol="0">
-            <a:spAutoFit/>
-          </a:bodyPr>
-          <a:lstStyle/>
-          <a:p>
-            <a:r>
-              <a:rPr lang="en-US" dirty="0" smtClean="0"/>
-              <a:t>COCOAPODS</a:t>
-            </a:r>
-          </a:p>
-        </p:txBody>
-      </p:sp>
-      <p:pic>
-        <p:nvPicPr>
-          <p:cNvPr id="15" name="Picture 14"/>
-          <p:cNvPicPr>
-            <a:picLocks noChangeAspect="1"/>
-          </p:cNvPicPr>
-          <p:nvPr/>
-        </p:nvPicPr>
-        <p:blipFill>
-          <a:blip r:embed="rId7">
-            <a:extLst>
-              <a:ext uri="{28A0092B-C50C-407E-A947-70E740481C1C}">
-                <a14:useLocalDpi xmlns:a14="http://schemas.microsoft.com/office/drawing/2010/main" val="0"/>
-              </a:ext>
-            </a:extLst>
-          </a:blip>
-          <a:stretch>
-            <a:fillRect/>
-          </a:stretch>
-        </p:blipFill>
-        <p:spPr>
-          <a:xfrm>
-            <a:off x="5921503" y="4535653"/>
-            <a:ext cx="2519333" cy="1679555"/>
-          </a:xfrm>
-          <a:prstGeom prst="rect">
-            <a:avLst/>
-          </a:prstGeom>
-        </p:spPr>
-      </p:pic>
-      <p:sp>
-        <p:nvSpPr>
-          <p:cNvPr id="22" name="TextBox 21"/>
-          <p:cNvSpPr txBox="1"/>
-          <p:nvPr/>
-        </p:nvSpPr>
-        <p:spPr>
-          <a:xfrm>
-            <a:off x="6234111" y="6307433"/>
-            <a:ext cx="2089033" cy="369332"/>
-          </a:xfrm>
-          <a:prstGeom prst="rect">
-            <a:avLst/>
-          </a:prstGeom>
-          <a:noFill/>
-        </p:spPr>
-        <p:txBody>
-          <a:bodyPr wrap="none" rtlCol="0">
-            <a:spAutoFit/>
-          </a:bodyPr>
-          <a:lstStyle/>
-          <a:p>
-            <a:r>
-              <a:rPr lang="en-US" dirty="0" smtClean="0"/>
-              <a:t>CORE LOCATION</a:t>
-            </a:r>
-            <a:endParaRPr lang="en-US" dirty="0"/>
+              <a:t>Only available to publically available places and only web based.</a:t>
+            </a:r>
           </a:p>
         </p:txBody>
       </p:sp>
     </p:spTree>
     <p:extLst>
       <p:ext uri="{BB962C8B-B14F-4D97-AF65-F5344CB8AC3E}">
-        <p14:creationId xmlns:p14="http://schemas.microsoft.com/office/powerpoint/2010/main" val="1597258432"/>
+        <p14:creationId xmlns:p14="http://schemas.microsoft.com/office/powerpoint/2010/main" val="878220266"/>
       </p:ext>
     </p:extLst>
   </p:cSld>
@@ -11245,7 +13209,7 @@
       </p:grpSpPr>
       <p:sp>
         <p:nvSpPr>
-          <p:cNvPr id="15362" name="Rectangle 2"/>
+          <p:cNvPr id="7170" name="Rectangle 2"/>
           <p:cNvSpPr>
             <a:spLocks noGrp="1" noChangeArrowheads="1"/>
           </p:cNvSpPr>
@@ -11255,57 +13219,115 @@
         </p:nvSpPr>
         <p:spPr>
           <a:xfrm>
-            <a:off x="899592" y="908720"/>
-            <a:ext cx="7024744" cy="757888"/>
+            <a:off x="877578" y="322216"/>
+            <a:ext cx="7024744" cy="685880"/>
+          </a:xfrm>
+        </p:spPr>
+        <p:txBody>
+          <a:bodyPr>
+            <a:normAutofit fontScale="90000"/>
+          </a:bodyPr>
+          <a:lstStyle/>
+          <a:p>
+            <a:r>
+              <a:rPr lang="en-IE" altLang="en-US" dirty="0" smtClean="0"/>
+              <a:t>System </a:t>
+            </a:r>
+            <a:r>
+              <a:rPr lang="en-IE" altLang="en-US" dirty="0" smtClean="0">
+                <a:solidFill>
+                  <a:schemeClr val="accent1"/>
+                </a:solidFill>
+              </a:rPr>
+              <a:t>(iOS Application)</a:t>
+            </a:r>
+            <a:endParaRPr lang="en-US" altLang="en-US" dirty="0">
+              <a:solidFill>
+                <a:schemeClr val="accent1"/>
+              </a:solidFill>
+            </a:endParaRPr>
+          </a:p>
+        </p:txBody>
+      </p:sp>
+      <p:sp>
+        <p:nvSpPr>
+          <p:cNvPr id="7171" name="Rectangle 3"/>
+          <p:cNvSpPr>
+            <a:spLocks noGrp="1" noChangeArrowheads="1"/>
+          </p:cNvSpPr>
+          <p:nvPr>
+            <p:ph idx="1"/>
+          </p:nvPr>
+        </p:nvSpPr>
+        <p:spPr>
+          <a:xfrm>
+            <a:off x="877578" y="1011527"/>
+            <a:ext cx="6777317" cy="4176464"/>
           </a:xfrm>
         </p:spPr>
         <p:txBody>
           <a:bodyPr/>
           <a:lstStyle/>
           <a:p>
-            <a:r>
-              <a:rPr lang="en-IE" altLang="en-US" dirty="0"/>
-              <a:t>Discussions</a:t>
-            </a:r>
-            <a:endParaRPr lang="en-US" altLang="en-US" dirty="0"/>
-          </a:p>
-        </p:txBody>
-      </p:sp>
-      <p:sp>
-        <p:nvSpPr>
-          <p:cNvPr id="15363" name="Rectangle 3"/>
-          <p:cNvSpPr>
-            <a:spLocks noGrp="1" noChangeArrowheads="1"/>
-          </p:cNvSpPr>
-          <p:nvPr>
-            <p:ph idx="1"/>
-          </p:nvPr>
-        </p:nvSpPr>
-        <p:spPr>
-          <a:xfrm>
-            <a:off x="1023305" y="2204864"/>
-            <a:ext cx="6777317" cy="3508977"/>
-          </a:xfrm>
-        </p:spPr>
-        <p:txBody>
-          <a:bodyPr>
-            <a:normAutofit/>
-          </a:bodyPr>
-          <a:lstStyle/>
-          <a:p>
-            <a:r>
-              <a:rPr lang="en-IE" altLang="en-US" dirty="0">
-                <a:latin typeface="Arial" panose="020B0604020202020204" pitchFamily="34" charset="0"/>
+            <a:pPr marL="0" indent="0">
+              <a:buNone/>
+            </a:pPr>
+            <a:r>
+              <a:rPr lang="en-IE" altLang="en-US" sz="2400" dirty="0" smtClean="0">
+                <a:latin typeface="+mn-lt"/>
                 <a:cs typeface="Arial" panose="020B0604020202020204" pitchFamily="34" charset="0"/>
               </a:rPr>
-              <a:t>Advantages, D</a:t>
-            </a:r>
+              <a:t>What are the technologies used ?</a:t>
+            </a:r>
+          </a:p>
+          <a:p>
+            <a:pPr marL="0" indent="0">
+              <a:buNone/>
+            </a:pPr>
             <a:r>
               <a:rPr lang="en-IE" altLang="en-US" dirty="0" smtClean="0">
-                <a:latin typeface="Arial" panose="020B0604020202020204" pitchFamily="34" charset="0"/>
+                <a:solidFill>
+                  <a:schemeClr val="accent1"/>
+                </a:solidFill>
+                <a:latin typeface="+mn-lt"/>
                 <a:cs typeface="Arial" panose="020B0604020202020204" pitchFamily="34" charset="0"/>
               </a:rPr>
-              <a:t>isadvantages?</a:t>
+              <a:t>Front-end </a:t>
+            </a:r>
+            <a:r>
+              <a:rPr lang="en-IE" altLang="en-US" dirty="0">
+                <a:latin typeface="+mn-lt"/>
+                <a:cs typeface="Arial" panose="020B0604020202020204" pitchFamily="34" charset="0"/>
+              </a:rPr>
+              <a:t>:</a:t>
+            </a:r>
+            <a:r>
+              <a:rPr lang="en-IE" altLang="en-US" dirty="0" smtClean="0">
+                <a:latin typeface="+mn-lt"/>
+                <a:cs typeface="Arial" panose="020B0604020202020204" pitchFamily="34" charset="0"/>
+              </a:rPr>
+              <a:t> </a:t>
+            </a:r>
+            <a:r>
+              <a:rPr lang="en-IE" altLang="en-US" dirty="0" smtClean="0">
+                <a:latin typeface="+mn-lt"/>
+                <a:cs typeface="Arial" panose="020B0604020202020204" pitchFamily="34" charset="0"/>
+              </a:rPr>
+              <a:t>iOS Application </a:t>
+            </a:r>
+            <a:r>
+              <a:rPr lang="en-IE" altLang="en-US" dirty="0" smtClean="0">
+                <a:latin typeface="+mn-lt"/>
+                <a:cs typeface="Arial" panose="020B0604020202020204" pitchFamily="34" charset="0"/>
+              </a:rPr>
+              <a:t>is built </a:t>
+            </a:r>
+            <a:r>
+              <a:rPr lang="en-IE" altLang="en-US" dirty="0" smtClean="0">
+                <a:latin typeface="+mn-lt"/>
+                <a:cs typeface="Arial" panose="020B0604020202020204" pitchFamily="34" charset="0"/>
+              </a:rPr>
+              <a:t>with Swift 3 using Xcode IDE.</a:t>
             </a:r>
           </a:p>
           <a:p>
@@ -11318,22 +13340,6 @@
             </a:endParaRPr>
           </a:p>
           <a:p>
-            <a:r>
-              <a:rPr lang="en-IE" altLang="en-US" dirty="0">
-                <a:latin typeface="Arial" panose="020B0604020202020204" pitchFamily="34" charset="0"/>
-                <a:cs typeface="Arial" panose="020B0604020202020204" pitchFamily="34" charset="0"/>
-              </a:rPr>
-              <a:t>Opportunities and L</a:t>
-            </a:r>
-            <a:r>
-              <a:rPr lang="en-IE" altLang="en-US" dirty="0" smtClean="0">
-                <a:latin typeface="Arial" panose="020B0604020202020204" pitchFamily="34" charset="0"/>
-                <a:cs typeface="Arial" panose="020B0604020202020204" pitchFamily="34" charset="0"/>
-              </a:rPr>
-              <a:t>imits?</a:t>
-            </a:r>
-          </a:p>
-          <a:p>
             <a:pPr marL="0" indent="0">
               <a:buNone/>
             </a:pPr>
@@ -11343,31 +13349,406 @@
             </a:endParaRPr>
           </a:p>
           <a:p>
-            <a:r>
-              <a:rPr lang="en-IE" altLang="en-US" dirty="0">
-                <a:latin typeface="Arial" panose="020B0604020202020204" pitchFamily="34" charset="0"/>
-                <a:cs typeface="Arial" panose="020B0604020202020204" pitchFamily="34" charset="0"/>
-              </a:rPr>
-              <a:t>Future P</a:t>
-            </a:r>
-            <a:r>
-              <a:rPr lang="en-IE" altLang="en-US" dirty="0" smtClean="0">
-                <a:latin typeface="Arial" panose="020B0604020202020204" pitchFamily="34" charset="0"/>
-                <a:cs typeface="Arial" panose="020B0604020202020204" pitchFamily="34" charset="0"/>
-              </a:rPr>
-              <a:t>erspectives?</a:t>
-            </a:r>
-            <a:endParaRPr lang="en-US" altLang="en-US" dirty="0">
+            <a:pPr marL="0" indent="0">
+              <a:buNone/>
+            </a:pPr>
+            <a:endParaRPr lang="en-IE" altLang="en-US" dirty="0">
               <a:latin typeface="Arial" panose="020B0604020202020204" pitchFamily="34" charset="0"/>
               <a:cs typeface="Arial" panose="020B0604020202020204" pitchFamily="34" charset="0"/>
             </a:endParaRPr>
           </a:p>
+          <a:p>
+            <a:pPr marL="0" indent="0">
+              <a:buNone/>
+            </a:pPr>
+            <a:endParaRPr lang="en-IE" altLang="en-US" dirty="0">
+              <a:latin typeface="Arial" panose="020B0604020202020204" pitchFamily="34" charset="0"/>
+              <a:cs typeface="Arial" panose="020B0604020202020204" pitchFamily="34" charset="0"/>
+            </a:endParaRPr>
+          </a:p>
+          <a:p>
+            <a:pPr marL="0" indent="0">
+              <a:buNone/>
+            </a:pPr>
+            <a:endParaRPr lang="en-IE" altLang="en-US" dirty="0" smtClean="0">
+              <a:latin typeface="Arial" panose="020B0604020202020204" pitchFamily="34" charset="0"/>
+              <a:cs typeface="Arial" panose="020B0604020202020204" pitchFamily="34" charset="0"/>
+            </a:endParaRPr>
+          </a:p>
+          <a:p>
+            <a:pPr marL="0" indent="0">
+              <a:buNone/>
+            </a:pPr>
+            <a:endParaRPr lang="en-IE" altLang="en-US" dirty="0">
+              <a:latin typeface="Arial" panose="020B0604020202020204" pitchFamily="34" charset="0"/>
+              <a:cs typeface="Arial" panose="020B0604020202020204" pitchFamily="34" charset="0"/>
+            </a:endParaRPr>
+          </a:p>
+        </p:txBody>
+      </p:sp>
+      <p:pic>
+        <p:nvPicPr>
+          <p:cNvPr id="2" name="Picture 1"/>
+          <p:cNvPicPr>
+            <a:picLocks noChangeAspect="1"/>
+          </p:cNvPicPr>
+          <p:nvPr/>
+        </p:nvPicPr>
+        <p:blipFill>
+          <a:blip r:embed="rId2">
+            <a:extLst>
+              <a:ext uri="{28A0092B-C50C-407E-A947-70E740481C1C}">
+                <a14:useLocalDpi xmlns:a14="http://schemas.microsoft.com/office/drawing/2010/main" val="0"/>
+              </a:ext>
+            </a:extLst>
+          </a:blip>
+          <a:stretch>
+            <a:fillRect/>
+          </a:stretch>
+        </p:blipFill>
+        <p:spPr>
+          <a:xfrm>
+            <a:off x="1221766" y="2215519"/>
+            <a:ext cx="1768480" cy="1768480"/>
+          </a:xfrm>
+          <a:prstGeom prst="rect">
+            <a:avLst/>
+          </a:prstGeom>
+        </p:spPr>
+      </p:pic>
+      <p:pic>
+        <p:nvPicPr>
+          <p:cNvPr id="10" name="Picture 9"/>
+          <p:cNvPicPr>
+            <a:picLocks noChangeAspect="1"/>
+          </p:cNvPicPr>
+          <p:nvPr/>
+        </p:nvPicPr>
+        <p:blipFill>
+          <a:blip r:embed="rId3">
+            <a:extLst>
+              <a:ext uri="{28A0092B-C50C-407E-A947-70E740481C1C}">
+                <a14:useLocalDpi xmlns:a14="http://schemas.microsoft.com/office/drawing/2010/main" val="0"/>
+              </a:ext>
+            </a:extLst>
+          </a:blip>
+          <a:stretch>
+            <a:fillRect/>
+          </a:stretch>
+        </p:blipFill>
+        <p:spPr>
+          <a:xfrm>
+            <a:off x="1273622" y="4675362"/>
+            <a:ext cx="1488047" cy="1488047"/>
+          </a:xfrm>
+          <a:prstGeom prst="rect">
+            <a:avLst/>
+          </a:prstGeom>
+        </p:spPr>
+      </p:pic>
+      <p:pic>
+        <p:nvPicPr>
+          <p:cNvPr id="3" name="Picture 2"/>
+          <p:cNvPicPr>
+            <a:picLocks noChangeAspect="1"/>
+          </p:cNvPicPr>
+          <p:nvPr/>
+        </p:nvPicPr>
+        <p:blipFill>
+          <a:blip r:embed="rId4">
+            <a:extLst>
+              <a:ext uri="{28A0092B-C50C-407E-A947-70E740481C1C}">
+                <a14:useLocalDpi xmlns:a14="http://schemas.microsoft.com/office/drawing/2010/main" val="0"/>
+              </a:ext>
+            </a:extLst>
+          </a:blip>
+          <a:stretch>
+            <a:fillRect/>
+          </a:stretch>
+        </p:blipFill>
+        <p:spPr>
+          <a:xfrm>
+            <a:off x="3304352" y="2215519"/>
+            <a:ext cx="2440124" cy="1734034"/>
+          </a:xfrm>
+          <a:prstGeom prst="rect">
+            <a:avLst/>
+          </a:prstGeom>
+        </p:spPr>
+      </p:pic>
+      <p:pic>
+        <p:nvPicPr>
+          <p:cNvPr id="12" name="Picture 11"/>
+          <p:cNvPicPr>
+            <a:picLocks noChangeAspect="1"/>
+          </p:cNvPicPr>
+          <p:nvPr/>
+        </p:nvPicPr>
+        <p:blipFill>
+          <a:blip r:embed="rId5">
+            <a:extLst>
+              <a:ext uri="{28A0092B-C50C-407E-A947-70E740481C1C}">
+                <a14:useLocalDpi xmlns:a14="http://schemas.microsoft.com/office/drawing/2010/main" val="0"/>
+              </a:ext>
+            </a:extLst>
+          </a:blip>
+          <a:stretch>
+            <a:fillRect/>
+          </a:stretch>
+        </p:blipFill>
+        <p:spPr>
+          <a:xfrm>
+            <a:off x="6234111" y="2229162"/>
+            <a:ext cx="1894119" cy="1645600"/>
+          </a:xfrm>
+          <a:prstGeom prst="rect">
+            <a:avLst/>
+          </a:prstGeom>
+        </p:spPr>
+      </p:pic>
+      <p:sp>
+        <p:nvSpPr>
+          <p:cNvPr id="13" name="TextBox 12"/>
+          <p:cNvSpPr txBox="1"/>
+          <p:nvPr/>
+        </p:nvSpPr>
+        <p:spPr>
+          <a:xfrm>
+            <a:off x="1518950" y="3987943"/>
+            <a:ext cx="1008609" cy="369332"/>
+          </a:xfrm>
+          <a:prstGeom prst="rect">
+            <a:avLst/>
+          </a:prstGeom>
+          <a:noFill/>
+        </p:spPr>
+        <p:txBody>
+          <a:bodyPr wrap="none" rtlCol="0">
+            <a:spAutoFit/>
+          </a:bodyPr>
+          <a:lstStyle/>
+          <a:p>
+            <a:r>
+              <a:rPr lang="en-US" dirty="0" smtClean="0"/>
+              <a:t>XCODE</a:t>
+            </a:r>
+            <a:endParaRPr lang="en-US" dirty="0"/>
+          </a:p>
+        </p:txBody>
+      </p:sp>
+      <p:sp>
+        <p:nvSpPr>
+          <p:cNvPr id="16" name="TextBox 15"/>
+          <p:cNvSpPr txBox="1"/>
+          <p:nvPr/>
+        </p:nvSpPr>
+        <p:spPr>
+          <a:xfrm>
+            <a:off x="4036139" y="3983999"/>
+            <a:ext cx="976549" cy="369332"/>
+          </a:xfrm>
+          <a:prstGeom prst="rect">
+            <a:avLst/>
+          </a:prstGeom>
+          <a:noFill/>
+        </p:spPr>
+        <p:txBody>
+          <a:bodyPr wrap="none" rtlCol="0">
+            <a:spAutoFit/>
+          </a:bodyPr>
+          <a:lstStyle/>
+          <a:p>
+            <a:r>
+              <a:rPr lang="en-US" dirty="0" smtClean="0"/>
+              <a:t>SWIFT 3</a:t>
+            </a:r>
+            <a:endParaRPr lang="en-US" dirty="0"/>
+          </a:p>
+        </p:txBody>
+      </p:sp>
+      <p:sp>
+        <p:nvSpPr>
+          <p:cNvPr id="17" name="TextBox 16"/>
+          <p:cNvSpPr txBox="1"/>
+          <p:nvPr/>
+        </p:nvSpPr>
+        <p:spPr>
+          <a:xfrm>
+            <a:off x="6790677" y="3983999"/>
+            <a:ext cx="780983" cy="369332"/>
+          </a:xfrm>
+          <a:prstGeom prst="rect">
+            <a:avLst/>
+          </a:prstGeom>
+          <a:noFill/>
+        </p:spPr>
+        <p:txBody>
+          <a:bodyPr wrap="none" rtlCol="0">
+            <a:spAutoFit/>
+          </a:bodyPr>
+          <a:lstStyle/>
+          <a:p>
+            <a:r>
+              <a:rPr lang="en-US" dirty="0" smtClean="0"/>
+              <a:t>JSON</a:t>
+            </a:r>
+            <a:endParaRPr lang="en-US" dirty="0"/>
+          </a:p>
+        </p:txBody>
+      </p:sp>
+      <p:sp>
+        <p:nvSpPr>
+          <p:cNvPr id="18" name="TextBox 17"/>
+          <p:cNvSpPr txBox="1"/>
+          <p:nvPr/>
+        </p:nvSpPr>
+        <p:spPr>
+          <a:xfrm>
+            <a:off x="1518950" y="6307433"/>
+            <a:ext cx="997389" cy="369332"/>
+          </a:xfrm>
+          <a:prstGeom prst="rect">
+            <a:avLst/>
+          </a:prstGeom>
+          <a:noFill/>
+        </p:spPr>
+        <p:txBody>
+          <a:bodyPr wrap="none" rtlCol="0">
+            <a:spAutoFit/>
+          </a:bodyPr>
+          <a:lstStyle/>
+          <a:p>
+            <a:r>
+              <a:rPr lang="en-US" dirty="0" smtClean="0"/>
+              <a:t>MAPKIT</a:t>
+            </a:r>
+            <a:endParaRPr lang="en-US" dirty="0"/>
+          </a:p>
+        </p:txBody>
+      </p:sp>
+      <p:pic>
+        <p:nvPicPr>
+          <p:cNvPr id="14" name="Picture 13"/>
+          <p:cNvPicPr>
+            <a:picLocks noChangeAspect="1"/>
+          </p:cNvPicPr>
+          <p:nvPr/>
+        </p:nvPicPr>
+        <p:blipFill>
+          <a:blip r:embed="rId6">
+            <a:extLst>
+              <a:ext uri="{28A0092B-C50C-407E-A947-70E740481C1C}">
+                <a14:useLocalDpi xmlns:a14="http://schemas.microsoft.com/office/drawing/2010/main" val="0"/>
+              </a:ext>
+            </a:extLst>
+          </a:blip>
+          <a:stretch>
+            <a:fillRect/>
+          </a:stretch>
+        </p:blipFill>
+        <p:spPr>
+          <a:xfrm>
+            <a:off x="3788656" y="4675363"/>
+            <a:ext cx="1530841" cy="1488046"/>
+          </a:xfrm>
+          <a:prstGeom prst="rect">
+            <a:avLst/>
+          </a:prstGeom>
+        </p:spPr>
+      </p:pic>
+      <p:sp>
+        <p:nvSpPr>
+          <p:cNvPr id="20" name="TextBox 19"/>
+          <p:cNvSpPr txBox="1"/>
+          <p:nvPr/>
+        </p:nvSpPr>
+        <p:spPr>
+          <a:xfrm>
+            <a:off x="3676271" y="6307433"/>
+            <a:ext cx="1755609" cy="369332"/>
+          </a:xfrm>
+          <a:prstGeom prst="rect">
+            <a:avLst/>
+          </a:prstGeom>
+          <a:noFill/>
+        </p:spPr>
+        <p:txBody>
+          <a:bodyPr wrap="none" rtlCol="0">
+            <a:spAutoFit/>
+          </a:bodyPr>
+          <a:lstStyle/>
+          <a:p>
+            <a:r>
+              <a:rPr lang="en-US" dirty="0" smtClean="0"/>
+              <a:t>COCOAPODS</a:t>
+            </a:r>
+          </a:p>
+        </p:txBody>
+      </p:sp>
+      <p:pic>
+        <p:nvPicPr>
+          <p:cNvPr id="15" name="Picture 14"/>
+          <p:cNvPicPr>
+            <a:picLocks noChangeAspect="1"/>
+          </p:cNvPicPr>
+          <p:nvPr/>
+        </p:nvPicPr>
+        <p:blipFill>
+          <a:blip r:embed="rId7">
+            <a:extLst>
+              <a:ext uri="{28A0092B-C50C-407E-A947-70E740481C1C}">
+                <a14:useLocalDpi xmlns:a14="http://schemas.microsoft.com/office/drawing/2010/main" val="0"/>
+              </a:ext>
+            </a:extLst>
+          </a:blip>
+          <a:stretch>
+            <a:fillRect/>
+          </a:stretch>
+        </p:blipFill>
+        <p:spPr>
+          <a:xfrm>
+            <a:off x="5921503" y="4535653"/>
+            <a:ext cx="2519333" cy="1679555"/>
+          </a:xfrm>
+          <a:prstGeom prst="rect">
+            <a:avLst/>
+          </a:prstGeom>
+        </p:spPr>
+      </p:pic>
+      <p:sp>
+        <p:nvSpPr>
+          <p:cNvPr id="22" name="TextBox 21"/>
+          <p:cNvSpPr txBox="1"/>
+          <p:nvPr/>
+        </p:nvSpPr>
+        <p:spPr>
+          <a:xfrm>
+            <a:off x="6234111" y="6307433"/>
+            <a:ext cx="2089033" cy="369332"/>
+          </a:xfrm>
+          <a:prstGeom prst="rect">
+            <a:avLst/>
+          </a:prstGeom>
+          <a:noFill/>
+        </p:spPr>
+        <p:txBody>
+          <a:bodyPr wrap="none" rtlCol="0">
+            <a:spAutoFit/>
+          </a:bodyPr>
+          <a:lstStyle/>
+          <a:p>
+            <a:r>
+              <a:rPr lang="en-US" dirty="0" smtClean="0"/>
+              <a:t>CORE LOCATION</a:t>
+            </a:r>
+            <a:endParaRPr lang="en-US" dirty="0"/>
+          </a:p>
         </p:txBody>
       </p:sp>
     </p:spTree>
     <p:extLst>
       <p:ext uri="{BB962C8B-B14F-4D97-AF65-F5344CB8AC3E}">
-        <p14:creationId xmlns:p14="http://schemas.microsoft.com/office/powerpoint/2010/main" val="119886107"/>
+        <p14:creationId xmlns:p14="http://schemas.microsoft.com/office/powerpoint/2010/main" val="1597258432"/>
       </p:ext>
     </p:extLst>
   </p:cSld>
@@ -11403,54 +13784,102 @@
       </p:grpSpPr>
       <p:sp>
         <p:nvSpPr>
-          <p:cNvPr id="2" name="Title 1"/>
-          <p:cNvSpPr>
-            <a:spLocks noGrp="1"/>
+          <p:cNvPr id="7170" name="Rectangle 2"/>
+          <p:cNvSpPr>
+            <a:spLocks noGrp="1" noChangeArrowheads="1"/>
           </p:cNvSpPr>
           <p:nvPr>
             <p:ph type="title"/>
           </p:nvPr>
         </p:nvSpPr>
-        <p:spPr/>
+        <p:spPr>
+          <a:xfrm>
+            <a:off x="877578" y="322216"/>
+            <a:ext cx="7024744" cy="685880"/>
+          </a:xfrm>
+        </p:spPr>
+        <p:txBody>
+          <a:bodyPr>
+            <a:normAutofit fontScale="90000"/>
+          </a:bodyPr>
+          <a:lstStyle/>
+          <a:p>
+            <a:r>
+              <a:rPr lang="en-IE" altLang="en-US" dirty="0" smtClean="0"/>
+              <a:t>System </a:t>
+            </a:r>
+            <a:r>
+              <a:rPr lang="en-IE" altLang="en-US" dirty="0" smtClean="0">
+                <a:solidFill>
+                  <a:schemeClr val="accent1"/>
+                </a:solidFill>
+              </a:rPr>
+              <a:t>(WEB Service)</a:t>
+            </a:r>
+            <a:endParaRPr lang="en-US" altLang="en-US" dirty="0">
+              <a:solidFill>
+                <a:schemeClr val="accent1"/>
+              </a:solidFill>
+            </a:endParaRPr>
+          </a:p>
+        </p:txBody>
+      </p:sp>
+      <p:sp>
+        <p:nvSpPr>
+          <p:cNvPr id="7171" name="Rectangle 3"/>
+          <p:cNvSpPr>
+            <a:spLocks noGrp="1" noChangeArrowheads="1"/>
+          </p:cNvSpPr>
+          <p:nvPr>
+            <p:ph idx="1"/>
+          </p:nvPr>
+        </p:nvSpPr>
+        <p:spPr>
+          <a:xfrm>
+            <a:off x="877578" y="1011527"/>
+            <a:ext cx="6777317" cy="4176464"/>
+          </a:xfrm>
+        </p:spPr>
         <p:txBody>
           <a:bodyPr/>
           <a:lstStyle/>
           <a:p>
-            <a:r>
-              <a:rPr lang="en-US" dirty="0" smtClean="0"/>
-              <a:t>System</a:t>
-            </a:r>
-            <a:endParaRPr lang="en-US" dirty="0"/>
-          </a:p>
-        </p:txBody>
-      </p:sp>
-      <p:sp>
-        <p:nvSpPr>
-          <p:cNvPr id="3" name="Content Placeholder 2"/>
-          <p:cNvSpPr>
-            <a:spLocks noGrp="1"/>
-          </p:cNvSpPr>
-          <p:nvPr>
-            <p:ph idx="1"/>
-          </p:nvPr>
-        </p:nvSpPr>
-        <p:spPr>
-          <a:xfrm>
-            <a:off x="820374" y="1484784"/>
-            <a:ext cx="6711654" cy="4195481"/>
-          </a:xfrm>
-        </p:spPr>
-        <p:txBody>
-          <a:bodyPr/>
-          <a:lstStyle/>
-          <a:p>
-            <a:r>
-              <a:rPr lang="en-IE" altLang="en-US" dirty="0" smtClean="0">
-                <a:latin typeface="Arial" panose="020B0604020202020204" pitchFamily="34" charset="0"/>
+            <a:pPr marL="0" indent="0">
+              <a:buNone/>
+            </a:pPr>
+            <a:r>
+              <a:rPr lang="en-IE" altLang="en-US" sz="2400" dirty="0" smtClean="0">
+                <a:latin typeface="+mn-lt"/>
                 <a:cs typeface="Arial" panose="020B0604020202020204" pitchFamily="34" charset="0"/>
               </a:rPr>
-              <a:t>Architecture (SAP XS Engine)</a:t>
-            </a:r>
+              <a:t>What are the technologies used ?</a:t>
+            </a:r>
+          </a:p>
+          <a:p>
+            <a:pPr marL="0" indent="0">
+              <a:buNone/>
+            </a:pPr>
+            <a:r>
+              <a:rPr lang="en-IE" altLang="en-US" dirty="0" smtClean="0">
+                <a:solidFill>
+                  <a:schemeClr val="accent1"/>
+                </a:solidFill>
+                <a:latin typeface="+mn-lt"/>
+                <a:cs typeface="Arial" panose="020B0604020202020204" pitchFamily="34" charset="0"/>
+              </a:rPr>
+              <a:t>Back-end</a:t>
+            </a:r>
+            <a:r>
+              <a:rPr lang="en-IE" altLang="en-US" dirty="0" smtClean="0">
+                <a:latin typeface="+mn-lt"/>
+                <a:cs typeface="Arial" panose="020B0604020202020204" pitchFamily="34" charset="0"/>
+              </a:rPr>
+              <a:t> : Web service using PHP, CodeIgniter, webhost using Apache server and MySQL database.</a:t>
+            </a:r>
+            <a:endParaRPr lang="en-IE" altLang="en-US" dirty="0" smtClean="0">
+              <a:latin typeface="+mn-lt"/>
+              <a:cs typeface="Arial" panose="020B0604020202020204" pitchFamily="34" charset="0"/>
+            </a:endParaRPr>
           </a:p>
           <a:p>
             <a:pPr marL="0" indent="0">
@@ -11470,11 +13899,47 @@
               <a:cs typeface="Arial" panose="020B0604020202020204" pitchFamily="34" charset="0"/>
             </a:endParaRPr>
           </a:p>
+          <a:p>
+            <a:pPr marL="0" indent="0">
+              <a:buNone/>
+            </a:pPr>
+            <a:endParaRPr lang="en-IE" altLang="en-US" dirty="0">
+              <a:latin typeface="Arial" panose="020B0604020202020204" pitchFamily="34" charset="0"/>
+              <a:cs typeface="Arial" panose="020B0604020202020204" pitchFamily="34" charset="0"/>
+            </a:endParaRPr>
+          </a:p>
+          <a:p>
+            <a:pPr marL="0" indent="0">
+              <a:buNone/>
+            </a:pPr>
+            <a:endParaRPr lang="en-IE" altLang="en-US" dirty="0">
+              <a:latin typeface="Arial" panose="020B0604020202020204" pitchFamily="34" charset="0"/>
+              <a:cs typeface="Arial" panose="020B0604020202020204" pitchFamily="34" charset="0"/>
+            </a:endParaRPr>
+          </a:p>
+          <a:p>
+            <a:pPr marL="0" indent="0">
+              <a:buNone/>
+            </a:pPr>
+            <a:endParaRPr lang="en-IE" altLang="en-US" dirty="0" smtClean="0">
+              <a:latin typeface="Arial" panose="020B0604020202020204" pitchFamily="34" charset="0"/>
+              <a:cs typeface="Arial" panose="020B0604020202020204" pitchFamily="34" charset="0"/>
+            </a:endParaRPr>
+          </a:p>
+          <a:p>
+            <a:pPr marL="0" indent="0">
+              <a:buNone/>
+            </a:pPr>
+            <a:endParaRPr lang="en-IE" altLang="en-US" dirty="0">
+              <a:latin typeface="Arial" panose="020B0604020202020204" pitchFamily="34" charset="0"/>
+              <a:cs typeface="Arial" panose="020B0604020202020204" pitchFamily="34" charset="0"/>
+            </a:endParaRPr>
+          </a:p>
         </p:txBody>
       </p:sp>
       <p:pic>
         <p:nvPicPr>
-          <p:cNvPr id="4" name="Picture 3"/>
+          <p:cNvPr id="12" name="Picture 11"/>
           <p:cNvPicPr>
             <a:picLocks noChangeAspect="1"/>
           </p:cNvPicPr>
@@ -11494,8 +13959,338 @@
         </p:blipFill>
         <p:spPr>
           <a:xfrm>
-            <a:off x="881718" y="2132856"/>
-            <a:ext cx="6658372" cy="3810971"/>
+            <a:off x="6454628" y="2248037"/>
+            <a:ext cx="1894119" cy="1645600"/>
+          </a:xfrm>
+          <a:prstGeom prst="rect">
+            <a:avLst/>
+          </a:prstGeom>
+        </p:spPr>
+      </p:pic>
+      <p:sp>
+        <p:nvSpPr>
+          <p:cNvPr id="13" name="TextBox 12"/>
+          <p:cNvSpPr txBox="1"/>
+          <p:nvPr/>
+        </p:nvSpPr>
+        <p:spPr>
+          <a:xfrm>
+            <a:off x="1609251" y="4014359"/>
+            <a:ext cx="614271" cy="369332"/>
+          </a:xfrm>
+          <a:prstGeom prst="rect">
+            <a:avLst/>
+          </a:prstGeom>
+          <a:noFill/>
+        </p:spPr>
+        <p:txBody>
+          <a:bodyPr wrap="none" rtlCol="0">
+            <a:spAutoFit/>
+          </a:bodyPr>
+          <a:lstStyle/>
+          <a:p>
+            <a:r>
+              <a:rPr lang="en-US" dirty="0" smtClean="0"/>
+              <a:t>PHP</a:t>
+            </a:r>
+            <a:endParaRPr lang="en-US" dirty="0"/>
+          </a:p>
+        </p:txBody>
+      </p:sp>
+      <p:sp>
+        <p:nvSpPr>
+          <p:cNvPr id="16" name="TextBox 15"/>
+          <p:cNvSpPr txBox="1"/>
+          <p:nvPr/>
+        </p:nvSpPr>
+        <p:spPr>
+          <a:xfrm>
+            <a:off x="3841954" y="4014359"/>
+            <a:ext cx="1526380" cy="369332"/>
+          </a:xfrm>
+          <a:prstGeom prst="rect">
+            <a:avLst/>
+          </a:prstGeom>
+          <a:noFill/>
+        </p:spPr>
+        <p:txBody>
+          <a:bodyPr wrap="none" rtlCol="0">
+            <a:spAutoFit/>
+          </a:bodyPr>
+          <a:lstStyle/>
+          <a:p>
+            <a:r>
+              <a:rPr lang="en-US" smtClean="0"/>
+              <a:t>CodeIgniter</a:t>
+            </a:r>
+            <a:endParaRPr lang="en-US" dirty="0"/>
+          </a:p>
+        </p:txBody>
+      </p:sp>
+      <p:sp>
+        <p:nvSpPr>
+          <p:cNvPr id="17" name="TextBox 16"/>
+          <p:cNvSpPr txBox="1"/>
+          <p:nvPr/>
+        </p:nvSpPr>
+        <p:spPr>
+          <a:xfrm>
+            <a:off x="6964861" y="4014359"/>
+            <a:ext cx="780983" cy="369332"/>
+          </a:xfrm>
+          <a:prstGeom prst="rect">
+            <a:avLst/>
+          </a:prstGeom>
+          <a:noFill/>
+        </p:spPr>
+        <p:txBody>
+          <a:bodyPr wrap="none" rtlCol="0">
+            <a:spAutoFit/>
+          </a:bodyPr>
+          <a:lstStyle/>
+          <a:p>
+            <a:r>
+              <a:rPr lang="en-US" dirty="0" smtClean="0"/>
+              <a:t>JSON</a:t>
+            </a:r>
+            <a:endParaRPr lang="en-US" dirty="0"/>
+          </a:p>
+        </p:txBody>
+      </p:sp>
+      <p:sp>
+        <p:nvSpPr>
+          <p:cNvPr id="18" name="TextBox 17"/>
+          <p:cNvSpPr txBox="1"/>
+          <p:nvPr/>
+        </p:nvSpPr>
+        <p:spPr>
+          <a:xfrm>
+            <a:off x="1518950" y="6307433"/>
+            <a:ext cx="942887" cy="369332"/>
+          </a:xfrm>
+          <a:prstGeom prst="rect">
+            <a:avLst/>
+          </a:prstGeom>
+          <a:noFill/>
+        </p:spPr>
+        <p:txBody>
+          <a:bodyPr wrap="none" rtlCol="0">
+            <a:spAutoFit/>
+          </a:bodyPr>
+          <a:lstStyle/>
+          <a:p>
+            <a:r>
+              <a:rPr lang="en-US" dirty="0" smtClean="0"/>
+              <a:t>MySQL</a:t>
+            </a:r>
+            <a:endParaRPr lang="en-US" dirty="0"/>
+          </a:p>
+        </p:txBody>
+      </p:sp>
+      <p:sp>
+        <p:nvSpPr>
+          <p:cNvPr id="20" name="TextBox 19"/>
+          <p:cNvSpPr txBox="1"/>
+          <p:nvPr/>
+        </p:nvSpPr>
+        <p:spPr>
+          <a:xfrm>
+            <a:off x="3761804" y="6307433"/>
+            <a:ext cx="1686680" cy="369332"/>
+          </a:xfrm>
+          <a:prstGeom prst="rect">
+            <a:avLst/>
+          </a:prstGeom>
+          <a:noFill/>
+        </p:spPr>
+        <p:txBody>
+          <a:bodyPr wrap="none" rtlCol="0">
+            <a:spAutoFit/>
+          </a:bodyPr>
+          <a:lstStyle/>
+          <a:p>
+            <a:r>
+              <a:rPr lang="en-US" dirty="0" smtClean="0"/>
+              <a:t>000 Web host</a:t>
+            </a:r>
+            <a:endParaRPr lang="en-US" dirty="0" smtClean="0"/>
+          </a:p>
+        </p:txBody>
+      </p:sp>
+      <p:sp>
+        <p:nvSpPr>
+          <p:cNvPr id="22" name="TextBox 21"/>
+          <p:cNvSpPr txBox="1"/>
+          <p:nvPr/>
+        </p:nvSpPr>
+        <p:spPr>
+          <a:xfrm>
+            <a:off x="6454628" y="6307433"/>
+            <a:ext cx="1709122" cy="369332"/>
+          </a:xfrm>
+          <a:prstGeom prst="rect">
+            <a:avLst/>
+          </a:prstGeom>
+          <a:noFill/>
+        </p:spPr>
+        <p:txBody>
+          <a:bodyPr wrap="none" rtlCol="0">
+            <a:spAutoFit/>
+          </a:bodyPr>
+          <a:lstStyle/>
+          <a:p>
+            <a:r>
+              <a:rPr lang="en-US" smtClean="0"/>
+              <a:t>phpMyAdmin</a:t>
+            </a:r>
+            <a:endParaRPr lang="en-US" dirty="0"/>
+          </a:p>
+        </p:txBody>
+      </p:sp>
+      <p:pic>
+        <p:nvPicPr>
+          <p:cNvPr id="4" name="Picture 3"/>
+          <p:cNvPicPr>
+            <a:picLocks noChangeAspect="1"/>
+          </p:cNvPicPr>
+          <p:nvPr/>
+        </p:nvPicPr>
+        <p:blipFill>
+          <a:blip r:embed="rId3">
+            <a:extLst>
+              <a:ext uri="{28A0092B-C50C-407E-A947-70E740481C1C}">
+                <a14:useLocalDpi xmlns:a14="http://schemas.microsoft.com/office/drawing/2010/main" val="0"/>
+              </a:ext>
+            </a:extLst>
+          </a:blip>
+          <a:stretch>
+            <a:fillRect/>
+          </a:stretch>
+        </p:blipFill>
+        <p:spPr>
+          <a:xfrm>
+            <a:off x="1124962" y="2355933"/>
+            <a:ext cx="1595367" cy="1595367"/>
+          </a:xfrm>
+          <a:prstGeom prst="rect">
+            <a:avLst/>
+          </a:prstGeom>
+        </p:spPr>
+      </p:pic>
+      <p:pic>
+        <p:nvPicPr>
+          <p:cNvPr id="6" name="Picture 5"/>
+          <p:cNvPicPr>
+            <a:picLocks noChangeAspect="1"/>
+          </p:cNvPicPr>
+          <p:nvPr/>
+        </p:nvPicPr>
+        <p:blipFill>
+          <a:blip r:embed="rId4">
+            <a:extLst>
+              <a:ext uri="{28A0092B-C50C-407E-A947-70E740481C1C}">
+                <a14:useLocalDpi xmlns:a14="http://schemas.microsoft.com/office/drawing/2010/main" val="0"/>
+              </a:ext>
+            </a:extLst>
+          </a:blip>
+          <a:stretch>
+            <a:fillRect/>
+          </a:stretch>
+        </p:blipFill>
+        <p:spPr>
+          <a:xfrm>
+            <a:off x="1188216" y="4516713"/>
+            <a:ext cx="1717434" cy="1717434"/>
+          </a:xfrm>
+          <a:prstGeom prst="rect">
+            <a:avLst/>
+          </a:prstGeom>
+        </p:spPr>
+      </p:pic>
+      <p:pic>
+        <p:nvPicPr>
+          <p:cNvPr id="8" name="Picture 7"/>
+          <p:cNvPicPr>
+            <a:picLocks noChangeAspect="1"/>
+          </p:cNvPicPr>
+          <p:nvPr/>
+        </p:nvPicPr>
+        <p:blipFill>
+          <a:blip r:embed="rId5">
+            <a:extLst>
+              <a:ext uri="{28A0092B-C50C-407E-A947-70E740481C1C}">
+                <a14:useLocalDpi xmlns:a14="http://schemas.microsoft.com/office/drawing/2010/main" val="0"/>
+              </a:ext>
+            </a:extLst>
+          </a:blip>
+          <a:stretch>
+            <a:fillRect/>
+          </a:stretch>
+        </p:blipFill>
+        <p:spPr>
+          <a:xfrm>
+            <a:off x="2967756" y="2193932"/>
+            <a:ext cx="3274776" cy="2005093"/>
+          </a:xfrm>
+          <a:prstGeom prst="rect">
+            <a:avLst/>
+          </a:prstGeom>
+        </p:spPr>
+      </p:pic>
+      <p:pic>
+        <p:nvPicPr>
+          <p:cNvPr id="9" name="Picture 8"/>
+          <p:cNvPicPr>
+            <a:picLocks noChangeAspect="1"/>
+          </p:cNvPicPr>
+          <p:nvPr/>
+        </p:nvPicPr>
+        <p:blipFill>
+          <a:blip r:embed="rId6" cstate="print">
+            <a:extLst>
+              <a:ext uri="{28A0092B-C50C-407E-A947-70E740481C1C}">
+                <a14:useLocalDpi xmlns:a14="http://schemas.microsoft.com/office/drawing/2010/main" val="0"/>
+              </a:ext>
+            </a:extLst>
+          </a:blip>
+          <a:stretch>
+            <a:fillRect/>
+          </a:stretch>
+        </p:blipFill>
+        <p:spPr>
+          <a:xfrm>
+            <a:off x="3676271" y="4770257"/>
+            <a:ext cx="1751535" cy="1364966"/>
+          </a:xfrm>
+          <a:prstGeom prst="rect">
+            <a:avLst/>
+          </a:prstGeom>
+        </p:spPr>
+      </p:pic>
+      <p:pic>
+        <p:nvPicPr>
+          <p:cNvPr id="11" name="Picture 10"/>
+          <p:cNvPicPr>
+            <a:picLocks noChangeAspect="1"/>
+          </p:cNvPicPr>
+          <p:nvPr/>
+        </p:nvPicPr>
+        <p:blipFill>
+          <a:blip r:embed="rId7">
+            <a:extLst>
+              <a:ext uri="{28A0092B-C50C-407E-A947-70E740481C1C}">
+                <a14:useLocalDpi xmlns:a14="http://schemas.microsoft.com/office/drawing/2010/main" val="0"/>
+              </a:ext>
+            </a:extLst>
+          </a:blip>
+          <a:stretch>
+            <a:fillRect/>
+          </a:stretch>
+        </p:blipFill>
+        <p:spPr>
+          <a:xfrm>
+            <a:off x="5692774" y="4671334"/>
+            <a:ext cx="2976787" cy="1562813"/>
           </a:xfrm>
           <a:prstGeom prst="rect">
             <a:avLst/>
@@ -11505,7 +14300,7 @@
     </p:spTree>
     <p:extLst>
       <p:ext uri="{BB962C8B-B14F-4D97-AF65-F5344CB8AC3E}">
-        <p14:creationId xmlns:p14="http://schemas.microsoft.com/office/powerpoint/2010/main" val="69957573"/>
+        <p14:creationId xmlns:p14="http://schemas.microsoft.com/office/powerpoint/2010/main" val="1911297909"/>
       </p:ext>
     </p:extLst>
   </p:cSld>
